--- a/doc/three-tier-architecture-examples/crest-infosolutions-cloudmeet-architecture-diagram.pptx
+++ b/doc/three-tier-architecture-examples/crest-infosolutions-cloudmeet-architecture-diagram.pptx
@@ -1,27 +1,20 @@
 
 <file path=ppt/presentation.xml><?xml version="1.0" encoding="utf-8"?>
-<p:presentation xmlns:a="http://schemas.openxmlformats.org/drawingml/2006/main" xmlns:r="http://schemas.openxmlformats.org/officeDocument/2006/relationships" xmlns:p="http://schemas.openxmlformats.org/presentationml/2006/main" saveSubsetFonts="1" autoCompressPictures="0">
+<p:presentation xmlns:a="http://schemas.openxmlformats.org/drawingml/2006/main" xmlns:r="http://schemas.openxmlformats.org/officeDocument/2006/relationships" xmlns:p="http://schemas.openxmlformats.org/presentationml/2006/main" saveSubsetFonts="1">
   <p:sldMasterIdLst>
-    <p:sldMasterId id="2147483692" r:id="rId1"/>
-    <p:sldMasterId id="2147483698" r:id="rId2"/>
+    <p:sldMasterId id="2147483660" r:id="rId1"/>
   </p:sldMasterIdLst>
-  <p:notesMasterIdLst>
-    <p:notesMasterId r:id="rId4"/>
-  </p:notesMasterIdLst>
-  <p:handoutMasterIdLst>
-    <p:handoutMasterId r:id="rId5"/>
-  </p:handoutMasterIdLst>
   <p:sldIdLst>
-    <p:sldId id="261" r:id="rId3"/>
+    <p:sldId id="256" r:id="rId2"/>
   </p:sldIdLst>
-  <p:sldSz cx="16459200" cy="10972800"/>
+  <p:sldSz cx="21945600" cy="14630400"/>
   <p:notesSz cx="6858000" cy="9144000"/>
   <p:defaultTextStyle>
     <a:defPPr>
       <a:defRPr lang="en-US"/>
     </a:defPPr>
-    <a:lvl1pPr marL="0" algn="l" defTabSz="1316651" rtl="0" eaLnBrk="1" latinLnBrk="0" hangingPunct="1">
-      <a:defRPr sz="2592" kern="1200">
+    <a:lvl1pPr marL="0" algn="l" defTabSz="457200" rtl="0" eaLnBrk="1" latinLnBrk="0" hangingPunct="1">
+      <a:defRPr sz="1800" kern="1200">
         <a:solidFill>
           <a:schemeClr val="tx1"/>
         </a:solidFill>
@@ -30,8 +23,8 @@
         <a:cs typeface="+mn-cs"/>
       </a:defRPr>
     </a:lvl1pPr>
-    <a:lvl2pPr marL="658326" algn="l" defTabSz="1316651" rtl="0" eaLnBrk="1" latinLnBrk="0" hangingPunct="1">
-      <a:defRPr sz="2592" kern="1200">
+    <a:lvl2pPr marL="457200" algn="l" defTabSz="457200" rtl="0" eaLnBrk="1" latinLnBrk="0" hangingPunct="1">
+      <a:defRPr sz="1800" kern="1200">
         <a:solidFill>
           <a:schemeClr val="tx1"/>
         </a:solidFill>
@@ -40,8 +33,8 @@
         <a:cs typeface="+mn-cs"/>
       </a:defRPr>
     </a:lvl2pPr>
-    <a:lvl3pPr marL="1316651" algn="l" defTabSz="1316651" rtl="0" eaLnBrk="1" latinLnBrk="0" hangingPunct="1">
-      <a:defRPr sz="2592" kern="1200">
+    <a:lvl3pPr marL="914400" algn="l" defTabSz="457200" rtl="0" eaLnBrk="1" latinLnBrk="0" hangingPunct="1">
+      <a:defRPr sz="1800" kern="1200">
         <a:solidFill>
           <a:schemeClr val="tx1"/>
         </a:solidFill>
@@ -50,8 +43,8 @@
         <a:cs typeface="+mn-cs"/>
       </a:defRPr>
     </a:lvl3pPr>
-    <a:lvl4pPr marL="1974977" algn="l" defTabSz="1316651" rtl="0" eaLnBrk="1" latinLnBrk="0" hangingPunct="1">
-      <a:defRPr sz="2592" kern="1200">
+    <a:lvl4pPr marL="1371600" algn="l" defTabSz="457200" rtl="0" eaLnBrk="1" latinLnBrk="0" hangingPunct="1">
+      <a:defRPr sz="1800" kern="1200">
         <a:solidFill>
           <a:schemeClr val="tx1"/>
         </a:solidFill>
@@ -60,8 +53,8 @@
         <a:cs typeface="+mn-cs"/>
       </a:defRPr>
     </a:lvl4pPr>
-    <a:lvl5pPr marL="2633304" algn="l" defTabSz="1316651" rtl="0" eaLnBrk="1" latinLnBrk="0" hangingPunct="1">
-      <a:defRPr sz="2592" kern="1200">
+    <a:lvl5pPr marL="1828800" algn="l" defTabSz="457200" rtl="0" eaLnBrk="1" latinLnBrk="0" hangingPunct="1">
+      <a:defRPr sz="1800" kern="1200">
         <a:solidFill>
           <a:schemeClr val="tx1"/>
         </a:solidFill>
@@ -70,8 +63,8 @@
         <a:cs typeface="+mn-cs"/>
       </a:defRPr>
     </a:lvl5pPr>
-    <a:lvl6pPr marL="3291630" algn="l" defTabSz="1316651" rtl="0" eaLnBrk="1" latinLnBrk="0" hangingPunct="1">
-      <a:defRPr sz="2592" kern="1200">
+    <a:lvl6pPr marL="2286000" algn="l" defTabSz="457200" rtl="0" eaLnBrk="1" latinLnBrk="0" hangingPunct="1">
+      <a:defRPr sz="1800" kern="1200">
         <a:solidFill>
           <a:schemeClr val="tx1"/>
         </a:solidFill>
@@ -80,8 +73,8 @@
         <a:cs typeface="+mn-cs"/>
       </a:defRPr>
     </a:lvl6pPr>
-    <a:lvl7pPr marL="3949955" algn="l" defTabSz="1316651" rtl="0" eaLnBrk="1" latinLnBrk="0" hangingPunct="1">
-      <a:defRPr sz="2592" kern="1200">
+    <a:lvl7pPr marL="2743200" algn="l" defTabSz="457200" rtl="0" eaLnBrk="1" latinLnBrk="0" hangingPunct="1">
+      <a:defRPr sz="1800" kern="1200">
         <a:solidFill>
           <a:schemeClr val="tx1"/>
         </a:solidFill>
@@ -90,8 +83,8 @@
         <a:cs typeface="+mn-cs"/>
       </a:defRPr>
     </a:lvl7pPr>
-    <a:lvl8pPr marL="4608281" algn="l" defTabSz="1316651" rtl="0" eaLnBrk="1" latinLnBrk="0" hangingPunct="1">
-      <a:defRPr sz="2592" kern="1200">
+    <a:lvl8pPr marL="3200400" algn="l" defTabSz="457200" rtl="0" eaLnBrk="1" latinLnBrk="0" hangingPunct="1">
+      <a:defRPr sz="1800" kern="1200">
         <a:solidFill>
           <a:schemeClr val="tx1"/>
         </a:solidFill>
@@ -100,8 +93,8 @@
         <a:cs typeface="+mn-cs"/>
       </a:defRPr>
     </a:lvl8pPr>
-    <a:lvl9pPr marL="5266607" algn="l" defTabSz="1316651" rtl="0" eaLnBrk="1" latinLnBrk="0" hangingPunct="1">
-      <a:defRPr sz="2592" kern="1200">
+    <a:lvl9pPr marL="3657600" algn="l" defTabSz="457200" rtl="0" eaLnBrk="1" latinLnBrk="0" hangingPunct="1">
+      <a:defRPr sz="1800" kern="1200">
         <a:solidFill>
           <a:schemeClr val="tx1"/>
         </a:solidFill>
@@ -111,33 +104,12 @@
       </a:defRPr>
     </a:lvl9pPr>
   </p:defaultTextStyle>
-  <p:extLst>
-    <p:ext uri="{EFAFB233-063F-42B5-8137-9DF3F51BA10A}">
-      <p15:sldGuideLst xmlns:p15="http://schemas.microsoft.com/office/powerpoint/2012/main">
-        <p15:guide id="2" pos="32" userDrawn="1">
-          <p15:clr>
-            <a:srgbClr val="A4A3A4"/>
-          </p15:clr>
-        </p15:guide>
-        <p15:guide id="3" orient="horz" pos="3456" userDrawn="1">
-          <p15:clr>
-            <a:srgbClr val="A4A3A4"/>
-          </p15:clr>
-        </p15:guide>
-      </p15:sldGuideLst>
-    </p:ext>
-  </p:extLst>
 </p:presentation>
 </file>
 
-<file path=ppt/handoutMasters/handoutMaster1.xml><?xml version="1.0" encoding="utf-8"?>
-<p:handoutMaster xmlns:a="http://schemas.openxmlformats.org/drawingml/2006/main" xmlns:r="http://schemas.openxmlformats.org/officeDocument/2006/relationships" xmlns:p="http://schemas.openxmlformats.org/presentationml/2006/main">
-  <p:cSld>
-    <p:bg>
-      <p:bgRef idx="1001">
-        <a:schemeClr val="bg1"/>
-      </p:bgRef>
-    </p:bg>
+<file path=ppt/slideLayouts/slideLayout1.xml><?xml version="1.0" encoding="utf-8"?>
+<p:sldLayout xmlns:a="http://schemas.openxmlformats.org/drawingml/2006/main" xmlns:r="http://schemas.openxmlformats.org/officeDocument/2006/relationships" xmlns:p="http://schemas.openxmlformats.org/presentationml/2006/main" type="title" preserve="1">
+  <p:cSld name="Title Slide">
     <p:spTree>
       <p:nvGrpSpPr>
         <p:cNvPr id="1" name=""/>
@@ -154,179 +126,182 @@
       </p:grpSpPr>
       <p:sp>
         <p:nvSpPr>
-          <p:cNvPr id="2" name="Header Placeholder 1">
-            <a:extLst>
-              <a:ext uri="{FF2B5EF4-FFF2-40B4-BE49-F238E27FC236}">
-                <a16:creationId xmlns:a16="http://schemas.microsoft.com/office/drawing/2014/main" id="{929945AD-C4E7-8D4E-B52E-03FA0662118A}"/>
-              </a:ext>
-            </a:extLst>
-          </p:cNvPr>
+          <p:cNvPr id="2" name="Title 1"/>
           <p:cNvSpPr>
             <a:spLocks noGrp="1"/>
           </p:cNvSpPr>
           <p:nvPr>
-            <p:ph type="hdr" sz="quarter"/>
+            <p:ph type="ctrTitle"/>
           </p:nvPr>
         </p:nvSpPr>
         <p:spPr>
           <a:xfrm>
-            <a:off x="0" y="0"/>
-            <a:ext cx="2971800" cy="458788"/>
+            <a:off x="1645920" y="2394374"/>
+            <a:ext cx="18653760" cy="5093547"/>
           </a:xfrm>
-          <a:prstGeom prst="rect">
-            <a:avLst/>
-          </a:prstGeom>
         </p:spPr>
         <p:txBody>
-          <a:bodyPr vert="horz" lIns="91440" tIns="45720" rIns="91440" bIns="45720" rtlCol="0"/>
+          <a:bodyPr anchor="b"/>
           <a:lstStyle>
-            <a:lvl1pPr algn="l">
-              <a:defRPr sz="1200"/>
+            <a:lvl1pPr algn="ctr">
+              <a:defRPr sz="12800"/>
             </a:lvl1pPr>
           </a:lstStyle>
           <a:p>
+            <a:r>
+              <a:rPr lang="en-US"/>
+              <a:t>Click to edit Master title style</a:t>
+            </a:r>
             <a:endParaRPr lang="en-US" dirty="0"/>
           </a:p>
         </p:txBody>
       </p:sp>
       <p:sp>
         <p:nvSpPr>
-          <p:cNvPr id="3" name="Date Placeholder 2">
-            <a:extLst>
-              <a:ext uri="{FF2B5EF4-FFF2-40B4-BE49-F238E27FC236}">
-                <a16:creationId xmlns:a16="http://schemas.microsoft.com/office/drawing/2014/main" id="{48277B07-F9D1-AA40-BBCF-775E74D42B5C}"/>
-              </a:ext>
-            </a:extLst>
-          </p:cNvPr>
+          <p:cNvPr id="3" name="Subtitle 2"/>
           <p:cNvSpPr>
             <a:spLocks noGrp="1"/>
           </p:cNvSpPr>
           <p:nvPr>
-            <p:ph type="dt" sz="quarter" idx="1"/>
+            <p:ph type="subTitle" idx="1"/>
           </p:nvPr>
         </p:nvSpPr>
         <p:spPr>
           <a:xfrm>
-            <a:off x="3884613" y="0"/>
-            <a:ext cx="2971800" cy="458788"/>
+            <a:off x="2743200" y="7684348"/>
+            <a:ext cx="16459200" cy="3532292"/>
           </a:xfrm>
-          <a:prstGeom prst="rect">
-            <a:avLst/>
-          </a:prstGeom>
         </p:spPr>
         <p:txBody>
-          <a:bodyPr vert="horz" lIns="91440" tIns="45720" rIns="91440" bIns="45720" rtlCol="0"/>
+          <a:bodyPr/>
           <a:lstStyle>
-            <a:lvl1pPr algn="r">
-              <a:defRPr sz="1200"/>
+            <a:lvl1pPr marL="0" indent="0" algn="ctr">
+              <a:buNone/>
+              <a:defRPr sz="5120"/>
             </a:lvl1pPr>
+            <a:lvl2pPr marL="975345" indent="0" algn="ctr">
+              <a:buNone/>
+              <a:defRPr sz="4267"/>
+            </a:lvl2pPr>
+            <a:lvl3pPr marL="1950690" indent="0" algn="ctr">
+              <a:buNone/>
+              <a:defRPr sz="3840"/>
+            </a:lvl3pPr>
+            <a:lvl4pPr marL="2926034" indent="0" algn="ctr">
+              <a:buNone/>
+              <a:defRPr sz="3413"/>
+            </a:lvl4pPr>
+            <a:lvl5pPr marL="3901379" indent="0" algn="ctr">
+              <a:buNone/>
+              <a:defRPr sz="3413"/>
+            </a:lvl5pPr>
+            <a:lvl6pPr marL="4876724" indent="0" algn="ctr">
+              <a:buNone/>
+              <a:defRPr sz="3413"/>
+            </a:lvl6pPr>
+            <a:lvl7pPr marL="5852069" indent="0" algn="ctr">
+              <a:buNone/>
+              <a:defRPr sz="3413"/>
+            </a:lvl7pPr>
+            <a:lvl8pPr marL="6827413" indent="0" algn="ctr">
+              <a:buNone/>
+              <a:defRPr sz="3413"/>
+            </a:lvl8pPr>
+            <a:lvl9pPr marL="7802758" indent="0" algn="ctr">
+              <a:buNone/>
+              <a:defRPr sz="3413"/>
+            </a:lvl9pPr>
           </a:lstStyle>
           <a:p>
-            <a:fld id="{49A7721D-1176-A640-AC48-B82F78C92D56}" type="datetimeFigureOut">
-              <a:rPr lang="en-US" smtClean="0"/>
-              <a:t>6/30/2022</a:t>
-            </a:fld>
+            <a:r>
+              <a:rPr lang="en-US"/>
+              <a:t>Click to edit Master subtitle style</a:t>
+            </a:r>
             <a:endParaRPr lang="en-US" dirty="0"/>
           </a:p>
         </p:txBody>
       </p:sp>
       <p:sp>
         <p:nvSpPr>
-          <p:cNvPr id="4" name="Footer Placeholder 3">
-            <a:extLst>
-              <a:ext uri="{FF2B5EF4-FFF2-40B4-BE49-F238E27FC236}">
-                <a16:creationId xmlns:a16="http://schemas.microsoft.com/office/drawing/2014/main" id="{1E1529E1-8FBF-B44D-9125-5A6D2BEFA6E9}"/>
-              </a:ext>
-            </a:extLst>
-          </p:cNvPr>
+          <p:cNvPr id="4" name="Date Placeholder 3"/>
           <p:cNvSpPr>
             <a:spLocks noGrp="1"/>
           </p:cNvSpPr>
           <p:nvPr>
-            <p:ph type="ftr" sz="quarter" idx="2"/>
+            <p:ph type="dt" sz="half" idx="10"/>
           </p:nvPr>
         </p:nvSpPr>
-        <p:spPr>
-          <a:xfrm>
-            <a:off x="0" y="8685213"/>
-            <a:ext cx="2971800" cy="458787"/>
-          </a:xfrm>
-          <a:prstGeom prst="rect">
-            <a:avLst/>
-          </a:prstGeom>
-        </p:spPr>
-        <p:txBody>
-          <a:bodyPr vert="horz" lIns="91440" tIns="45720" rIns="91440" bIns="45720" rtlCol="0" anchor="b"/>
-          <a:lstStyle>
-            <a:lvl1pPr algn="l">
-              <a:defRPr sz="1200"/>
-            </a:lvl1pPr>
-          </a:lstStyle>
-          <a:p>
-            <a:endParaRPr lang="en-US" dirty="0"/>
-          </a:p>
-        </p:txBody>
-      </p:sp>
-      <p:sp>
-        <p:nvSpPr>
-          <p:cNvPr id="5" name="Slide Number Placeholder 4">
-            <a:extLst>
-              <a:ext uri="{FF2B5EF4-FFF2-40B4-BE49-F238E27FC236}">
-                <a16:creationId xmlns:a16="http://schemas.microsoft.com/office/drawing/2014/main" id="{A774B474-30DF-AA46-8E95-0F42A4552086}"/>
-              </a:ext>
-            </a:extLst>
-          </p:cNvPr>
+        <p:spPr/>
+        <p:txBody>
+          <a:bodyPr/>
+          <a:lstStyle/>
+          <a:p>
+            <a:fld id="{F6A2EF35-641B-46A1-97AC-E15394141053}" type="datetimeFigureOut">
+              <a:rPr lang="en-US" smtClean="0"/>
+              <a:t>7/11/2022</a:t>
+            </a:fld>
+            <a:endParaRPr lang="en-US"/>
+          </a:p>
+        </p:txBody>
+      </p:sp>
+      <p:sp>
+        <p:nvSpPr>
+          <p:cNvPr id="5" name="Footer Placeholder 4"/>
           <p:cNvSpPr>
             <a:spLocks noGrp="1"/>
           </p:cNvSpPr>
           <p:nvPr>
-            <p:ph type="sldNum" sz="quarter" idx="3"/>
+            <p:ph type="ftr" sz="quarter" idx="11"/>
           </p:nvPr>
         </p:nvSpPr>
-        <p:spPr>
-          <a:xfrm>
-            <a:off x="3884613" y="8685213"/>
-            <a:ext cx="2971800" cy="458787"/>
-          </a:xfrm>
-          <a:prstGeom prst="rect">
-            <a:avLst/>
-          </a:prstGeom>
-        </p:spPr>
-        <p:txBody>
-          <a:bodyPr vert="horz" lIns="91440" tIns="45720" rIns="91440" bIns="45720" rtlCol="0" anchor="b"/>
-          <a:lstStyle>
-            <a:lvl1pPr algn="r">
-              <a:defRPr sz="1200"/>
-            </a:lvl1pPr>
-          </a:lstStyle>
-          <a:p>
-            <a:fld id="{1D3BAB59-14AE-9844-B034-10FDF6484A79}" type="slidenum">
+        <p:spPr/>
+        <p:txBody>
+          <a:bodyPr/>
+          <a:lstStyle/>
+          <a:p>
+            <a:endParaRPr lang="en-US"/>
+          </a:p>
+        </p:txBody>
+      </p:sp>
+      <p:sp>
+        <p:nvSpPr>
+          <p:cNvPr id="6" name="Slide Number Placeholder 5"/>
+          <p:cNvSpPr>
+            <a:spLocks noGrp="1"/>
+          </p:cNvSpPr>
+          <p:nvPr>
+            <p:ph type="sldNum" sz="quarter" idx="12"/>
+          </p:nvPr>
+        </p:nvSpPr>
+        <p:spPr/>
+        <p:txBody>
+          <a:bodyPr/>
+          <a:lstStyle/>
+          <a:p>
+            <a:fld id="{A8C3D6C9-242B-4A8D-A3F5-CC148C3D1DA6}" type="slidenum">
               <a:rPr lang="en-US" smtClean="0"/>
               <a:t>‹#›</a:t>
             </a:fld>
-            <a:endParaRPr lang="en-US" dirty="0"/>
+            <a:endParaRPr lang="en-US"/>
           </a:p>
         </p:txBody>
       </p:sp>
     </p:spTree>
     <p:extLst>
       <p:ext uri="{BB962C8B-B14F-4D97-AF65-F5344CB8AC3E}">
-        <p14:creationId xmlns:p14="http://schemas.microsoft.com/office/powerpoint/2010/main" val="865896576"/>
+        <p14:creationId xmlns:p14="http://schemas.microsoft.com/office/powerpoint/2010/main" val="1600095352"/>
       </p:ext>
     </p:extLst>
   </p:cSld>
-  <p:clrMap bg1="lt1" tx1="dk1" bg2="lt2" tx2="dk2" accent1="accent1" accent2="accent2" accent3="accent3" accent4="accent4" accent5="accent5" accent6="accent6" hlink="hlink" folHlink="folHlink"/>
-</p:handoutMaster>
+  <p:clrMapOvr>
+    <a:masterClrMapping/>
+  </p:clrMapOvr>
+</p:sldLayout>
 </file>
 
-<file path=ppt/notesMasters/notesMaster1.xml><?xml version="1.0" encoding="utf-8"?>
-<p:notesMaster xmlns:a="http://schemas.openxmlformats.org/drawingml/2006/main" xmlns:r="http://schemas.openxmlformats.org/officeDocument/2006/relationships" xmlns:p="http://schemas.openxmlformats.org/presentationml/2006/main">
-  <p:cSld>
-    <p:bg>
-      <p:bgRef idx="1001">
-        <a:schemeClr val="bg1"/>
-      </p:bgRef>
-    </p:bg>
+<file path=ppt/slideLayouts/slideLayout10.xml><?xml version="1.0" encoding="utf-8"?>
+<p:sldLayout xmlns:a="http://schemas.openxmlformats.org/drawingml/2006/main" xmlns:r="http://schemas.openxmlformats.org/officeDocument/2006/relationships" xmlns:p="http://schemas.openxmlformats.org/presentationml/2006/main" type="vertTx" preserve="1">
+  <p:cSld name="Title and Vertical Text">
     <p:spTree>
       <p:nvGrpSpPr>
         <p:cNvPr id="1" name=""/>
@@ -343,334 +318,160 @@
       </p:grpSpPr>
       <p:sp>
         <p:nvSpPr>
-          <p:cNvPr id="2" name="Header Placeholder 1"/>
+          <p:cNvPr id="2" name="Title 1"/>
           <p:cNvSpPr>
             <a:spLocks noGrp="1"/>
           </p:cNvSpPr>
           <p:nvPr>
-            <p:ph type="hdr" sz="quarter"/>
+            <p:ph type="title"/>
           </p:nvPr>
         </p:nvSpPr>
-        <p:spPr>
-          <a:xfrm>
-            <a:off x="0" y="0"/>
-            <a:ext cx="2971800" cy="458788"/>
-          </a:xfrm>
-          <a:prstGeom prst="rect">
-            <a:avLst/>
-          </a:prstGeom>
-        </p:spPr>
-        <p:txBody>
-          <a:bodyPr vert="horz" lIns="91440" tIns="45720" rIns="91440" bIns="45720" rtlCol="0"/>
-          <a:lstStyle>
-            <a:lvl1pPr algn="l">
-              <a:defRPr sz="1200"/>
-            </a:lvl1pPr>
-          </a:lstStyle>
-          <a:p>
+        <p:spPr/>
+        <p:txBody>
+          <a:bodyPr/>
+          <a:lstStyle/>
+          <a:p>
+            <a:r>
+              <a:rPr lang="en-US"/>
+              <a:t>Click to edit Master title style</a:t>
+            </a:r>
             <a:endParaRPr lang="en-US" dirty="0"/>
           </a:p>
         </p:txBody>
       </p:sp>
       <p:sp>
         <p:nvSpPr>
-          <p:cNvPr id="3" name="Date Placeholder 2"/>
+          <p:cNvPr id="3" name="Vertical Text Placeholder 2"/>
           <p:cNvSpPr>
             <a:spLocks noGrp="1"/>
           </p:cNvSpPr>
           <p:nvPr>
-            <p:ph type="dt" idx="1"/>
+            <p:ph type="body" orient="vert" idx="1"/>
           </p:nvPr>
         </p:nvSpPr>
-        <p:spPr>
-          <a:xfrm>
-            <a:off x="3884613" y="0"/>
-            <a:ext cx="2971800" cy="458788"/>
-          </a:xfrm>
-          <a:prstGeom prst="rect">
-            <a:avLst/>
-          </a:prstGeom>
-        </p:spPr>
-        <p:txBody>
-          <a:bodyPr vert="horz" lIns="91440" tIns="45720" rIns="91440" bIns="45720" rtlCol="0"/>
-          <a:lstStyle>
-            <a:lvl1pPr algn="r">
-              <a:defRPr sz="1200"/>
-            </a:lvl1pPr>
-          </a:lstStyle>
-          <a:p>
-            <a:fld id="{C884A089-FB25-6D46-9D21-F0F04A18BCA8}" type="datetimeFigureOut">
-              <a:rPr lang="en-US" smtClean="0"/>
-              <a:t>6/30/2022</a:t>
-            </a:fld>
+        <p:spPr/>
+        <p:txBody>
+          <a:bodyPr vert="eaVert"/>
+          <a:lstStyle/>
+          <a:p>
+            <a:pPr lvl="0"/>
+            <a:r>
+              <a:rPr lang="en-US"/>
+              <a:t>Edit Master text styles</a:t>
+            </a:r>
+          </a:p>
+          <a:p>
+            <a:pPr lvl="1"/>
+            <a:r>
+              <a:rPr lang="en-US"/>
+              <a:t>Second level</a:t>
+            </a:r>
+          </a:p>
+          <a:p>
+            <a:pPr lvl="2"/>
+            <a:r>
+              <a:rPr lang="en-US"/>
+              <a:t>Third level</a:t>
+            </a:r>
+          </a:p>
+          <a:p>
+            <a:pPr lvl="3"/>
+            <a:r>
+              <a:rPr lang="en-US"/>
+              <a:t>Fourth level</a:t>
+            </a:r>
+          </a:p>
+          <a:p>
+            <a:pPr lvl="4"/>
+            <a:r>
+              <a:rPr lang="en-US"/>
+              <a:t>Fifth level</a:t>
+            </a:r>
             <a:endParaRPr lang="en-US" dirty="0"/>
           </a:p>
         </p:txBody>
       </p:sp>
       <p:sp>
         <p:nvSpPr>
-          <p:cNvPr id="4" name="Slide Image Placeholder 3"/>
-          <p:cNvSpPr>
-            <a:spLocks noGrp="1" noRot="1" noChangeAspect="1"/>
-          </p:cNvSpPr>
-          <p:nvPr>
-            <p:ph type="sldImg" idx="2"/>
-          </p:nvPr>
-        </p:nvSpPr>
-        <p:spPr>
-          <a:xfrm>
-            <a:off x="1114425" y="1143000"/>
-            <a:ext cx="4629150" cy="3086100"/>
-          </a:xfrm>
-          <a:prstGeom prst="rect">
-            <a:avLst/>
-          </a:prstGeom>
-          <a:noFill/>
-          <a:ln w="12700">
-            <a:solidFill>
-              <a:prstClr val="black"/>
-            </a:solidFill>
-          </a:ln>
-        </p:spPr>
-        <p:txBody>
-          <a:bodyPr vert="horz" lIns="91440" tIns="45720" rIns="91440" bIns="45720" rtlCol="0" anchor="ctr"/>
-          <a:lstStyle/>
-          <a:p>
-            <a:endParaRPr lang="en-US" dirty="0"/>
-          </a:p>
-        </p:txBody>
-      </p:sp>
-      <p:sp>
-        <p:nvSpPr>
-          <p:cNvPr id="5" name="Notes Placeholder 4"/>
+          <p:cNvPr id="4" name="Date Placeholder 3"/>
           <p:cNvSpPr>
             <a:spLocks noGrp="1"/>
           </p:cNvSpPr>
           <p:nvPr>
-            <p:ph type="body" sz="quarter" idx="3"/>
+            <p:ph type="dt" sz="half" idx="10"/>
           </p:nvPr>
         </p:nvSpPr>
-        <p:spPr>
-          <a:xfrm>
-            <a:off x="685800" y="4400550"/>
-            <a:ext cx="5486400" cy="3600450"/>
-          </a:xfrm>
-          <a:prstGeom prst="rect">
-            <a:avLst/>
-          </a:prstGeom>
-        </p:spPr>
-        <p:txBody>
-          <a:bodyPr vert="horz" lIns="91440" tIns="45720" rIns="91440" bIns="45720" rtlCol="0"/>
+        <p:spPr/>
+        <p:txBody>
+          <a:bodyPr/>
           <a:lstStyle/>
           <a:p>
-            <a:pPr lvl="0"/>
-            <a:r>
-              <a:rPr lang="en-US"/>
-              <a:t>Edit Master text styles</a:t>
-            </a:r>
-          </a:p>
-          <a:p>
-            <a:pPr lvl="1"/>
-            <a:r>
-              <a:rPr lang="en-US"/>
-              <a:t>Second level</a:t>
-            </a:r>
-          </a:p>
-          <a:p>
-            <a:pPr lvl="2"/>
-            <a:r>
-              <a:rPr lang="en-US"/>
-              <a:t>Third level</a:t>
-            </a:r>
-          </a:p>
-          <a:p>
-            <a:pPr lvl="3"/>
-            <a:r>
-              <a:rPr lang="en-US"/>
-              <a:t>Fourth level</a:t>
-            </a:r>
-          </a:p>
-          <a:p>
-            <a:pPr lvl="4"/>
-            <a:r>
-              <a:rPr lang="en-US"/>
-              <a:t>Fifth level</a:t>
-            </a:r>
-          </a:p>
-        </p:txBody>
-      </p:sp>
-      <p:sp>
-        <p:nvSpPr>
-          <p:cNvPr id="6" name="Footer Placeholder 5"/>
+            <a:fld id="{F6A2EF35-641B-46A1-97AC-E15394141053}" type="datetimeFigureOut">
+              <a:rPr lang="en-US" smtClean="0"/>
+              <a:t>7/11/2022</a:t>
+            </a:fld>
+            <a:endParaRPr lang="en-US"/>
+          </a:p>
+        </p:txBody>
+      </p:sp>
+      <p:sp>
+        <p:nvSpPr>
+          <p:cNvPr id="5" name="Footer Placeholder 4"/>
           <p:cNvSpPr>
             <a:spLocks noGrp="1"/>
           </p:cNvSpPr>
           <p:nvPr>
-            <p:ph type="ftr" sz="quarter" idx="4"/>
+            <p:ph type="ftr" sz="quarter" idx="11"/>
           </p:nvPr>
         </p:nvSpPr>
-        <p:spPr>
-          <a:xfrm>
-            <a:off x="0" y="8685213"/>
-            <a:ext cx="2971800" cy="458787"/>
-          </a:xfrm>
-          <a:prstGeom prst="rect">
-            <a:avLst/>
-          </a:prstGeom>
-        </p:spPr>
-        <p:txBody>
-          <a:bodyPr vert="horz" lIns="91440" tIns="45720" rIns="91440" bIns="45720" rtlCol="0" anchor="b"/>
-          <a:lstStyle>
-            <a:lvl1pPr algn="l">
-              <a:defRPr sz="1200"/>
-            </a:lvl1pPr>
-          </a:lstStyle>
-          <a:p>
-            <a:endParaRPr lang="en-US" dirty="0"/>
-          </a:p>
-        </p:txBody>
-      </p:sp>
-      <p:sp>
-        <p:nvSpPr>
-          <p:cNvPr id="7" name="Slide Number Placeholder 6"/>
+        <p:spPr/>
+        <p:txBody>
+          <a:bodyPr/>
+          <a:lstStyle/>
+          <a:p>
+            <a:endParaRPr lang="en-US"/>
+          </a:p>
+        </p:txBody>
+      </p:sp>
+      <p:sp>
+        <p:nvSpPr>
+          <p:cNvPr id="6" name="Slide Number Placeholder 5"/>
           <p:cNvSpPr>
             <a:spLocks noGrp="1"/>
           </p:cNvSpPr>
           <p:nvPr>
-            <p:ph type="sldNum" sz="quarter" idx="5"/>
+            <p:ph type="sldNum" sz="quarter" idx="12"/>
           </p:nvPr>
         </p:nvSpPr>
-        <p:spPr>
-          <a:xfrm>
-            <a:off x="3884613" y="8685213"/>
-            <a:ext cx="2971800" cy="458787"/>
-          </a:xfrm>
-          <a:prstGeom prst="rect">
-            <a:avLst/>
-          </a:prstGeom>
-        </p:spPr>
-        <p:txBody>
-          <a:bodyPr vert="horz" lIns="91440" tIns="45720" rIns="91440" bIns="45720" rtlCol="0" anchor="b"/>
-          <a:lstStyle>
-            <a:lvl1pPr algn="r">
-              <a:defRPr sz="1200"/>
-            </a:lvl1pPr>
-          </a:lstStyle>
-          <a:p>
-            <a:fld id="{F0F304BD-78E5-F743-9CDB-4BAC0F2E5AB7}" type="slidenum">
+        <p:spPr/>
+        <p:txBody>
+          <a:bodyPr/>
+          <a:lstStyle/>
+          <a:p>
+            <a:fld id="{A8C3D6C9-242B-4A8D-A3F5-CC148C3D1DA6}" type="slidenum">
               <a:rPr lang="en-US" smtClean="0"/>
               <a:t>‹#›</a:t>
             </a:fld>
-            <a:endParaRPr lang="en-US" dirty="0"/>
+            <a:endParaRPr lang="en-US"/>
           </a:p>
         </p:txBody>
       </p:sp>
     </p:spTree>
     <p:extLst>
       <p:ext uri="{BB962C8B-B14F-4D97-AF65-F5344CB8AC3E}">
-        <p14:creationId xmlns:p14="http://schemas.microsoft.com/office/powerpoint/2010/main" val="3160607449"/>
+        <p14:creationId xmlns:p14="http://schemas.microsoft.com/office/powerpoint/2010/main" val="148469695"/>
       </p:ext>
     </p:extLst>
   </p:cSld>
-  <p:clrMap bg1="lt1" tx1="dk1" bg2="lt2" tx2="dk2" accent1="accent1" accent2="accent2" accent3="accent3" accent4="accent4" accent5="accent5" accent6="accent6" hlink="hlink" folHlink="folHlink"/>
-  <p:notesStyle>
-    <a:lvl1pPr marL="0" algn="l" defTabSz="1316651" rtl="0" eaLnBrk="1" latinLnBrk="0" hangingPunct="1">
-      <a:defRPr sz="1728" kern="1200">
-        <a:solidFill>
-          <a:schemeClr val="tx1"/>
-        </a:solidFill>
-        <a:latin typeface="+mn-lt"/>
-        <a:ea typeface="+mn-ea"/>
-        <a:cs typeface="+mn-cs"/>
-      </a:defRPr>
-    </a:lvl1pPr>
-    <a:lvl2pPr marL="658326" algn="l" defTabSz="1316651" rtl="0" eaLnBrk="1" latinLnBrk="0" hangingPunct="1">
-      <a:defRPr sz="1728" kern="1200">
-        <a:solidFill>
-          <a:schemeClr val="tx1"/>
-        </a:solidFill>
-        <a:latin typeface="+mn-lt"/>
-        <a:ea typeface="+mn-ea"/>
-        <a:cs typeface="+mn-cs"/>
-      </a:defRPr>
-    </a:lvl2pPr>
-    <a:lvl3pPr marL="1316651" algn="l" defTabSz="1316651" rtl="0" eaLnBrk="1" latinLnBrk="0" hangingPunct="1">
-      <a:defRPr sz="1728" kern="1200">
-        <a:solidFill>
-          <a:schemeClr val="tx1"/>
-        </a:solidFill>
-        <a:latin typeface="+mn-lt"/>
-        <a:ea typeface="+mn-ea"/>
-        <a:cs typeface="+mn-cs"/>
-      </a:defRPr>
-    </a:lvl3pPr>
-    <a:lvl4pPr marL="1974977" algn="l" defTabSz="1316651" rtl="0" eaLnBrk="1" latinLnBrk="0" hangingPunct="1">
-      <a:defRPr sz="1728" kern="1200">
-        <a:solidFill>
-          <a:schemeClr val="tx1"/>
-        </a:solidFill>
-        <a:latin typeface="+mn-lt"/>
-        <a:ea typeface="+mn-ea"/>
-        <a:cs typeface="+mn-cs"/>
-      </a:defRPr>
-    </a:lvl4pPr>
-    <a:lvl5pPr marL="2633304" algn="l" defTabSz="1316651" rtl="0" eaLnBrk="1" latinLnBrk="0" hangingPunct="1">
-      <a:defRPr sz="1728" kern="1200">
-        <a:solidFill>
-          <a:schemeClr val="tx1"/>
-        </a:solidFill>
-        <a:latin typeface="+mn-lt"/>
-        <a:ea typeface="+mn-ea"/>
-        <a:cs typeface="+mn-cs"/>
-      </a:defRPr>
-    </a:lvl5pPr>
-    <a:lvl6pPr marL="3291630" algn="l" defTabSz="1316651" rtl="0" eaLnBrk="1" latinLnBrk="0" hangingPunct="1">
-      <a:defRPr sz="1728" kern="1200">
-        <a:solidFill>
-          <a:schemeClr val="tx1"/>
-        </a:solidFill>
-        <a:latin typeface="+mn-lt"/>
-        <a:ea typeface="+mn-ea"/>
-        <a:cs typeface="+mn-cs"/>
-      </a:defRPr>
-    </a:lvl6pPr>
-    <a:lvl7pPr marL="3949955" algn="l" defTabSz="1316651" rtl="0" eaLnBrk="1" latinLnBrk="0" hangingPunct="1">
-      <a:defRPr sz="1728" kern="1200">
-        <a:solidFill>
-          <a:schemeClr val="tx1"/>
-        </a:solidFill>
-        <a:latin typeface="+mn-lt"/>
-        <a:ea typeface="+mn-ea"/>
-        <a:cs typeface="+mn-cs"/>
-      </a:defRPr>
-    </a:lvl7pPr>
-    <a:lvl8pPr marL="4608281" algn="l" defTabSz="1316651" rtl="0" eaLnBrk="1" latinLnBrk="0" hangingPunct="1">
-      <a:defRPr sz="1728" kern="1200">
-        <a:solidFill>
-          <a:schemeClr val="tx1"/>
-        </a:solidFill>
-        <a:latin typeface="+mn-lt"/>
-        <a:ea typeface="+mn-ea"/>
-        <a:cs typeface="+mn-cs"/>
-      </a:defRPr>
-    </a:lvl8pPr>
-    <a:lvl9pPr marL="5266607" algn="l" defTabSz="1316651" rtl="0" eaLnBrk="1" latinLnBrk="0" hangingPunct="1">
-      <a:defRPr sz="1728" kern="1200">
-        <a:solidFill>
-          <a:schemeClr val="tx1"/>
-        </a:solidFill>
-        <a:latin typeface="+mn-lt"/>
-        <a:ea typeface="+mn-ea"/>
-        <a:cs typeface="+mn-cs"/>
-      </a:defRPr>
-    </a:lvl9pPr>
-  </p:notesStyle>
-</p:notesMaster>
+  <p:clrMapOvr>
+    <a:masterClrMapping/>
+  </p:clrMapOvr>
+</p:sldLayout>
 </file>
 
-<file path=ppt/notesSlides/notesSlide1.xml><?xml version="1.0" encoding="utf-8"?>
-<p:notes xmlns:a="http://schemas.openxmlformats.org/drawingml/2006/main" xmlns:r="http://schemas.openxmlformats.org/officeDocument/2006/relationships" xmlns:p="http://schemas.openxmlformats.org/presentationml/2006/main">
-  <p:cSld>
+<file path=ppt/slideLayouts/slideLayout11.xml><?xml version="1.0" encoding="utf-8"?>
+<p:sldLayout xmlns:a="http://schemas.openxmlformats.org/drawingml/2006/main" xmlns:r="http://schemas.openxmlformats.org/officeDocument/2006/relationships" xmlns:p="http://schemas.openxmlformats.org/presentationml/2006/main" type="vertTitleAndTx" preserve="1">
+  <p:cSld name="Vertical Title and Text">
     <p:spTree>
       <p:nvGrpSpPr>
         <p:cNvPr id="1" name=""/>
@@ -687,29 +488,97 @@
       </p:grpSpPr>
       <p:sp>
         <p:nvSpPr>
-          <p:cNvPr id="2" name="Slide Image Placeholder 1"/>
+          <p:cNvPr id="2" name="Vertical Title 1"/>
           <p:cNvSpPr>
-            <a:spLocks noGrp="1" noRot="1" noChangeAspect="1"/>
+            <a:spLocks noGrp="1"/>
           </p:cNvSpPr>
           <p:nvPr>
-            <p:ph type="sldImg"/>
+            <p:ph type="title" orient="vert"/>
           </p:nvPr>
         </p:nvSpPr>
         <p:spPr>
           <a:xfrm>
-            <a:off x="1114425" y="1143000"/>
-            <a:ext cx="4629150" cy="3086100"/>
+            <a:off x="15704821" y="778933"/>
+            <a:ext cx="4732020" cy="12398588"/>
           </a:xfrm>
         </p:spPr>
-      </p:sp>
-      <p:sp>
-        <p:nvSpPr>
-          <p:cNvPr id="3" name="Notes Placeholder 2"/>
+        <p:txBody>
+          <a:bodyPr vert="eaVert"/>
+          <a:lstStyle/>
+          <a:p>
+            <a:r>
+              <a:rPr lang="en-US"/>
+              <a:t>Click to edit Master title style</a:t>
+            </a:r>
+            <a:endParaRPr lang="en-US" dirty="0"/>
+          </a:p>
+        </p:txBody>
+      </p:sp>
+      <p:sp>
+        <p:nvSpPr>
+          <p:cNvPr id="3" name="Vertical Text Placeholder 2"/>
           <p:cNvSpPr>
             <a:spLocks noGrp="1"/>
           </p:cNvSpPr>
           <p:nvPr>
-            <p:ph type="body" idx="1"/>
+            <p:ph type="body" orient="vert" idx="1"/>
+          </p:nvPr>
+        </p:nvSpPr>
+        <p:spPr>
+          <a:xfrm>
+            <a:off x="1508761" y="778933"/>
+            <a:ext cx="13921740" cy="12398588"/>
+          </a:xfrm>
+        </p:spPr>
+        <p:txBody>
+          <a:bodyPr vert="eaVert"/>
+          <a:lstStyle/>
+          <a:p>
+            <a:pPr lvl="0"/>
+            <a:r>
+              <a:rPr lang="en-US"/>
+              <a:t>Edit Master text styles</a:t>
+            </a:r>
+          </a:p>
+          <a:p>
+            <a:pPr lvl="1"/>
+            <a:r>
+              <a:rPr lang="en-US"/>
+              <a:t>Second level</a:t>
+            </a:r>
+          </a:p>
+          <a:p>
+            <a:pPr lvl="2"/>
+            <a:r>
+              <a:rPr lang="en-US"/>
+              <a:t>Third level</a:t>
+            </a:r>
+          </a:p>
+          <a:p>
+            <a:pPr lvl="3"/>
+            <a:r>
+              <a:rPr lang="en-US"/>
+              <a:t>Fourth level</a:t>
+            </a:r>
+          </a:p>
+          <a:p>
+            <a:pPr lvl="4"/>
+            <a:r>
+              <a:rPr lang="en-US"/>
+              <a:t>Fifth level</a:t>
+            </a:r>
+            <a:endParaRPr lang="en-US" dirty="0"/>
+          </a:p>
+        </p:txBody>
+      </p:sp>
+      <p:sp>
+        <p:nvSpPr>
+          <p:cNvPr id="4" name="Date Placeholder 3"/>
+          <p:cNvSpPr>
+            <a:spLocks noGrp="1"/>
+          </p:cNvSpPr>
+          <p:nvPr>
+            <p:ph type="dt" sz="half" idx="10"/>
           </p:nvPr>
         </p:nvSpPr>
         <p:spPr/>
@@ -717,18 +586,22 @@
           <a:bodyPr/>
           <a:lstStyle/>
           <a:p>
-            <a:endParaRPr lang="en-SG" dirty="0"/>
-          </a:p>
-        </p:txBody>
-      </p:sp>
-      <p:sp>
-        <p:nvSpPr>
-          <p:cNvPr id="4" name="Slide Number Placeholder 3"/>
+            <a:fld id="{F6A2EF35-641B-46A1-97AC-E15394141053}" type="datetimeFigureOut">
+              <a:rPr lang="en-US" smtClean="0"/>
+              <a:t>7/11/2022</a:t>
+            </a:fld>
+            <a:endParaRPr lang="en-US"/>
+          </a:p>
+        </p:txBody>
+      </p:sp>
+      <p:sp>
+        <p:nvSpPr>
+          <p:cNvPr id="5" name="Footer Placeholder 4"/>
           <p:cNvSpPr>
             <a:spLocks noGrp="1"/>
           </p:cNvSpPr>
           <p:nvPr>
-            <p:ph type="sldNum" sz="quarter" idx="5"/>
+            <p:ph type="ftr" sz="quarter" idx="11"/>
           </p:nvPr>
         </p:nvSpPr>
         <p:spPr/>
@@ -736,29 +609,1179 @@
           <a:bodyPr/>
           <a:lstStyle/>
           <a:p>
-            <a:fld id="{F0F304BD-78E5-F743-9CDB-4BAC0F2E5AB7}" type="slidenum">
+            <a:endParaRPr lang="en-US"/>
+          </a:p>
+        </p:txBody>
+      </p:sp>
+      <p:sp>
+        <p:nvSpPr>
+          <p:cNvPr id="6" name="Slide Number Placeholder 5"/>
+          <p:cNvSpPr>
+            <a:spLocks noGrp="1"/>
+          </p:cNvSpPr>
+          <p:nvPr>
+            <p:ph type="sldNum" sz="quarter" idx="12"/>
+          </p:nvPr>
+        </p:nvSpPr>
+        <p:spPr/>
+        <p:txBody>
+          <a:bodyPr/>
+          <a:lstStyle/>
+          <a:p>
+            <a:fld id="{A8C3D6C9-242B-4A8D-A3F5-CC148C3D1DA6}" type="slidenum">
               <a:rPr lang="en-US" smtClean="0"/>
-              <a:t>1</a:t>
+              <a:t>‹#›</a:t>
             </a:fld>
-            <a:endParaRPr lang="en-US" dirty="0"/>
+            <a:endParaRPr lang="en-US"/>
           </a:p>
         </p:txBody>
       </p:sp>
     </p:spTree>
     <p:extLst>
       <p:ext uri="{BB962C8B-B14F-4D97-AF65-F5344CB8AC3E}">
-        <p14:creationId xmlns:p14="http://schemas.microsoft.com/office/powerpoint/2010/main" val="1870846242"/>
+        <p14:creationId xmlns:p14="http://schemas.microsoft.com/office/powerpoint/2010/main" val="1489998436"/>
       </p:ext>
     </p:extLst>
   </p:cSld>
   <p:clrMapOvr>
     <a:masterClrMapping/>
   </p:clrMapOvr>
-</p:notes>
+</p:sldLayout>
 </file>
 
-<file path=ppt/slideLayouts/slideLayout1.xml><?xml version="1.0" encoding="utf-8"?>
-<p:sldLayout xmlns:a="http://schemas.openxmlformats.org/drawingml/2006/main" xmlns:r="http://schemas.openxmlformats.org/officeDocument/2006/relationships" xmlns:p="http://schemas.openxmlformats.org/presentationml/2006/main" userDrawn="1">
+<file path=ppt/slideLayouts/slideLayout2.xml><?xml version="1.0" encoding="utf-8"?>
+<p:sldLayout xmlns:a="http://schemas.openxmlformats.org/drawingml/2006/main" xmlns:r="http://schemas.openxmlformats.org/officeDocument/2006/relationships" xmlns:p="http://schemas.openxmlformats.org/presentationml/2006/main" type="obj" preserve="1">
+  <p:cSld name="Title and Content">
+    <p:spTree>
+      <p:nvGrpSpPr>
+        <p:cNvPr id="1" name=""/>
+        <p:cNvGrpSpPr/>
+        <p:nvPr/>
+      </p:nvGrpSpPr>
+      <p:grpSpPr>
+        <a:xfrm>
+          <a:off x="0" y="0"/>
+          <a:ext cx="0" cy="0"/>
+          <a:chOff x="0" y="0"/>
+          <a:chExt cx="0" cy="0"/>
+        </a:xfrm>
+      </p:grpSpPr>
+      <p:sp>
+        <p:nvSpPr>
+          <p:cNvPr id="2" name="Title 1"/>
+          <p:cNvSpPr>
+            <a:spLocks noGrp="1"/>
+          </p:cNvSpPr>
+          <p:nvPr>
+            <p:ph type="title"/>
+          </p:nvPr>
+        </p:nvSpPr>
+        <p:spPr/>
+        <p:txBody>
+          <a:bodyPr/>
+          <a:lstStyle/>
+          <a:p>
+            <a:r>
+              <a:rPr lang="en-US"/>
+              <a:t>Click to edit Master title style</a:t>
+            </a:r>
+            <a:endParaRPr lang="en-US" dirty="0"/>
+          </a:p>
+        </p:txBody>
+      </p:sp>
+      <p:sp>
+        <p:nvSpPr>
+          <p:cNvPr id="3" name="Content Placeholder 2"/>
+          <p:cNvSpPr>
+            <a:spLocks noGrp="1"/>
+          </p:cNvSpPr>
+          <p:nvPr>
+            <p:ph idx="1"/>
+          </p:nvPr>
+        </p:nvSpPr>
+        <p:spPr/>
+        <p:txBody>
+          <a:bodyPr/>
+          <a:lstStyle/>
+          <a:p>
+            <a:pPr lvl="0"/>
+            <a:r>
+              <a:rPr lang="en-US"/>
+              <a:t>Edit Master text styles</a:t>
+            </a:r>
+          </a:p>
+          <a:p>
+            <a:pPr lvl="1"/>
+            <a:r>
+              <a:rPr lang="en-US"/>
+              <a:t>Second level</a:t>
+            </a:r>
+          </a:p>
+          <a:p>
+            <a:pPr lvl="2"/>
+            <a:r>
+              <a:rPr lang="en-US"/>
+              <a:t>Third level</a:t>
+            </a:r>
+          </a:p>
+          <a:p>
+            <a:pPr lvl="3"/>
+            <a:r>
+              <a:rPr lang="en-US"/>
+              <a:t>Fourth level</a:t>
+            </a:r>
+          </a:p>
+          <a:p>
+            <a:pPr lvl="4"/>
+            <a:r>
+              <a:rPr lang="en-US"/>
+              <a:t>Fifth level</a:t>
+            </a:r>
+            <a:endParaRPr lang="en-US" dirty="0"/>
+          </a:p>
+        </p:txBody>
+      </p:sp>
+      <p:sp>
+        <p:nvSpPr>
+          <p:cNvPr id="4" name="Date Placeholder 3"/>
+          <p:cNvSpPr>
+            <a:spLocks noGrp="1"/>
+          </p:cNvSpPr>
+          <p:nvPr>
+            <p:ph type="dt" sz="half" idx="10"/>
+          </p:nvPr>
+        </p:nvSpPr>
+        <p:spPr/>
+        <p:txBody>
+          <a:bodyPr/>
+          <a:lstStyle/>
+          <a:p>
+            <a:fld id="{F6A2EF35-641B-46A1-97AC-E15394141053}" type="datetimeFigureOut">
+              <a:rPr lang="en-US" smtClean="0"/>
+              <a:t>7/11/2022</a:t>
+            </a:fld>
+            <a:endParaRPr lang="en-US"/>
+          </a:p>
+        </p:txBody>
+      </p:sp>
+      <p:sp>
+        <p:nvSpPr>
+          <p:cNvPr id="5" name="Footer Placeholder 4"/>
+          <p:cNvSpPr>
+            <a:spLocks noGrp="1"/>
+          </p:cNvSpPr>
+          <p:nvPr>
+            <p:ph type="ftr" sz="quarter" idx="11"/>
+          </p:nvPr>
+        </p:nvSpPr>
+        <p:spPr/>
+        <p:txBody>
+          <a:bodyPr/>
+          <a:lstStyle/>
+          <a:p>
+            <a:endParaRPr lang="en-US"/>
+          </a:p>
+        </p:txBody>
+      </p:sp>
+      <p:sp>
+        <p:nvSpPr>
+          <p:cNvPr id="6" name="Slide Number Placeholder 5"/>
+          <p:cNvSpPr>
+            <a:spLocks noGrp="1"/>
+          </p:cNvSpPr>
+          <p:nvPr>
+            <p:ph type="sldNum" sz="quarter" idx="12"/>
+          </p:nvPr>
+        </p:nvSpPr>
+        <p:spPr/>
+        <p:txBody>
+          <a:bodyPr/>
+          <a:lstStyle/>
+          <a:p>
+            <a:fld id="{A8C3D6C9-242B-4A8D-A3F5-CC148C3D1DA6}" type="slidenum">
+              <a:rPr lang="en-US" smtClean="0"/>
+              <a:t>‹#›</a:t>
+            </a:fld>
+            <a:endParaRPr lang="en-US"/>
+          </a:p>
+        </p:txBody>
+      </p:sp>
+    </p:spTree>
+    <p:extLst>
+      <p:ext uri="{BB962C8B-B14F-4D97-AF65-F5344CB8AC3E}">
+        <p14:creationId xmlns:p14="http://schemas.microsoft.com/office/powerpoint/2010/main" val="4096987335"/>
+      </p:ext>
+    </p:extLst>
+  </p:cSld>
+  <p:clrMapOvr>
+    <a:masterClrMapping/>
+  </p:clrMapOvr>
+</p:sldLayout>
+</file>
+
+<file path=ppt/slideLayouts/slideLayout3.xml><?xml version="1.0" encoding="utf-8"?>
+<p:sldLayout xmlns:a="http://schemas.openxmlformats.org/drawingml/2006/main" xmlns:r="http://schemas.openxmlformats.org/officeDocument/2006/relationships" xmlns:p="http://schemas.openxmlformats.org/presentationml/2006/main" type="secHead" preserve="1">
+  <p:cSld name="Section Header">
+    <p:spTree>
+      <p:nvGrpSpPr>
+        <p:cNvPr id="1" name=""/>
+        <p:cNvGrpSpPr/>
+        <p:nvPr/>
+      </p:nvGrpSpPr>
+      <p:grpSpPr>
+        <a:xfrm>
+          <a:off x="0" y="0"/>
+          <a:ext cx="0" cy="0"/>
+          <a:chOff x="0" y="0"/>
+          <a:chExt cx="0" cy="0"/>
+        </a:xfrm>
+      </p:grpSpPr>
+      <p:sp>
+        <p:nvSpPr>
+          <p:cNvPr id="2" name="Title 1"/>
+          <p:cNvSpPr>
+            <a:spLocks noGrp="1"/>
+          </p:cNvSpPr>
+          <p:nvPr>
+            <p:ph type="title"/>
+          </p:nvPr>
+        </p:nvSpPr>
+        <p:spPr>
+          <a:xfrm>
+            <a:off x="1497331" y="3647444"/>
+            <a:ext cx="18928080" cy="6085839"/>
+          </a:xfrm>
+        </p:spPr>
+        <p:txBody>
+          <a:bodyPr anchor="b"/>
+          <a:lstStyle>
+            <a:lvl1pPr>
+              <a:defRPr sz="12800"/>
+            </a:lvl1pPr>
+          </a:lstStyle>
+          <a:p>
+            <a:r>
+              <a:rPr lang="en-US"/>
+              <a:t>Click to edit Master title style</a:t>
+            </a:r>
+            <a:endParaRPr lang="en-US" dirty="0"/>
+          </a:p>
+        </p:txBody>
+      </p:sp>
+      <p:sp>
+        <p:nvSpPr>
+          <p:cNvPr id="3" name="Text Placeholder 2"/>
+          <p:cNvSpPr>
+            <a:spLocks noGrp="1"/>
+          </p:cNvSpPr>
+          <p:nvPr>
+            <p:ph type="body" idx="1"/>
+          </p:nvPr>
+        </p:nvSpPr>
+        <p:spPr>
+          <a:xfrm>
+            <a:off x="1497331" y="9790858"/>
+            <a:ext cx="18928080" cy="3200399"/>
+          </a:xfrm>
+        </p:spPr>
+        <p:txBody>
+          <a:bodyPr/>
+          <a:lstStyle>
+            <a:lvl1pPr marL="0" indent="0">
+              <a:buNone/>
+              <a:defRPr sz="5120">
+                <a:solidFill>
+                  <a:schemeClr val="tx1"/>
+                </a:solidFill>
+              </a:defRPr>
+            </a:lvl1pPr>
+            <a:lvl2pPr marL="975345" indent="0">
+              <a:buNone/>
+              <a:defRPr sz="4267">
+                <a:solidFill>
+                  <a:schemeClr val="tx1">
+                    <a:tint val="75000"/>
+                  </a:schemeClr>
+                </a:solidFill>
+              </a:defRPr>
+            </a:lvl2pPr>
+            <a:lvl3pPr marL="1950690" indent="0">
+              <a:buNone/>
+              <a:defRPr sz="3840">
+                <a:solidFill>
+                  <a:schemeClr val="tx1">
+                    <a:tint val="75000"/>
+                  </a:schemeClr>
+                </a:solidFill>
+              </a:defRPr>
+            </a:lvl3pPr>
+            <a:lvl4pPr marL="2926034" indent="0">
+              <a:buNone/>
+              <a:defRPr sz="3413">
+                <a:solidFill>
+                  <a:schemeClr val="tx1">
+                    <a:tint val="75000"/>
+                  </a:schemeClr>
+                </a:solidFill>
+              </a:defRPr>
+            </a:lvl4pPr>
+            <a:lvl5pPr marL="3901379" indent="0">
+              <a:buNone/>
+              <a:defRPr sz="3413">
+                <a:solidFill>
+                  <a:schemeClr val="tx1">
+                    <a:tint val="75000"/>
+                  </a:schemeClr>
+                </a:solidFill>
+              </a:defRPr>
+            </a:lvl5pPr>
+            <a:lvl6pPr marL="4876724" indent="0">
+              <a:buNone/>
+              <a:defRPr sz="3413">
+                <a:solidFill>
+                  <a:schemeClr val="tx1">
+                    <a:tint val="75000"/>
+                  </a:schemeClr>
+                </a:solidFill>
+              </a:defRPr>
+            </a:lvl6pPr>
+            <a:lvl7pPr marL="5852069" indent="0">
+              <a:buNone/>
+              <a:defRPr sz="3413">
+                <a:solidFill>
+                  <a:schemeClr val="tx1">
+                    <a:tint val="75000"/>
+                  </a:schemeClr>
+                </a:solidFill>
+              </a:defRPr>
+            </a:lvl7pPr>
+            <a:lvl8pPr marL="6827413" indent="0">
+              <a:buNone/>
+              <a:defRPr sz="3413">
+                <a:solidFill>
+                  <a:schemeClr val="tx1">
+                    <a:tint val="75000"/>
+                  </a:schemeClr>
+                </a:solidFill>
+              </a:defRPr>
+            </a:lvl8pPr>
+            <a:lvl9pPr marL="7802758" indent="0">
+              <a:buNone/>
+              <a:defRPr sz="3413">
+                <a:solidFill>
+                  <a:schemeClr val="tx1">
+                    <a:tint val="75000"/>
+                  </a:schemeClr>
+                </a:solidFill>
+              </a:defRPr>
+            </a:lvl9pPr>
+          </a:lstStyle>
+          <a:p>
+            <a:pPr lvl="0"/>
+            <a:r>
+              <a:rPr lang="en-US"/>
+              <a:t>Edit Master text styles</a:t>
+            </a:r>
+          </a:p>
+        </p:txBody>
+      </p:sp>
+      <p:sp>
+        <p:nvSpPr>
+          <p:cNvPr id="4" name="Date Placeholder 3"/>
+          <p:cNvSpPr>
+            <a:spLocks noGrp="1"/>
+          </p:cNvSpPr>
+          <p:nvPr>
+            <p:ph type="dt" sz="half" idx="10"/>
+          </p:nvPr>
+        </p:nvSpPr>
+        <p:spPr/>
+        <p:txBody>
+          <a:bodyPr/>
+          <a:lstStyle/>
+          <a:p>
+            <a:fld id="{F6A2EF35-641B-46A1-97AC-E15394141053}" type="datetimeFigureOut">
+              <a:rPr lang="en-US" smtClean="0"/>
+              <a:t>7/11/2022</a:t>
+            </a:fld>
+            <a:endParaRPr lang="en-US"/>
+          </a:p>
+        </p:txBody>
+      </p:sp>
+      <p:sp>
+        <p:nvSpPr>
+          <p:cNvPr id="5" name="Footer Placeholder 4"/>
+          <p:cNvSpPr>
+            <a:spLocks noGrp="1"/>
+          </p:cNvSpPr>
+          <p:nvPr>
+            <p:ph type="ftr" sz="quarter" idx="11"/>
+          </p:nvPr>
+        </p:nvSpPr>
+        <p:spPr/>
+        <p:txBody>
+          <a:bodyPr/>
+          <a:lstStyle/>
+          <a:p>
+            <a:endParaRPr lang="en-US"/>
+          </a:p>
+        </p:txBody>
+      </p:sp>
+      <p:sp>
+        <p:nvSpPr>
+          <p:cNvPr id="6" name="Slide Number Placeholder 5"/>
+          <p:cNvSpPr>
+            <a:spLocks noGrp="1"/>
+          </p:cNvSpPr>
+          <p:nvPr>
+            <p:ph type="sldNum" sz="quarter" idx="12"/>
+          </p:nvPr>
+        </p:nvSpPr>
+        <p:spPr/>
+        <p:txBody>
+          <a:bodyPr/>
+          <a:lstStyle/>
+          <a:p>
+            <a:fld id="{A8C3D6C9-242B-4A8D-A3F5-CC148C3D1DA6}" type="slidenum">
+              <a:rPr lang="en-US" smtClean="0"/>
+              <a:t>‹#›</a:t>
+            </a:fld>
+            <a:endParaRPr lang="en-US"/>
+          </a:p>
+        </p:txBody>
+      </p:sp>
+    </p:spTree>
+    <p:extLst>
+      <p:ext uri="{BB962C8B-B14F-4D97-AF65-F5344CB8AC3E}">
+        <p14:creationId xmlns:p14="http://schemas.microsoft.com/office/powerpoint/2010/main" val="987255624"/>
+      </p:ext>
+    </p:extLst>
+  </p:cSld>
+  <p:clrMapOvr>
+    <a:masterClrMapping/>
+  </p:clrMapOvr>
+</p:sldLayout>
+</file>
+
+<file path=ppt/slideLayouts/slideLayout4.xml><?xml version="1.0" encoding="utf-8"?>
+<p:sldLayout xmlns:a="http://schemas.openxmlformats.org/drawingml/2006/main" xmlns:r="http://schemas.openxmlformats.org/officeDocument/2006/relationships" xmlns:p="http://schemas.openxmlformats.org/presentationml/2006/main" type="twoObj" preserve="1">
+  <p:cSld name="Two Content">
+    <p:spTree>
+      <p:nvGrpSpPr>
+        <p:cNvPr id="1" name=""/>
+        <p:cNvGrpSpPr/>
+        <p:nvPr/>
+      </p:nvGrpSpPr>
+      <p:grpSpPr>
+        <a:xfrm>
+          <a:off x="0" y="0"/>
+          <a:ext cx="0" cy="0"/>
+          <a:chOff x="0" y="0"/>
+          <a:chExt cx="0" cy="0"/>
+        </a:xfrm>
+      </p:grpSpPr>
+      <p:sp>
+        <p:nvSpPr>
+          <p:cNvPr id="2" name="Title 1"/>
+          <p:cNvSpPr>
+            <a:spLocks noGrp="1"/>
+          </p:cNvSpPr>
+          <p:nvPr>
+            <p:ph type="title"/>
+          </p:nvPr>
+        </p:nvSpPr>
+        <p:spPr/>
+        <p:txBody>
+          <a:bodyPr/>
+          <a:lstStyle/>
+          <a:p>
+            <a:r>
+              <a:rPr lang="en-US"/>
+              <a:t>Click to edit Master title style</a:t>
+            </a:r>
+            <a:endParaRPr lang="en-US" dirty="0"/>
+          </a:p>
+        </p:txBody>
+      </p:sp>
+      <p:sp>
+        <p:nvSpPr>
+          <p:cNvPr id="3" name="Content Placeholder 2"/>
+          <p:cNvSpPr>
+            <a:spLocks noGrp="1"/>
+          </p:cNvSpPr>
+          <p:nvPr>
+            <p:ph sz="half" idx="1"/>
+          </p:nvPr>
+        </p:nvSpPr>
+        <p:spPr>
+          <a:xfrm>
+            <a:off x="1508760" y="3894667"/>
+            <a:ext cx="9326880" cy="9282854"/>
+          </a:xfrm>
+        </p:spPr>
+        <p:txBody>
+          <a:bodyPr/>
+          <a:lstStyle/>
+          <a:p>
+            <a:pPr lvl="0"/>
+            <a:r>
+              <a:rPr lang="en-US"/>
+              <a:t>Edit Master text styles</a:t>
+            </a:r>
+          </a:p>
+          <a:p>
+            <a:pPr lvl="1"/>
+            <a:r>
+              <a:rPr lang="en-US"/>
+              <a:t>Second level</a:t>
+            </a:r>
+          </a:p>
+          <a:p>
+            <a:pPr lvl="2"/>
+            <a:r>
+              <a:rPr lang="en-US"/>
+              <a:t>Third level</a:t>
+            </a:r>
+          </a:p>
+          <a:p>
+            <a:pPr lvl="3"/>
+            <a:r>
+              <a:rPr lang="en-US"/>
+              <a:t>Fourth level</a:t>
+            </a:r>
+          </a:p>
+          <a:p>
+            <a:pPr lvl="4"/>
+            <a:r>
+              <a:rPr lang="en-US"/>
+              <a:t>Fifth level</a:t>
+            </a:r>
+            <a:endParaRPr lang="en-US" dirty="0"/>
+          </a:p>
+        </p:txBody>
+      </p:sp>
+      <p:sp>
+        <p:nvSpPr>
+          <p:cNvPr id="4" name="Content Placeholder 3"/>
+          <p:cNvSpPr>
+            <a:spLocks noGrp="1"/>
+          </p:cNvSpPr>
+          <p:nvPr>
+            <p:ph sz="half" idx="2"/>
+          </p:nvPr>
+        </p:nvSpPr>
+        <p:spPr>
+          <a:xfrm>
+            <a:off x="11109960" y="3894667"/>
+            <a:ext cx="9326880" cy="9282854"/>
+          </a:xfrm>
+        </p:spPr>
+        <p:txBody>
+          <a:bodyPr/>
+          <a:lstStyle/>
+          <a:p>
+            <a:pPr lvl="0"/>
+            <a:r>
+              <a:rPr lang="en-US"/>
+              <a:t>Edit Master text styles</a:t>
+            </a:r>
+          </a:p>
+          <a:p>
+            <a:pPr lvl="1"/>
+            <a:r>
+              <a:rPr lang="en-US"/>
+              <a:t>Second level</a:t>
+            </a:r>
+          </a:p>
+          <a:p>
+            <a:pPr lvl="2"/>
+            <a:r>
+              <a:rPr lang="en-US"/>
+              <a:t>Third level</a:t>
+            </a:r>
+          </a:p>
+          <a:p>
+            <a:pPr lvl="3"/>
+            <a:r>
+              <a:rPr lang="en-US"/>
+              <a:t>Fourth level</a:t>
+            </a:r>
+          </a:p>
+          <a:p>
+            <a:pPr lvl="4"/>
+            <a:r>
+              <a:rPr lang="en-US"/>
+              <a:t>Fifth level</a:t>
+            </a:r>
+            <a:endParaRPr lang="en-US" dirty="0"/>
+          </a:p>
+        </p:txBody>
+      </p:sp>
+      <p:sp>
+        <p:nvSpPr>
+          <p:cNvPr id="5" name="Date Placeholder 4"/>
+          <p:cNvSpPr>
+            <a:spLocks noGrp="1"/>
+          </p:cNvSpPr>
+          <p:nvPr>
+            <p:ph type="dt" sz="half" idx="10"/>
+          </p:nvPr>
+        </p:nvSpPr>
+        <p:spPr/>
+        <p:txBody>
+          <a:bodyPr/>
+          <a:lstStyle/>
+          <a:p>
+            <a:fld id="{F6A2EF35-641B-46A1-97AC-E15394141053}" type="datetimeFigureOut">
+              <a:rPr lang="en-US" smtClean="0"/>
+              <a:t>7/11/2022</a:t>
+            </a:fld>
+            <a:endParaRPr lang="en-US"/>
+          </a:p>
+        </p:txBody>
+      </p:sp>
+      <p:sp>
+        <p:nvSpPr>
+          <p:cNvPr id="6" name="Footer Placeholder 5"/>
+          <p:cNvSpPr>
+            <a:spLocks noGrp="1"/>
+          </p:cNvSpPr>
+          <p:nvPr>
+            <p:ph type="ftr" sz="quarter" idx="11"/>
+          </p:nvPr>
+        </p:nvSpPr>
+        <p:spPr/>
+        <p:txBody>
+          <a:bodyPr/>
+          <a:lstStyle/>
+          <a:p>
+            <a:endParaRPr lang="en-US"/>
+          </a:p>
+        </p:txBody>
+      </p:sp>
+      <p:sp>
+        <p:nvSpPr>
+          <p:cNvPr id="7" name="Slide Number Placeholder 6"/>
+          <p:cNvSpPr>
+            <a:spLocks noGrp="1"/>
+          </p:cNvSpPr>
+          <p:nvPr>
+            <p:ph type="sldNum" sz="quarter" idx="12"/>
+          </p:nvPr>
+        </p:nvSpPr>
+        <p:spPr/>
+        <p:txBody>
+          <a:bodyPr/>
+          <a:lstStyle/>
+          <a:p>
+            <a:fld id="{A8C3D6C9-242B-4A8D-A3F5-CC148C3D1DA6}" type="slidenum">
+              <a:rPr lang="en-US" smtClean="0"/>
+              <a:t>‹#›</a:t>
+            </a:fld>
+            <a:endParaRPr lang="en-US"/>
+          </a:p>
+        </p:txBody>
+      </p:sp>
+    </p:spTree>
+    <p:extLst>
+      <p:ext uri="{BB962C8B-B14F-4D97-AF65-F5344CB8AC3E}">
+        <p14:creationId xmlns:p14="http://schemas.microsoft.com/office/powerpoint/2010/main" val="81917304"/>
+      </p:ext>
+    </p:extLst>
+  </p:cSld>
+  <p:clrMapOvr>
+    <a:masterClrMapping/>
+  </p:clrMapOvr>
+</p:sldLayout>
+</file>
+
+<file path=ppt/slideLayouts/slideLayout5.xml><?xml version="1.0" encoding="utf-8"?>
+<p:sldLayout xmlns:a="http://schemas.openxmlformats.org/drawingml/2006/main" xmlns:r="http://schemas.openxmlformats.org/officeDocument/2006/relationships" xmlns:p="http://schemas.openxmlformats.org/presentationml/2006/main" type="twoTxTwoObj" preserve="1">
+  <p:cSld name="Comparison">
+    <p:spTree>
+      <p:nvGrpSpPr>
+        <p:cNvPr id="1" name=""/>
+        <p:cNvGrpSpPr/>
+        <p:nvPr/>
+      </p:nvGrpSpPr>
+      <p:grpSpPr>
+        <a:xfrm>
+          <a:off x="0" y="0"/>
+          <a:ext cx="0" cy="0"/>
+          <a:chOff x="0" y="0"/>
+          <a:chExt cx="0" cy="0"/>
+        </a:xfrm>
+      </p:grpSpPr>
+      <p:sp>
+        <p:nvSpPr>
+          <p:cNvPr id="2" name="Title 1"/>
+          <p:cNvSpPr>
+            <a:spLocks noGrp="1"/>
+          </p:cNvSpPr>
+          <p:nvPr>
+            <p:ph type="title"/>
+          </p:nvPr>
+        </p:nvSpPr>
+        <p:spPr>
+          <a:xfrm>
+            <a:off x="1511618" y="778936"/>
+            <a:ext cx="18928080" cy="2827868"/>
+          </a:xfrm>
+        </p:spPr>
+        <p:txBody>
+          <a:bodyPr/>
+          <a:lstStyle/>
+          <a:p>
+            <a:r>
+              <a:rPr lang="en-US"/>
+              <a:t>Click to edit Master title style</a:t>
+            </a:r>
+            <a:endParaRPr lang="en-US" dirty="0"/>
+          </a:p>
+        </p:txBody>
+      </p:sp>
+      <p:sp>
+        <p:nvSpPr>
+          <p:cNvPr id="3" name="Text Placeholder 2"/>
+          <p:cNvSpPr>
+            <a:spLocks noGrp="1"/>
+          </p:cNvSpPr>
+          <p:nvPr>
+            <p:ph type="body" idx="1"/>
+          </p:nvPr>
+        </p:nvSpPr>
+        <p:spPr>
+          <a:xfrm>
+            <a:off x="1511621" y="3586481"/>
+            <a:ext cx="9284016" cy="1757679"/>
+          </a:xfrm>
+        </p:spPr>
+        <p:txBody>
+          <a:bodyPr anchor="b"/>
+          <a:lstStyle>
+            <a:lvl1pPr marL="0" indent="0">
+              <a:buNone/>
+              <a:defRPr sz="5120" b="1"/>
+            </a:lvl1pPr>
+            <a:lvl2pPr marL="975345" indent="0">
+              <a:buNone/>
+              <a:defRPr sz="4267" b="1"/>
+            </a:lvl2pPr>
+            <a:lvl3pPr marL="1950690" indent="0">
+              <a:buNone/>
+              <a:defRPr sz="3840" b="1"/>
+            </a:lvl3pPr>
+            <a:lvl4pPr marL="2926034" indent="0">
+              <a:buNone/>
+              <a:defRPr sz="3413" b="1"/>
+            </a:lvl4pPr>
+            <a:lvl5pPr marL="3901379" indent="0">
+              <a:buNone/>
+              <a:defRPr sz="3413" b="1"/>
+            </a:lvl5pPr>
+            <a:lvl6pPr marL="4876724" indent="0">
+              <a:buNone/>
+              <a:defRPr sz="3413" b="1"/>
+            </a:lvl6pPr>
+            <a:lvl7pPr marL="5852069" indent="0">
+              <a:buNone/>
+              <a:defRPr sz="3413" b="1"/>
+            </a:lvl7pPr>
+            <a:lvl8pPr marL="6827413" indent="0">
+              <a:buNone/>
+              <a:defRPr sz="3413" b="1"/>
+            </a:lvl8pPr>
+            <a:lvl9pPr marL="7802758" indent="0">
+              <a:buNone/>
+              <a:defRPr sz="3413" b="1"/>
+            </a:lvl9pPr>
+          </a:lstStyle>
+          <a:p>
+            <a:pPr lvl="0"/>
+            <a:r>
+              <a:rPr lang="en-US"/>
+              <a:t>Edit Master text styles</a:t>
+            </a:r>
+          </a:p>
+        </p:txBody>
+      </p:sp>
+      <p:sp>
+        <p:nvSpPr>
+          <p:cNvPr id="4" name="Content Placeholder 3"/>
+          <p:cNvSpPr>
+            <a:spLocks noGrp="1"/>
+          </p:cNvSpPr>
+          <p:nvPr>
+            <p:ph sz="half" idx="2"/>
+          </p:nvPr>
+        </p:nvSpPr>
+        <p:spPr>
+          <a:xfrm>
+            <a:off x="1511621" y="5344160"/>
+            <a:ext cx="9284016" cy="7860454"/>
+          </a:xfrm>
+        </p:spPr>
+        <p:txBody>
+          <a:bodyPr/>
+          <a:lstStyle/>
+          <a:p>
+            <a:pPr lvl="0"/>
+            <a:r>
+              <a:rPr lang="en-US"/>
+              <a:t>Edit Master text styles</a:t>
+            </a:r>
+          </a:p>
+          <a:p>
+            <a:pPr lvl="1"/>
+            <a:r>
+              <a:rPr lang="en-US"/>
+              <a:t>Second level</a:t>
+            </a:r>
+          </a:p>
+          <a:p>
+            <a:pPr lvl="2"/>
+            <a:r>
+              <a:rPr lang="en-US"/>
+              <a:t>Third level</a:t>
+            </a:r>
+          </a:p>
+          <a:p>
+            <a:pPr lvl="3"/>
+            <a:r>
+              <a:rPr lang="en-US"/>
+              <a:t>Fourth level</a:t>
+            </a:r>
+          </a:p>
+          <a:p>
+            <a:pPr lvl="4"/>
+            <a:r>
+              <a:rPr lang="en-US"/>
+              <a:t>Fifth level</a:t>
+            </a:r>
+            <a:endParaRPr lang="en-US" dirty="0"/>
+          </a:p>
+        </p:txBody>
+      </p:sp>
+      <p:sp>
+        <p:nvSpPr>
+          <p:cNvPr id="5" name="Text Placeholder 4"/>
+          <p:cNvSpPr>
+            <a:spLocks noGrp="1"/>
+          </p:cNvSpPr>
+          <p:nvPr>
+            <p:ph type="body" sz="quarter" idx="3"/>
+          </p:nvPr>
+        </p:nvSpPr>
+        <p:spPr>
+          <a:xfrm>
+            <a:off x="11109961" y="3586481"/>
+            <a:ext cx="9329738" cy="1757679"/>
+          </a:xfrm>
+        </p:spPr>
+        <p:txBody>
+          <a:bodyPr anchor="b"/>
+          <a:lstStyle>
+            <a:lvl1pPr marL="0" indent="0">
+              <a:buNone/>
+              <a:defRPr sz="5120" b="1"/>
+            </a:lvl1pPr>
+            <a:lvl2pPr marL="975345" indent="0">
+              <a:buNone/>
+              <a:defRPr sz="4267" b="1"/>
+            </a:lvl2pPr>
+            <a:lvl3pPr marL="1950690" indent="0">
+              <a:buNone/>
+              <a:defRPr sz="3840" b="1"/>
+            </a:lvl3pPr>
+            <a:lvl4pPr marL="2926034" indent="0">
+              <a:buNone/>
+              <a:defRPr sz="3413" b="1"/>
+            </a:lvl4pPr>
+            <a:lvl5pPr marL="3901379" indent="0">
+              <a:buNone/>
+              <a:defRPr sz="3413" b="1"/>
+            </a:lvl5pPr>
+            <a:lvl6pPr marL="4876724" indent="0">
+              <a:buNone/>
+              <a:defRPr sz="3413" b="1"/>
+            </a:lvl6pPr>
+            <a:lvl7pPr marL="5852069" indent="0">
+              <a:buNone/>
+              <a:defRPr sz="3413" b="1"/>
+            </a:lvl7pPr>
+            <a:lvl8pPr marL="6827413" indent="0">
+              <a:buNone/>
+              <a:defRPr sz="3413" b="1"/>
+            </a:lvl8pPr>
+            <a:lvl9pPr marL="7802758" indent="0">
+              <a:buNone/>
+              <a:defRPr sz="3413" b="1"/>
+            </a:lvl9pPr>
+          </a:lstStyle>
+          <a:p>
+            <a:pPr lvl="0"/>
+            <a:r>
+              <a:rPr lang="en-US"/>
+              <a:t>Edit Master text styles</a:t>
+            </a:r>
+          </a:p>
+        </p:txBody>
+      </p:sp>
+      <p:sp>
+        <p:nvSpPr>
+          <p:cNvPr id="6" name="Content Placeholder 5"/>
+          <p:cNvSpPr>
+            <a:spLocks noGrp="1"/>
+          </p:cNvSpPr>
+          <p:nvPr>
+            <p:ph sz="quarter" idx="4"/>
+          </p:nvPr>
+        </p:nvSpPr>
+        <p:spPr>
+          <a:xfrm>
+            <a:off x="11109961" y="5344160"/>
+            <a:ext cx="9329738" cy="7860454"/>
+          </a:xfrm>
+        </p:spPr>
+        <p:txBody>
+          <a:bodyPr/>
+          <a:lstStyle/>
+          <a:p>
+            <a:pPr lvl="0"/>
+            <a:r>
+              <a:rPr lang="en-US"/>
+              <a:t>Edit Master text styles</a:t>
+            </a:r>
+          </a:p>
+          <a:p>
+            <a:pPr lvl="1"/>
+            <a:r>
+              <a:rPr lang="en-US"/>
+              <a:t>Second level</a:t>
+            </a:r>
+          </a:p>
+          <a:p>
+            <a:pPr lvl="2"/>
+            <a:r>
+              <a:rPr lang="en-US"/>
+              <a:t>Third level</a:t>
+            </a:r>
+          </a:p>
+          <a:p>
+            <a:pPr lvl="3"/>
+            <a:r>
+              <a:rPr lang="en-US"/>
+              <a:t>Fourth level</a:t>
+            </a:r>
+          </a:p>
+          <a:p>
+            <a:pPr lvl="4"/>
+            <a:r>
+              <a:rPr lang="en-US"/>
+              <a:t>Fifth level</a:t>
+            </a:r>
+            <a:endParaRPr lang="en-US" dirty="0"/>
+          </a:p>
+        </p:txBody>
+      </p:sp>
+      <p:sp>
+        <p:nvSpPr>
+          <p:cNvPr id="7" name="Date Placeholder 6"/>
+          <p:cNvSpPr>
+            <a:spLocks noGrp="1"/>
+          </p:cNvSpPr>
+          <p:nvPr>
+            <p:ph type="dt" sz="half" idx="10"/>
+          </p:nvPr>
+        </p:nvSpPr>
+        <p:spPr/>
+        <p:txBody>
+          <a:bodyPr/>
+          <a:lstStyle/>
+          <a:p>
+            <a:fld id="{F6A2EF35-641B-46A1-97AC-E15394141053}" type="datetimeFigureOut">
+              <a:rPr lang="en-US" smtClean="0"/>
+              <a:t>7/11/2022</a:t>
+            </a:fld>
+            <a:endParaRPr lang="en-US"/>
+          </a:p>
+        </p:txBody>
+      </p:sp>
+      <p:sp>
+        <p:nvSpPr>
+          <p:cNvPr id="8" name="Footer Placeholder 7"/>
+          <p:cNvSpPr>
+            <a:spLocks noGrp="1"/>
+          </p:cNvSpPr>
+          <p:nvPr>
+            <p:ph type="ftr" sz="quarter" idx="11"/>
+          </p:nvPr>
+        </p:nvSpPr>
+        <p:spPr/>
+        <p:txBody>
+          <a:bodyPr/>
+          <a:lstStyle/>
+          <a:p>
+            <a:endParaRPr lang="en-US"/>
+          </a:p>
+        </p:txBody>
+      </p:sp>
+      <p:sp>
+        <p:nvSpPr>
+          <p:cNvPr id="9" name="Slide Number Placeholder 8"/>
+          <p:cNvSpPr>
+            <a:spLocks noGrp="1"/>
+          </p:cNvSpPr>
+          <p:nvPr>
+            <p:ph type="sldNum" sz="quarter" idx="12"/>
+          </p:nvPr>
+        </p:nvSpPr>
+        <p:spPr/>
+        <p:txBody>
+          <a:bodyPr/>
+          <a:lstStyle/>
+          <a:p>
+            <a:fld id="{A8C3D6C9-242B-4A8D-A3F5-CC148C3D1DA6}" type="slidenum">
+              <a:rPr lang="en-US" smtClean="0"/>
+              <a:t>‹#›</a:t>
+            </a:fld>
+            <a:endParaRPr lang="en-US"/>
+          </a:p>
+        </p:txBody>
+      </p:sp>
+    </p:spTree>
+    <p:extLst>
+      <p:ext uri="{BB962C8B-B14F-4D97-AF65-F5344CB8AC3E}">
+        <p14:creationId xmlns:p14="http://schemas.microsoft.com/office/powerpoint/2010/main" val="2483865511"/>
+      </p:ext>
+    </p:extLst>
+  </p:cSld>
+  <p:clrMapOvr>
+    <a:masterClrMapping/>
+  </p:clrMapOvr>
+</p:sldLayout>
+</file>
+
+<file path=ppt/slideLayouts/slideLayout6.xml><?xml version="1.0" encoding="utf-8"?>
+<p:sldLayout xmlns:a="http://schemas.openxmlformats.org/drawingml/2006/main" xmlns:r="http://schemas.openxmlformats.org/officeDocument/2006/relationships" xmlns:p="http://schemas.openxmlformats.org/presentationml/2006/main" type="titleOnly" preserve="1">
+  <p:cSld name="Title Only">
+    <p:spTree>
+      <p:nvGrpSpPr>
+        <p:cNvPr id="1" name=""/>
+        <p:cNvGrpSpPr/>
+        <p:nvPr/>
+      </p:nvGrpSpPr>
+      <p:grpSpPr>
+        <a:xfrm>
+          <a:off x="0" y="0"/>
+          <a:ext cx="0" cy="0"/>
+          <a:chOff x="0" y="0"/>
+          <a:chExt cx="0" cy="0"/>
+        </a:xfrm>
+      </p:grpSpPr>
+      <p:sp>
+        <p:nvSpPr>
+          <p:cNvPr id="2" name="Title 1"/>
+          <p:cNvSpPr>
+            <a:spLocks noGrp="1"/>
+          </p:cNvSpPr>
+          <p:nvPr>
+            <p:ph type="title"/>
+          </p:nvPr>
+        </p:nvSpPr>
+        <p:spPr/>
+        <p:txBody>
+          <a:bodyPr/>
+          <a:lstStyle/>
+          <a:p>
+            <a:r>
+              <a:rPr lang="en-US"/>
+              <a:t>Click to edit Master title style</a:t>
+            </a:r>
+            <a:endParaRPr lang="en-US" dirty="0"/>
+          </a:p>
+        </p:txBody>
+      </p:sp>
+      <p:sp>
+        <p:nvSpPr>
+          <p:cNvPr id="3" name="Date Placeholder 2"/>
+          <p:cNvSpPr>
+            <a:spLocks noGrp="1"/>
+          </p:cNvSpPr>
+          <p:nvPr>
+            <p:ph type="dt" sz="half" idx="10"/>
+          </p:nvPr>
+        </p:nvSpPr>
+        <p:spPr/>
+        <p:txBody>
+          <a:bodyPr/>
+          <a:lstStyle/>
+          <a:p>
+            <a:fld id="{F6A2EF35-641B-46A1-97AC-E15394141053}" type="datetimeFigureOut">
+              <a:rPr lang="en-US" smtClean="0"/>
+              <a:t>7/11/2022</a:t>
+            </a:fld>
+            <a:endParaRPr lang="en-US"/>
+          </a:p>
+        </p:txBody>
+      </p:sp>
+      <p:sp>
+        <p:nvSpPr>
+          <p:cNvPr id="4" name="Footer Placeholder 3"/>
+          <p:cNvSpPr>
+            <a:spLocks noGrp="1"/>
+          </p:cNvSpPr>
+          <p:nvPr>
+            <p:ph type="ftr" sz="quarter" idx="11"/>
+          </p:nvPr>
+        </p:nvSpPr>
+        <p:spPr/>
+        <p:txBody>
+          <a:bodyPr/>
+          <a:lstStyle/>
+          <a:p>
+            <a:endParaRPr lang="en-US"/>
+          </a:p>
+        </p:txBody>
+      </p:sp>
+      <p:sp>
+        <p:nvSpPr>
+          <p:cNvPr id="5" name="Slide Number Placeholder 4"/>
+          <p:cNvSpPr>
+            <a:spLocks noGrp="1"/>
+          </p:cNvSpPr>
+          <p:nvPr>
+            <p:ph type="sldNum" sz="quarter" idx="12"/>
+          </p:nvPr>
+        </p:nvSpPr>
+        <p:spPr/>
+        <p:txBody>
+          <a:bodyPr/>
+          <a:lstStyle/>
+          <a:p>
+            <a:fld id="{A8C3D6C9-242B-4A8D-A3F5-CC148C3D1DA6}" type="slidenum">
+              <a:rPr lang="en-US" smtClean="0"/>
+              <a:t>‹#›</a:t>
+            </a:fld>
+            <a:endParaRPr lang="en-US"/>
+          </a:p>
+        </p:txBody>
+      </p:sp>
+    </p:spTree>
+    <p:extLst>
+      <p:ext uri="{BB962C8B-B14F-4D97-AF65-F5344CB8AC3E}">
+        <p14:creationId xmlns:p14="http://schemas.microsoft.com/office/powerpoint/2010/main" val="94821672"/>
+      </p:ext>
+    </p:extLst>
+  </p:cSld>
+  <p:clrMapOvr>
+    <a:masterClrMapping/>
+  </p:clrMapOvr>
+</p:sldLayout>
+</file>
+
+<file path=ppt/slideLayouts/slideLayout7.xml><?xml version="1.0" encoding="utf-8"?>
+<p:sldLayout xmlns:a="http://schemas.openxmlformats.org/drawingml/2006/main" xmlns:r="http://schemas.openxmlformats.org/officeDocument/2006/relationships" xmlns:p="http://schemas.openxmlformats.org/presentationml/2006/main" type="blank" preserve="1">
   <p:cSld name="Blank">
     <p:spTree>
       <p:nvGrpSpPr>
@@ -776,13 +1799,7 @@
       </p:grpSpPr>
       <p:sp>
         <p:nvSpPr>
-          <p:cNvPr id="2" name="Date Placeholder 1">
-            <a:extLst>
-              <a:ext uri="{FF2B5EF4-FFF2-40B4-BE49-F238E27FC236}">
-                <a16:creationId xmlns:a16="http://schemas.microsoft.com/office/drawing/2014/main" id="{AB335133-BC66-D740-A8F2-49180671F2D4}"/>
-              </a:ext>
-            </a:extLst>
-          </p:cNvPr>
+          <p:cNvPr id="2" name="Date Placeholder 1"/>
           <p:cNvSpPr>
             <a:spLocks noGrp="1"/>
           </p:cNvSpPr>
@@ -795,19 +1812,17 @@
           <a:bodyPr/>
           <a:lstStyle/>
           <a:p>
-            <a:endParaRPr lang="en-US" dirty="0"/>
-          </a:p>
-        </p:txBody>
-      </p:sp>
-      <p:sp>
-        <p:nvSpPr>
-          <p:cNvPr id="3" name="Footer Placeholder 2">
-            <a:extLst>
-              <a:ext uri="{FF2B5EF4-FFF2-40B4-BE49-F238E27FC236}">
-                <a16:creationId xmlns:a16="http://schemas.microsoft.com/office/drawing/2014/main" id="{2BD45912-5042-564C-832E-5F4D1FCB156D}"/>
-              </a:ext>
-            </a:extLst>
-          </p:cNvPr>
+            <a:fld id="{F6A2EF35-641B-46A1-97AC-E15394141053}" type="datetimeFigureOut">
+              <a:rPr lang="en-US" smtClean="0"/>
+              <a:t>7/11/2022</a:t>
+            </a:fld>
+            <a:endParaRPr lang="en-US"/>
+          </a:p>
+        </p:txBody>
+      </p:sp>
+      <p:sp>
+        <p:nvSpPr>
+          <p:cNvPr id="3" name="Footer Placeholder 2"/>
           <p:cNvSpPr>
             <a:spLocks noGrp="1"/>
           </p:cNvSpPr>
@@ -820,14 +1835,37 @@
           <a:bodyPr/>
           <a:lstStyle/>
           <a:p>
-            <a:endParaRPr lang="en-US" dirty="0"/>
+            <a:endParaRPr lang="en-US"/>
+          </a:p>
+        </p:txBody>
+      </p:sp>
+      <p:sp>
+        <p:nvSpPr>
+          <p:cNvPr id="4" name="Slide Number Placeholder 3"/>
+          <p:cNvSpPr>
+            <a:spLocks noGrp="1"/>
+          </p:cNvSpPr>
+          <p:nvPr>
+            <p:ph type="sldNum" sz="quarter" idx="12"/>
+          </p:nvPr>
+        </p:nvSpPr>
+        <p:spPr/>
+        <p:txBody>
+          <a:bodyPr/>
+          <a:lstStyle/>
+          <a:p>
+            <a:fld id="{A8C3D6C9-242B-4A8D-A3F5-CC148C3D1DA6}" type="slidenum">
+              <a:rPr lang="en-US" smtClean="0"/>
+              <a:t>‹#›</a:t>
+            </a:fld>
+            <a:endParaRPr lang="en-US"/>
           </a:p>
         </p:txBody>
       </p:sp>
     </p:spTree>
     <p:extLst>
       <p:ext uri="{BB962C8B-B14F-4D97-AF65-F5344CB8AC3E}">
-        <p14:creationId xmlns:p14="http://schemas.microsoft.com/office/powerpoint/2010/main" val="3761689780"/>
+        <p14:creationId xmlns:p14="http://schemas.microsoft.com/office/powerpoint/2010/main" val="1476759369"/>
       </p:ext>
     </p:extLst>
   </p:cSld>
@@ -837,7 +1875,284 @@
 </p:sldLayout>
 </file>
 
-<file path=ppt/slideLayouts/slideLayout10.xml><?xml version="1.0" encoding="utf-8"?>
+<file path=ppt/slideLayouts/slideLayout8.xml><?xml version="1.0" encoding="utf-8"?>
+<p:sldLayout xmlns:a="http://schemas.openxmlformats.org/drawingml/2006/main" xmlns:r="http://schemas.openxmlformats.org/officeDocument/2006/relationships" xmlns:p="http://schemas.openxmlformats.org/presentationml/2006/main" type="objTx" preserve="1">
+  <p:cSld name="Content with Caption">
+    <p:spTree>
+      <p:nvGrpSpPr>
+        <p:cNvPr id="1" name=""/>
+        <p:cNvGrpSpPr/>
+        <p:nvPr/>
+      </p:nvGrpSpPr>
+      <p:grpSpPr>
+        <a:xfrm>
+          <a:off x="0" y="0"/>
+          <a:ext cx="0" cy="0"/>
+          <a:chOff x="0" y="0"/>
+          <a:chExt cx="0" cy="0"/>
+        </a:xfrm>
+      </p:grpSpPr>
+      <p:sp>
+        <p:nvSpPr>
+          <p:cNvPr id="2" name="Title 1"/>
+          <p:cNvSpPr>
+            <a:spLocks noGrp="1"/>
+          </p:cNvSpPr>
+          <p:nvPr>
+            <p:ph type="title"/>
+          </p:nvPr>
+        </p:nvSpPr>
+        <p:spPr>
+          <a:xfrm>
+            <a:off x="1511619" y="975360"/>
+            <a:ext cx="7078027" cy="3413760"/>
+          </a:xfrm>
+        </p:spPr>
+        <p:txBody>
+          <a:bodyPr anchor="b"/>
+          <a:lstStyle>
+            <a:lvl1pPr>
+              <a:defRPr sz="6827"/>
+            </a:lvl1pPr>
+          </a:lstStyle>
+          <a:p>
+            <a:r>
+              <a:rPr lang="en-US"/>
+              <a:t>Click to edit Master title style</a:t>
+            </a:r>
+            <a:endParaRPr lang="en-US" dirty="0"/>
+          </a:p>
+        </p:txBody>
+      </p:sp>
+      <p:sp>
+        <p:nvSpPr>
+          <p:cNvPr id="3" name="Content Placeholder 2"/>
+          <p:cNvSpPr>
+            <a:spLocks noGrp="1"/>
+          </p:cNvSpPr>
+          <p:nvPr>
+            <p:ph idx="1"/>
+          </p:nvPr>
+        </p:nvSpPr>
+        <p:spPr>
+          <a:xfrm>
+            <a:off x="9329738" y="2106510"/>
+            <a:ext cx="11109960" cy="10397067"/>
+          </a:xfrm>
+        </p:spPr>
+        <p:txBody>
+          <a:bodyPr/>
+          <a:lstStyle>
+            <a:lvl1pPr>
+              <a:defRPr sz="6827"/>
+            </a:lvl1pPr>
+            <a:lvl2pPr>
+              <a:defRPr sz="5973"/>
+            </a:lvl2pPr>
+            <a:lvl3pPr>
+              <a:defRPr sz="5120"/>
+            </a:lvl3pPr>
+            <a:lvl4pPr>
+              <a:defRPr sz="4267"/>
+            </a:lvl4pPr>
+            <a:lvl5pPr>
+              <a:defRPr sz="4267"/>
+            </a:lvl5pPr>
+            <a:lvl6pPr>
+              <a:defRPr sz="4267"/>
+            </a:lvl6pPr>
+            <a:lvl7pPr>
+              <a:defRPr sz="4267"/>
+            </a:lvl7pPr>
+            <a:lvl8pPr>
+              <a:defRPr sz="4267"/>
+            </a:lvl8pPr>
+            <a:lvl9pPr>
+              <a:defRPr sz="4267"/>
+            </a:lvl9pPr>
+          </a:lstStyle>
+          <a:p>
+            <a:pPr lvl="0"/>
+            <a:r>
+              <a:rPr lang="en-US"/>
+              <a:t>Edit Master text styles</a:t>
+            </a:r>
+          </a:p>
+          <a:p>
+            <a:pPr lvl="1"/>
+            <a:r>
+              <a:rPr lang="en-US"/>
+              <a:t>Second level</a:t>
+            </a:r>
+          </a:p>
+          <a:p>
+            <a:pPr lvl="2"/>
+            <a:r>
+              <a:rPr lang="en-US"/>
+              <a:t>Third level</a:t>
+            </a:r>
+          </a:p>
+          <a:p>
+            <a:pPr lvl="3"/>
+            <a:r>
+              <a:rPr lang="en-US"/>
+              <a:t>Fourth level</a:t>
+            </a:r>
+          </a:p>
+          <a:p>
+            <a:pPr lvl="4"/>
+            <a:r>
+              <a:rPr lang="en-US"/>
+              <a:t>Fifth level</a:t>
+            </a:r>
+            <a:endParaRPr lang="en-US" dirty="0"/>
+          </a:p>
+        </p:txBody>
+      </p:sp>
+      <p:sp>
+        <p:nvSpPr>
+          <p:cNvPr id="4" name="Text Placeholder 3"/>
+          <p:cNvSpPr>
+            <a:spLocks noGrp="1"/>
+          </p:cNvSpPr>
+          <p:nvPr>
+            <p:ph type="body" sz="half" idx="2"/>
+          </p:nvPr>
+        </p:nvSpPr>
+        <p:spPr>
+          <a:xfrm>
+            <a:off x="1511619" y="4389120"/>
+            <a:ext cx="7078027" cy="8131388"/>
+          </a:xfrm>
+        </p:spPr>
+        <p:txBody>
+          <a:bodyPr/>
+          <a:lstStyle>
+            <a:lvl1pPr marL="0" indent="0">
+              <a:buNone/>
+              <a:defRPr sz="3413"/>
+            </a:lvl1pPr>
+            <a:lvl2pPr marL="975345" indent="0">
+              <a:buNone/>
+              <a:defRPr sz="2987"/>
+            </a:lvl2pPr>
+            <a:lvl3pPr marL="1950690" indent="0">
+              <a:buNone/>
+              <a:defRPr sz="2560"/>
+            </a:lvl3pPr>
+            <a:lvl4pPr marL="2926034" indent="0">
+              <a:buNone/>
+              <a:defRPr sz="2133"/>
+            </a:lvl4pPr>
+            <a:lvl5pPr marL="3901379" indent="0">
+              <a:buNone/>
+              <a:defRPr sz="2133"/>
+            </a:lvl5pPr>
+            <a:lvl6pPr marL="4876724" indent="0">
+              <a:buNone/>
+              <a:defRPr sz="2133"/>
+            </a:lvl6pPr>
+            <a:lvl7pPr marL="5852069" indent="0">
+              <a:buNone/>
+              <a:defRPr sz="2133"/>
+            </a:lvl7pPr>
+            <a:lvl8pPr marL="6827413" indent="0">
+              <a:buNone/>
+              <a:defRPr sz="2133"/>
+            </a:lvl8pPr>
+            <a:lvl9pPr marL="7802758" indent="0">
+              <a:buNone/>
+              <a:defRPr sz="2133"/>
+            </a:lvl9pPr>
+          </a:lstStyle>
+          <a:p>
+            <a:pPr lvl="0"/>
+            <a:r>
+              <a:rPr lang="en-US"/>
+              <a:t>Edit Master text styles</a:t>
+            </a:r>
+          </a:p>
+        </p:txBody>
+      </p:sp>
+      <p:sp>
+        <p:nvSpPr>
+          <p:cNvPr id="5" name="Date Placeholder 4"/>
+          <p:cNvSpPr>
+            <a:spLocks noGrp="1"/>
+          </p:cNvSpPr>
+          <p:nvPr>
+            <p:ph type="dt" sz="half" idx="10"/>
+          </p:nvPr>
+        </p:nvSpPr>
+        <p:spPr/>
+        <p:txBody>
+          <a:bodyPr/>
+          <a:lstStyle/>
+          <a:p>
+            <a:fld id="{F6A2EF35-641B-46A1-97AC-E15394141053}" type="datetimeFigureOut">
+              <a:rPr lang="en-US" smtClean="0"/>
+              <a:t>7/11/2022</a:t>
+            </a:fld>
+            <a:endParaRPr lang="en-US"/>
+          </a:p>
+        </p:txBody>
+      </p:sp>
+      <p:sp>
+        <p:nvSpPr>
+          <p:cNvPr id="6" name="Footer Placeholder 5"/>
+          <p:cNvSpPr>
+            <a:spLocks noGrp="1"/>
+          </p:cNvSpPr>
+          <p:nvPr>
+            <p:ph type="ftr" sz="quarter" idx="11"/>
+          </p:nvPr>
+        </p:nvSpPr>
+        <p:spPr/>
+        <p:txBody>
+          <a:bodyPr/>
+          <a:lstStyle/>
+          <a:p>
+            <a:endParaRPr lang="en-US"/>
+          </a:p>
+        </p:txBody>
+      </p:sp>
+      <p:sp>
+        <p:nvSpPr>
+          <p:cNvPr id="7" name="Slide Number Placeholder 6"/>
+          <p:cNvSpPr>
+            <a:spLocks noGrp="1"/>
+          </p:cNvSpPr>
+          <p:nvPr>
+            <p:ph type="sldNum" sz="quarter" idx="12"/>
+          </p:nvPr>
+        </p:nvSpPr>
+        <p:spPr/>
+        <p:txBody>
+          <a:bodyPr/>
+          <a:lstStyle/>
+          <a:p>
+            <a:fld id="{A8C3D6C9-242B-4A8D-A3F5-CC148C3D1DA6}" type="slidenum">
+              <a:rPr lang="en-US" smtClean="0"/>
+              <a:t>‹#›</a:t>
+            </a:fld>
+            <a:endParaRPr lang="en-US"/>
+          </a:p>
+        </p:txBody>
+      </p:sp>
+    </p:spTree>
+    <p:extLst>
+      <p:ext uri="{BB962C8B-B14F-4D97-AF65-F5344CB8AC3E}">
+        <p14:creationId xmlns:p14="http://schemas.microsoft.com/office/powerpoint/2010/main" val="2196352989"/>
+      </p:ext>
+    </p:extLst>
+  </p:cSld>
+  <p:clrMapOvr>
+    <a:masterClrMapping/>
+  </p:clrMapOvr>
+</p:sldLayout>
+</file>
+
+<file path=ppt/slideLayouts/slideLayout9.xml><?xml version="1.0" encoding="utf-8"?>
 <p:sldLayout xmlns:a="http://schemas.openxmlformats.org/drawingml/2006/main" xmlns:r="http://schemas.openxmlformats.org/officeDocument/2006/relationships" xmlns:p="http://schemas.openxmlformats.org/presentationml/2006/main" type="picTx" preserve="1">
   <p:cSld name="Picture with Caption">
     <p:spTree>
@@ -866,15 +2181,15 @@
         </p:nvSpPr>
         <p:spPr>
           <a:xfrm>
-            <a:off x="1133714" y="731520"/>
-            <a:ext cx="5308520" cy="2560320"/>
+            <a:off x="1511619" y="975360"/>
+            <a:ext cx="7078027" cy="3413760"/>
           </a:xfrm>
         </p:spPr>
         <p:txBody>
           <a:bodyPr anchor="b"/>
           <a:lstStyle>
             <a:lvl1pPr>
-              <a:defRPr sz="5120"/>
+              <a:defRPr sz="6827"/>
             </a:lvl1pPr>
           </a:lstStyle>
           <a:p>
@@ -898,8 +2213,8 @@
         </p:nvSpPr>
         <p:spPr>
           <a:xfrm>
-            <a:off x="6997304" y="1579882"/>
-            <a:ext cx="8332470" cy="7797800"/>
+            <a:off x="9329738" y="2106510"/>
+            <a:ext cx="11109960" cy="10397067"/>
           </a:xfrm>
         </p:spPr>
         <p:txBody>
@@ -907,39 +2222,39 @@
           <a:lstStyle>
             <a:lvl1pPr marL="0" indent="0">
               <a:buNone/>
+              <a:defRPr sz="6827"/>
+            </a:lvl1pPr>
+            <a:lvl2pPr marL="975345" indent="0">
+              <a:buNone/>
+              <a:defRPr sz="5973"/>
+            </a:lvl2pPr>
+            <a:lvl3pPr marL="1950690" indent="0">
+              <a:buNone/>
               <a:defRPr sz="5120"/>
-            </a:lvl1pPr>
-            <a:lvl2pPr marL="731520" indent="0">
+            </a:lvl3pPr>
+            <a:lvl4pPr marL="2926034" indent="0">
               <a:buNone/>
-              <a:defRPr sz="4480"/>
-            </a:lvl2pPr>
-            <a:lvl3pPr marL="1463040" indent="0">
+              <a:defRPr sz="4267"/>
+            </a:lvl4pPr>
+            <a:lvl5pPr marL="3901379" indent="0">
               <a:buNone/>
-              <a:defRPr sz="3840"/>
-            </a:lvl3pPr>
-            <a:lvl4pPr marL="2194560" indent="0">
+              <a:defRPr sz="4267"/>
+            </a:lvl5pPr>
+            <a:lvl6pPr marL="4876724" indent="0">
               <a:buNone/>
-              <a:defRPr sz="3200"/>
-            </a:lvl4pPr>
-            <a:lvl5pPr marL="2926080" indent="0">
+              <a:defRPr sz="4267"/>
+            </a:lvl6pPr>
+            <a:lvl7pPr marL="5852069" indent="0">
               <a:buNone/>
-              <a:defRPr sz="3200"/>
-            </a:lvl5pPr>
-            <a:lvl6pPr marL="3657600" indent="0">
+              <a:defRPr sz="4267"/>
+            </a:lvl7pPr>
+            <a:lvl8pPr marL="6827413" indent="0">
               <a:buNone/>
-              <a:defRPr sz="3200"/>
-            </a:lvl6pPr>
-            <a:lvl7pPr marL="4389120" indent="0">
+              <a:defRPr sz="4267"/>
+            </a:lvl8pPr>
+            <a:lvl9pPr marL="7802758" indent="0">
               <a:buNone/>
-              <a:defRPr sz="3200"/>
-            </a:lvl7pPr>
-            <a:lvl8pPr marL="5120640" indent="0">
-              <a:buNone/>
-              <a:defRPr sz="3200"/>
-            </a:lvl8pPr>
-            <a:lvl9pPr marL="5852160" indent="0">
-              <a:buNone/>
-              <a:defRPr sz="3200"/>
+              <a:defRPr sz="4267"/>
             </a:lvl9pPr>
           </a:lstStyle>
           <a:p>
@@ -963,8 +2278,8 @@
         </p:nvSpPr>
         <p:spPr>
           <a:xfrm>
-            <a:off x="1133714" y="3291840"/>
-            <a:ext cx="5308520" cy="6098541"/>
+            <a:off x="1511619" y="4389120"/>
+            <a:ext cx="7078027" cy="8131388"/>
           </a:xfrm>
         </p:spPr>
         <p:txBody>
@@ -972,39 +2287,39 @@
           <a:lstStyle>
             <a:lvl1pPr marL="0" indent="0">
               <a:buNone/>
+              <a:defRPr sz="3413"/>
+            </a:lvl1pPr>
+            <a:lvl2pPr marL="975345" indent="0">
+              <a:buNone/>
+              <a:defRPr sz="2987"/>
+            </a:lvl2pPr>
+            <a:lvl3pPr marL="1950690" indent="0">
+              <a:buNone/>
               <a:defRPr sz="2560"/>
-            </a:lvl1pPr>
-            <a:lvl2pPr marL="731520" indent="0">
+            </a:lvl3pPr>
+            <a:lvl4pPr marL="2926034" indent="0">
               <a:buNone/>
-              <a:defRPr sz="2240"/>
-            </a:lvl2pPr>
-            <a:lvl3pPr marL="1463040" indent="0">
+              <a:defRPr sz="2133"/>
+            </a:lvl4pPr>
+            <a:lvl5pPr marL="3901379" indent="0">
               <a:buNone/>
-              <a:defRPr sz="1920"/>
-            </a:lvl3pPr>
-            <a:lvl4pPr marL="2194560" indent="0">
+              <a:defRPr sz="2133"/>
+            </a:lvl5pPr>
+            <a:lvl6pPr marL="4876724" indent="0">
               <a:buNone/>
-              <a:defRPr sz="1600"/>
-            </a:lvl4pPr>
-            <a:lvl5pPr marL="2926080" indent="0">
+              <a:defRPr sz="2133"/>
+            </a:lvl6pPr>
+            <a:lvl7pPr marL="5852069" indent="0">
               <a:buNone/>
-              <a:defRPr sz="1600"/>
-            </a:lvl5pPr>
-            <a:lvl6pPr marL="3657600" indent="0">
+              <a:defRPr sz="2133"/>
+            </a:lvl7pPr>
+            <a:lvl8pPr marL="6827413" indent="0">
               <a:buNone/>
-              <a:defRPr sz="1600"/>
-            </a:lvl6pPr>
-            <a:lvl7pPr marL="4389120" indent="0">
+              <a:defRPr sz="2133"/>
+            </a:lvl8pPr>
+            <a:lvl9pPr marL="7802758" indent="0">
               <a:buNone/>
-              <a:defRPr sz="1600"/>
-            </a:lvl7pPr>
-            <a:lvl8pPr marL="5120640" indent="0">
-              <a:buNone/>
-              <a:defRPr sz="1600"/>
-            </a:lvl8pPr>
-            <a:lvl9pPr marL="5852160" indent="0">
-              <a:buNone/>
-              <a:defRPr sz="1600"/>
+              <a:defRPr sz="2133"/>
             </a:lvl9pPr>
           </a:lstStyle>
           <a:p>
@@ -1031,11 +2346,11 @@
           <a:bodyPr/>
           <a:lstStyle/>
           <a:p>
-            <a:fld id="{C764DE79-268F-4C1A-8933-263129D2AF90}" type="datetimeFigureOut">
-              <a:rPr lang="en-US" dirty="0"/>
-              <a:t>6/30/2022</a:t>
+            <a:fld id="{F6A2EF35-641B-46A1-97AC-E15394141053}" type="datetimeFigureOut">
+              <a:rPr lang="en-US" smtClean="0"/>
+              <a:t>7/11/2022</a:t>
             </a:fld>
-            <a:endParaRPr lang="en-US" dirty="0"/>
+            <a:endParaRPr lang="en-US"/>
           </a:p>
         </p:txBody>
       </p:sp>
@@ -1054,7 +2369,7 @@
           <a:bodyPr/>
           <a:lstStyle/>
           <a:p>
-            <a:endParaRPr lang="en-US" dirty="0"/>
+            <a:endParaRPr lang="en-US"/>
           </a:p>
         </p:txBody>
       </p:sp>
@@ -1073,1791 +2388,18 @@
           <a:bodyPr/>
           <a:lstStyle/>
           <a:p>
-            <a:fld id="{48F63A3B-78C7-47BE-AE5E-E10140E04643}" type="slidenum">
-              <a:rPr lang="en-US" dirty="0"/>
+            <a:fld id="{A8C3D6C9-242B-4A8D-A3F5-CC148C3D1DA6}" type="slidenum">
+              <a:rPr lang="en-US" smtClean="0"/>
               <a:t>‹#›</a:t>
             </a:fld>
-            <a:endParaRPr lang="en-US" dirty="0"/>
+            <a:endParaRPr lang="en-US"/>
           </a:p>
         </p:txBody>
       </p:sp>
     </p:spTree>
     <p:extLst>
       <p:ext uri="{BB962C8B-B14F-4D97-AF65-F5344CB8AC3E}">
-        <p14:creationId xmlns:p14="http://schemas.microsoft.com/office/powerpoint/2010/main" val="58352080"/>
-      </p:ext>
-    </p:extLst>
-  </p:cSld>
-  <p:clrMapOvr>
-    <a:masterClrMapping/>
-  </p:clrMapOvr>
-  <p:hf sldNum="0" hdr="0" ftr="0" dt="0"/>
-</p:sldLayout>
-</file>
-
-<file path=ppt/slideLayouts/slideLayout11.xml><?xml version="1.0" encoding="utf-8"?>
-<p:sldLayout xmlns:a="http://schemas.openxmlformats.org/drawingml/2006/main" xmlns:r="http://schemas.openxmlformats.org/officeDocument/2006/relationships" xmlns:p="http://schemas.openxmlformats.org/presentationml/2006/main" type="vertTx" preserve="1">
-  <p:cSld name="Title and Vertical Text">
-    <p:spTree>
-      <p:nvGrpSpPr>
-        <p:cNvPr id="1" name=""/>
-        <p:cNvGrpSpPr/>
-        <p:nvPr/>
-      </p:nvGrpSpPr>
-      <p:grpSpPr>
-        <a:xfrm>
-          <a:off x="0" y="0"/>
-          <a:ext cx="0" cy="0"/>
-          <a:chOff x="0" y="0"/>
-          <a:chExt cx="0" cy="0"/>
-        </a:xfrm>
-      </p:grpSpPr>
-      <p:sp>
-        <p:nvSpPr>
-          <p:cNvPr id="2" name="Title 1"/>
-          <p:cNvSpPr>
-            <a:spLocks noGrp="1"/>
-          </p:cNvSpPr>
-          <p:nvPr>
-            <p:ph type="title"/>
-          </p:nvPr>
-        </p:nvSpPr>
-        <p:spPr/>
-        <p:txBody>
-          <a:bodyPr/>
-          <a:lstStyle/>
-          <a:p>
-            <a:r>
-              <a:rPr lang="en-US"/>
-              <a:t>Click to edit Master title style</a:t>
-            </a:r>
-            <a:endParaRPr lang="en-US" dirty="0"/>
-          </a:p>
-        </p:txBody>
-      </p:sp>
-      <p:sp>
-        <p:nvSpPr>
-          <p:cNvPr id="3" name="Vertical Text Placeholder 2"/>
-          <p:cNvSpPr>
-            <a:spLocks noGrp="1"/>
-          </p:cNvSpPr>
-          <p:nvPr>
-            <p:ph type="body" orient="vert" idx="1"/>
-          </p:nvPr>
-        </p:nvSpPr>
-        <p:spPr/>
-        <p:txBody>
-          <a:bodyPr vert="eaVert"/>
-          <a:lstStyle/>
-          <a:p>
-            <a:pPr lvl="0"/>
-            <a:r>
-              <a:rPr lang="en-US"/>
-              <a:t>Edit Master text styles</a:t>
-            </a:r>
-          </a:p>
-          <a:p>
-            <a:pPr lvl="1"/>
-            <a:r>
-              <a:rPr lang="en-US"/>
-              <a:t>Second level</a:t>
-            </a:r>
-          </a:p>
-          <a:p>
-            <a:pPr lvl="2"/>
-            <a:r>
-              <a:rPr lang="en-US"/>
-              <a:t>Third level</a:t>
-            </a:r>
-          </a:p>
-          <a:p>
-            <a:pPr lvl="3"/>
-            <a:r>
-              <a:rPr lang="en-US"/>
-              <a:t>Fourth level</a:t>
-            </a:r>
-          </a:p>
-          <a:p>
-            <a:pPr lvl="4"/>
-            <a:r>
-              <a:rPr lang="en-US"/>
-              <a:t>Fifth level</a:t>
-            </a:r>
-            <a:endParaRPr lang="en-US" dirty="0"/>
-          </a:p>
-        </p:txBody>
-      </p:sp>
-      <p:sp>
-        <p:nvSpPr>
-          <p:cNvPr id="4" name="Date Placeholder 3"/>
-          <p:cNvSpPr>
-            <a:spLocks noGrp="1"/>
-          </p:cNvSpPr>
-          <p:nvPr>
-            <p:ph type="dt" sz="half" idx="10"/>
-          </p:nvPr>
-        </p:nvSpPr>
-        <p:spPr/>
-        <p:txBody>
-          <a:bodyPr/>
-          <a:lstStyle/>
-          <a:p>
-            <a:fld id="{C764DE79-268F-4C1A-8933-263129D2AF90}" type="datetimeFigureOut">
-              <a:rPr lang="en-US" dirty="0"/>
-              <a:t>6/30/2022</a:t>
-            </a:fld>
-            <a:endParaRPr lang="en-US" dirty="0"/>
-          </a:p>
-        </p:txBody>
-      </p:sp>
-      <p:sp>
-        <p:nvSpPr>
-          <p:cNvPr id="5" name="Footer Placeholder 4"/>
-          <p:cNvSpPr>
-            <a:spLocks noGrp="1"/>
-          </p:cNvSpPr>
-          <p:nvPr>
-            <p:ph type="ftr" sz="quarter" idx="11"/>
-          </p:nvPr>
-        </p:nvSpPr>
-        <p:spPr/>
-        <p:txBody>
-          <a:bodyPr/>
-          <a:lstStyle/>
-          <a:p>
-            <a:endParaRPr lang="en-US" dirty="0"/>
-          </a:p>
-        </p:txBody>
-      </p:sp>
-      <p:sp>
-        <p:nvSpPr>
-          <p:cNvPr id="6" name="Slide Number Placeholder 5"/>
-          <p:cNvSpPr>
-            <a:spLocks noGrp="1"/>
-          </p:cNvSpPr>
-          <p:nvPr>
-            <p:ph type="sldNum" sz="quarter" idx="12"/>
-          </p:nvPr>
-        </p:nvSpPr>
-        <p:spPr/>
-        <p:txBody>
-          <a:bodyPr/>
-          <a:lstStyle/>
-          <a:p>
-            <a:fld id="{48F63A3B-78C7-47BE-AE5E-E10140E04643}" type="slidenum">
-              <a:rPr lang="en-US" dirty="0"/>
-              <a:t>‹#›</a:t>
-            </a:fld>
-            <a:endParaRPr lang="en-US" dirty="0"/>
-          </a:p>
-        </p:txBody>
-      </p:sp>
-    </p:spTree>
-    <p:extLst>
-      <p:ext uri="{BB962C8B-B14F-4D97-AF65-F5344CB8AC3E}">
-        <p14:creationId xmlns:p14="http://schemas.microsoft.com/office/powerpoint/2010/main" val="470330510"/>
-      </p:ext>
-    </p:extLst>
-  </p:cSld>
-  <p:clrMapOvr>
-    <a:masterClrMapping/>
-  </p:clrMapOvr>
-  <p:hf sldNum="0" hdr="0" ftr="0" dt="0"/>
-</p:sldLayout>
-</file>
-
-<file path=ppt/slideLayouts/slideLayout12.xml><?xml version="1.0" encoding="utf-8"?>
-<p:sldLayout xmlns:a="http://schemas.openxmlformats.org/drawingml/2006/main" xmlns:r="http://schemas.openxmlformats.org/officeDocument/2006/relationships" xmlns:p="http://schemas.openxmlformats.org/presentationml/2006/main" type="vertTitleAndTx" preserve="1">
-  <p:cSld name="Vertical Title and Text">
-    <p:spTree>
-      <p:nvGrpSpPr>
-        <p:cNvPr id="1" name=""/>
-        <p:cNvGrpSpPr/>
-        <p:nvPr/>
-      </p:nvGrpSpPr>
-      <p:grpSpPr>
-        <a:xfrm>
-          <a:off x="0" y="0"/>
-          <a:ext cx="0" cy="0"/>
-          <a:chOff x="0" y="0"/>
-          <a:chExt cx="0" cy="0"/>
-        </a:xfrm>
-      </p:grpSpPr>
-      <p:sp>
-        <p:nvSpPr>
-          <p:cNvPr id="2" name="Vertical Title 1"/>
-          <p:cNvSpPr>
-            <a:spLocks noGrp="1"/>
-          </p:cNvSpPr>
-          <p:nvPr>
-            <p:ph type="title" orient="vert"/>
-          </p:nvPr>
-        </p:nvSpPr>
-        <p:spPr>
-          <a:xfrm>
-            <a:off x="11778616" y="584200"/>
-            <a:ext cx="3549015" cy="9298941"/>
-          </a:xfrm>
-        </p:spPr>
-        <p:txBody>
-          <a:bodyPr vert="eaVert"/>
-          <a:lstStyle/>
-          <a:p>
-            <a:r>
-              <a:rPr lang="en-US"/>
-              <a:t>Click to edit Master title style</a:t>
-            </a:r>
-            <a:endParaRPr lang="en-US" dirty="0"/>
-          </a:p>
-        </p:txBody>
-      </p:sp>
-      <p:sp>
-        <p:nvSpPr>
-          <p:cNvPr id="3" name="Vertical Text Placeholder 2"/>
-          <p:cNvSpPr>
-            <a:spLocks noGrp="1"/>
-          </p:cNvSpPr>
-          <p:nvPr>
-            <p:ph type="body" orient="vert" idx="1"/>
-          </p:nvPr>
-        </p:nvSpPr>
-        <p:spPr>
-          <a:xfrm>
-            <a:off x="1131571" y="584200"/>
-            <a:ext cx="10441305" cy="9298941"/>
-          </a:xfrm>
-        </p:spPr>
-        <p:txBody>
-          <a:bodyPr vert="eaVert"/>
-          <a:lstStyle/>
-          <a:p>
-            <a:pPr lvl="0"/>
-            <a:r>
-              <a:rPr lang="en-US"/>
-              <a:t>Edit Master text styles</a:t>
-            </a:r>
-          </a:p>
-          <a:p>
-            <a:pPr lvl="1"/>
-            <a:r>
-              <a:rPr lang="en-US"/>
-              <a:t>Second level</a:t>
-            </a:r>
-          </a:p>
-          <a:p>
-            <a:pPr lvl="2"/>
-            <a:r>
-              <a:rPr lang="en-US"/>
-              <a:t>Third level</a:t>
-            </a:r>
-          </a:p>
-          <a:p>
-            <a:pPr lvl="3"/>
-            <a:r>
-              <a:rPr lang="en-US"/>
-              <a:t>Fourth level</a:t>
-            </a:r>
-          </a:p>
-          <a:p>
-            <a:pPr lvl="4"/>
-            <a:r>
-              <a:rPr lang="en-US"/>
-              <a:t>Fifth level</a:t>
-            </a:r>
-            <a:endParaRPr lang="en-US" dirty="0"/>
-          </a:p>
-        </p:txBody>
-      </p:sp>
-      <p:sp>
-        <p:nvSpPr>
-          <p:cNvPr id="4" name="Date Placeholder 3"/>
-          <p:cNvSpPr>
-            <a:spLocks noGrp="1"/>
-          </p:cNvSpPr>
-          <p:nvPr>
-            <p:ph type="dt" sz="half" idx="10"/>
-          </p:nvPr>
-        </p:nvSpPr>
-        <p:spPr/>
-        <p:txBody>
-          <a:bodyPr/>
-          <a:lstStyle/>
-          <a:p>
-            <a:fld id="{C764DE79-268F-4C1A-8933-263129D2AF90}" type="datetimeFigureOut">
-              <a:rPr lang="en-US" dirty="0"/>
-              <a:t>6/30/2022</a:t>
-            </a:fld>
-            <a:endParaRPr lang="en-US" dirty="0"/>
-          </a:p>
-        </p:txBody>
-      </p:sp>
-      <p:sp>
-        <p:nvSpPr>
-          <p:cNvPr id="5" name="Footer Placeholder 4"/>
-          <p:cNvSpPr>
-            <a:spLocks noGrp="1"/>
-          </p:cNvSpPr>
-          <p:nvPr>
-            <p:ph type="ftr" sz="quarter" idx="11"/>
-          </p:nvPr>
-        </p:nvSpPr>
-        <p:spPr/>
-        <p:txBody>
-          <a:bodyPr/>
-          <a:lstStyle/>
-          <a:p>
-            <a:endParaRPr lang="en-US" dirty="0"/>
-          </a:p>
-        </p:txBody>
-      </p:sp>
-      <p:sp>
-        <p:nvSpPr>
-          <p:cNvPr id="6" name="Slide Number Placeholder 5"/>
-          <p:cNvSpPr>
-            <a:spLocks noGrp="1"/>
-          </p:cNvSpPr>
-          <p:nvPr>
-            <p:ph type="sldNum" sz="quarter" idx="12"/>
-          </p:nvPr>
-        </p:nvSpPr>
-        <p:spPr/>
-        <p:txBody>
-          <a:bodyPr/>
-          <a:lstStyle/>
-          <a:p>
-            <a:fld id="{48F63A3B-78C7-47BE-AE5E-E10140E04643}" type="slidenum">
-              <a:rPr lang="en-US" dirty="0"/>
-              <a:t>‹#›</a:t>
-            </a:fld>
-            <a:endParaRPr lang="en-US" dirty="0"/>
-          </a:p>
-        </p:txBody>
-      </p:sp>
-    </p:spTree>
-    <p:extLst>
-      <p:ext uri="{BB962C8B-B14F-4D97-AF65-F5344CB8AC3E}">
-        <p14:creationId xmlns:p14="http://schemas.microsoft.com/office/powerpoint/2010/main" val="3397410647"/>
-      </p:ext>
-    </p:extLst>
-  </p:cSld>
-  <p:clrMapOvr>
-    <a:masterClrMapping/>
-  </p:clrMapOvr>
-  <p:hf sldNum="0" hdr="0" ftr="0" dt="0"/>
-</p:sldLayout>
-</file>
-
-<file path=ppt/slideLayouts/slideLayout2.xml><?xml version="1.0" encoding="utf-8"?>
-<p:sldLayout xmlns:a="http://schemas.openxmlformats.org/drawingml/2006/main" xmlns:r="http://schemas.openxmlformats.org/officeDocument/2006/relationships" xmlns:p="http://schemas.openxmlformats.org/presentationml/2006/main" type="title" preserve="1">
-  <p:cSld name="Title Slide">
-    <p:spTree>
-      <p:nvGrpSpPr>
-        <p:cNvPr id="1" name=""/>
-        <p:cNvGrpSpPr/>
-        <p:nvPr/>
-      </p:nvGrpSpPr>
-      <p:grpSpPr>
-        <a:xfrm>
-          <a:off x="0" y="0"/>
-          <a:ext cx="0" cy="0"/>
-          <a:chOff x="0" y="0"/>
-          <a:chExt cx="0" cy="0"/>
-        </a:xfrm>
-      </p:grpSpPr>
-      <p:sp>
-        <p:nvSpPr>
-          <p:cNvPr id="2" name="Title 1"/>
-          <p:cNvSpPr>
-            <a:spLocks noGrp="1"/>
-          </p:cNvSpPr>
-          <p:nvPr>
-            <p:ph type="ctrTitle"/>
-          </p:nvPr>
-        </p:nvSpPr>
-        <p:spPr>
-          <a:xfrm>
-            <a:off x="1234440" y="1795781"/>
-            <a:ext cx="13990320" cy="3820160"/>
-          </a:xfrm>
-        </p:spPr>
-        <p:txBody>
-          <a:bodyPr anchor="b"/>
-          <a:lstStyle>
-            <a:lvl1pPr algn="ctr">
-              <a:defRPr sz="9600"/>
-            </a:lvl1pPr>
-          </a:lstStyle>
-          <a:p>
-            <a:r>
-              <a:rPr lang="en-US"/>
-              <a:t>Click to edit Master title style</a:t>
-            </a:r>
-            <a:endParaRPr lang="en-US" dirty="0"/>
-          </a:p>
-        </p:txBody>
-      </p:sp>
-      <p:sp>
-        <p:nvSpPr>
-          <p:cNvPr id="3" name="Subtitle 2"/>
-          <p:cNvSpPr>
-            <a:spLocks noGrp="1"/>
-          </p:cNvSpPr>
-          <p:nvPr>
-            <p:ph type="subTitle" idx="1"/>
-          </p:nvPr>
-        </p:nvSpPr>
-        <p:spPr>
-          <a:xfrm>
-            <a:off x="2057400" y="5763261"/>
-            <a:ext cx="12344400" cy="2649219"/>
-          </a:xfrm>
-        </p:spPr>
-        <p:txBody>
-          <a:bodyPr/>
-          <a:lstStyle>
-            <a:lvl1pPr marL="0" indent="0" algn="ctr">
-              <a:buNone/>
-              <a:defRPr sz="3840"/>
-            </a:lvl1pPr>
-            <a:lvl2pPr marL="731520" indent="0" algn="ctr">
-              <a:buNone/>
-              <a:defRPr sz="3200"/>
-            </a:lvl2pPr>
-            <a:lvl3pPr marL="1463040" indent="0" algn="ctr">
-              <a:buNone/>
-              <a:defRPr sz="2880"/>
-            </a:lvl3pPr>
-            <a:lvl4pPr marL="2194560" indent="0" algn="ctr">
-              <a:buNone/>
-              <a:defRPr sz="2560"/>
-            </a:lvl4pPr>
-            <a:lvl5pPr marL="2926080" indent="0" algn="ctr">
-              <a:buNone/>
-              <a:defRPr sz="2560"/>
-            </a:lvl5pPr>
-            <a:lvl6pPr marL="3657600" indent="0" algn="ctr">
-              <a:buNone/>
-              <a:defRPr sz="2560"/>
-            </a:lvl6pPr>
-            <a:lvl7pPr marL="4389120" indent="0" algn="ctr">
-              <a:buNone/>
-              <a:defRPr sz="2560"/>
-            </a:lvl7pPr>
-            <a:lvl8pPr marL="5120640" indent="0" algn="ctr">
-              <a:buNone/>
-              <a:defRPr sz="2560"/>
-            </a:lvl8pPr>
-            <a:lvl9pPr marL="5852160" indent="0" algn="ctr">
-              <a:buNone/>
-              <a:defRPr sz="2560"/>
-            </a:lvl9pPr>
-          </a:lstStyle>
-          <a:p>
-            <a:r>
-              <a:rPr lang="en-US"/>
-              <a:t>Click to edit Master subtitle style</a:t>
-            </a:r>
-            <a:endParaRPr lang="en-US" dirty="0"/>
-          </a:p>
-        </p:txBody>
-      </p:sp>
-      <p:sp>
-        <p:nvSpPr>
-          <p:cNvPr id="4" name="Date Placeholder 3"/>
-          <p:cNvSpPr>
-            <a:spLocks noGrp="1"/>
-          </p:cNvSpPr>
-          <p:nvPr>
-            <p:ph type="dt" sz="half" idx="10"/>
-          </p:nvPr>
-        </p:nvSpPr>
-        <p:spPr/>
-        <p:txBody>
-          <a:bodyPr/>
-          <a:lstStyle/>
-          <a:p>
-            <a:fld id="{C764DE79-268F-4C1A-8933-263129D2AF90}" type="datetimeFigureOut">
-              <a:rPr lang="en-US" dirty="0"/>
-              <a:t>6/30/2022</a:t>
-            </a:fld>
-            <a:endParaRPr lang="en-US" dirty="0"/>
-          </a:p>
-        </p:txBody>
-      </p:sp>
-      <p:sp>
-        <p:nvSpPr>
-          <p:cNvPr id="5" name="Footer Placeholder 4"/>
-          <p:cNvSpPr>
-            <a:spLocks noGrp="1"/>
-          </p:cNvSpPr>
-          <p:nvPr>
-            <p:ph type="ftr" sz="quarter" idx="11"/>
-          </p:nvPr>
-        </p:nvSpPr>
-        <p:spPr/>
-        <p:txBody>
-          <a:bodyPr/>
-          <a:lstStyle/>
-          <a:p>
-            <a:endParaRPr lang="en-US" dirty="0"/>
-          </a:p>
-        </p:txBody>
-      </p:sp>
-      <p:sp>
-        <p:nvSpPr>
-          <p:cNvPr id="6" name="Slide Number Placeholder 5"/>
-          <p:cNvSpPr>
-            <a:spLocks noGrp="1"/>
-          </p:cNvSpPr>
-          <p:nvPr>
-            <p:ph type="sldNum" sz="quarter" idx="12"/>
-          </p:nvPr>
-        </p:nvSpPr>
-        <p:spPr/>
-        <p:txBody>
-          <a:bodyPr/>
-          <a:lstStyle/>
-          <a:p>
-            <a:fld id="{48F63A3B-78C7-47BE-AE5E-E10140E04643}" type="slidenum">
-              <a:rPr lang="en-US" dirty="0"/>
-              <a:t>‹#›</a:t>
-            </a:fld>
-            <a:endParaRPr lang="en-US" dirty="0"/>
-          </a:p>
-        </p:txBody>
-      </p:sp>
-    </p:spTree>
-    <p:extLst>
-      <p:ext uri="{BB962C8B-B14F-4D97-AF65-F5344CB8AC3E}">
-        <p14:creationId xmlns:p14="http://schemas.microsoft.com/office/powerpoint/2010/main" val="3187394570"/>
-      </p:ext>
-    </p:extLst>
-  </p:cSld>
-  <p:clrMapOvr>
-    <a:masterClrMapping/>
-  </p:clrMapOvr>
-  <p:hf sldNum="0" hdr="0" ftr="0" dt="0"/>
-</p:sldLayout>
-</file>
-
-<file path=ppt/slideLayouts/slideLayout3.xml><?xml version="1.0" encoding="utf-8"?>
-<p:sldLayout xmlns:a="http://schemas.openxmlformats.org/drawingml/2006/main" xmlns:r="http://schemas.openxmlformats.org/officeDocument/2006/relationships" xmlns:p="http://schemas.openxmlformats.org/presentationml/2006/main" type="obj" preserve="1">
-  <p:cSld name="Title and Content">
-    <p:spTree>
-      <p:nvGrpSpPr>
-        <p:cNvPr id="1" name=""/>
-        <p:cNvGrpSpPr/>
-        <p:nvPr/>
-      </p:nvGrpSpPr>
-      <p:grpSpPr>
-        <a:xfrm>
-          <a:off x="0" y="0"/>
-          <a:ext cx="0" cy="0"/>
-          <a:chOff x="0" y="0"/>
-          <a:chExt cx="0" cy="0"/>
-        </a:xfrm>
-      </p:grpSpPr>
-      <p:sp>
-        <p:nvSpPr>
-          <p:cNvPr id="2" name="Title 1"/>
-          <p:cNvSpPr>
-            <a:spLocks noGrp="1"/>
-          </p:cNvSpPr>
-          <p:nvPr>
-            <p:ph type="title"/>
-          </p:nvPr>
-        </p:nvSpPr>
-        <p:spPr/>
-        <p:txBody>
-          <a:bodyPr/>
-          <a:lstStyle/>
-          <a:p>
-            <a:r>
-              <a:rPr lang="en-US"/>
-              <a:t>Click to edit Master title style</a:t>
-            </a:r>
-            <a:endParaRPr lang="en-US" dirty="0"/>
-          </a:p>
-        </p:txBody>
-      </p:sp>
-      <p:sp>
-        <p:nvSpPr>
-          <p:cNvPr id="3" name="Content Placeholder 2"/>
-          <p:cNvSpPr>
-            <a:spLocks noGrp="1"/>
-          </p:cNvSpPr>
-          <p:nvPr>
-            <p:ph idx="1"/>
-          </p:nvPr>
-        </p:nvSpPr>
-        <p:spPr/>
-        <p:txBody>
-          <a:bodyPr/>
-          <a:lstStyle/>
-          <a:p>
-            <a:pPr lvl="0"/>
-            <a:r>
-              <a:rPr lang="en-US"/>
-              <a:t>Edit Master text styles</a:t>
-            </a:r>
-          </a:p>
-          <a:p>
-            <a:pPr lvl="1"/>
-            <a:r>
-              <a:rPr lang="en-US"/>
-              <a:t>Second level</a:t>
-            </a:r>
-          </a:p>
-          <a:p>
-            <a:pPr lvl="2"/>
-            <a:r>
-              <a:rPr lang="en-US"/>
-              <a:t>Third level</a:t>
-            </a:r>
-          </a:p>
-          <a:p>
-            <a:pPr lvl="3"/>
-            <a:r>
-              <a:rPr lang="en-US"/>
-              <a:t>Fourth level</a:t>
-            </a:r>
-          </a:p>
-          <a:p>
-            <a:pPr lvl="4"/>
-            <a:r>
-              <a:rPr lang="en-US"/>
-              <a:t>Fifth level</a:t>
-            </a:r>
-            <a:endParaRPr lang="en-US" dirty="0"/>
-          </a:p>
-        </p:txBody>
-      </p:sp>
-      <p:sp>
-        <p:nvSpPr>
-          <p:cNvPr id="4" name="Date Placeholder 3"/>
-          <p:cNvSpPr>
-            <a:spLocks noGrp="1"/>
-          </p:cNvSpPr>
-          <p:nvPr>
-            <p:ph type="dt" sz="half" idx="10"/>
-          </p:nvPr>
-        </p:nvSpPr>
-        <p:spPr/>
-        <p:txBody>
-          <a:bodyPr/>
-          <a:lstStyle/>
-          <a:p>
-            <a:fld id="{C764DE79-268F-4C1A-8933-263129D2AF90}" type="datetimeFigureOut">
-              <a:rPr lang="en-US" dirty="0"/>
-              <a:t>6/30/2022</a:t>
-            </a:fld>
-            <a:endParaRPr lang="en-US" dirty="0"/>
-          </a:p>
-        </p:txBody>
-      </p:sp>
-      <p:sp>
-        <p:nvSpPr>
-          <p:cNvPr id="5" name="Footer Placeholder 4"/>
-          <p:cNvSpPr>
-            <a:spLocks noGrp="1"/>
-          </p:cNvSpPr>
-          <p:nvPr>
-            <p:ph type="ftr" sz="quarter" idx="11"/>
-          </p:nvPr>
-        </p:nvSpPr>
-        <p:spPr/>
-        <p:txBody>
-          <a:bodyPr/>
-          <a:lstStyle/>
-          <a:p>
-            <a:endParaRPr lang="en-US" dirty="0"/>
-          </a:p>
-        </p:txBody>
-      </p:sp>
-      <p:sp>
-        <p:nvSpPr>
-          <p:cNvPr id="6" name="Slide Number Placeholder 5"/>
-          <p:cNvSpPr>
-            <a:spLocks noGrp="1"/>
-          </p:cNvSpPr>
-          <p:nvPr>
-            <p:ph type="sldNum" sz="quarter" idx="12"/>
-          </p:nvPr>
-        </p:nvSpPr>
-        <p:spPr/>
-        <p:txBody>
-          <a:bodyPr/>
-          <a:lstStyle/>
-          <a:p>
-            <a:fld id="{48F63A3B-78C7-47BE-AE5E-E10140E04643}" type="slidenum">
-              <a:rPr lang="en-US" dirty="0"/>
-              <a:t>‹#›</a:t>
-            </a:fld>
-            <a:endParaRPr lang="en-US" dirty="0"/>
-          </a:p>
-        </p:txBody>
-      </p:sp>
-    </p:spTree>
-    <p:extLst>
-      <p:ext uri="{BB962C8B-B14F-4D97-AF65-F5344CB8AC3E}">
-        <p14:creationId xmlns:p14="http://schemas.microsoft.com/office/powerpoint/2010/main" val="935038960"/>
-      </p:ext>
-    </p:extLst>
-  </p:cSld>
-  <p:clrMapOvr>
-    <a:masterClrMapping/>
-  </p:clrMapOvr>
-  <p:hf sldNum="0" hdr="0" ftr="0" dt="0"/>
-</p:sldLayout>
-</file>
-
-<file path=ppt/slideLayouts/slideLayout4.xml><?xml version="1.0" encoding="utf-8"?>
-<p:sldLayout xmlns:a="http://schemas.openxmlformats.org/drawingml/2006/main" xmlns:r="http://schemas.openxmlformats.org/officeDocument/2006/relationships" xmlns:p="http://schemas.openxmlformats.org/presentationml/2006/main" type="secHead" preserve="1">
-  <p:cSld name="Section Header">
-    <p:spTree>
-      <p:nvGrpSpPr>
-        <p:cNvPr id="1" name=""/>
-        <p:cNvGrpSpPr/>
-        <p:nvPr/>
-      </p:nvGrpSpPr>
-      <p:grpSpPr>
-        <a:xfrm>
-          <a:off x="0" y="0"/>
-          <a:ext cx="0" cy="0"/>
-          <a:chOff x="0" y="0"/>
-          <a:chExt cx="0" cy="0"/>
-        </a:xfrm>
-      </p:grpSpPr>
-      <p:sp>
-        <p:nvSpPr>
-          <p:cNvPr id="2" name="Title 1"/>
-          <p:cNvSpPr>
-            <a:spLocks noGrp="1"/>
-          </p:cNvSpPr>
-          <p:nvPr>
-            <p:ph type="title"/>
-          </p:nvPr>
-        </p:nvSpPr>
-        <p:spPr>
-          <a:xfrm>
-            <a:off x="1122998" y="2735583"/>
-            <a:ext cx="14196060" cy="4564379"/>
-          </a:xfrm>
-        </p:spPr>
-        <p:txBody>
-          <a:bodyPr anchor="b"/>
-          <a:lstStyle>
-            <a:lvl1pPr>
-              <a:defRPr sz="9600"/>
-            </a:lvl1pPr>
-          </a:lstStyle>
-          <a:p>
-            <a:r>
-              <a:rPr lang="en-US"/>
-              <a:t>Click to edit Master title style</a:t>
-            </a:r>
-            <a:endParaRPr lang="en-US" dirty="0"/>
-          </a:p>
-        </p:txBody>
-      </p:sp>
-      <p:sp>
-        <p:nvSpPr>
-          <p:cNvPr id="3" name="Text Placeholder 2"/>
-          <p:cNvSpPr>
-            <a:spLocks noGrp="1"/>
-          </p:cNvSpPr>
-          <p:nvPr>
-            <p:ph type="body" idx="1"/>
-          </p:nvPr>
-        </p:nvSpPr>
-        <p:spPr>
-          <a:xfrm>
-            <a:off x="1122998" y="7343143"/>
-            <a:ext cx="14196060" cy="2400299"/>
-          </a:xfrm>
-        </p:spPr>
-        <p:txBody>
-          <a:bodyPr/>
-          <a:lstStyle>
-            <a:lvl1pPr marL="0" indent="0">
-              <a:buNone/>
-              <a:defRPr sz="3840">
-                <a:solidFill>
-                  <a:schemeClr val="tx1"/>
-                </a:solidFill>
-              </a:defRPr>
-            </a:lvl1pPr>
-            <a:lvl2pPr marL="731520" indent="0">
-              <a:buNone/>
-              <a:defRPr sz="3200">
-                <a:solidFill>
-                  <a:schemeClr val="tx1">
-                    <a:tint val="75000"/>
-                  </a:schemeClr>
-                </a:solidFill>
-              </a:defRPr>
-            </a:lvl2pPr>
-            <a:lvl3pPr marL="1463040" indent="0">
-              <a:buNone/>
-              <a:defRPr sz="2880">
-                <a:solidFill>
-                  <a:schemeClr val="tx1">
-                    <a:tint val="75000"/>
-                  </a:schemeClr>
-                </a:solidFill>
-              </a:defRPr>
-            </a:lvl3pPr>
-            <a:lvl4pPr marL="2194560" indent="0">
-              <a:buNone/>
-              <a:defRPr sz="2560">
-                <a:solidFill>
-                  <a:schemeClr val="tx1">
-                    <a:tint val="75000"/>
-                  </a:schemeClr>
-                </a:solidFill>
-              </a:defRPr>
-            </a:lvl4pPr>
-            <a:lvl5pPr marL="2926080" indent="0">
-              <a:buNone/>
-              <a:defRPr sz="2560">
-                <a:solidFill>
-                  <a:schemeClr val="tx1">
-                    <a:tint val="75000"/>
-                  </a:schemeClr>
-                </a:solidFill>
-              </a:defRPr>
-            </a:lvl5pPr>
-            <a:lvl6pPr marL="3657600" indent="0">
-              <a:buNone/>
-              <a:defRPr sz="2560">
-                <a:solidFill>
-                  <a:schemeClr val="tx1">
-                    <a:tint val="75000"/>
-                  </a:schemeClr>
-                </a:solidFill>
-              </a:defRPr>
-            </a:lvl6pPr>
-            <a:lvl7pPr marL="4389120" indent="0">
-              <a:buNone/>
-              <a:defRPr sz="2560">
-                <a:solidFill>
-                  <a:schemeClr val="tx1">
-                    <a:tint val="75000"/>
-                  </a:schemeClr>
-                </a:solidFill>
-              </a:defRPr>
-            </a:lvl7pPr>
-            <a:lvl8pPr marL="5120640" indent="0">
-              <a:buNone/>
-              <a:defRPr sz="2560">
-                <a:solidFill>
-                  <a:schemeClr val="tx1">
-                    <a:tint val="75000"/>
-                  </a:schemeClr>
-                </a:solidFill>
-              </a:defRPr>
-            </a:lvl8pPr>
-            <a:lvl9pPr marL="5852160" indent="0">
-              <a:buNone/>
-              <a:defRPr sz="2560">
-                <a:solidFill>
-                  <a:schemeClr val="tx1">
-                    <a:tint val="75000"/>
-                  </a:schemeClr>
-                </a:solidFill>
-              </a:defRPr>
-            </a:lvl9pPr>
-          </a:lstStyle>
-          <a:p>
-            <a:pPr lvl="0"/>
-            <a:r>
-              <a:rPr lang="en-US"/>
-              <a:t>Edit Master text styles</a:t>
-            </a:r>
-          </a:p>
-        </p:txBody>
-      </p:sp>
-      <p:sp>
-        <p:nvSpPr>
-          <p:cNvPr id="4" name="Date Placeholder 3"/>
-          <p:cNvSpPr>
-            <a:spLocks noGrp="1"/>
-          </p:cNvSpPr>
-          <p:nvPr>
-            <p:ph type="dt" sz="half" idx="10"/>
-          </p:nvPr>
-        </p:nvSpPr>
-        <p:spPr/>
-        <p:txBody>
-          <a:bodyPr/>
-          <a:lstStyle/>
-          <a:p>
-            <a:fld id="{C764DE79-268F-4C1A-8933-263129D2AF90}" type="datetimeFigureOut">
-              <a:rPr lang="en-US" dirty="0"/>
-              <a:t>6/30/2022</a:t>
-            </a:fld>
-            <a:endParaRPr lang="en-US" dirty="0"/>
-          </a:p>
-        </p:txBody>
-      </p:sp>
-      <p:sp>
-        <p:nvSpPr>
-          <p:cNvPr id="5" name="Footer Placeholder 4"/>
-          <p:cNvSpPr>
-            <a:spLocks noGrp="1"/>
-          </p:cNvSpPr>
-          <p:nvPr>
-            <p:ph type="ftr" sz="quarter" idx="11"/>
-          </p:nvPr>
-        </p:nvSpPr>
-        <p:spPr/>
-        <p:txBody>
-          <a:bodyPr/>
-          <a:lstStyle/>
-          <a:p>
-            <a:endParaRPr lang="en-US" dirty="0"/>
-          </a:p>
-        </p:txBody>
-      </p:sp>
-      <p:sp>
-        <p:nvSpPr>
-          <p:cNvPr id="6" name="Slide Number Placeholder 5"/>
-          <p:cNvSpPr>
-            <a:spLocks noGrp="1"/>
-          </p:cNvSpPr>
-          <p:nvPr>
-            <p:ph type="sldNum" sz="quarter" idx="12"/>
-          </p:nvPr>
-        </p:nvSpPr>
-        <p:spPr/>
-        <p:txBody>
-          <a:bodyPr/>
-          <a:lstStyle/>
-          <a:p>
-            <a:fld id="{48F63A3B-78C7-47BE-AE5E-E10140E04643}" type="slidenum">
-              <a:rPr lang="en-US" dirty="0"/>
-              <a:t>‹#›</a:t>
-            </a:fld>
-            <a:endParaRPr lang="en-US" dirty="0"/>
-          </a:p>
-        </p:txBody>
-      </p:sp>
-    </p:spTree>
-    <p:extLst>
-      <p:ext uri="{BB962C8B-B14F-4D97-AF65-F5344CB8AC3E}">
-        <p14:creationId xmlns:p14="http://schemas.microsoft.com/office/powerpoint/2010/main" val="4021815425"/>
-      </p:ext>
-    </p:extLst>
-  </p:cSld>
-  <p:clrMapOvr>
-    <a:masterClrMapping/>
-  </p:clrMapOvr>
-  <p:hf sldNum="0" hdr="0" ftr="0" dt="0"/>
-</p:sldLayout>
-</file>
-
-<file path=ppt/slideLayouts/slideLayout5.xml><?xml version="1.0" encoding="utf-8"?>
-<p:sldLayout xmlns:a="http://schemas.openxmlformats.org/drawingml/2006/main" xmlns:r="http://schemas.openxmlformats.org/officeDocument/2006/relationships" xmlns:p="http://schemas.openxmlformats.org/presentationml/2006/main" type="twoObj" preserve="1">
-  <p:cSld name="Two Content">
-    <p:spTree>
-      <p:nvGrpSpPr>
-        <p:cNvPr id="1" name=""/>
-        <p:cNvGrpSpPr/>
-        <p:nvPr/>
-      </p:nvGrpSpPr>
-      <p:grpSpPr>
-        <a:xfrm>
-          <a:off x="0" y="0"/>
-          <a:ext cx="0" cy="0"/>
-          <a:chOff x="0" y="0"/>
-          <a:chExt cx="0" cy="0"/>
-        </a:xfrm>
-      </p:grpSpPr>
-      <p:sp>
-        <p:nvSpPr>
-          <p:cNvPr id="2" name="Title 1"/>
-          <p:cNvSpPr>
-            <a:spLocks noGrp="1"/>
-          </p:cNvSpPr>
-          <p:nvPr>
-            <p:ph type="title"/>
-          </p:nvPr>
-        </p:nvSpPr>
-        <p:spPr/>
-        <p:txBody>
-          <a:bodyPr/>
-          <a:lstStyle/>
-          <a:p>
-            <a:r>
-              <a:rPr lang="en-US"/>
-              <a:t>Click to edit Master title style</a:t>
-            </a:r>
-            <a:endParaRPr lang="en-US" dirty="0"/>
-          </a:p>
-        </p:txBody>
-      </p:sp>
-      <p:sp>
-        <p:nvSpPr>
-          <p:cNvPr id="3" name="Content Placeholder 2"/>
-          <p:cNvSpPr>
-            <a:spLocks noGrp="1"/>
-          </p:cNvSpPr>
-          <p:nvPr>
-            <p:ph sz="half" idx="1"/>
-          </p:nvPr>
-        </p:nvSpPr>
-        <p:spPr>
-          <a:xfrm>
-            <a:off x="1131570" y="2921000"/>
-            <a:ext cx="6995160" cy="6962141"/>
-          </a:xfrm>
-        </p:spPr>
-        <p:txBody>
-          <a:bodyPr/>
-          <a:lstStyle/>
-          <a:p>
-            <a:pPr lvl="0"/>
-            <a:r>
-              <a:rPr lang="en-US"/>
-              <a:t>Edit Master text styles</a:t>
-            </a:r>
-          </a:p>
-          <a:p>
-            <a:pPr lvl="1"/>
-            <a:r>
-              <a:rPr lang="en-US"/>
-              <a:t>Second level</a:t>
-            </a:r>
-          </a:p>
-          <a:p>
-            <a:pPr lvl="2"/>
-            <a:r>
-              <a:rPr lang="en-US"/>
-              <a:t>Third level</a:t>
-            </a:r>
-          </a:p>
-          <a:p>
-            <a:pPr lvl="3"/>
-            <a:r>
-              <a:rPr lang="en-US"/>
-              <a:t>Fourth level</a:t>
-            </a:r>
-          </a:p>
-          <a:p>
-            <a:pPr lvl="4"/>
-            <a:r>
-              <a:rPr lang="en-US"/>
-              <a:t>Fifth level</a:t>
-            </a:r>
-            <a:endParaRPr lang="en-US" dirty="0"/>
-          </a:p>
-        </p:txBody>
-      </p:sp>
-      <p:sp>
-        <p:nvSpPr>
-          <p:cNvPr id="4" name="Content Placeholder 3"/>
-          <p:cNvSpPr>
-            <a:spLocks noGrp="1"/>
-          </p:cNvSpPr>
-          <p:nvPr>
-            <p:ph sz="half" idx="2"/>
-          </p:nvPr>
-        </p:nvSpPr>
-        <p:spPr>
-          <a:xfrm>
-            <a:off x="8332470" y="2921000"/>
-            <a:ext cx="6995160" cy="6962141"/>
-          </a:xfrm>
-        </p:spPr>
-        <p:txBody>
-          <a:bodyPr/>
-          <a:lstStyle/>
-          <a:p>
-            <a:pPr lvl="0"/>
-            <a:r>
-              <a:rPr lang="en-US"/>
-              <a:t>Edit Master text styles</a:t>
-            </a:r>
-          </a:p>
-          <a:p>
-            <a:pPr lvl="1"/>
-            <a:r>
-              <a:rPr lang="en-US"/>
-              <a:t>Second level</a:t>
-            </a:r>
-          </a:p>
-          <a:p>
-            <a:pPr lvl="2"/>
-            <a:r>
-              <a:rPr lang="en-US"/>
-              <a:t>Third level</a:t>
-            </a:r>
-          </a:p>
-          <a:p>
-            <a:pPr lvl="3"/>
-            <a:r>
-              <a:rPr lang="en-US"/>
-              <a:t>Fourth level</a:t>
-            </a:r>
-          </a:p>
-          <a:p>
-            <a:pPr lvl="4"/>
-            <a:r>
-              <a:rPr lang="en-US"/>
-              <a:t>Fifth level</a:t>
-            </a:r>
-            <a:endParaRPr lang="en-US" dirty="0"/>
-          </a:p>
-        </p:txBody>
-      </p:sp>
-      <p:sp>
-        <p:nvSpPr>
-          <p:cNvPr id="5" name="Date Placeholder 4"/>
-          <p:cNvSpPr>
-            <a:spLocks noGrp="1"/>
-          </p:cNvSpPr>
-          <p:nvPr>
-            <p:ph type="dt" sz="half" idx="10"/>
-          </p:nvPr>
-        </p:nvSpPr>
-        <p:spPr/>
-        <p:txBody>
-          <a:bodyPr/>
-          <a:lstStyle/>
-          <a:p>
-            <a:fld id="{C764DE79-268F-4C1A-8933-263129D2AF90}" type="datetimeFigureOut">
-              <a:rPr lang="en-US" dirty="0"/>
-              <a:t>6/30/2022</a:t>
-            </a:fld>
-            <a:endParaRPr lang="en-US" dirty="0"/>
-          </a:p>
-        </p:txBody>
-      </p:sp>
-      <p:sp>
-        <p:nvSpPr>
-          <p:cNvPr id="6" name="Footer Placeholder 5"/>
-          <p:cNvSpPr>
-            <a:spLocks noGrp="1"/>
-          </p:cNvSpPr>
-          <p:nvPr>
-            <p:ph type="ftr" sz="quarter" idx="11"/>
-          </p:nvPr>
-        </p:nvSpPr>
-        <p:spPr/>
-        <p:txBody>
-          <a:bodyPr/>
-          <a:lstStyle/>
-          <a:p>
-            <a:endParaRPr lang="en-US" dirty="0"/>
-          </a:p>
-        </p:txBody>
-      </p:sp>
-      <p:sp>
-        <p:nvSpPr>
-          <p:cNvPr id="7" name="Slide Number Placeholder 6"/>
-          <p:cNvSpPr>
-            <a:spLocks noGrp="1"/>
-          </p:cNvSpPr>
-          <p:nvPr>
-            <p:ph type="sldNum" sz="quarter" idx="12"/>
-          </p:nvPr>
-        </p:nvSpPr>
-        <p:spPr/>
-        <p:txBody>
-          <a:bodyPr/>
-          <a:lstStyle/>
-          <a:p>
-            <a:fld id="{48F63A3B-78C7-47BE-AE5E-E10140E04643}" type="slidenum">
-              <a:rPr lang="en-US" dirty="0"/>
-              <a:t>‹#›</a:t>
-            </a:fld>
-            <a:endParaRPr lang="en-US" dirty="0"/>
-          </a:p>
-        </p:txBody>
-      </p:sp>
-    </p:spTree>
-    <p:extLst>
-      <p:ext uri="{BB962C8B-B14F-4D97-AF65-F5344CB8AC3E}">
-        <p14:creationId xmlns:p14="http://schemas.microsoft.com/office/powerpoint/2010/main" val="3618769204"/>
-      </p:ext>
-    </p:extLst>
-  </p:cSld>
-  <p:clrMapOvr>
-    <a:masterClrMapping/>
-  </p:clrMapOvr>
-  <p:hf sldNum="0" hdr="0" ftr="0" dt="0"/>
-</p:sldLayout>
-</file>
-
-<file path=ppt/slideLayouts/slideLayout6.xml><?xml version="1.0" encoding="utf-8"?>
-<p:sldLayout xmlns:a="http://schemas.openxmlformats.org/drawingml/2006/main" xmlns:r="http://schemas.openxmlformats.org/officeDocument/2006/relationships" xmlns:p="http://schemas.openxmlformats.org/presentationml/2006/main" type="twoTxTwoObj" preserve="1">
-  <p:cSld name="Comparison">
-    <p:spTree>
-      <p:nvGrpSpPr>
-        <p:cNvPr id="1" name=""/>
-        <p:cNvGrpSpPr/>
-        <p:nvPr/>
-      </p:nvGrpSpPr>
-      <p:grpSpPr>
-        <a:xfrm>
-          <a:off x="0" y="0"/>
-          <a:ext cx="0" cy="0"/>
-          <a:chOff x="0" y="0"/>
-          <a:chExt cx="0" cy="0"/>
-        </a:xfrm>
-      </p:grpSpPr>
-      <p:sp>
-        <p:nvSpPr>
-          <p:cNvPr id="2" name="Title 1"/>
-          <p:cNvSpPr>
-            <a:spLocks noGrp="1"/>
-          </p:cNvSpPr>
-          <p:nvPr>
-            <p:ph type="title"/>
-          </p:nvPr>
-        </p:nvSpPr>
-        <p:spPr>
-          <a:xfrm>
-            <a:off x="1133714" y="584202"/>
-            <a:ext cx="14196060" cy="2120901"/>
-          </a:xfrm>
-        </p:spPr>
-        <p:txBody>
-          <a:bodyPr/>
-          <a:lstStyle/>
-          <a:p>
-            <a:r>
-              <a:rPr lang="en-US"/>
-              <a:t>Click to edit Master title style</a:t>
-            </a:r>
-            <a:endParaRPr lang="en-US" dirty="0"/>
-          </a:p>
-        </p:txBody>
-      </p:sp>
-      <p:sp>
-        <p:nvSpPr>
-          <p:cNvPr id="3" name="Text Placeholder 2"/>
-          <p:cNvSpPr>
-            <a:spLocks noGrp="1"/>
-          </p:cNvSpPr>
-          <p:nvPr>
-            <p:ph type="body" idx="1"/>
-          </p:nvPr>
-        </p:nvSpPr>
-        <p:spPr>
-          <a:xfrm>
-            <a:off x="1133716" y="2689861"/>
-            <a:ext cx="6963012" cy="1318259"/>
-          </a:xfrm>
-        </p:spPr>
-        <p:txBody>
-          <a:bodyPr anchor="b"/>
-          <a:lstStyle>
-            <a:lvl1pPr marL="0" indent="0">
-              <a:buNone/>
-              <a:defRPr sz="3840" b="1"/>
-            </a:lvl1pPr>
-            <a:lvl2pPr marL="731520" indent="0">
-              <a:buNone/>
-              <a:defRPr sz="3200" b="1"/>
-            </a:lvl2pPr>
-            <a:lvl3pPr marL="1463040" indent="0">
-              <a:buNone/>
-              <a:defRPr sz="2880" b="1"/>
-            </a:lvl3pPr>
-            <a:lvl4pPr marL="2194560" indent="0">
-              <a:buNone/>
-              <a:defRPr sz="2560" b="1"/>
-            </a:lvl4pPr>
-            <a:lvl5pPr marL="2926080" indent="0">
-              <a:buNone/>
-              <a:defRPr sz="2560" b="1"/>
-            </a:lvl5pPr>
-            <a:lvl6pPr marL="3657600" indent="0">
-              <a:buNone/>
-              <a:defRPr sz="2560" b="1"/>
-            </a:lvl6pPr>
-            <a:lvl7pPr marL="4389120" indent="0">
-              <a:buNone/>
-              <a:defRPr sz="2560" b="1"/>
-            </a:lvl7pPr>
-            <a:lvl8pPr marL="5120640" indent="0">
-              <a:buNone/>
-              <a:defRPr sz="2560" b="1"/>
-            </a:lvl8pPr>
-            <a:lvl9pPr marL="5852160" indent="0">
-              <a:buNone/>
-              <a:defRPr sz="2560" b="1"/>
-            </a:lvl9pPr>
-          </a:lstStyle>
-          <a:p>
-            <a:pPr lvl="0"/>
-            <a:r>
-              <a:rPr lang="en-US"/>
-              <a:t>Edit Master text styles</a:t>
-            </a:r>
-          </a:p>
-        </p:txBody>
-      </p:sp>
-      <p:sp>
-        <p:nvSpPr>
-          <p:cNvPr id="4" name="Content Placeholder 3"/>
-          <p:cNvSpPr>
-            <a:spLocks noGrp="1"/>
-          </p:cNvSpPr>
-          <p:nvPr>
-            <p:ph sz="half" idx="2"/>
-          </p:nvPr>
-        </p:nvSpPr>
-        <p:spPr>
-          <a:xfrm>
-            <a:off x="1133716" y="4008120"/>
-            <a:ext cx="6963012" cy="5895341"/>
-          </a:xfrm>
-        </p:spPr>
-        <p:txBody>
-          <a:bodyPr/>
-          <a:lstStyle/>
-          <a:p>
-            <a:pPr lvl="0"/>
-            <a:r>
-              <a:rPr lang="en-US"/>
-              <a:t>Edit Master text styles</a:t>
-            </a:r>
-          </a:p>
-          <a:p>
-            <a:pPr lvl="1"/>
-            <a:r>
-              <a:rPr lang="en-US"/>
-              <a:t>Second level</a:t>
-            </a:r>
-          </a:p>
-          <a:p>
-            <a:pPr lvl="2"/>
-            <a:r>
-              <a:rPr lang="en-US"/>
-              <a:t>Third level</a:t>
-            </a:r>
-          </a:p>
-          <a:p>
-            <a:pPr lvl="3"/>
-            <a:r>
-              <a:rPr lang="en-US"/>
-              <a:t>Fourth level</a:t>
-            </a:r>
-          </a:p>
-          <a:p>
-            <a:pPr lvl="4"/>
-            <a:r>
-              <a:rPr lang="en-US"/>
-              <a:t>Fifth level</a:t>
-            </a:r>
-            <a:endParaRPr lang="en-US" dirty="0"/>
-          </a:p>
-        </p:txBody>
-      </p:sp>
-      <p:sp>
-        <p:nvSpPr>
-          <p:cNvPr id="5" name="Text Placeholder 4"/>
-          <p:cNvSpPr>
-            <a:spLocks noGrp="1"/>
-          </p:cNvSpPr>
-          <p:nvPr>
-            <p:ph type="body" sz="quarter" idx="3"/>
-          </p:nvPr>
-        </p:nvSpPr>
-        <p:spPr>
-          <a:xfrm>
-            <a:off x="8332471" y="2689861"/>
-            <a:ext cx="6997304" cy="1318259"/>
-          </a:xfrm>
-        </p:spPr>
-        <p:txBody>
-          <a:bodyPr anchor="b"/>
-          <a:lstStyle>
-            <a:lvl1pPr marL="0" indent="0">
-              <a:buNone/>
-              <a:defRPr sz="3840" b="1"/>
-            </a:lvl1pPr>
-            <a:lvl2pPr marL="731520" indent="0">
-              <a:buNone/>
-              <a:defRPr sz="3200" b="1"/>
-            </a:lvl2pPr>
-            <a:lvl3pPr marL="1463040" indent="0">
-              <a:buNone/>
-              <a:defRPr sz="2880" b="1"/>
-            </a:lvl3pPr>
-            <a:lvl4pPr marL="2194560" indent="0">
-              <a:buNone/>
-              <a:defRPr sz="2560" b="1"/>
-            </a:lvl4pPr>
-            <a:lvl5pPr marL="2926080" indent="0">
-              <a:buNone/>
-              <a:defRPr sz="2560" b="1"/>
-            </a:lvl5pPr>
-            <a:lvl6pPr marL="3657600" indent="0">
-              <a:buNone/>
-              <a:defRPr sz="2560" b="1"/>
-            </a:lvl6pPr>
-            <a:lvl7pPr marL="4389120" indent="0">
-              <a:buNone/>
-              <a:defRPr sz="2560" b="1"/>
-            </a:lvl7pPr>
-            <a:lvl8pPr marL="5120640" indent="0">
-              <a:buNone/>
-              <a:defRPr sz="2560" b="1"/>
-            </a:lvl8pPr>
-            <a:lvl9pPr marL="5852160" indent="0">
-              <a:buNone/>
-              <a:defRPr sz="2560" b="1"/>
-            </a:lvl9pPr>
-          </a:lstStyle>
-          <a:p>
-            <a:pPr lvl="0"/>
-            <a:r>
-              <a:rPr lang="en-US"/>
-              <a:t>Edit Master text styles</a:t>
-            </a:r>
-          </a:p>
-        </p:txBody>
-      </p:sp>
-      <p:sp>
-        <p:nvSpPr>
-          <p:cNvPr id="6" name="Content Placeholder 5"/>
-          <p:cNvSpPr>
-            <a:spLocks noGrp="1"/>
-          </p:cNvSpPr>
-          <p:nvPr>
-            <p:ph sz="quarter" idx="4"/>
-          </p:nvPr>
-        </p:nvSpPr>
-        <p:spPr>
-          <a:xfrm>
-            <a:off x="8332471" y="4008120"/>
-            <a:ext cx="6997304" cy="5895341"/>
-          </a:xfrm>
-        </p:spPr>
-        <p:txBody>
-          <a:bodyPr/>
-          <a:lstStyle/>
-          <a:p>
-            <a:pPr lvl="0"/>
-            <a:r>
-              <a:rPr lang="en-US"/>
-              <a:t>Edit Master text styles</a:t>
-            </a:r>
-          </a:p>
-          <a:p>
-            <a:pPr lvl="1"/>
-            <a:r>
-              <a:rPr lang="en-US"/>
-              <a:t>Second level</a:t>
-            </a:r>
-          </a:p>
-          <a:p>
-            <a:pPr lvl="2"/>
-            <a:r>
-              <a:rPr lang="en-US"/>
-              <a:t>Third level</a:t>
-            </a:r>
-          </a:p>
-          <a:p>
-            <a:pPr lvl="3"/>
-            <a:r>
-              <a:rPr lang="en-US"/>
-              <a:t>Fourth level</a:t>
-            </a:r>
-          </a:p>
-          <a:p>
-            <a:pPr lvl="4"/>
-            <a:r>
-              <a:rPr lang="en-US"/>
-              <a:t>Fifth level</a:t>
-            </a:r>
-            <a:endParaRPr lang="en-US" dirty="0"/>
-          </a:p>
-        </p:txBody>
-      </p:sp>
-      <p:sp>
-        <p:nvSpPr>
-          <p:cNvPr id="7" name="Date Placeholder 6"/>
-          <p:cNvSpPr>
-            <a:spLocks noGrp="1"/>
-          </p:cNvSpPr>
-          <p:nvPr>
-            <p:ph type="dt" sz="half" idx="10"/>
-          </p:nvPr>
-        </p:nvSpPr>
-        <p:spPr/>
-        <p:txBody>
-          <a:bodyPr/>
-          <a:lstStyle/>
-          <a:p>
-            <a:fld id="{C764DE79-268F-4C1A-8933-263129D2AF90}" type="datetimeFigureOut">
-              <a:rPr lang="en-US" dirty="0"/>
-              <a:t>6/30/2022</a:t>
-            </a:fld>
-            <a:endParaRPr lang="en-US" dirty="0"/>
-          </a:p>
-        </p:txBody>
-      </p:sp>
-      <p:sp>
-        <p:nvSpPr>
-          <p:cNvPr id="8" name="Footer Placeholder 7"/>
-          <p:cNvSpPr>
-            <a:spLocks noGrp="1"/>
-          </p:cNvSpPr>
-          <p:nvPr>
-            <p:ph type="ftr" sz="quarter" idx="11"/>
-          </p:nvPr>
-        </p:nvSpPr>
-        <p:spPr/>
-        <p:txBody>
-          <a:bodyPr/>
-          <a:lstStyle/>
-          <a:p>
-            <a:endParaRPr lang="en-US" dirty="0"/>
-          </a:p>
-        </p:txBody>
-      </p:sp>
-      <p:sp>
-        <p:nvSpPr>
-          <p:cNvPr id="9" name="Slide Number Placeholder 8"/>
-          <p:cNvSpPr>
-            <a:spLocks noGrp="1"/>
-          </p:cNvSpPr>
-          <p:nvPr>
-            <p:ph type="sldNum" sz="quarter" idx="12"/>
-          </p:nvPr>
-        </p:nvSpPr>
-        <p:spPr/>
-        <p:txBody>
-          <a:bodyPr/>
-          <a:lstStyle/>
-          <a:p>
-            <a:fld id="{48F63A3B-78C7-47BE-AE5E-E10140E04643}" type="slidenum">
-              <a:rPr lang="en-US" dirty="0"/>
-              <a:t>‹#›</a:t>
-            </a:fld>
-            <a:endParaRPr lang="en-US" dirty="0"/>
-          </a:p>
-        </p:txBody>
-      </p:sp>
-    </p:spTree>
-    <p:extLst>
-      <p:ext uri="{BB962C8B-B14F-4D97-AF65-F5344CB8AC3E}">
-        <p14:creationId xmlns:p14="http://schemas.microsoft.com/office/powerpoint/2010/main" val="1386577044"/>
-      </p:ext>
-    </p:extLst>
-  </p:cSld>
-  <p:clrMapOvr>
-    <a:masterClrMapping/>
-  </p:clrMapOvr>
-  <p:hf sldNum="0" hdr="0" ftr="0" dt="0"/>
-</p:sldLayout>
-</file>
-
-<file path=ppt/slideLayouts/slideLayout7.xml><?xml version="1.0" encoding="utf-8"?>
-<p:sldLayout xmlns:a="http://schemas.openxmlformats.org/drawingml/2006/main" xmlns:r="http://schemas.openxmlformats.org/officeDocument/2006/relationships" xmlns:p="http://schemas.openxmlformats.org/presentationml/2006/main" type="titleOnly" preserve="1">
-  <p:cSld name="Title Only">
-    <p:spTree>
-      <p:nvGrpSpPr>
-        <p:cNvPr id="1" name=""/>
-        <p:cNvGrpSpPr/>
-        <p:nvPr/>
-      </p:nvGrpSpPr>
-      <p:grpSpPr>
-        <a:xfrm>
-          <a:off x="0" y="0"/>
-          <a:ext cx="0" cy="0"/>
-          <a:chOff x="0" y="0"/>
-          <a:chExt cx="0" cy="0"/>
-        </a:xfrm>
-      </p:grpSpPr>
-      <p:sp>
-        <p:nvSpPr>
-          <p:cNvPr id="2" name="Title 1"/>
-          <p:cNvSpPr>
-            <a:spLocks noGrp="1"/>
-          </p:cNvSpPr>
-          <p:nvPr>
-            <p:ph type="title"/>
-          </p:nvPr>
-        </p:nvSpPr>
-        <p:spPr/>
-        <p:txBody>
-          <a:bodyPr/>
-          <a:lstStyle/>
-          <a:p>
-            <a:r>
-              <a:rPr lang="en-US"/>
-              <a:t>Click to edit Master title style</a:t>
-            </a:r>
-            <a:endParaRPr lang="en-US" dirty="0"/>
-          </a:p>
-        </p:txBody>
-      </p:sp>
-      <p:sp>
-        <p:nvSpPr>
-          <p:cNvPr id="3" name="Date Placeholder 2"/>
-          <p:cNvSpPr>
-            <a:spLocks noGrp="1"/>
-          </p:cNvSpPr>
-          <p:nvPr>
-            <p:ph type="dt" sz="half" idx="10"/>
-          </p:nvPr>
-        </p:nvSpPr>
-        <p:spPr/>
-        <p:txBody>
-          <a:bodyPr/>
-          <a:lstStyle/>
-          <a:p>
-            <a:fld id="{C764DE79-268F-4C1A-8933-263129D2AF90}" type="datetimeFigureOut">
-              <a:rPr lang="en-US" dirty="0"/>
-              <a:t>6/30/2022</a:t>
-            </a:fld>
-            <a:endParaRPr lang="en-US" dirty="0"/>
-          </a:p>
-        </p:txBody>
-      </p:sp>
-      <p:sp>
-        <p:nvSpPr>
-          <p:cNvPr id="4" name="Footer Placeholder 3"/>
-          <p:cNvSpPr>
-            <a:spLocks noGrp="1"/>
-          </p:cNvSpPr>
-          <p:nvPr>
-            <p:ph type="ftr" sz="quarter" idx="11"/>
-          </p:nvPr>
-        </p:nvSpPr>
-        <p:spPr/>
-        <p:txBody>
-          <a:bodyPr/>
-          <a:lstStyle/>
-          <a:p>
-            <a:endParaRPr lang="en-US" dirty="0"/>
-          </a:p>
-        </p:txBody>
-      </p:sp>
-      <p:sp>
-        <p:nvSpPr>
-          <p:cNvPr id="5" name="Slide Number Placeholder 4"/>
-          <p:cNvSpPr>
-            <a:spLocks noGrp="1"/>
-          </p:cNvSpPr>
-          <p:nvPr>
-            <p:ph type="sldNum" sz="quarter" idx="12"/>
-          </p:nvPr>
-        </p:nvSpPr>
-        <p:spPr/>
-        <p:txBody>
-          <a:bodyPr/>
-          <a:lstStyle/>
-          <a:p>
-            <a:fld id="{48F63A3B-78C7-47BE-AE5E-E10140E04643}" type="slidenum">
-              <a:rPr lang="en-US" dirty="0"/>
-              <a:t>‹#›</a:t>
-            </a:fld>
-            <a:endParaRPr lang="en-US" dirty="0"/>
-          </a:p>
-        </p:txBody>
-      </p:sp>
-    </p:spTree>
-    <p:extLst>
-      <p:ext uri="{BB962C8B-B14F-4D97-AF65-F5344CB8AC3E}">
-        <p14:creationId xmlns:p14="http://schemas.microsoft.com/office/powerpoint/2010/main" val="1257687275"/>
-      </p:ext>
-    </p:extLst>
-  </p:cSld>
-  <p:clrMapOvr>
-    <a:masterClrMapping/>
-  </p:clrMapOvr>
-  <p:hf sldNum="0" hdr="0" ftr="0" dt="0"/>
-</p:sldLayout>
-</file>
-
-<file path=ppt/slideLayouts/slideLayout8.xml><?xml version="1.0" encoding="utf-8"?>
-<p:sldLayout xmlns:a="http://schemas.openxmlformats.org/drawingml/2006/main" xmlns:r="http://schemas.openxmlformats.org/officeDocument/2006/relationships" xmlns:p="http://schemas.openxmlformats.org/presentationml/2006/main" type="blank" preserve="1">
-  <p:cSld name="Blank">
-    <p:spTree>
-      <p:nvGrpSpPr>
-        <p:cNvPr id="1" name=""/>
-        <p:cNvGrpSpPr/>
-        <p:nvPr/>
-      </p:nvGrpSpPr>
-      <p:grpSpPr>
-        <a:xfrm>
-          <a:off x="0" y="0"/>
-          <a:ext cx="0" cy="0"/>
-          <a:chOff x="0" y="0"/>
-          <a:chExt cx="0" cy="0"/>
-        </a:xfrm>
-      </p:grpSpPr>
-      <p:sp>
-        <p:nvSpPr>
-          <p:cNvPr id="2" name="Date Placeholder 1"/>
-          <p:cNvSpPr>
-            <a:spLocks noGrp="1"/>
-          </p:cNvSpPr>
-          <p:nvPr>
-            <p:ph type="dt" sz="half" idx="10"/>
-          </p:nvPr>
-        </p:nvSpPr>
-        <p:spPr/>
-        <p:txBody>
-          <a:bodyPr/>
-          <a:lstStyle/>
-          <a:p>
-            <a:endParaRPr lang="en-US" dirty="0"/>
-          </a:p>
-        </p:txBody>
-      </p:sp>
-      <p:sp>
-        <p:nvSpPr>
-          <p:cNvPr id="3" name="Footer Placeholder 2"/>
-          <p:cNvSpPr>
-            <a:spLocks noGrp="1"/>
-          </p:cNvSpPr>
-          <p:nvPr>
-            <p:ph type="ftr" sz="quarter" idx="11"/>
-          </p:nvPr>
-        </p:nvSpPr>
-        <p:spPr/>
-        <p:txBody>
-          <a:bodyPr/>
-          <a:lstStyle/>
-          <a:p>
-            <a:endParaRPr lang="en-US" dirty="0"/>
-          </a:p>
-        </p:txBody>
-      </p:sp>
-      <p:sp>
-        <p:nvSpPr>
-          <p:cNvPr id="4" name="Slide Number Placeholder 3"/>
-          <p:cNvSpPr>
-            <a:spLocks noGrp="1"/>
-          </p:cNvSpPr>
-          <p:nvPr>
-            <p:ph type="sldNum" sz="quarter" idx="12"/>
-          </p:nvPr>
-        </p:nvSpPr>
-        <p:spPr/>
-        <p:txBody>
-          <a:bodyPr/>
-          <a:lstStyle/>
-          <a:p>
-            <a:fld id="{48F63A3B-78C7-47BE-AE5E-E10140E04643}" type="slidenum">
-              <a:rPr lang="en-US" dirty="0"/>
-              <a:t>‹#›</a:t>
-            </a:fld>
-            <a:endParaRPr lang="en-US" dirty="0"/>
-          </a:p>
-        </p:txBody>
-      </p:sp>
-    </p:spTree>
-    <p:extLst>
-      <p:ext uri="{BB962C8B-B14F-4D97-AF65-F5344CB8AC3E}">
-        <p14:creationId xmlns:p14="http://schemas.microsoft.com/office/powerpoint/2010/main" val="3369719272"/>
+        <p14:creationId xmlns:p14="http://schemas.microsoft.com/office/powerpoint/2010/main" val="2306529724"/>
       </p:ext>
     </p:extLst>
   </p:cSld>
@@ -2867,605 +2409,7 @@
 </p:sldLayout>
 </file>
 
-<file path=ppt/slideLayouts/slideLayout9.xml><?xml version="1.0" encoding="utf-8"?>
-<p:sldLayout xmlns:a="http://schemas.openxmlformats.org/drawingml/2006/main" xmlns:r="http://schemas.openxmlformats.org/officeDocument/2006/relationships" xmlns:p="http://schemas.openxmlformats.org/presentationml/2006/main" type="objTx" preserve="1">
-  <p:cSld name="Content with Caption">
-    <p:spTree>
-      <p:nvGrpSpPr>
-        <p:cNvPr id="1" name=""/>
-        <p:cNvGrpSpPr/>
-        <p:nvPr/>
-      </p:nvGrpSpPr>
-      <p:grpSpPr>
-        <a:xfrm>
-          <a:off x="0" y="0"/>
-          <a:ext cx="0" cy="0"/>
-          <a:chOff x="0" y="0"/>
-          <a:chExt cx="0" cy="0"/>
-        </a:xfrm>
-      </p:grpSpPr>
-      <p:sp>
-        <p:nvSpPr>
-          <p:cNvPr id="2" name="Title 1"/>
-          <p:cNvSpPr>
-            <a:spLocks noGrp="1"/>
-          </p:cNvSpPr>
-          <p:nvPr>
-            <p:ph type="title"/>
-          </p:nvPr>
-        </p:nvSpPr>
-        <p:spPr>
-          <a:xfrm>
-            <a:off x="1133714" y="731520"/>
-            <a:ext cx="5308520" cy="2560320"/>
-          </a:xfrm>
-        </p:spPr>
-        <p:txBody>
-          <a:bodyPr anchor="b"/>
-          <a:lstStyle>
-            <a:lvl1pPr>
-              <a:defRPr sz="5120"/>
-            </a:lvl1pPr>
-          </a:lstStyle>
-          <a:p>
-            <a:r>
-              <a:rPr lang="en-US"/>
-              <a:t>Click to edit Master title style</a:t>
-            </a:r>
-            <a:endParaRPr lang="en-US" dirty="0"/>
-          </a:p>
-        </p:txBody>
-      </p:sp>
-      <p:sp>
-        <p:nvSpPr>
-          <p:cNvPr id="3" name="Content Placeholder 2"/>
-          <p:cNvSpPr>
-            <a:spLocks noGrp="1"/>
-          </p:cNvSpPr>
-          <p:nvPr>
-            <p:ph idx="1"/>
-          </p:nvPr>
-        </p:nvSpPr>
-        <p:spPr>
-          <a:xfrm>
-            <a:off x="6997304" y="1579882"/>
-            <a:ext cx="8332470" cy="7797800"/>
-          </a:xfrm>
-        </p:spPr>
-        <p:txBody>
-          <a:bodyPr/>
-          <a:lstStyle>
-            <a:lvl1pPr>
-              <a:defRPr sz="5120"/>
-            </a:lvl1pPr>
-            <a:lvl2pPr>
-              <a:defRPr sz="4480"/>
-            </a:lvl2pPr>
-            <a:lvl3pPr>
-              <a:defRPr sz="3840"/>
-            </a:lvl3pPr>
-            <a:lvl4pPr>
-              <a:defRPr sz="3200"/>
-            </a:lvl4pPr>
-            <a:lvl5pPr>
-              <a:defRPr sz="3200"/>
-            </a:lvl5pPr>
-            <a:lvl6pPr>
-              <a:defRPr sz="3200"/>
-            </a:lvl6pPr>
-            <a:lvl7pPr>
-              <a:defRPr sz="3200"/>
-            </a:lvl7pPr>
-            <a:lvl8pPr>
-              <a:defRPr sz="3200"/>
-            </a:lvl8pPr>
-            <a:lvl9pPr>
-              <a:defRPr sz="3200"/>
-            </a:lvl9pPr>
-          </a:lstStyle>
-          <a:p>
-            <a:pPr lvl="0"/>
-            <a:r>
-              <a:rPr lang="en-US"/>
-              <a:t>Edit Master text styles</a:t>
-            </a:r>
-          </a:p>
-          <a:p>
-            <a:pPr lvl="1"/>
-            <a:r>
-              <a:rPr lang="en-US"/>
-              <a:t>Second level</a:t>
-            </a:r>
-          </a:p>
-          <a:p>
-            <a:pPr lvl="2"/>
-            <a:r>
-              <a:rPr lang="en-US"/>
-              <a:t>Third level</a:t>
-            </a:r>
-          </a:p>
-          <a:p>
-            <a:pPr lvl="3"/>
-            <a:r>
-              <a:rPr lang="en-US"/>
-              <a:t>Fourth level</a:t>
-            </a:r>
-          </a:p>
-          <a:p>
-            <a:pPr lvl="4"/>
-            <a:r>
-              <a:rPr lang="en-US"/>
-              <a:t>Fifth level</a:t>
-            </a:r>
-            <a:endParaRPr lang="en-US" dirty="0"/>
-          </a:p>
-        </p:txBody>
-      </p:sp>
-      <p:sp>
-        <p:nvSpPr>
-          <p:cNvPr id="4" name="Text Placeholder 3"/>
-          <p:cNvSpPr>
-            <a:spLocks noGrp="1"/>
-          </p:cNvSpPr>
-          <p:nvPr>
-            <p:ph type="body" sz="half" idx="2"/>
-          </p:nvPr>
-        </p:nvSpPr>
-        <p:spPr>
-          <a:xfrm>
-            <a:off x="1133714" y="3291840"/>
-            <a:ext cx="5308520" cy="6098541"/>
-          </a:xfrm>
-        </p:spPr>
-        <p:txBody>
-          <a:bodyPr/>
-          <a:lstStyle>
-            <a:lvl1pPr marL="0" indent="0">
-              <a:buNone/>
-              <a:defRPr sz="2560"/>
-            </a:lvl1pPr>
-            <a:lvl2pPr marL="731520" indent="0">
-              <a:buNone/>
-              <a:defRPr sz="2240"/>
-            </a:lvl2pPr>
-            <a:lvl3pPr marL="1463040" indent="0">
-              <a:buNone/>
-              <a:defRPr sz="1920"/>
-            </a:lvl3pPr>
-            <a:lvl4pPr marL="2194560" indent="0">
-              <a:buNone/>
-              <a:defRPr sz="1600"/>
-            </a:lvl4pPr>
-            <a:lvl5pPr marL="2926080" indent="0">
-              <a:buNone/>
-              <a:defRPr sz="1600"/>
-            </a:lvl5pPr>
-            <a:lvl6pPr marL="3657600" indent="0">
-              <a:buNone/>
-              <a:defRPr sz="1600"/>
-            </a:lvl6pPr>
-            <a:lvl7pPr marL="4389120" indent="0">
-              <a:buNone/>
-              <a:defRPr sz="1600"/>
-            </a:lvl7pPr>
-            <a:lvl8pPr marL="5120640" indent="0">
-              <a:buNone/>
-              <a:defRPr sz="1600"/>
-            </a:lvl8pPr>
-            <a:lvl9pPr marL="5852160" indent="0">
-              <a:buNone/>
-              <a:defRPr sz="1600"/>
-            </a:lvl9pPr>
-          </a:lstStyle>
-          <a:p>
-            <a:pPr lvl="0"/>
-            <a:r>
-              <a:rPr lang="en-US"/>
-              <a:t>Edit Master text styles</a:t>
-            </a:r>
-          </a:p>
-        </p:txBody>
-      </p:sp>
-      <p:sp>
-        <p:nvSpPr>
-          <p:cNvPr id="5" name="Date Placeholder 4"/>
-          <p:cNvSpPr>
-            <a:spLocks noGrp="1"/>
-          </p:cNvSpPr>
-          <p:nvPr>
-            <p:ph type="dt" sz="half" idx="10"/>
-          </p:nvPr>
-        </p:nvSpPr>
-        <p:spPr/>
-        <p:txBody>
-          <a:bodyPr/>
-          <a:lstStyle/>
-          <a:p>
-            <a:fld id="{C764DE79-268F-4C1A-8933-263129D2AF90}" type="datetimeFigureOut">
-              <a:rPr lang="en-US" dirty="0"/>
-              <a:t>6/30/2022</a:t>
-            </a:fld>
-            <a:endParaRPr lang="en-US" dirty="0"/>
-          </a:p>
-        </p:txBody>
-      </p:sp>
-      <p:sp>
-        <p:nvSpPr>
-          <p:cNvPr id="6" name="Footer Placeholder 5"/>
-          <p:cNvSpPr>
-            <a:spLocks noGrp="1"/>
-          </p:cNvSpPr>
-          <p:nvPr>
-            <p:ph type="ftr" sz="quarter" idx="11"/>
-          </p:nvPr>
-        </p:nvSpPr>
-        <p:spPr/>
-        <p:txBody>
-          <a:bodyPr/>
-          <a:lstStyle/>
-          <a:p>
-            <a:endParaRPr lang="en-US" dirty="0"/>
-          </a:p>
-        </p:txBody>
-      </p:sp>
-      <p:sp>
-        <p:nvSpPr>
-          <p:cNvPr id="7" name="Slide Number Placeholder 6"/>
-          <p:cNvSpPr>
-            <a:spLocks noGrp="1"/>
-          </p:cNvSpPr>
-          <p:nvPr>
-            <p:ph type="sldNum" sz="quarter" idx="12"/>
-          </p:nvPr>
-        </p:nvSpPr>
-        <p:spPr/>
-        <p:txBody>
-          <a:bodyPr/>
-          <a:lstStyle/>
-          <a:p>
-            <a:fld id="{48F63A3B-78C7-47BE-AE5E-E10140E04643}" type="slidenum">
-              <a:rPr lang="en-US" dirty="0"/>
-              <a:t>‹#›</a:t>
-            </a:fld>
-            <a:endParaRPr lang="en-US" dirty="0"/>
-          </a:p>
-        </p:txBody>
-      </p:sp>
-    </p:spTree>
-    <p:extLst>
-      <p:ext uri="{BB962C8B-B14F-4D97-AF65-F5344CB8AC3E}">
-        <p14:creationId xmlns:p14="http://schemas.microsoft.com/office/powerpoint/2010/main" val="703087652"/>
-      </p:ext>
-    </p:extLst>
-  </p:cSld>
-  <p:clrMapOvr>
-    <a:masterClrMapping/>
-  </p:clrMapOvr>
-  <p:hf sldNum="0" hdr="0" ftr="0" dt="0"/>
-</p:sldLayout>
-</file>
-
 <file path=ppt/slideMasters/slideMaster1.xml><?xml version="1.0" encoding="utf-8"?>
-<p:sldMaster xmlns:a="http://schemas.openxmlformats.org/drawingml/2006/main" xmlns:r="http://schemas.openxmlformats.org/officeDocument/2006/relationships" xmlns:p="http://schemas.openxmlformats.org/presentationml/2006/main" preserve="1">
-  <p:cSld>
-    <p:bg>
-      <p:bgPr>
-        <a:solidFill>
-          <a:srgbClr val="FFFFFF"/>
-        </a:solidFill>
-        <a:effectLst/>
-      </p:bgPr>
-    </p:bg>
-    <p:spTree>
-      <p:nvGrpSpPr>
-        <p:cNvPr id="1" name=""/>
-        <p:cNvGrpSpPr/>
-        <p:nvPr/>
-      </p:nvGrpSpPr>
-      <p:grpSpPr>
-        <a:xfrm>
-          <a:off x="0" y="0"/>
-          <a:ext cx="0" cy="0"/>
-          <a:chOff x="0" y="0"/>
-          <a:chExt cx="0" cy="0"/>
-        </a:xfrm>
-      </p:grpSpPr>
-    </p:spTree>
-    <p:extLst>
-      <p:ext uri="{BB962C8B-B14F-4D97-AF65-F5344CB8AC3E}">
-        <p14:creationId xmlns:p14="http://schemas.microsoft.com/office/powerpoint/2010/main" val="2175275141"/>
-      </p:ext>
-    </p:extLst>
-  </p:cSld>
-  <p:clrMap bg1="lt1" tx1="dk1" bg2="lt2" tx2="dk2" accent1="accent1" accent2="accent2" accent3="accent3" accent4="accent4" accent5="accent5" accent6="accent6" hlink="hlink" folHlink="folHlink"/>
-  <p:sldLayoutIdLst>
-    <p:sldLayoutId id="2147483697" r:id="rId1"/>
-  </p:sldLayoutIdLst>
-  <p:hf sldNum="0" hdr="0" ftr="0" dt="0"/>
-  <p:txStyles>
-    <p:titleStyle>
-      <a:lvl1pPr algn="l" defTabSz="914400" rtl="0" eaLnBrk="1" latinLnBrk="0" hangingPunct="1">
-        <a:lnSpc>
-          <a:spcPct val="90000"/>
-        </a:lnSpc>
-        <a:spcBef>
-          <a:spcPct val="0"/>
-        </a:spcBef>
-        <a:buNone/>
-        <a:defRPr sz="3600" kern="1200">
-          <a:solidFill>
-            <a:schemeClr val="tx1"/>
-          </a:solidFill>
-          <a:latin typeface="+mj-lt"/>
-          <a:ea typeface="+mj-ea"/>
-          <a:cs typeface="+mj-cs"/>
-        </a:defRPr>
-      </a:lvl1pPr>
-    </p:titleStyle>
-    <p:bodyStyle>
-      <a:lvl1pPr marL="228600" indent="-228600" algn="l" defTabSz="914400" rtl="0" eaLnBrk="1" latinLnBrk="0" hangingPunct="1">
-        <a:lnSpc>
-          <a:spcPct val="90000"/>
-        </a:lnSpc>
-        <a:spcBef>
-          <a:spcPts val="1000"/>
-        </a:spcBef>
-        <a:buFont typeface="Arial" panose="020B0604020202020204" pitchFamily="34" charset="0"/>
-        <a:buChar char="•"/>
-        <a:defRPr sz="2400" kern="1200">
-          <a:solidFill>
-            <a:schemeClr val="tx1"/>
-          </a:solidFill>
-          <a:latin typeface="+mn-lt"/>
-          <a:ea typeface="+mn-ea"/>
-          <a:cs typeface="+mn-cs"/>
-        </a:defRPr>
-      </a:lvl1pPr>
-      <a:lvl2pPr marL="685800" indent="-228600" algn="l" defTabSz="914400" rtl="0" eaLnBrk="1" latinLnBrk="0" hangingPunct="1">
-        <a:lnSpc>
-          <a:spcPct val="90000"/>
-        </a:lnSpc>
-        <a:spcBef>
-          <a:spcPts val="500"/>
-        </a:spcBef>
-        <a:buFont typeface="Arial" panose="020B0604020202020204" pitchFamily="34" charset="0"/>
-        <a:buChar char="•"/>
-        <a:defRPr sz="2000" kern="1200">
-          <a:solidFill>
-            <a:schemeClr val="tx1"/>
-          </a:solidFill>
-          <a:latin typeface="+mn-lt"/>
-          <a:ea typeface="+mn-ea"/>
-          <a:cs typeface="+mn-cs"/>
-        </a:defRPr>
-      </a:lvl2pPr>
-      <a:lvl3pPr marL="1143000" indent="-228600" algn="l" defTabSz="914400" rtl="0" eaLnBrk="1" latinLnBrk="0" hangingPunct="1">
-        <a:lnSpc>
-          <a:spcPct val="90000"/>
-        </a:lnSpc>
-        <a:spcBef>
-          <a:spcPts val="500"/>
-        </a:spcBef>
-        <a:buFont typeface="Arial" panose="020B0604020202020204" pitchFamily="34" charset="0"/>
-        <a:buChar char="•"/>
-        <a:defRPr sz="1800" kern="1200">
-          <a:solidFill>
-            <a:schemeClr val="tx1"/>
-          </a:solidFill>
-          <a:latin typeface="+mn-lt"/>
-          <a:ea typeface="+mn-ea"/>
-          <a:cs typeface="+mn-cs"/>
-        </a:defRPr>
-      </a:lvl3pPr>
-      <a:lvl4pPr marL="1600200" indent="-228600" algn="l" defTabSz="914400" rtl="0" eaLnBrk="1" latinLnBrk="0" hangingPunct="1">
-        <a:lnSpc>
-          <a:spcPct val="90000"/>
-        </a:lnSpc>
-        <a:spcBef>
-          <a:spcPts val="500"/>
-        </a:spcBef>
-        <a:buFont typeface="Arial" panose="020B0604020202020204" pitchFamily="34" charset="0"/>
-        <a:buChar char="•"/>
-        <a:defRPr sz="1600" kern="1200">
-          <a:solidFill>
-            <a:schemeClr val="tx1"/>
-          </a:solidFill>
-          <a:latin typeface="+mn-lt"/>
-          <a:ea typeface="+mn-ea"/>
-          <a:cs typeface="+mn-cs"/>
-        </a:defRPr>
-      </a:lvl4pPr>
-      <a:lvl5pPr marL="2057400" indent="-228600" algn="l" defTabSz="914400" rtl="0" eaLnBrk="1" latinLnBrk="0" hangingPunct="1">
-        <a:lnSpc>
-          <a:spcPct val="90000"/>
-        </a:lnSpc>
-        <a:spcBef>
-          <a:spcPts val="500"/>
-        </a:spcBef>
-        <a:buFont typeface="Arial" panose="020B0604020202020204" pitchFamily="34" charset="0"/>
-        <a:buChar char="•"/>
-        <a:defRPr sz="1600" kern="1200">
-          <a:solidFill>
-            <a:schemeClr val="tx1"/>
-          </a:solidFill>
-          <a:latin typeface="+mn-lt"/>
-          <a:ea typeface="+mn-ea"/>
-          <a:cs typeface="+mn-cs"/>
-        </a:defRPr>
-      </a:lvl5pPr>
-      <a:lvl6pPr marL="2514600" indent="-228600" algn="l" defTabSz="914400" rtl="0" eaLnBrk="1" latinLnBrk="0" hangingPunct="1">
-        <a:lnSpc>
-          <a:spcPct val="90000"/>
-        </a:lnSpc>
-        <a:spcBef>
-          <a:spcPts val="500"/>
-        </a:spcBef>
-        <a:buFont typeface="Arial" panose="020B0604020202020204" pitchFamily="34" charset="0"/>
-        <a:buChar char="•"/>
-        <a:defRPr sz="1800" kern="1200">
-          <a:solidFill>
-            <a:schemeClr val="tx1"/>
-          </a:solidFill>
-          <a:latin typeface="+mn-lt"/>
-          <a:ea typeface="+mn-ea"/>
-          <a:cs typeface="+mn-cs"/>
-        </a:defRPr>
-      </a:lvl6pPr>
-      <a:lvl7pPr marL="2971800" indent="-228600" algn="l" defTabSz="914400" rtl="0" eaLnBrk="1" latinLnBrk="0" hangingPunct="1">
-        <a:lnSpc>
-          <a:spcPct val="90000"/>
-        </a:lnSpc>
-        <a:spcBef>
-          <a:spcPts val="500"/>
-        </a:spcBef>
-        <a:buFont typeface="Arial" panose="020B0604020202020204" pitchFamily="34" charset="0"/>
-        <a:buChar char="•"/>
-        <a:defRPr sz="1800" kern="1200">
-          <a:solidFill>
-            <a:schemeClr val="tx1"/>
-          </a:solidFill>
-          <a:latin typeface="+mn-lt"/>
-          <a:ea typeface="+mn-ea"/>
-          <a:cs typeface="+mn-cs"/>
-        </a:defRPr>
-      </a:lvl7pPr>
-      <a:lvl8pPr marL="3429000" indent="-228600" algn="l" defTabSz="914400" rtl="0" eaLnBrk="1" latinLnBrk="0" hangingPunct="1">
-        <a:lnSpc>
-          <a:spcPct val="90000"/>
-        </a:lnSpc>
-        <a:spcBef>
-          <a:spcPts val="500"/>
-        </a:spcBef>
-        <a:buFont typeface="Arial" panose="020B0604020202020204" pitchFamily="34" charset="0"/>
-        <a:buChar char="•"/>
-        <a:defRPr sz="1800" kern="1200">
-          <a:solidFill>
-            <a:schemeClr val="tx1"/>
-          </a:solidFill>
-          <a:latin typeface="+mn-lt"/>
-          <a:ea typeface="+mn-ea"/>
-          <a:cs typeface="+mn-cs"/>
-        </a:defRPr>
-      </a:lvl8pPr>
-      <a:lvl9pPr marL="3886200" indent="-228600" algn="l" defTabSz="914400" rtl="0" eaLnBrk="1" latinLnBrk="0" hangingPunct="1">
-        <a:lnSpc>
-          <a:spcPct val="90000"/>
-        </a:lnSpc>
-        <a:spcBef>
-          <a:spcPts val="500"/>
-        </a:spcBef>
-        <a:buFont typeface="Arial" panose="020B0604020202020204" pitchFamily="34" charset="0"/>
-        <a:buChar char="•"/>
-        <a:defRPr sz="1800" kern="1200">
-          <a:solidFill>
-            <a:schemeClr val="tx1"/>
-          </a:solidFill>
-          <a:latin typeface="+mn-lt"/>
-          <a:ea typeface="+mn-ea"/>
-          <a:cs typeface="+mn-cs"/>
-        </a:defRPr>
-      </a:lvl9pPr>
-    </p:bodyStyle>
-    <p:otherStyle>
-      <a:defPPr>
-        <a:defRPr lang="en-US"/>
-      </a:defPPr>
-      <a:lvl1pPr marL="0" algn="l" defTabSz="914400" rtl="0" eaLnBrk="1" latinLnBrk="0" hangingPunct="1">
-        <a:defRPr sz="1800" kern="1200">
-          <a:solidFill>
-            <a:schemeClr val="tx1"/>
-          </a:solidFill>
-          <a:latin typeface="+mn-lt"/>
-          <a:ea typeface="+mn-ea"/>
-          <a:cs typeface="+mn-cs"/>
-        </a:defRPr>
-      </a:lvl1pPr>
-      <a:lvl2pPr marL="457200" algn="l" defTabSz="914400" rtl="0" eaLnBrk="1" latinLnBrk="0" hangingPunct="1">
-        <a:defRPr sz="1800" kern="1200">
-          <a:solidFill>
-            <a:schemeClr val="tx1"/>
-          </a:solidFill>
-          <a:latin typeface="+mn-lt"/>
-          <a:ea typeface="+mn-ea"/>
-          <a:cs typeface="+mn-cs"/>
-        </a:defRPr>
-      </a:lvl2pPr>
-      <a:lvl3pPr marL="914400" algn="l" defTabSz="914400" rtl="0" eaLnBrk="1" latinLnBrk="0" hangingPunct="1">
-        <a:defRPr sz="1800" kern="1200">
-          <a:solidFill>
-            <a:schemeClr val="tx1"/>
-          </a:solidFill>
-          <a:latin typeface="+mn-lt"/>
-          <a:ea typeface="+mn-ea"/>
-          <a:cs typeface="+mn-cs"/>
-        </a:defRPr>
-      </a:lvl3pPr>
-      <a:lvl4pPr marL="1371600" algn="l" defTabSz="914400" rtl="0" eaLnBrk="1" latinLnBrk="0" hangingPunct="1">
-        <a:defRPr sz="1800" kern="1200">
-          <a:solidFill>
-            <a:schemeClr val="tx1"/>
-          </a:solidFill>
-          <a:latin typeface="+mn-lt"/>
-          <a:ea typeface="+mn-ea"/>
-          <a:cs typeface="+mn-cs"/>
-        </a:defRPr>
-      </a:lvl4pPr>
-      <a:lvl5pPr marL="1828800" algn="l" defTabSz="914400" rtl="0" eaLnBrk="1" latinLnBrk="0" hangingPunct="1">
-        <a:defRPr sz="1800" kern="1200">
-          <a:solidFill>
-            <a:schemeClr val="tx1"/>
-          </a:solidFill>
-          <a:latin typeface="+mn-lt"/>
-          <a:ea typeface="+mn-ea"/>
-          <a:cs typeface="+mn-cs"/>
-        </a:defRPr>
-      </a:lvl5pPr>
-      <a:lvl6pPr marL="2286000" algn="l" defTabSz="914400" rtl="0" eaLnBrk="1" latinLnBrk="0" hangingPunct="1">
-        <a:defRPr sz="1800" kern="1200">
-          <a:solidFill>
-            <a:schemeClr val="tx1"/>
-          </a:solidFill>
-          <a:latin typeface="+mn-lt"/>
-          <a:ea typeface="+mn-ea"/>
-          <a:cs typeface="+mn-cs"/>
-        </a:defRPr>
-      </a:lvl6pPr>
-      <a:lvl7pPr marL="2743200" algn="l" defTabSz="914400" rtl="0" eaLnBrk="1" latinLnBrk="0" hangingPunct="1">
-        <a:defRPr sz="1800" kern="1200">
-          <a:solidFill>
-            <a:schemeClr val="tx1"/>
-          </a:solidFill>
-          <a:latin typeface="+mn-lt"/>
-          <a:ea typeface="+mn-ea"/>
-          <a:cs typeface="+mn-cs"/>
-        </a:defRPr>
-      </a:lvl7pPr>
-      <a:lvl8pPr marL="3200400" algn="l" defTabSz="914400" rtl="0" eaLnBrk="1" latinLnBrk="0" hangingPunct="1">
-        <a:defRPr sz="1800" kern="1200">
-          <a:solidFill>
-            <a:schemeClr val="tx1"/>
-          </a:solidFill>
-          <a:latin typeface="+mn-lt"/>
-          <a:ea typeface="+mn-ea"/>
-          <a:cs typeface="+mn-cs"/>
-        </a:defRPr>
-      </a:lvl8pPr>
-      <a:lvl9pPr marL="3657600" algn="l" defTabSz="914400" rtl="0" eaLnBrk="1" latinLnBrk="0" hangingPunct="1">
-        <a:defRPr sz="1800" kern="1200">
-          <a:solidFill>
-            <a:schemeClr val="tx1"/>
-          </a:solidFill>
-          <a:latin typeface="+mn-lt"/>
-          <a:ea typeface="+mn-ea"/>
-          <a:cs typeface="+mn-cs"/>
-        </a:defRPr>
-      </a:lvl9pPr>
-    </p:otherStyle>
-  </p:txStyles>
-</p:sldMaster>
-</file>
-
-<file path=ppt/slideMasters/slideMaster2.xml><?xml version="1.0" encoding="utf-8"?>
 <p:sldMaster xmlns:a="http://schemas.openxmlformats.org/drawingml/2006/main" xmlns:r="http://schemas.openxmlformats.org/officeDocument/2006/relationships" xmlns:p="http://schemas.openxmlformats.org/presentationml/2006/main">
   <p:cSld>
     <p:bg>
@@ -3499,8 +2443,8 @@
         </p:nvSpPr>
         <p:spPr>
           <a:xfrm>
-            <a:off x="1131570" y="584202"/>
-            <a:ext cx="14196060" cy="2120901"/>
+            <a:off x="1508760" y="778936"/>
+            <a:ext cx="18928080" cy="2827868"/>
           </a:xfrm>
           <a:prstGeom prst="rect">
             <a:avLst/>
@@ -3532,8 +2476,8 @@
         </p:nvSpPr>
         <p:spPr>
           <a:xfrm>
-            <a:off x="1131570" y="2921000"/>
-            <a:ext cx="14196060" cy="6962141"/>
+            <a:off x="1508760" y="3894667"/>
+            <a:ext cx="18928080" cy="9282854"/>
           </a:xfrm>
           <a:prstGeom prst="rect">
             <a:avLst/>
@@ -3594,8 +2538,8 @@
         </p:nvSpPr>
         <p:spPr>
           <a:xfrm>
-            <a:off x="1131570" y="10170162"/>
-            <a:ext cx="3703320" cy="584200"/>
+            <a:off x="1508760" y="13560217"/>
+            <a:ext cx="4937760" cy="778933"/>
           </a:xfrm>
           <a:prstGeom prst="rect">
             <a:avLst/>
@@ -3605,7 +2549,7 @@
           <a:bodyPr vert="horz" lIns="91440" tIns="45720" rIns="91440" bIns="45720" rtlCol="0" anchor="ctr"/>
           <a:lstStyle>
             <a:lvl1pPr algn="l">
-              <a:defRPr sz="1920">
+              <a:defRPr sz="2560">
                 <a:solidFill>
                   <a:schemeClr val="tx1">
                     <a:tint val="75000"/>
@@ -3615,11 +2559,11 @@
             </a:lvl1pPr>
           </a:lstStyle>
           <a:p>
-            <a:fld id="{C764DE79-268F-4C1A-8933-263129D2AF90}" type="datetimeFigureOut">
-              <a:rPr lang="en-US" dirty="0"/>
-              <a:t>6/30/2022</a:t>
+            <a:fld id="{F6A2EF35-641B-46A1-97AC-E15394141053}" type="datetimeFigureOut">
+              <a:rPr lang="en-US" smtClean="0"/>
+              <a:t>7/11/2022</a:t>
             </a:fld>
-            <a:endParaRPr lang="en-US" dirty="0"/>
+            <a:endParaRPr lang="en-US"/>
           </a:p>
         </p:txBody>
       </p:sp>
@@ -3635,8 +2579,8 @@
         </p:nvSpPr>
         <p:spPr>
           <a:xfrm>
-            <a:off x="5452110" y="10170162"/>
-            <a:ext cx="5554980" cy="584200"/>
+            <a:off x="7269480" y="13560217"/>
+            <a:ext cx="7406640" cy="778933"/>
           </a:xfrm>
           <a:prstGeom prst="rect">
             <a:avLst/>
@@ -3646,7 +2590,7 @@
           <a:bodyPr vert="horz" lIns="91440" tIns="45720" rIns="91440" bIns="45720" rtlCol="0" anchor="ctr"/>
           <a:lstStyle>
             <a:lvl1pPr algn="ctr">
-              <a:defRPr sz="1920">
+              <a:defRPr sz="2560">
                 <a:solidFill>
                   <a:schemeClr val="tx1">
                     <a:tint val="75000"/>
@@ -3656,7 +2600,7 @@
             </a:lvl1pPr>
           </a:lstStyle>
           <a:p>
-            <a:endParaRPr lang="en-US" dirty="0"/>
+            <a:endParaRPr lang="en-US"/>
           </a:p>
         </p:txBody>
       </p:sp>
@@ -3672,8 +2616,8 @@
         </p:nvSpPr>
         <p:spPr>
           <a:xfrm>
-            <a:off x="11624310" y="10170162"/>
-            <a:ext cx="3703320" cy="584200"/>
+            <a:off x="15499080" y="13560217"/>
+            <a:ext cx="4937760" cy="778933"/>
           </a:xfrm>
           <a:prstGeom prst="rect">
             <a:avLst/>
@@ -3683,7 +2627,7 @@
           <a:bodyPr vert="horz" lIns="91440" tIns="45720" rIns="91440" bIns="45720" rtlCol="0" anchor="ctr"/>
           <a:lstStyle>
             <a:lvl1pPr algn="r">
-              <a:defRPr sz="1920">
+              <a:defRPr sz="2560">
                 <a:solidFill>
                   <a:schemeClr val="tx1">
                     <a:tint val="75000"/>
@@ -3693,39 +2637,38 @@
             </a:lvl1pPr>
           </a:lstStyle>
           <a:p>
-            <a:fld id="{48F63A3B-78C7-47BE-AE5E-E10140E04643}" type="slidenum">
-              <a:rPr lang="en-US" dirty="0"/>
+            <a:fld id="{A8C3D6C9-242B-4A8D-A3F5-CC148C3D1DA6}" type="slidenum">
+              <a:rPr lang="en-US" smtClean="0"/>
               <a:t>‹#›</a:t>
             </a:fld>
-            <a:endParaRPr lang="en-US" dirty="0"/>
+            <a:endParaRPr lang="en-US"/>
           </a:p>
         </p:txBody>
       </p:sp>
     </p:spTree>
     <p:extLst>
       <p:ext uri="{BB962C8B-B14F-4D97-AF65-F5344CB8AC3E}">
-        <p14:creationId xmlns:p14="http://schemas.microsoft.com/office/powerpoint/2010/main" val="2752570345"/>
+        <p14:creationId xmlns:p14="http://schemas.microsoft.com/office/powerpoint/2010/main" val="3734817668"/>
       </p:ext>
     </p:extLst>
   </p:cSld>
   <p:clrMap bg1="lt1" tx1="dk1" bg2="lt2" tx2="dk2" accent1="accent1" accent2="accent2" accent3="accent3" accent4="accent4" accent5="accent5" accent6="accent6" hlink="hlink" folHlink="folHlink"/>
   <p:sldLayoutIdLst>
-    <p:sldLayoutId id="2147483699" r:id="rId1"/>
-    <p:sldLayoutId id="2147483700" r:id="rId2"/>
-    <p:sldLayoutId id="2147483701" r:id="rId3"/>
-    <p:sldLayoutId id="2147483702" r:id="rId4"/>
-    <p:sldLayoutId id="2147483703" r:id="rId5"/>
-    <p:sldLayoutId id="2147483704" r:id="rId6"/>
-    <p:sldLayoutId id="2147483705" r:id="rId7"/>
-    <p:sldLayoutId id="2147483706" r:id="rId8"/>
-    <p:sldLayoutId id="2147483707" r:id="rId9"/>
-    <p:sldLayoutId id="2147483708" r:id="rId10"/>
-    <p:sldLayoutId id="2147483709" r:id="rId11"/>
+    <p:sldLayoutId id="2147483661" r:id="rId1"/>
+    <p:sldLayoutId id="2147483662" r:id="rId2"/>
+    <p:sldLayoutId id="2147483663" r:id="rId3"/>
+    <p:sldLayoutId id="2147483664" r:id="rId4"/>
+    <p:sldLayoutId id="2147483665" r:id="rId5"/>
+    <p:sldLayoutId id="2147483666" r:id="rId6"/>
+    <p:sldLayoutId id="2147483667" r:id="rId7"/>
+    <p:sldLayoutId id="2147483668" r:id="rId8"/>
+    <p:sldLayoutId id="2147483669" r:id="rId9"/>
+    <p:sldLayoutId id="2147483670" r:id="rId10"/>
+    <p:sldLayoutId id="2147483671" r:id="rId11"/>
   </p:sldLayoutIdLst>
-  <p:hf sldNum="0" hdr="0" ftr="0" dt="0"/>
   <p:txStyles>
     <p:titleStyle>
-      <a:lvl1pPr algn="l" defTabSz="1463040" rtl="0" eaLnBrk="1" latinLnBrk="0" hangingPunct="1">
+      <a:lvl1pPr algn="l" defTabSz="1950690" rtl="0" eaLnBrk="1" latinLnBrk="0" hangingPunct="1">
         <a:lnSpc>
           <a:spcPct val="90000"/>
         </a:lnSpc>
@@ -3733,7 +2676,7 @@
           <a:spcPct val="0"/>
         </a:spcBef>
         <a:buNone/>
-        <a:defRPr sz="7040" kern="1200">
+        <a:defRPr sz="9387" kern="1200">
           <a:solidFill>
             <a:schemeClr val="tx1"/>
           </a:solidFill>
@@ -3744,16 +2687,16 @@
       </a:lvl1pPr>
     </p:titleStyle>
     <p:bodyStyle>
-      <a:lvl1pPr marL="365760" indent="-365760" algn="l" defTabSz="1463040" rtl="0" eaLnBrk="1" latinLnBrk="0" hangingPunct="1">
+      <a:lvl1pPr marL="487672" indent="-487672" algn="l" defTabSz="1950690" rtl="0" eaLnBrk="1" latinLnBrk="0" hangingPunct="1">
         <a:lnSpc>
           <a:spcPct val="90000"/>
         </a:lnSpc>
         <a:spcBef>
-          <a:spcPts val="1600"/>
+          <a:spcPts val="2133"/>
         </a:spcBef>
         <a:buFont typeface="Arial" panose="020B0604020202020204" pitchFamily="34" charset="0"/>
         <a:buChar char="•"/>
-        <a:defRPr sz="4480" kern="1200">
+        <a:defRPr sz="5973" kern="1200">
           <a:solidFill>
             <a:schemeClr val="tx1"/>
           </a:solidFill>
@@ -3762,12 +2705,48 @@
           <a:cs typeface="+mn-cs"/>
         </a:defRPr>
       </a:lvl1pPr>
-      <a:lvl2pPr marL="1097280" indent="-365760" algn="l" defTabSz="1463040" rtl="0" eaLnBrk="1" latinLnBrk="0" hangingPunct="1">
+      <a:lvl2pPr marL="1463017" indent="-487672" algn="l" defTabSz="1950690" rtl="0" eaLnBrk="1" latinLnBrk="0" hangingPunct="1">
         <a:lnSpc>
           <a:spcPct val="90000"/>
         </a:lnSpc>
         <a:spcBef>
-          <a:spcPts val="800"/>
+          <a:spcPts val="1067"/>
+        </a:spcBef>
+        <a:buFont typeface="Arial" panose="020B0604020202020204" pitchFamily="34" charset="0"/>
+        <a:buChar char="•"/>
+        <a:defRPr sz="5120" kern="1200">
+          <a:solidFill>
+            <a:schemeClr val="tx1"/>
+          </a:solidFill>
+          <a:latin typeface="+mn-lt"/>
+          <a:ea typeface="+mn-ea"/>
+          <a:cs typeface="+mn-cs"/>
+        </a:defRPr>
+      </a:lvl2pPr>
+      <a:lvl3pPr marL="2438362" indent="-487672" algn="l" defTabSz="1950690" rtl="0" eaLnBrk="1" latinLnBrk="0" hangingPunct="1">
+        <a:lnSpc>
+          <a:spcPct val="90000"/>
+        </a:lnSpc>
+        <a:spcBef>
+          <a:spcPts val="1067"/>
+        </a:spcBef>
+        <a:buFont typeface="Arial" panose="020B0604020202020204" pitchFamily="34" charset="0"/>
+        <a:buChar char="•"/>
+        <a:defRPr sz="4267" kern="1200">
+          <a:solidFill>
+            <a:schemeClr val="tx1"/>
+          </a:solidFill>
+          <a:latin typeface="+mn-lt"/>
+          <a:ea typeface="+mn-ea"/>
+          <a:cs typeface="+mn-cs"/>
+        </a:defRPr>
+      </a:lvl3pPr>
+      <a:lvl4pPr marL="3413707" indent="-487672" algn="l" defTabSz="1950690" rtl="0" eaLnBrk="1" latinLnBrk="0" hangingPunct="1">
+        <a:lnSpc>
+          <a:spcPct val="90000"/>
+        </a:lnSpc>
+        <a:spcBef>
+          <a:spcPts val="1067"/>
         </a:spcBef>
         <a:buFont typeface="Arial" panose="020B0604020202020204" pitchFamily="34" charset="0"/>
         <a:buChar char="•"/>
@@ -3779,53 +2758,17 @@
           <a:ea typeface="+mn-ea"/>
           <a:cs typeface="+mn-cs"/>
         </a:defRPr>
-      </a:lvl2pPr>
-      <a:lvl3pPr marL="1828800" indent="-365760" algn="l" defTabSz="1463040" rtl="0" eaLnBrk="1" latinLnBrk="0" hangingPunct="1">
+      </a:lvl4pPr>
+      <a:lvl5pPr marL="4389051" indent="-487672" algn="l" defTabSz="1950690" rtl="0" eaLnBrk="1" latinLnBrk="0" hangingPunct="1">
         <a:lnSpc>
           <a:spcPct val="90000"/>
         </a:lnSpc>
         <a:spcBef>
-          <a:spcPts val="800"/>
+          <a:spcPts val="1067"/>
         </a:spcBef>
         <a:buFont typeface="Arial" panose="020B0604020202020204" pitchFamily="34" charset="0"/>
         <a:buChar char="•"/>
-        <a:defRPr sz="3200" kern="1200">
-          <a:solidFill>
-            <a:schemeClr val="tx1"/>
-          </a:solidFill>
-          <a:latin typeface="+mn-lt"/>
-          <a:ea typeface="+mn-ea"/>
-          <a:cs typeface="+mn-cs"/>
-        </a:defRPr>
-      </a:lvl3pPr>
-      <a:lvl4pPr marL="2560320" indent="-365760" algn="l" defTabSz="1463040" rtl="0" eaLnBrk="1" latinLnBrk="0" hangingPunct="1">
-        <a:lnSpc>
-          <a:spcPct val="90000"/>
-        </a:lnSpc>
-        <a:spcBef>
-          <a:spcPts val="800"/>
-        </a:spcBef>
-        <a:buFont typeface="Arial" panose="020B0604020202020204" pitchFamily="34" charset="0"/>
-        <a:buChar char="•"/>
-        <a:defRPr sz="2880" kern="1200">
-          <a:solidFill>
-            <a:schemeClr val="tx1"/>
-          </a:solidFill>
-          <a:latin typeface="+mn-lt"/>
-          <a:ea typeface="+mn-ea"/>
-          <a:cs typeface="+mn-cs"/>
-        </a:defRPr>
-      </a:lvl4pPr>
-      <a:lvl5pPr marL="3291840" indent="-365760" algn="l" defTabSz="1463040" rtl="0" eaLnBrk="1" latinLnBrk="0" hangingPunct="1">
-        <a:lnSpc>
-          <a:spcPct val="90000"/>
-        </a:lnSpc>
-        <a:spcBef>
-          <a:spcPts val="800"/>
-        </a:spcBef>
-        <a:buFont typeface="Arial" panose="020B0604020202020204" pitchFamily="34" charset="0"/>
-        <a:buChar char="•"/>
-        <a:defRPr sz="2880" kern="1200">
+        <a:defRPr sz="3840" kern="1200">
           <a:solidFill>
             <a:schemeClr val="tx1"/>
           </a:solidFill>
@@ -3834,16 +2777,16 @@
           <a:cs typeface="+mn-cs"/>
         </a:defRPr>
       </a:lvl5pPr>
-      <a:lvl6pPr marL="4023360" indent="-365760" algn="l" defTabSz="1463040" rtl="0" eaLnBrk="1" latinLnBrk="0" hangingPunct="1">
+      <a:lvl6pPr marL="5364396" indent="-487672" algn="l" defTabSz="1950690" rtl="0" eaLnBrk="1" latinLnBrk="0" hangingPunct="1">
         <a:lnSpc>
           <a:spcPct val="90000"/>
         </a:lnSpc>
         <a:spcBef>
-          <a:spcPts val="800"/>
+          <a:spcPts val="1067"/>
         </a:spcBef>
         <a:buFont typeface="Arial" panose="020B0604020202020204" pitchFamily="34" charset="0"/>
         <a:buChar char="•"/>
-        <a:defRPr sz="2880" kern="1200">
+        <a:defRPr sz="3840" kern="1200">
           <a:solidFill>
             <a:schemeClr val="tx1"/>
           </a:solidFill>
@@ -3852,16 +2795,16 @@
           <a:cs typeface="+mn-cs"/>
         </a:defRPr>
       </a:lvl6pPr>
-      <a:lvl7pPr marL="4754880" indent="-365760" algn="l" defTabSz="1463040" rtl="0" eaLnBrk="1" latinLnBrk="0" hangingPunct="1">
+      <a:lvl7pPr marL="6339741" indent="-487672" algn="l" defTabSz="1950690" rtl="0" eaLnBrk="1" latinLnBrk="0" hangingPunct="1">
         <a:lnSpc>
           <a:spcPct val="90000"/>
         </a:lnSpc>
         <a:spcBef>
-          <a:spcPts val="800"/>
+          <a:spcPts val="1067"/>
         </a:spcBef>
         <a:buFont typeface="Arial" panose="020B0604020202020204" pitchFamily="34" charset="0"/>
         <a:buChar char="•"/>
-        <a:defRPr sz="2880" kern="1200">
+        <a:defRPr sz="3840" kern="1200">
           <a:solidFill>
             <a:schemeClr val="tx1"/>
           </a:solidFill>
@@ -3870,16 +2813,16 @@
           <a:cs typeface="+mn-cs"/>
         </a:defRPr>
       </a:lvl7pPr>
-      <a:lvl8pPr marL="5486400" indent="-365760" algn="l" defTabSz="1463040" rtl="0" eaLnBrk="1" latinLnBrk="0" hangingPunct="1">
+      <a:lvl8pPr marL="7315086" indent="-487672" algn="l" defTabSz="1950690" rtl="0" eaLnBrk="1" latinLnBrk="0" hangingPunct="1">
         <a:lnSpc>
           <a:spcPct val="90000"/>
         </a:lnSpc>
         <a:spcBef>
-          <a:spcPts val="800"/>
+          <a:spcPts val="1067"/>
         </a:spcBef>
         <a:buFont typeface="Arial" panose="020B0604020202020204" pitchFamily="34" charset="0"/>
         <a:buChar char="•"/>
-        <a:defRPr sz="2880" kern="1200">
+        <a:defRPr sz="3840" kern="1200">
           <a:solidFill>
             <a:schemeClr val="tx1"/>
           </a:solidFill>
@@ -3888,16 +2831,16 @@
           <a:cs typeface="+mn-cs"/>
         </a:defRPr>
       </a:lvl8pPr>
-      <a:lvl9pPr marL="6217920" indent="-365760" algn="l" defTabSz="1463040" rtl="0" eaLnBrk="1" latinLnBrk="0" hangingPunct="1">
+      <a:lvl9pPr marL="8290430" indent="-487672" algn="l" defTabSz="1950690" rtl="0" eaLnBrk="1" latinLnBrk="0" hangingPunct="1">
         <a:lnSpc>
           <a:spcPct val="90000"/>
         </a:lnSpc>
         <a:spcBef>
-          <a:spcPts val="800"/>
+          <a:spcPts val="1067"/>
         </a:spcBef>
         <a:buFont typeface="Arial" panose="020B0604020202020204" pitchFamily="34" charset="0"/>
         <a:buChar char="•"/>
-        <a:defRPr sz="2880" kern="1200">
+        <a:defRPr sz="3840" kern="1200">
           <a:solidFill>
             <a:schemeClr val="tx1"/>
           </a:solidFill>
@@ -3911,8 +2854,8 @@
       <a:defPPr>
         <a:defRPr lang="en-US"/>
       </a:defPPr>
-      <a:lvl1pPr marL="0" algn="l" defTabSz="1463040" rtl="0" eaLnBrk="1" latinLnBrk="0" hangingPunct="1">
-        <a:defRPr sz="2880" kern="1200">
+      <a:lvl1pPr marL="0" algn="l" defTabSz="1950690" rtl="0" eaLnBrk="1" latinLnBrk="0" hangingPunct="1">
+        <a:defRPr sz="3840" kern="1200">
           <a:solidFill>
             <a:schemeClr val="tx1"/>
           </a:solidFill>
@@ -3921,8 +2864,8 @@
           <a:cs typeface="+mn-cs"/>
         </a:defRPr>
       </a:lvl1pPr>
-      <a:lvl2pPr marL="731520" algn="l" defTabSz="1463040" rtl="0" eaLnBrk="1" latinLnBrk="0" hangingPunct="1">
-        <a:defRPr sz="2880" kern="1200">
+      <a:lvl2pPr marL="975345" algn="l" defTabSz="1950690" rtl="0" eaLnBrk="1" latinLnBrk="0" hangingPunct="1">
+        <a:defRPr sz="3840" kern="1200">
           <a:solidFill>
             <a:schemeClr val="tx1"/>
           </a:solidFill>
@@ -3931,8 +2874,8 @@
           <a:cs typeface="+mn-cs"/>
         </a:defRPr>
       </a:lvl2pPr>
-      <a:lvl3pPr marL="1463040" algn="l" defTabSz="1463040" rtl="0" eaLnBrk="1" latinLnBrk="0" hangingPunct="1">
-        <a:defRPr sz="2880" kern="1200">
+      <a:lvl3pPr marL="1950690" algn="l" defTabSz="1950690" rtl="0" eaLnBrk="1" latinLnBrk="0" hangingPunct="1">
+        <a:defRPr sz="3840" kern="1200">
           <a:solidFill>
             <a:schemeClr val="tx1"/>
           </a:solidFill>
@@ -3941,8 +2884,8 @@
           <a:cs typeface="+mn-cs"/>
         </a:defRPr>
       </a:lvl3pPr>
-      <a:lvl4pPr marL="2194560" algn="l" defTabSz="1463040" rtl="0" eaLnBrk="1" latinLnBrk="0" hangingPunct="1">
-        <a:defRPr sz="2880" kern="1200">
+      <a:lvl4pPr marL="2926034" algn="l" defTabSz="1950690" rtl="0" eaLnBrk="1" latinLnBrk="0" hangingPunct="1">
+        <a:defRPr sz="3840" kern="1200">
           <a:solidFill>
             <a:schemeClr val="tx1"/>
           </a:solidFill>
@@ -3951,8 +2894,8 @@
           <a:cs typeface="+mn-cs"/>
         </a:defRPr>
       </a:lvl4pPr>
-      <a:lvl5pPr marL="2926080" algn="l" defTabSz="1463040" rtl="0" eaLnBrk="1" latinLnBrk="0" hangingPunct="1">
-        <a:defRPr sz="2880" kern="1200">
+      <a:lvl5pPr marL="3901379" algn="l" defTabSz="1950690" rtl="0" eaLnBrk="1" latinLnBrk="0" hangingPunct="1">
+        <a:defRPr sz="3840" kern="1200">
           <a:solidFill>
             <a:schemeClr val="tx1"/>
           </a:solidFill>
@@ -3961,8 +2904,8 @@
           <a:cs typeface="+mn-cs"/>
         </a:defRPr>
       </a:lvl5pPr>
-      <a:lvl6pPr marL="3657600" algn="l" defTabSz="1463040" rtl="0" eaLnBrk="1" latinLnBrk="0" hangingPunct="1">
-        <a:defRPr sz="2880" kern="1200">
+      <a:lvl6pPr marL="4876724" algn="l" defTabSz="1950690" rtl="0" eaLnBrk="1" latinLnBrk="0" hangingPunct="1">
+        <a:defRPr sz="3840" kern="1200">
           <a:solidFill>
             <a:schemeClr val="tx1"/>
           </a:solidFill>
@@ -3971,8 +2914,8 @@
           <a:cs typeface="+mn-cs"/>
         </a:defRPr>
       </a:lvl6pPr>
-      <a:lvl7pPr marL="4389120" algn="l" defTabSz="1463040" rtl="0" eaLnBrk="1" latinLnBrk="0" hangingPunct="1">
-        <a:defRPr sz="2880" kern="1200">
+      <a:lvl7pPr marL="5852069" algn="l" defTabSz="1950690" rtl="0" eaLnBrk="1" latinLnBrk="0" hangingPunct="1">
+        <a:defRPr sz="3840" kern="1200">
           <a:solidFill>
             <a:schemeClr val="tx1"/>
           </a:solidFill>
@@ -3981,8 +2924,8 @@
           <a:cs typeface="+mn-cs"/>
         </a:defRPr>
       </a:lvl7pPr>
-      <a:lvl8pPr marL="5120640" algn="l" defTabSz="1463040" rtl="0" eaLnBrk="1" latinLnBrk="0" hangingPunct="1">
-        <a:defRPr sz="2880" kern="1200">
+      <a:lvl8pPr marL="6827413" algn="l" defTabSz="1950690" rtl="0" eaLnBrk="1" latinLnBrk="0" hangingPunct="1">
+        <a:defRPr sz="3840" kern="1200">
           <a:solidFill>
             <a:schemeClr val="tx1"/>
           </a:solidFill>
@@ -3991,8 +2934,8 @@
           <a:cs typeface="+mn-cs"/>
         </a:defRPr>
       </a:lvl8pPr>
-      <a:lvl9pPr marL="5852160" algn="l" defTabSz="1463040" rtl="0" eaLnBrk="1" latinLnBrk="0" hangingPunct="1">
-        <a:defRPr sz="2880" kern="1200">
+      <a:lvl9pPr marL="7802758" algn="l" defTabSz="1950690" rtl="0" eaLnBrk="1" latinLnBrk="0" hangingPunct="1">
+        <a:defRPr sz="3840" kern="1200">
           <a:solidFill>
             <a:schemeClr val="tx1"/>
           </a:solidFill>
@@ -4025,10 +2968,10 @@
       </p:grpSpPr>
       <p:sp>
         <p:nvSpPr>
-          <p:cNvPr id="102" name="Rectangle 101">
+          <p:cNvPr id="4" name="Rectangle 3">
             <a:extLst>
               <a:ext uri="{FF2B5EF4-FFF2-40B4-BE49-F238E27FC236}">
-                <a16:creationId xmlns:a16="http://schemas.microsoft.com/office/drawing/2014/main" id="{C24E84F1-CAED-46FD-B49F-7C416637BC7E}"/>
+                <a16:creationId xmlns:a16="http://schemas.microsoft.com/office/drawing/2014/main" id="{512DE4A7-321C-4A0C-890D-F3AA7CFAA8CD}"/>
               </a:ext>
             </a:extLst>
           </p:cNvPr>
@@ -4091,10 +3034,10 @@
       </p:sp>
       <p:sp>
         <p:nvSpPr>
-          <p:cNvPr id="106" name="Rectangle 105">
+          <p:cNvPr id="5" name="Rectangle 4">
             <a:extLst>
               <a:ext uri="{FF2B5EF4-FFF2-40B4-BE49-F238E27FC236}">
-                <a16:creationId xmlns:a16="http://schemas.microsoft.com/office/drawing/2014/main" id="{E5CF1B26-1AA5-459F-82BA-6CF5B6D12174}"/>
+                <a16:creationId xmlns:a16="http://schemas.microsoft.com/office/drawing/2014/main" id="{69310A88-FE04-4E52-8977-013537759CF5}"/>
               </a:ext>
             </a:extLst>
           </p:cNvPr>
@@ -4157,10 +3100,10 @@
       </p:sp>
       <p:sp>
         <p:nvSpPr>
-          <p:cNvPr id="104" name="Rectangle 103">
+          <p:cNvPr id="6" name="Rectangle 5">
             <a:extLst>
               <a:ext uri="{FF2B5EF4-FFF2-40B4-BE49-F238E27FC236}">
-                <a16:creationId xmlns:a16="http://schemas.microsoft.com/office/drawing/2014/main" id="{EF9D6B6F-1AE7-47AE-BF84-8DE49D989F24}"/>
+                <a16:creationId xmlns:a16="http://schemas.microsoft.com/office/drawing/2014/main" id="{BABB3F01-F0A9-449E-9EA2-574DD5A37E8E}"/>
               </a:ext>
             </a:extLst>
           </p:cNvPr>
@@ -4223,10 +3166,10 @@
       </p:sp>
       <p:sp>
         <p:nvSpPr>
-          <p:cNvPr id="100" name="Rectangle 99">
+          <p:cNvPr id="7" name="Rectangle 6">
             <a:extLst>
               <a:ext uri="{FF2B5EF4-FFF2-40B4-BE49-F238E27FC236}">
-                <a16:creationId xmlns:a16="http://schemas.microsoft.com/office/drawing/2014/main" id="{D3A4D122-20BF-4053-B924-B8DE31D66383}"/>
+                <a16:creationId xmlns:a16="http://schemas.microsoft.com/office/drawing/2014/main" id="{91F33DA2-D5CE-4B81-83E8-69B6CF04BD70}"/>
               </a:ext>
             </a:extLst>
           </p:cNvPr>
@@ -4289,10 +3232,10 @@
       </p:sp>
       <p:sp>
         <p:nvSpPr>
-          <p:cNvPr id="44" name="TextBox 17">
+          <p:cNvPr id="8" name="TextBox 17">
             <a:extLst>
               <a:ext uri="{FF2B5EF4-FFF2-40B4-BE49-F238E27FC236}">
-                <a16:creationId xmlns:a16="http://schemas.microsoft.com/office/drawing/2014/main" id="{2F6877D0-A40E-4058-87E9-E8E866792271}"/>
+                <a16:creationId xmlns:a16="http://schemas.microsoft.com/office/drawing/2014/main" id="{6C25636A-809B-48AF-9328-BB3824EE5C9F}"/>
               </a:ext>
             </a:extLst>
           </p:cNvPr>
@@ -4303,7 +3246,7 @@
         </p:nvSpPr>
         <p:spPr bwMode="auto">
           <a:xfrm>
-            <a:off x="2902693" y="3566160"/>
+            <a:off x="2902693" y="3566161"/>
             <a:ext cx="1234766" cy="261610"/>
           </a:xfrm>
           <a:prstGeom prst="rect">
@@ -4450,10 +3393,10 @@
       </p:sp>
       <p:pic>
         <p:nvPicPr>
-          <p:cNvPr id="51" name="Graphic 35">
+          <p:cNvPr id="9" name="Graphic 35">
             <a:extLst>
               <a:ext uri="{FF2B5EF4-FFF2-40B4-BE49-F238E27FC236}">
-                <a16:creationId xmlns:a16="http://schemas.microsoft.com/office/drawing/2014/main" id="{D56749CA-BE7A-4990-875E-F72511A83FAA}"/>
+                <a16:creationId xmlns:a16="http://schemas.microsoft.com/office/drawing/2014/main" id="{03E849CD-8732-49A7-BBB0-5A33F5B4058E}"/>
               </a:ext>
             </a:extLst>
           </p:cNvPr>
@@ -4463,7 +3406,7 @@
           <p:nvPr/>
         </p:nvPicPr>
         <p:blipFill>
-          <a:blip r:embed="rId3">
+          <a:blip r:embed="rId2">
             <a:extLst>
               <a:ext uri="{28A0092B-C50C-407E-A947-70E740481C1C}">
                 <a14:useLocalDpi xmlns:a14="http://schemas.microsoft.com/office/drawing/2010/main" val="0"/>
@@ -4510,10 +3453,10 @@
       </p:pic>
       <p:sp>
         <p:nvSpPr>
-          <p:cNvPr id="52" name="TextBox 17">
+          <p:cNvPr id="10" name="TextBox 17">
             <a:extLst>
               <a:ext uri="{FF2B5EF4-FFF2-40B4-BE49-F238E27FC236}">
-                <a16:creationId xmlns:a16="http://schemas.microsoft.com/office/drawing/2014/main" id="{636BD9B1-D136-4393-A738-BC142481DF7E}"/>
+                <a16:creationId xmlns:a16="http://schemas.microsoft.com/office/drawing/2014/main" id="{F75E38A3-CDE6-4742-898B-2BBA51675643}"/>
               </a:ext>
             </a:extLst>
           </p:cNvPr>
@@ -4524,7 +3467,7 @@
         </p:nvSpPr>
         <p:spPr bwMode="auto">
           <a:xfrm>
-            <a:off x="6472329" y="3566160"/>
+            <a:off x="6472330" y="3566161"/>
             <a:ext cx="1234766" cy="261610"/>
           </a:xfrm>
           <a:prstGeom prst="rect">
@@ -4671,10 +3614,10 @@
       </p:sp>
       <p:pic>
         <p:nvPicPr>
-          <p:cNvPr id="54" name="Graphic 35">
+          <p:cNvPr id="11" name="Graphic 35">
             <a:extLst>
               <a:ext uri="{FF2B5EF4-FFF2-40B4-BE49-F238E27FC236}">
-                <a16:creationId xmlns:a16="http://schemas.microsoft.com/office/drawing/2014/main" id="{27ACCC8D-1A38-4753-99D5-94A2D2AA1ECC}"/>
+                <a16:creationId xmlns:a16="http://schemas.microsoft.com/office/drawing/2014/main" id="{2E8E2382-5C32-40DB-94D4-8D0BEEB44049}"/>
               </a:ext>
             </a:extLst>
           </p:cNvPr>
@@ -4684,7 +3627,7 @@
           <p:nvPr/>
         </p:nvPicPr>
         <p:blipFill>
-          <a:blip r:embed="rId3">
+          <a:blip r:embed="rId2">
             <a:extLst>
               <a:ext uri="{28A0092B-C50C-407E-A947-70E740481C1C}">
                 <a14:useLocalDpi xmlns:a14="http://schemas.microsoft.com/office/drawing/2010/main" val="0"/>
@@ -4731,10 +3674,10 @@
       </p:pic>
       <p:pic>
         <p:nvPicPr>
-          <p:cNvPr id="55" name="Graphic 21">
+          <p:cNvPr id="12" name="Graphic 21">
             <a:extLst>
               <a:ext uri="{FF2B5EF4-FFF2-40B4-BE49-F238E27FC236}">
-                <a16:creationId xmlns:a16="http://schemas.microsoft.com/office/drawing/2014/main" id="{4A31E16D-5D46-4D94-AE4C-CF4C7D4A1D88}"/>
+                <a16:creationId xmlns:a16="http://schemas.microsoft.com/office/drawing/2014/main" id="{DAE10E8A-16A3-4A20-8D6C-F90F118EC27A}"/>
               </a:ext>
             </a:extLst>
           </p:cNvPr>
@@ -4744,7 +3687,7 @@
           <p:nvPr/>
         </p:nvPicPr>
         <p:blipFill>
-          <a:blip r:embed="rId4">
+          <a:blip r:embed="rId3">
             <a:extLst>
               <a:ext uri="{28A0092B-C50C-407E-A947-70E740481C1C}">
                 <a14:useLocalDpi xmlns:a14="http://schemas.microsoft.com/office/drawing/2010/main" val="0"/>
@@ -4791,10 +3734,10 @@
       </p:pic>
       <p:sp>
         <p:nvSpPr>
-          <p:cNvPr id="78" name="TextBox 12">
+          <p:cNvPr id="13" name="TextBox 12">
             <a:extLst>
               <a:ext uri="{FF2B5EF4-FFF2-40B4-BE49-F238E27FC236}">
-                <a16:creationId xmlns:a16="http://schemas.microsoft.com/office/drawing/2014/main" id="{BC2B21E1-83DD-4D52-832A-F82A77FEA668}"/>
+                <a16:creationId xmlns:a16="http://schemas.microsoft.com/office/drawing/2014/main" id="{9D99BD75-C863-491C-86F6-77D9AC3544ED}"/>
               </a:ext>
             </a:extLst>
           </p:cNvPr>
@@ -4805,7 +3748,7 @@
         </p:nvSpPr>
         <p:spPr bwMode="auto">
           <a:xfrm>
-            <a:off x="9691390" y="2774786"/>
+            <a:off x="9691391" y="2774789"/>
             <a:ext cx="1682079" cy="276999"/>
           </a:xfrm>
           <a:prstGeom prst="rect">
@@ -4952,10 +3895,10 @@
       </p:sp>
       <p:sp>
         <p:nvSpPr>
-          <p:cNvPr id="87" name="TextBox 22">
+          <p:cNvPr id="14" name="TextBox 22">
             <a:extLst>
               <a:ext uri="{FF2B5EF4-FFF2-40B4-BE49-F238E27FC236}">
-                <a16:creationId xmlns:a16="http://schemas.microsoft.com/office/drawing/2014/main" id="{8CA3E7D6-93C0-4492-8718-E180D0C58145}"/>
+                <a16:creationId xmlns:a16="http://schemas.microsoft.com/office/drawing/2014/main" id="{0D8738A6-7C5F-4EF6-9CCD-DBD364F5AF37}"/>
               </a:ext>
             </a:extLst>
           </p:cNvPr>
@@ -4966,7 +3909,7 @@
         </p:nvSpPr>
         <p:spPr bwMode="auto">
           <a:xfrm>
-            <a:off x="4767691" y="3567771"/>
+            <a:off x="4767692" y="3567772"/>
             <a:ext cx="1053039" cy="430887"/>
           </a:xfrm>
           <a:prstGeom prst="rect">
@@ -5128,10 +4071,10 @@
       </p:sp>
       <p:pic>
         <p:nvPicPr>
-          <p:cNvPr id="88" name="Graphic 24">
+          <p:cNvPr id="15" name="Graphic 24">
             <a:extLst>
               <a:ext uri="{FF2B5EF4-FFF2-40B4-BE49-F238E27FC236}">
-                <a16:creationId xmlns:a16="http://schemas.microsoft.com/office/drawing/2014/main" id="{021B0B37-BBA6-4E9D-B73F-29CE0A84F100}"/>
+                <a16:creationId xmlns:a16="http://schemas.microsoft.com/office/drawing/2014/main" id="{5CED4D3B-1ADD-415B-9D5E-8FBE8316F23A}"/>
               </a:ext>
             </a:extLst>
           </p:cNvPr>
@@ -5141,7 +4084,7 @@
           <p:nvPr/>
         </p:nvPicPr>
         <p:blipFill>
-          <a:blip r:embed="rId5">
+          <a:blip r:embed="rId4">
             <a:extLst>
               <a:ext uri="{28A0092B-C50C-407E-A947-70E740481C1C}">
                 <a14:useLocalDpi xmlns:a14="http://schemas.microsoft.com/office/drawing/2010/main" val="0"/>
@@ -5188,10 +4131,10 @@
       </p:pic>
       <p:pic>
         <p:nvPicPr>
-          <p:cNvPr id="89" name="Graphic 14">
+          <p:cNvPr id="16" name="Graphic 14">
             <a:extLst>
               <a:ext uri="{FF2B5EF4-FFF2-40B4-BE49-F238E27FC236}">
-                <a16:creationId xmlns:a16="http://schemas.microsoft.com/office/drawing/2014/main" id="{EBCA5556-883E-4757-BA09-F0000B656815}"/>
+                <a16:creationId xmlns:a16="http://schemas.microsoft.com/office/drawing/2014/main" id="{9080C7CA-C0DB-4957-BB9E-B0C41E6800EB}"/>
               </a:ext>
             </a:extLst>
           </p:cNvPr>
@@ -5201,7 +4144,7 @@
           <p:nvPr/>
         </p:nvPicPr>
         <p:blipFill>
-          <a:blip r:embed="rId6">
+          <a:blip r:embed="rId5">
             <a:extLst>
               <a:ext uri="{28A0092B-C50C-407E-A947-70E740481C1C}">
                 <a14:useLocalDpi xmlns:a14="http://schemas.microsoft.com/office/drawing/2010/main" val="0"/>
@@ -5248,10 +4191,10 @@
       </p:pic>
       <p:sp>
         <p:nvSpPr>
-          <p:cNvPr id="90" name="TextBox 12">
+          <p:cNvPr id="17" name="TextBox 12">
             <a:extLst>
               <a:ext uri="{FF2B5EF4-FFF2-40B4-BE49-F238E27FC236}">
-                <a16:creationId xmlns:a16="http://schemas.microsoft.com/office/drawing/2014/main" id="{94AAD9BF-9F68-4B51-9596-90E798CA9903}"/>
+                <a16:creationId xmlns:a16="http://schemas.microsoft.com/office/drawing/2014/main" id="{43E1E1AD-1AFB-4367-B623-E4C23BAE1B71}"/>
               </a:ext>
             </a:extLst>
           </p:cNvPr>
@@ -5262,7 +4205,7 @@
         </p:nvSpPr>
         <p:spPr bwMode="auto">
           <a:xfrm>
-            <a:off x="2920985" y="5706206"/>
+            <a:off x="2920987" y="5706209"/>
             <a:ext cx="1139858" cy="276999"/>
           </a:xfrm>
           <a:prstGeom prst="rect">
@@ -5409,10 +4352,10 @@
       </p:sp>
       <p:pic>
         <p:nvPicPr>
-          <p:cNvPr id="91" name="Graphic 14">
+          <p:cNvPr id="18" name="Graphic 14">
             <a:extLst>
               <a:ext uri="{FF2B5EF4-FFF2-40B4-BE49-F238E27FC236}">
-                <a16:creationId xmlns:a16="http://schemas.microsoft.com/office/drawing/2014/main" id="{F2790F7E-E7ED-4E49-A2E8-2C38DC86CA66}"/>
+                <a16:creationId xmlns:a16="http://schemas.microsoft.com/office/drawing/2014/main" id="{0FC77C02-E3E4-4A7D-8283-EC107A2B3F9E}"/>
               </a:ext>
             </a:extLst>
           </p:cNvPr>
@@ -5422,7 +4365,7 @@
           <p:nvPr/>
         </p:nvPicPr>
         <p:blipFill>
-          <a:blip r:embed="rId6">
+          <a:blip r:embed="rId5">
             <a:extLst>
               <a:ext uri="{28A0092B-C50C-407E-A947-70E740481C1C}">
                 <a14:useLocalDpi xmlns:a14="http://schemas.microsoft.com/office/drawing/2010/main" val="0"/>
@@ -5469,10 +4412,10 @@
       </p:pic>
       <p:sp>
         <p:nvSpPr>
-          <p:cNvPr id="92" name="TextBox 12">
+          <p:cNvPr id="19" name="TextBox 12">
             <a:extLst>
               <a:ext uri="{FF2B5EF4-FFF2-40B4-BE49-F238E27FC236}">
-                <a16:creationId xmlns:a16="http://schemas.microsoft.com/office/drawing/2014/main" id="{E745245B-8A2D-4553-9845-4DD2F80243F2}"/>
+                <a16:creationId xmlns:a16="http://schemas.microsoft.com/office/drawing/2014/main" id="{192FC1FD-494B-43CD-876D-D36605248397}"/>
               </a:ext>
             </a:extLst>
           </p:cNvPr>
@@ -5483,7 +4426,7 @@
         </p:nvSpPr>
         <p:spPr bwMode="auto">
           <a:xfrm>
-            <a:off x="6452198" y="5705068"/>
+            <a:off x="6452200" y="5705071"/>
             <a:ext cx="1212290" cy="276999"/>
           </a:xfrm>
           <a:prstGeom prst="rect">
@@ -5630,10 +4573,10 @@
       </p:sp>
       <p:sp>
         <p:nvSpPr>
-          <p:cNvPr id="94" name="Rectangle 93">
+          <p:cNvPr id="20" name="Rectangle 19">
             <a:extLst>
               <a:ext uri="{FF2B5EF4-FFF2-40B4-BE49-F238E27FC236}">
-                <a16:creationId xmlns:a16="http://schemas.microsoft.com/office/drawing/2014/main" id="{00CDB4F2-667B-4364-BD8C-50905240D8A6}"/>
+                <a16:creationId xmlns:a16="http://schemas.microsoft.com/office/drawing/2014/main" id="{77572DEB-1360-4D03-89C5-1308F60D388D}"/>
               </a:ext>
             </a:extLst>
           </p:cNvPr>
@@ -5718,10 +4661,10 @@
       </p:sp>
       <p:pic>
         <p:nvPicPr>
-          <p:cNvPr id="95" name="Graphic 94">
+          <p:cNvPr id="21" name="Graphic 20">
             <a:extLst>
               <a:ext uri="{FF2B5EF4-FFF2-40B4-BE49-F238E27FC236}">
-                <a16:creationId xmlns:a16="http://schemas.microsoft.com/office/drawing/2014/main" id="{25FB2BD9-C7CD-4368-9683-15253F724C59}"/>
+                <a16:creationId xmlns:a16="http://schemas.microsoft.com/office/drawing/2014/main" id="{4027CE18-12DA-4025-8A31-788B6C159799}"/>
               </a:ext>
             </a:extLst>
           </p:cNvPr>
@@ -5731,10 +4674,10 @@
           <p:nvPr/>
         </p:nvPicPr>
         <p:blipFill>
-          <a:blip r:embed="rId7">
+          <a:blip r:embed="rId6">
             <a:extLst>
               <a:ext uri="{96DAC541-7B7A-43D3-8B79-37D633B846F1}">
-                <asvg:svgBlip xmlns:asvg="http://schemas.microsoft.com/office/drawing/2016/SVG/main" r:embed="rId8"/>
+                <asvg:svgBlip xmlns:asvg="http://schemas.microsoft.com/office/drawing/2016/SVG/main" r:embed="rId7"/>
               </a:ext>
             </a:extLst>
           </a:blip>
@@ -5754,10 +4697,10 @@
       </p:pic>
       <p:pic>
         <p:nvPicPr>
-          <p:cNvPr id="97" name="Graphic 19">
+          <p:cNvPr id="22" name="Graphic 19">
             <a:extLst>
               <a:ext uri="{FF2B5EF4-FFF2-40B4-BE49-F238E27FC236}">
-                <a16:creationId xmlns:a16="http://schemas.microsoft.com/office/drawing/2014/main" id="{19368E6B-D80F-41B2-9401-BEE67FAE27BA}"/>
+                <a16:creationId xmlns:a16="http://schemas.microsoft.com/office/drawing/2014/main" id="{A6CFC151-E932-40DF-B937-C44D417E47E5}"/>
               </a:ext>
             </a:extLst>
           </p:cNvPr>
@@ -5767,7 +4710,7 @@
           <p:nvPr/>
         </p:nvPicPr>
         <p:blipFill>
-          <a:blip r:embed="rId9">
+          <a:blip r:embed="rId8">
             <a:extLst>
               <a:ext uri="{28A0092B-C50C-407E-A947-70E740481C1C}">
                 <a14:useLocalDpi xmlns:a14="http://schemas.microsoft.com/office/drawing/2010/main" val="0"/>
@@ -5814,10 +4757,10 @@
       </p:pic>
       <p:sp>
         <p:nvSpPr>
-          <p:cNvPr id="98" name="TextBox 11">
+          <p:cNvPr id="23" name="TextBox 11">
             <a:extLst>
               <a:ext uri="{FF2B5EF4-FFF2-40B4-BE49-F238E27FC236}">
-                <a16:creationId xmlns:a16="http://schemas.microsoft.com/office/drawing/2014/main" id="{A91647E5-CE0D-4DC9-A3B0-D11F91D1391A}"/>
+                <a16:creationId xmlns:a16="http://schemas.microsoft.com/office/drawing/2014/main" id="{0A039BC3-DC17-4953-A833-9EAD697A7DF3}"/>
               </a:ext>
             </a:extLst>
           </p:cNvPr>
@@ -5828,7 +4771,7 @@
         </p:nvSpPr>
         <p:spPr bwMode="auto">
           <a:xfrm>
-            <a:off x="8427720" y="3419281"/>
+            <a:off x="8427720" y="3419284"/>
             <a:ext cx="1097280" cy="276999"/>
           </a:xfrm>
           <a:prstGeom prst="rect">
@@ -5980,10 +4923,10 @@
       </p:sp>
       <p:pic>
         <p:nvPicPr>
-          <p:cNvPr id="101" name="Graphic 100">
+          <p:cNvPr id="24" name="Graphic 23">
             <a:extLst>
               <a:ext uri="{FF2B5EF4-FFF2-40B4-BE49-F238E27FC236}">
-                <a16:creationId xmlns:a16="http://schemas.microsoft.com/office/drawing/2014/main" id="{3FFE10D1-27B8-40D0-929C-54DA0E1AC735}"/>
+                <a16:creationId xmlns:a16="http://schemas.microsoft.com/office/drawing/2014/main" id="{5F92FFE0-FA01-464B-95D0-E337B5FDFB89}"/>
               </a:ext>
             </a:extLst>
           </p:cNvPr>
@@ -5993,10 +4936,10 @@
           <p:nvPr/>
         </p:nvPicPr>
         <p:blipFill>
-          <a:blip r:embed="rId10">
+          <a:blip r:embed="rId9">
             <a:extLst>
               <a:ext uri="{96DAC541-7B7A-43D3-8B79-37D633B846F1}">
-                <asvg:svgBlip xmlns:asvg="http://schemas.microsoft.com/office/drawing/2016/SVG/main" r:embed="rId11"/>
+                <asvg:svgBlip xmlns:asvg="http://schemas.microsoft.com/office/drawing/2016/SVG/main" r:embed="rId10"/>
               </a:ext>
             </a:extLst>
           </a:blip>
@@ -6016,10 +4959,10 @@
       </p:pic>
       <p:pic>
         <p:nvPicPr>
-          <p:cNvPr id="103" name="Graphic 102">
+          <p:cNvPr id="25" name="Graphic 24">
             <a:extLst>
               <a:ext uri="{FF2B5EF4-FFF2-40B4-BE49-F238E27FC236}">
-                <a16:creationId xmlns:a16="http://schemas.microsoft.com/office/drawing/2014/main" id="{C6AC82EE-37D3-4D0B-9BF7-6E40BDD0CE7F}"/>
+                <a16:creationId xmlns:a16="http://schemas.microsoft.com/office/drawing/2014/main" id="{ECDCF85B-FC0D-4F7C-BD56-EBEAFBE9FB5B}"/>
               </a:ext>
             </a:extLst>
           </p:cNvPr>
@@ -6029,10 +4972,10 @@
           <p:nvPr/>
         </p:nvPicPr>
         <p:blipFill>
-          <a:blip r:embed="rId10">
+          <a:blip r:embed="rId9">
             <a:extLst>
               <a:ext uri="{96DAC541-7B7A-43D3-8B79-37D633B846F1}">
-                <asvg:svgBlip xmlns:asvg="http://schemas.microsoft.com/office/drawing/2016/SVG/main" r:embed="rId11"/>
+                <asvg:svgBlip xmlns:asvg="http://schemas.microsoft.com/office/drawing/2016/SVG/main" r:embed="rId10"/>
               </a:ext>
             </a:extLst>
           </a:blip>
@@ -6052,10 +4995,10 @@
       </p:pic>
       <p:pic>
         <p:nvPicPr>
-          <p:cNvPr id="105" name="Graphic 104">
+          <p:cNvPr id="26" name="Graphic 25">
             <a:extLst>
               <a:ext uri="{FF2B5EF4-FFF2-40B4-BE49-F238E27FC236}">
-                <a16:creationId xmlns:a16="http://schemas.microsoft.com/office/drawing/2014/main" id="{7BBF3C83-A09C-4DEC-8CF3-DB2B5A41E9EE}"/>
+                <a16:creationId xmlns:a16="http://schemas.microsoft.com/office/drawing/2014/main" id="{63100D5A-1221-42F7-B646-5D9BA3C5D2C4}"/>
               </a:ext>
             </a:extLst>
           </p:cNvPr>
@@ -6065,10 +5008,10 @@
           <p:nvPr/>
         </p:nvPicPr>
         <p:blipFill>
-          <a:blip r:embed="rId12">
+          <a:blip r:embed="rId11">
             <a:extLst>
               <a:ext uri="{96DAC541-7B7A-43D3-8B79-37D633B846F1}">
-                <asvg:svgBlip xmlns:asvg="http://schemas.microsoft.com/office/drawing/2016/SVG/main" r:embed="rId13"/>
+                <asvg:svgBlip xmlns:asvg="http://schemas.microsoft.com/office/drawing/2016/SVG/main" r:embed="rId12"/>
               </a:ext>
             </a:extLst>
           </a:blip>
@@ -6088,10 +5031,10 @@
       </p:pic>
       <p:pic>
         <p:nvPicPr>
-          <p:cNvPr id="107" name="Graphic 106">
+          <p:cNvPr id="27" name="Graphic 26">
             <a:extLst>
               <a:ext uri="{FF2B5EF4-FFF2-40B4-BE49-F238E27FC236}">
-                <a16:creationId xmlns:a16="http://schemas.microsoft.com/office/drawing/2014/main" id="{B1F73AF8-1462-4DB7-BF8A-5FD7322AA95D}"/>
+                <a16:creationId xmlns:a16="http://schemas.microsoft.com/office/drawing/2014/main" id="{254A6C1A-F294-4028-A3BB-ACAC1709402E}"/>
               </a:ext>
             </a:extLst>
           </p:cNvPr>
@@ -6101,10 +5044,10 @@
           <p:nvPr/>
         </p:nvPicPr>
         <p:blipFill>
-          <a:blip r:embed="rId12">
+          <a:blip r:embed="rId11">
             <a:extLst>
               <a:ext uri="{96DAC541-7B7A-43D3-8B79-37D633B846F1}">
-                <asvg:svgBlip xmlns:asvg="http://schemas.microsoft.com/office/drawing/2016/SVG/main" r:embed="rId13"/>
+                <asvg:svgBlip xmlns:asvg="http://schemas.microsoft.com/office/drawing/2016/SVG/main" r:embed="rId12"/>
               </a:ext>
             </a:extLst>
           </a:blip>
@@ -6124,10 +5067,10 @@
       </p:pic>
       <p:sp>
         <p:nvSpPr>
-          <p:cNvPr id="108" name="Rectangle 107">
+          <p:cNvPr id="28" name="Rectangle 27">
             <a:extLst>
               <a:ext uri="{FF2B5EF4-FFF2-40B4-BE49-F238E27FC236}">
-                <a16:creationId xmlns:a16="http://schemas.microsoft.com/office/drawing/2014/main" id="{782203BC-7DA2-4635-9718-7D83D70AA868}"/>
+                <a16:creationId xmlns:a16="http://schemas.microsoft.com/office/drawing/2014/main" id="{359987FE-1C82-4FAA-BF4B-61A5A614BC7D}"/>
               </a:ext>
             </a:extLst>
           </p:cNvPr>
@@ -6169,13 +5112,7 @@
           <a:bodyPr lIns="502920" tIns="91440"/>
           <a:lstStyle/>
           <a:p>
-            <a:pPr eaLnBrk="1" fontAlgn="auto" hangingPunct="1">
-              <a:spcBef>
-                <a:spcPts val="0"/>
-              </a:spcBef>
-              <a:spcAft>
-                <a:spcPts val="0"/>
-              </a:spcAft>
+            <a:pPr>
               <a:defRPr/>
             </a:pPr>
             <a:r>
@@ -6193,10 +5130,10 @@
       </p:sp>
       <p:pic>
         <p:nvPicPr>
-          <p:cNvPr id="109" name="Graphic 108">
+          <p:cNvPr id="29" name="Graphic 28">
             <a:extLst>
               <a:ext uri="{FF2B5EF4-FFF2-40B4-BE49-F238E27FC236}">
-                <a16:creationId xmlns:a16="http://schemas.microsoft.com/office/drawing/2014/main" id="{19553683-0154-4D12-B7B6-154E2AEAD922}"/>
+                <a16:creationId xmlns:a16="http://schemas.microsoft.com/office/drawing/2014/main" id="{5982DF6C-3B64-472B-8219-62DB703E3F79}"/>
               </a:ext>
             </a:extLst>
           </p:cNvPr>
@@ -6206,10 +5143,10 @@
           <p:nvPr/>
         </p:nvPicPr>
         <p:blipFill>
-          <a:blip r:embed="rId14">
+          <a:blip r:embed="rId13">
             <a:extLst>
               <a:ext uri="{96DAC541-7B7A-43D3-8B79-37D633B846F1}">
-                <asvg:svgBlip xmlns:asvg="http://schemas.microsoft.com/office/drawing/2016/SVG/main" r:embed="rId15"/>
+                <asvg:svgBlip xmlns:asvg="http://schemas.microsoft.com/office/drawing/2016/SVG/main" r:embed="rId14"/>
               </a:ext>
             </a:extLst>
           </a:blip>
@@ -6228,10 +5165,10 @@
       </p:pic>
       <p:sp>
         <p:nvSpPr>
-          <p:cNvPr id="112" name="Rectangle 111">
+          <p:cNvPr id="30" name="Rectangle 29">
             <a:extLst>
               <a:ext uri="{FF2B5EF4-FFF2-40B4-BE49-F238E27FC236}">
-                <a16:creationId xmlns:a16="http://schemas.microsoft.com/office/drawing/2014/main" id="{DB7E9323-250D-4D1B-B1A8-ADBDE38330C8}"/>
+                <a16:creationId xmlns:a16="http://schemas.microsoft.com/office/drawing/2014/main" id="{FC8B7D61-7900-4393-AD4A-38EFC3280930}"/>
               </a:ext>
             </a:extLst>
           </p:cNvPr>
@@ -6273,13 +5210,7 @@
           <a:bodyPr lIns="502920" tIns="91440"/>
           <a:lstStyle/>
           <a:p>
-            <a:pPr eaLnBrk="1" fontAlgn="auto" hangingPunct="1">
-              <a:spcBef>
-                <a:spcPts val="0"/>
-              </a:spcBef>
-              <a:spcAft>
-                <a:spcPts val="0"/>
-              </a:spcAft>
+            <a:pPr>
               <a:defRPr/>
             </a:pPr>
             <a:r>
@@ -6298,10 +5229,10 @@
       </p:sp>
       <p:pic>
         <p:nvPicPr>
-          <p:cNvPr id="113" name="Graphic 112">
+          <p:cNvPr id="31" name="Graphic 30">
             <a:extLst>
               <a:ext uri="{FF2B5EF4-FFF2-40B4-BE49-F238E27FC236}">
-                <a16:creationId xmlns:a16="http://schemas.microsoft.com/office/drawing/2014/main" id="{89FC66FD-9922-49B6-8AF9-0FC6FAD1F2FC}"/>
+                <a16:creationId xmlns:a16="http://schemas.microsoft.com/office/drawing/2014/main" id="{B48A33BD-0B16-436F-BE77-3C907931CEF5}"/>
               </a:ext>
             </a:extLst>
           </p:cNvPr>
@@ -6311,10 +5242,10 @@
           <p:nvPr/>
         </p:nvPicPr>
         <p:blipFill>
-          <a:blip r:embed="rId16">
+          <a:blip r:embed="rId15">
             <a:extLst>
               <a:ext uri="{96DAC541-7B7A-43D3-8B79-37D633B846F1}">
-                <asvg:svgBlip xmlns:asvg="http://schemas.microsoft.com/office/drawing/2016/SVG/main" r:embed="rId17"/>
+                <asvg:svgBlip xmlns:asvg="http://schemas.microsoft.com/office/drawing/2016/SVG/main" r:embed="rId16"/>
               </a:ext>
             </a:extLst>
           </a:blip>
@@ -6334,10 +5265,10 @@
       </p:pic>
       <p:pic>
         <p:nvPicPr>
-          <p:cNvPr id="114" name="Graphic 20">
+          <p:cNvPr id="32" name="Graphic 20">
             <a:extLst>
               <a:ext uri="{FF2B5EF4-FFF2-40B4-BE49-F238E27FC236}">
-                <a16:creationId xmlns:a16="http://schemas.microsoft.com/office/drawing/2014/main" id="{5C675E58-9FC8-4F33-AAAF-AC5494BA246D}"/>
+                <a16:creationId xmlns:a16="http://schemas.microsoft.com/office/drawing/2014/main" id="{79E4CA9F-0245-43A0-B869-7AC3653F82EC}"/>
               </a:ext>
             </a:extLst>
           </p:cNvPr>
@@ -6347,7 +5278,7 @@
           <p:nvPr/>
         </p:nvPicPr>
         <p:blipFill>
-          <a:blip r:embed="rId18">
+          <a:blip r:embed="rId17">
             <a:extLst>
               <a:ext uri="{28A0092B-C50C-407E-A947-70E740481C1C}">
                 <a14:useLocalDpi xmlns:a14="http://schemas.microsoft.com/office/drawing/2010/main" val="0"/>
@@ -6394,10 +5325,10 @@
       </p:pic>
       <p:sp>
         <p:nvSpPr>
-          <p:cNvPr id="115" name="TextBox 12">
+          <p:cNvPr id="33" name="TextBox 12">
             <a:extLst>
               <a:ext uri="{FF2B5EF4-FFF2-40B4-BE49-F238E27FC236}">
-                <a16:creationId xmlns:a16="http://schemas.microsoft.com/office/drawing/2014/main" id="{7A8DD167-EB7B-4CC7-9110-CC0972F8DA41}"/>
+                <a16:creationId xmlns:a16="http://schemas.microsoft.com/office/drawing/2014/main" id="{67BEC6EA-EC3F-45D3-9139-8D96663EC090}"/>
               </a:ext>
             </a:extLst>
           </p:cNvPr>
@@ -6408,7 +5339,7 @@
         </p:nvSpPr>
         <p:spPr bwMode="auto">
           <a:xfrm>
-            <a:off x="9832991" y="4148015"/>
+            <a:off x="9832994" y="4148018"/>
             <a:ext cx="1396331" cy="276999"/>
           </a:xfrm>
           <a:prstGeom prst="rect">
@@ -6560,10 +5491,10 @@
       </p:sp>
       <p:pic>
         <p:nvPicPr>
-          <p:cNvPr id="116" name="Graphic 8">
+          <p:cNvPr id="34" name="Graphic 8">
             <a:extLst>
               <a:ext uri="{FF2B5EF4-FFF2-40B4-BE49-F238E27FC236}">
-                <a16:creationId xmlns:a16="http://schemas.microsoft.com/office/drawing/2014/main" id="{F51B55FA-FB6D-4065-AD76-88E808274278}"/>
+                <a16:creationId xmlns:a16="http://schemas.microsoft.com/office/drawing/2014/main" id="{97D0EFA8-106D-4336-9380-3A79EFDF37A2}"/>
               </a:ext>
             </a:extLst>
           </p:cNvPr>
@@ -6573,7 +5504,7 @@
           <p:nvPr/>
         </p:nvPicPr>
         <p:blipFill>
-          <a:blip r:embed="rId19">
+          <a:blip r:embed="rId18">
             <a:extLst>
               <a:ext uri="{28A0092B-C50C-407E-A947-70E740481C1C}">
                 <a14:useLocalDpi xmlns:a14="http://schemas.microsoft.com/office/drawing/2010/main" val="0"/>
@@ -6620,10 +5551,10 @@
       </p:pic>
       <p:sp>
         <p:nvSpPr>
-          <p:cNvPr id="117" name="TextBox 9">
+          <p:cNvPr id="35" name="TextBox 9">
             <a:extLst>
               <a:ext uri="{FF2B5EF4-FFF2-40B4-BE49-F238E27FC236}">
-                <a16:creationId xmlns:a16="http://schemas.microsoft.com/office/drawing/2014/main" id="{792CC582-A3FE-4144-8040-F500FF385C89}"/>
+                <a16:creationId xmlns:a16="http://schemas.microsoft.com/office/drawing/2014/main" id="{B985108A-8A19-4FBF-8DA3-4F82C7086FE7}"/>
               </a:ext>
             </a:extLst>
           </p:cNvPr>
@@ -6634,7 +5565,7 @@
         </p:nvSpPr>
         <p:spPr bwMode="auto">
           <a:xfrm>
-            <a:off x="9926034" y="5518647"/>
+            <a:off x="9926034" y="5518650"/>
             <a:ext cx="1211772" cy="276999"/>
           </a:xfrm>
           <a:prstGeom prst="rect">
@@ -6786,10 +5717,10 @@
       </p:sp>
       <p:pic>
         <p:nvPicPr>
-          <p:cNvPr id="118" name="Graphic 20">
+          <p:cNvPr id="36" name="Graphic 20">
             <a:extLst>
               <a:ext uri="{FF2B5EF4-FFF2-40B4-BE49-F238E27FC236}">
-                <a16:creationId xmlns:a16="http://schemas.microsoft.com/office/drawing/2014/main" id="{CE46A61C-FAA8-4B34-A3A6-BF997BBFB1FF}"/>
+                <a16:creationId xmlns:a16="http://schemas.microsoft.com/office/drawing/2014/main" id="{B50F0681-68D0-4C83-9CB6-BC6C96DBBACC}"/>
               </a:ext>
             </a:extLst>
           </p:cNvPr>
@@ -6799,7 +5730,7 @@
           <p:nvPr/>
         </p:nvPicPr>
         <p:blipFill>
-          <a:blip r:embed="rId20">
+          <a:blip r:embed="rId19">
             <a:extLst>
               <a:ext uri="{28A0092B-C50C-407E-A947-70E740481C1C}">
                 <a14:useLocalDpi xmlns:a14="http://schemas.microsoft.com/office/drawing/2010/main" val="0"/>
@@ -6846,10 +5777,10 @@
       </p:pic>
       <p:sp>
         <p:nvSpPr>
-          <p:cNvPr id="119" name="TextBox 22">
+          <p:cNvPr id="37" name="TextBox 22">
             <a:extLst>
               <a:ext uri="{FF2B5EF4-FFF2-40B4-BE49-F238E27FC236}">
-                <a16:creationId xmlns:a16="http://schemas.microsoft.com/office/drawing/2014/main" id="{720E7526-D277-468E-8A79-C3B1DFC30A55}"/>
+                <a16:creationId xmlns:a16="http://schemas.microsoft.com/office/drawing/2014/main" id="{48DE56FB-952F-45D2-8266-D0EB035B3057}"/>
               </a:ext>
             </a:extLst>
           </p:cNvPr>
@@ -6860,7 +5791,7 @@
         </p:nvSpPr>
         <p:spPr bwMode="auto">
           <a:xfrm>
-            <a:off x="9925047" y="6891040"/>
+            <a:off x="9925047" y="6891043"/>
             <a:ext cx="1211772" cy="276999"/>
           </a:xfrm>
           <a:prstGeom prst="rect">
@@ -7012,10 +5943,10 @@
       </p:sp>
       <p:sp>
         <p:nvSpPr>
-          <p:cNvPr id="120" name="Rectangle 119">
+          <p:cNvPr id="38" name="Rectangle 37">
             <a:extLst>
               <a:ext uri="{FF2B5EF4-FFF2-40B4-BE49-F238E27FC236}">
-                <a16:creationId xmlns:a16="http://schemas.microsoft.com/office/drawing/2014/main" id="{3C479F8D-5668-4F15-87D4-E527921A2DC3}"/>
+                <a16:creationId xmlns:a16="http://schemas.microsoft.com/office/drawing/2014/main" id="{D525451A-B3A7-4F21-9B00-E9D722907AFE}"/>
               </a:ext>
             </a:extLst>
           </p:cNvPr>
@@ -7058,13 +5989,7 @@
           <a:bodyPr tIns="91440"/>
           <a:lstStyle/>
           <a:p>
-            <a:pPr algn="ctr" eaLnBrk="1" fontAlgn="auto" hangingPunct="1">
-              <a:spcBef>
-                <a:spcPts val="0"/>
-              </a:spcBef>
-              <a:spcAft>
-                <a:spcPts val="0"/>
-              </a:spcAft>
+            <a:pPr algn="ctr">
               <a:defRPr/>
             </a:pPr>
             <a:r>
@@ -7089,10 +6014,10 @@
       </p:sp>
       <p:sp>
         <p:nvSpPr>
-          <p:cNvPr id="121" name="Rectangle 120">
+          <p:cNvPr id="39" name="Rectangle 38">
             <a:extLst>
               <a:ext uri="{FF2B5EF4-FFF2-40B4-BE49-F238E27FC236}">
-                <a16:creationId xmlns:a16="http://schemas.microsoft.com/office/drawing/2014/main" id="{30F67CDC-D860-4956-A1D6-0B9E636562A4}"/>
+                <a16:creationId xmlns:a16="http://schemas.microsoft.com/office/drawing/2014/main" id="{F298B97D-92D3-4BFD-B92F-AE1D3BC19800}"/>
               </a:ext>
             </a:extLst>
           </p:cNvPr>
@@ -7135,13 +6060,7 @@
           <a:bodyPr tIns="91440"/>
           <a:lstStyle/>
           <a:p>
-            <a:pPr algn="ctr" eaLnBrk="1" fontAlgn="auto" hangingPunct="1">
-              <a:spcBef>
-                <a:spcPts val="0"/>
-              </a:spcBef>
-              <a:spcAft>
-                <a:spcPts val="0"/>
-              </a:spcAft>
+            <a:pPr algn="ctr">
               <a:defRPr/>
             </a:pPr>
             <a:r>
@@ -7166,10 +6085,10 @@
       </p:sp>
       <p:sp>
         <p:nvSpPr>
-          <p:cNvPr id="80" name="TextBox 12">
+          <p:cNvPr id="40" name="TextBox 12">
             <a:extLst>
               <a:ext uri="{FF2B5EF4-FFF2-40B4-BE49-F238E27FC236}">
-                <a16:creationId xmlns:a16="http://schemas.microsoft.com/office/drawing/2014/main" id="{B5C8E83B-3CD9-413C-892B-66D7058B6813}"/>
+                <a16:creationId xmlns:a16="http://schemas.microsoft.com/office/drawing/2014/main" id="{93A30C8F-9AA2-4AF0-B450-C1A4EEF8B6F5}"/>
               </a:ext>
             </a:extLst>
           </p:cNvPr>
@@ -7180,7 +6099,7 @@
         </p:nvSpPr>
         <p:spPr bwMode="auto">
           <a:xfrm>
-            <a:off x="4597148" y="2599463"/>
+            <a:off x="4597149" y="2599463"/>
             <a:ext cx="1403350" cy="261610"/>
           </a:xfrm>
           <a:prstGeom prst="rect">
@@ -7311,10 +6230,10 @@
       </p:sp>
       <p:pic>
         <p:nvPicPr>
-          <p:cNvPr id="83" name="Graphic 10">
+          <p:cNvPr id="41" name="Graphic 10">
             <a:extLst>
               <a:ext uri="{FF2B5EF4-FFF2-40B4-BE49-F238E27FC236}">
-                <a16:creationId xmlns:a16="http://schemas.microsoft.com/office/drawing/2014/main" id="{8258D5F2-5108-4DE9-BF18-A226FF849861}"/>
+                <a16:creationId xmlns:a16="http://schemas.microsoft.com/office/drawing/2014/main" id="{2245BC45-5B0B-4B2A-B60F-66EE6ADD3DCF}"/>
               </a:ext>
             </a:extLst>
           </p:cNvPr>
@@ -7324,7 +6243,7 @@
           <p:nvPr/>
         </p:nvPicPr>
         <p:blipFill>
-          <a:blip r:embed="rId21">
+          <a:blip r:embed="rId20">
             <a:extLst>
               <a:ext uri="{28A0092B-C50C-407E-A947-70E740481C1C}">
                 <a14:useLocalDpi xmlns:a14="http://schemas.microsoft.com/office/drawing/2010/main" val="0"/>
@@ -7356,7 +6275,7 @@
     </p:spTree>
     <p:extLst>
       <p:ext uri="{BB962C8B-B14F-4D97-AF65-F5344CB8AC3E}">
-        <p14:creationId xmlns:p14="http://schemas.microsoft.com/office/powerpoint/2010/main" val="498327215"/>
+        <p14:creationId xmlns:p14="http://schemas.microsoft.com/office/powerpoint/2010/main" val="2195553468"/>
       </p:ext>
     </p:extLst>
   </p:cSld>
@@ -7367,337 +6286,7 @@
 </file>
 
 <file path=ppt/theme/theme1.xml><?xml version="1.0" encoding="utf-8"?>
-<a:theme xmlns:a="http://schemas.openxmlformats.org/drawingml/2006/main" name="2_Office Theme">
-  <a:themeElements>
-    <a:clrScheme name="AWS Colors">
-      <a:dk1>
-        <a:srgbClr val="232F3D"/>
-      </a:dk1>
-      <a:lt1>
-        <a:srgbClr val="FAFAFA"/>
-      </a:lt1>
-      <a:dk2>
-        <a:srgbClr val="535B63"/>
-      </a:dk2>
-      <a:lt2>
-        <a:srgbClr val="E5ECEF"/>
-      </a:lt2>
-      <a:accent1>
-        <a:srgbClr val="FF9900"/>
-      </a:accent1>
-      <a:accent2>
-        <a:srgbClr val="F0623D"/>
-      </a:accent2>
-      <a:accent3>
-        <a:srgbClr val="007CBC"/>
-      </a:accent3>
-      <a:accent4>
-        <a:srgbClr val="00A0C8"/>
-      </a:accent4>
-      <a:accent5>
-        <a:srgbClr val="1D8900"/>
-      </a:accent5>
-      <a:accent6>
-        <a:srgbClr val="69AE35"/>
-      </a:accent6>
-      <a:hlink>
-        <a:srgbClr val="007CBC"/>
-      </a:hlink>
-      <a:folHlink>
-        <a:srgbClr val="007CBC"/>
-      </a:folHlink>
-    </a:clrScheme>
-    <a:fontScheme name="Arial">
-      <a:majorFont>
-        <a:latin typeface="Arial" panose="020B0604020202020204"/>
-        <a:ea typeface=""/>
-        <a:cs typeface=""/>
-        <a:font script="Jpan" typeface="ＭＳ Ｐゴシック"/>
-        <a:font script="Hang" typeface="굴림"/>
-        <a:font script="Hans" typeface="黑体"/>
-        <a:font script="Hant" typeface="微軟正黑體"/>
-        <a:font script="Arab" typeface="Arial"/>
-        <a:font script="Hebr" typeface="Arial"/>
-        <a:font script="Thai" typeface="Cordia New"/>
-        <a:font script="Ethi" typeface="Nyala"/>
-        <a:font script="Beng" typeface="Vrinda"/>
-        <a:font script="Gujr" typeface="Shruti"/>
-        <a:font script="Khmr" typeface="DaunPenh"/>
-        <a:font script="Knda" typeface="Tunga"/>
-        <a:font script="Guru" typeface="Raavi"/>
-        <a:font script="Cans" typeface="Euphemia"/>
-        <a:font script="Cher" typeface="Plantagenet Cherokee"/>
-        <a:font script="Yiii" typeface="Microsoft Yi Baiti"/>
-        <a:font script="Tibt" typeface="Microsoft Himalaya"/>
-        <a:font script="Thaa" typeface="MV Boli"/>
-        <a:font script="Deva" typeface="Mangal"/>
-        <a:font script="Telu" typeface="Gautami"/>
-        <a:font script="Taml" typeface="Latha"/>
-        <a:font script="Syrc" typeface="Estrangelo Edessa"/>
-        <a:font script="Orya" typeface="Kalinga"/>
-        <a:font script="Mlym" typeface="Kartika"/>
-        <a:font script="Laoo" typeface="DokChampa"/>
-        <a:font script="Sinh" typeface="Iskoola Pota"/>
-        <a:font script="Mong" typeface="Mongolian Baiti"/>
-        <a:font script="Viet" typeface="Arial"/>
-        <a:font script="Uigh" typeface="Microsoft Uighur"/>
-        <a:font script="Geor" typeface="Sylfaen"/>
-      </a:majorFont>
-      <a:minorFont>
-        <a:latin typeface="Arial" panose="020B0604020202020204"/>
-        <a:ea typeface=""/>
-        <a:cs typeface=""/>
-        <a:font script="Jpan" typeface="ＭＳ Ｐゴシック"/>
-        <a:font script="Hang" typeface="굴림"/>
-        <a:font script="Hans" typeface="黑体"/>
-        <a:font script="Hant" typeface="微軟正黑體"/>
-        <a:font script="Arab" typeface="Arial"/>
-        <a:font script="Hebr" typeface="Arial"/>
-        <a:font script="Thai" typeface="Cordia New"/>
-        <a:font script="Ethi" typeface="Nyala"/>
-        <a:font script="Beng" typeface="Vrinda"/>
-        <a:font script="Gujr" typeface="Shruti"/>
-        <a:font script="Khmr" typeface="DaunPenh"/>
-        <a:font script="Knda" typeface="Tunga"/>
-        <a:font script="Guru" typeface="Raavi"/>
-        <a:font script="Cans" typeface="Euphemia"/>
-        <a:font script="Cher" typeface="Plantagenet Cherokee"/>
-        <a:font script="Yiii" typeface="Microsoft Yi Baiti"/>
-        <a:font script="Tibt" typeface="Microsoft Himalaya"/>
-        <a:font script="Thaa" typeface="MV Boli"/>
-        <a:font script="Deva" typeface="Mangal"/>
-        <a:font script="Telu" typeface="Gautami"/>
-        <a:font script="Taml" typeface="Latha"/>
-        <a:font script="Syrc" typeface="Estrangelo Edessa"/>
-        <a:font script="Orya" typeface="Kalinga"/>
-        <a:font script="Mlym" typeface="Kartika"/>
-        <a:font script="Laoo" typeface="DokChampa"/>
-        <a:font script="Sinh" typeface="Iskoola Pota"/>
-        <a:font script="Mong" typeface="Mongolian Baiti"/>
-        <a:font script="Viet" typeface="Arial"/>
-        <a:font script="Uigh" typeface="Microsoft Uighur"/>
-        <a:font script="Geor" typeface="Sylfaen"/>
-      </a:minorFont>
-    </a:fontScheme>
-    <a:fmtScheme name="Office">
-      <a:fillStyleLst>
-        <a:solidFill>
-          <a:schemeClr val="phClr"/>
-        </a:solidFill>
-        <a:gradFill rotWithShape="1">
-          <a:gsLst>
-            <a:gs pos="0">
-              <a:schemeClr val="phClr">
-                <a:lumMod val="110000"/>
-                <a:satMod val="105000"/>
-                <a:tint val="67000"/>
-              </a:schemeClr>
-            </a:gs>
-            <a:gs pos="50000">
-              <a:schemeClr val="phClr">
-                <a:lumMod val="105000"/>
-                <a:satMod val="103000"/>
-                <a:tint val="73000"/>
-              </a:schemeClr>
-            </a:gs>
-            <a:gs pos="100000">
-              <a:schemeClr val="phClr">
-                <a:lumMod val="105000"/>
-                <a:satMod val="109000"/>
-                <a:tint val="81000"/>
-              </a:schemeClr>
-            </a:gs>
-          </a:gsLst>
-          <a:lin ang="5400000" scaled="0"/>
-        </a:gradFill>
-        <a:gradFill rotWithShape="1">
-          <a:gsLst>
-            <a:gs pos="0">
-              <a:schemeClr val="phClr">
-                <a:satMod val="103000"/>
-                <a:lumMod val="102000"/>
-                <a:tint val="94000"/>
-              </a:schemeClr>
-            </a:gs>
-            <a:gs pos="50000">
-              <a:schemeClr val="phClr">
-                <a:satMod val="110000"/>
-                <a:lumMod val="100000"/>
-                <a:shade val="100000"/>
-              </a:schemeClr>
-            </a:gs>
-            <a:gs pos="100000">
-              <a:schemeClr val="phClr">
-                <a:lumMod val="99000"/>
-                <a:satMod val="120000"/>
-                <a:shade val="78000"/>
-              </a:schemeClr>
-            </a:gs>
-          </a:gsLst>
-          <a:lin ang="5400000" scaled="0"/>
-        </a:gradFill>
-      </a:fillStyleLst>
-      <a:lnStyleLst>
-        <a:ln w="6350" cap="flat" cmpd="sng" algn="ctr">
-          <a:solidFill>
-            <a:schemeClr val="phClr"/>
-          </a:solidFill>
-          <a:prstDash val="solid"/>
-          <a:miter lim="800000"/>
-        </a:ln>
-        <a:ln w="12700" cap="flat" cmpd="sng" algn="ctr">
-          <a:solidFill>
-            <a:schemeClr val="phClr"/>
-          </a:solidFill>
-          <a:prstDash val="solid"/>
-          <a:miter lim="800000"/>
-        </a:ln>
-        <a:ln w="19050" cap="flat" cmpd="sng" algn="ctr">
-          <a:solidFill>
-            <a:schemeClr val="phClr"/>
-          </a:solidFill>
-          <a:prstDash val="solid"/>
-          <a:miter lim="800000"/>
-        </a:ln>
-      </a:lnStyleLst>
-      <a:effectStyleLst>
-        <a:effectStyle>
-          <a:effectLst/>
-        </a:effectStyle>
-        <a:effectStyle>
-          <a:effectLst/>
-        </a:effectStyle>
-        <a:effectStyle>
-          <a:effectLst>
-            <a:outerShdw blurRad="57150" dist="19050" dir="5400000" algn="ctr" rotWithShape="0">
-              <a:srgbClr val="000000">
-                <a:alpha val="63000"/>
-              </a:srgbClr>
-            </a:outerShdw>
-          </a:effectLst>
-        </a:effectStyle>
-      </a:effectStyleLst>
-      <a:bgFillStyleLst>
-        <a:solidFill>
-          <a:schemeClr val="phClr"/>
-        </a:solidFill>
-        <a:solidFill>
-          <a:schemeClr val="phClr">
-            <a:tint val="95000"/>
-            <a:satMod val="170000"/>
-          </a:schemeClr>
-        </a:solidFill>
-        <a:gradFill rotWithShape="1">
-          <a:gsLst>
-            <a:gs pos="0">
-              <a:schemeClr val="phClr">
-                <a:tint val="93000"/>
-                <a:satMod val="150000"/>
-                <a:shade val="98000"/>
-                <a:lumMod val="102000"/>
-              </a:schemeClr>
-            </a:gs>
-            <a:gs pos="50000">
-              <a:schemeClr val="phClr">
-                <a:tint val="98000"/>
-                <a:satMod val="130000"/>
-                <a:shade val="90000"/>
-                <a:lumMod val="103000"/>
-              </a:schemeClr>
-            </a:gs>
-            <a:gs pos="100000">
-              <a:schemeClr val="phClr">
-                <a:shade val="63000"/>
-                <a:satMod val="120000"/>
-              </a:schemeClr>
-            </a:gs>
-          </a:gsLst>
-          <a:lin ang="5400000" scaled="0"/>
-        </a:gradFill>
-      </a:bgFillStyleLst>
-    </a:fmtScheme>
-  </a:themeElements>
-  <a:objectDefaults>
-    <a:spDef>
-      <a:spPr>
-        <a:noFill/>
-        <a:ln w="12700">
-          <a:solidFill>
-            <a:schemeClr val="tx2"/>
-          </a:solidFill>
-        </a:ln>
-      </a:spPr>
-      <a:bodyPr rot="0" spcFirstLastPara="0" vertOverflow="overflow" horzOverflow="overflow" vert="horz" wrap="square" lIns="91440" tIns="91440" rIns="91440" bIns="45720" numCol="1" spcCol="0" rtlCol="0" fromWordArt="0" anchor="t" anchorCtr="0" forceAA="0" compatLnSpc="1">
-        <a:prstTxWarp prst="textNoShape">
-          <a:avLst/>
-        </a:prstTxWarp>
-        <a:noAutofit/>
-      </a:bodyPr>
-      <a:lstStyle>
-        <a:defPPr algn="l">
-          <a:defRPr sz="1200" dirty="0" smtClean="0">
-            <a:solidFill>
-              <a:schemeClr val="tx2"/>
-            </a:solidFill>
-          </a:defRPr>
-        </a:defPPr>
-      </a:lstStyle>
-      <a:style>
-        <a:lnRef idx="2">
-          <a:schemeClr val="accent1">
-            <a:shade val="50000"/>
-          </a:schemeClr>
-        </a:lnRef>
-        <a:fillRef idx="1">
-          <a:schemeClr val="accent1"/>
-        </a:fillRef>
-        <a:effectRef idx="0">
-          <a:schemeClr val="accent1"/>
-        </a:effectRef>
-        <a:fontRef idx="minor">
-          <a:schemeClr val="lt1"/>
-        </a:fontRef>
-      </a:style>
-    </a:spDef>
-    <a:lnDef>
-      <a:spPr>
-        <a:ln w="12700">
-          <a:solidFill>
-            <a:srgbClr val="545B64"/>
-          </a:solidFill>
-          <a:headEnd type="none" w="med" len="sm"/>
-          <a:tailEnd type="none" w="med" len="sm"/>
-        </a:ln>
-      </a:spPr>
-      <a:bodyPr/>
-      <a:lstStyle/>
-      <a:style>
-        <a:lnRef idx="1">
-          <a:schemeClr val="accent1"/>
-        </a:lnRef>
-        <a:fillRef idx="0">
-          <a:schemeClr val="accent1"/>
-        </a:fillRef>
-        <a:effectRef idx="0">
-          <a:schemeClr val="accent1"/>
-        </a:effectRef>
-        <a:fontRef idx="minor">
-          <a:schemeClr val="tx1"/>
-        </a:fontRef>
-      </a:style>
-    </a:lnDef>
-  </a:objectDefaults>
-  <a:extraClrSchemeLst/>
-  <a:extLst>
-    <a:ext uri="{05A4C25C-085E-4340-85A3-A5531E510DB2}">
-      <thm15:themeFamily xmlns:thm15="http://schemas.microsoft.com/office/thememl/2012/main" name="Office Theme" id="{62F939B6-93AF-4DB8-9C6B-D6C7DFDC589F}" vid="{4A3C46E8-61CC-4603-A589-7422A47A8E4A}"/>
-    </a:ext>
-  </a:extLst>
-</a:theme>
-</file>
-
-<file path=ppt/theme/theme2.xml><?xml version="1.0" encoding="utf-8"?>
-<a:theme xmlns:a="http://schemas.openxmlformats.org/drawingml/2006/main" name="3_Office Theme">
+<a:theme xmlns:a="http://schemas.openxmlformats.org/drawingml/2006/main" name="Office Theme">
   <a:themeElements>
     <a:clrScheme name="Office Theme">
       <a:dk1>
@@ -7955,594 +6544,4 @@
     </a:ext>
   </a:extLst>
 </a:theme>
-</file>
-
-<file path=ppt/theme/theme3.xml><?xml version="1.0" encoding="utf-8"?>
-<a:theme xmlns:a="http://schemas.openxmlformats.org/drawingml/2006/main" name="Office Theme">
-  <a:themeElements>
-    <a:clrScheme name="Office">
-      <a:dk1>
-        <a:sysClr val="windowText" lastClr="000000"/>
-      </a:dk1>
-      <a:lt1>
-        <a:sysClr val="window" lastClr="FFFFFF"/>
-      </a:lt1>
-      <a:dk2>
-        <a:srgbClr val="44546A"/>
-      </a:dk2>
-      <a:lt2>
-        <a:srgbClr val="E7E6E6"/>
-      </a:lt2>
-      <a:accent1>
-        <a:srgbClr val="4472C4"/>
-      </a:accent1>
-      <a:accent2>
-        <a:srgbClr val="ED7D31"/>
-      </a:accent2>
-      <a:accent3>
-        <a:srgbClr val="A5A5A5"/>
-      </a:accent3>
-      <a:accent4>
-        <a:srgbClr val="FFC000"/>
-      </a:accent4>
-      <a:accent5>
-        <a:srgbClr val="5B9BD5"/>
-      </a:accent5>
-      <a:accent6>
-        <a:srgbClr val="70AD47"/>
-      </a:accent6>
-      <a:hlink>
-        <a:srgbClr val="0563C1"/>
-      </a:hlink>
-      <a:folHlink>
-        <a:srgbClr val="954F72"/>
-      </a:folHlink>
-    </a:clrScheme>
-    <a:fontScheme name="Office">
-      <a:majorFont>
-        <a:latin typeface="Calibri Light" panose="020F0302020204030204"/>
-        <a:ea typeface=""/>
-        <a:cs typeface=""/>
-        <a:font script="Jpan" typeface="游ゴシック Light"/>
-        <a:font script="Hang" typeface="맑은 고딕"/>
-        <a:font script="Hans" typeface="等线 Light"/>
-        <a:font script="Hant" typeface="新細明體"/>
-        <a:font script="Arab" typeface="Times New Roman"/>
-        <a:font script="Hebr" typeface="Times New Roman"/>
-        <a:font script="Thai" typeface="Angsana New"/>
-        <a:font script="Ethi" typeface="Nyala"/>
-        <a:font script="Beng" typeface="Vrinda"/>
-        <a:font script="Gujr" typeface="Shruti"/>
-        <a:font script="Khmr" typeface="MoolBoran"/>
-        <a:font script="Knda" typeface="Tunga"/>
-        <a:font script="Guru" typeface="Raavi"/>
-        <a:font script="Cans" typeface="Euphemia"/>
-        <a:font script="Cher" typeface="Plantagenet Cherokee"/>
-        <a:font script="Yiii" typeface="Microsoft Yi Baiti"/>
-        <a:font script="Tibt" typeface="Microsoft Himalaya"/>
-        <a:font script="Thaa" typeface="MV Boli"/>
-        <a:font script="Deva" typeface="Mangal"/>
-        <a:font script="Telu" typeface="Gautami"/>
-        <a:font script="Taml" typeface="Latha"/>
-        <a:font script="Syrc" typeface="Estrangelo Edessa"/>
-        <a:font script="Orya" typeface="Kalinga"/>
-        <a:font script="Mlym" typeface="Kartika"/>
-        <a:font script="Laoo" typeface="DokChampa"/>
-        <a:font script="Sinh" typeface="Iskoola Pota"/>
-        <a:font script="Mong" typeface="Mongolian Baiti"/>
-        <a:font script="Viet" typeface="Times New Roman"/>
-        <a:font script="Uigh" typeface="Microsoft Uighur"/>
-        <a:font script="Geor" typeface="Sylfaen"/>
-        <a:font script="Armn" typeface="Arial"/>
-        <a:font script="Bugi" typeface="Leelawadee UI"/>
-        <a:font script="Bopo" typeface="Microsoft JhengHei"/>
-        <a:font script="Java" typeface="Javanese Text"/>
-        <a:font script="Lisu" typeface="Segoe UI"/>
-        <a:font script="Mymr" typeface="Myanmar Text"/>
-        <a:font script="Nkoo" typeface="Ebrima"/>
-        <a:font script="Olck" typeface="Nirmala UI"/>
-        <a:font script="Osma" typeface="Ebrima"/>
-        <a:font script="Phag" typeface="Phagspa"/>
-        <a:font script="Syrn" typeface="Estrangelo Edessa"/>
-        <a:font script="Syrj" typeface="Estrangelo Edessa"/>
-        <a:font script="Syre" typeface="Estrangelo Edessa"/>
-        <a:font script="Sora" typeface="Nirmala UI"/>
-        <a:font script="Tale" typeface="Microsoft Tai Le"/>
-        <a:font script="Talu" typeface="Microsoft New Tai Lue"/>
-        <a:font script="Tfng" typeface="Ebrima"/>
-      </a:majorFont>
-      <a:minorFont>
-        <a:latin typeface="Calibri" panose="020F0502020204030204"/>
-        <a:ea typeface=""/>
-        <a:cs typeface=""/>
-        <a:font script="Jpan" typeface="游ゴシック"/>
-        <a:font script="Hang" typeface="맑은 고딕"/>
-        <a:font script="Hans" typeface="等线"/>
-        <a:font script="Hant" typeface="新細明體"/>
-        <a:font script="Arab" typeface="Arial"/>
-        <a:font script="Hebr" typeface="Arial"/>
-        <a:font script="Thai" typeface="Cordia New"/>
-        <a:font script="Ethi" typeface="Nyala"/>
-        <a:font script="Beng" typeface="Vrinda"/>
-        <a:font script="Gujr" typeface="Shruti"/>
-        <a:font script="Khmr" typeface="DaunPenh"/>
-        <a:font script="Knda" typeface="Tunga"/>
-        <a:font script="Guru" typeface="Raavi"/>
-        <a:font script="Cans" typeface="Euphemia"/>
-        <a:font script="Cher" typeface="Plantagenet Cherokee"/>
-        <a:font script="Yiii" typeface="Microsoft Yi Baiti"/>
-        <a:font script="Tibt" typeface="Microsoft Himalaya"/>
-        <a:font script="Thaa" typeface="MV Boli"/>
-        <a:font script="Deva" typeface="Mangal"/>
-        <a:font script="Telu" typeface="Gautami"/>
-        <a:font script="Taml" typeface="Latha"/>
-        <a:font script="Syrc" typeface="Estrangelo Edessa"/>
-        <a:font script="Orya" typeface="Kalinga"/>
-        <a:font script="Mlym" typeface="Kartika"/>
-        <a:font script="Laoo" typeface="DokChampa"/>
-        <a:font script="Sinh" typeface="Iskoola Pota"/>
-        <a:font script="Mong" typeface="Mongolian Baiti"/>
-        <a:font script="Viet" typeface="Arial"/>
-        <a:font script="Uigh" typeface="Microsoft Uighur"/>
-        <a:font script="Geor" typeface="Sylfaen"/>
-        <a:font script="Armn" typeface="Arial"/>
-        <a:font script="Bugi" typeface="Leelawadee UI"/>
-        <a:font script="Bopo" typeface="Microsoft JhengHei"/>
-        <a:font script="Java" typeface="Javanese Text"/>
-        <a:font script="Lisu" typeface="Segoe UI"/>
-        <a:font script="Mymr" typeface="Myanmar Text"/>
-        <a:font script="Nkoo" typeface="Ebrima"/>
-        <a:font script="Olck" typeface="Nirmala UI"/>
-        <a:font script="Osma" typeface="Ebrima"/>
-        <a:font script="Phag" typeface="Phagspa"/>
-        <a:font script="Syrn" typeface="Estrangelo Edessa"/>
-        <a:font script="Syrj" typeface="Estrangelo Edessa"/>
-        <a:font script="Syre" typeface="Estrangelo Edessa"/>
-        <a:font script="Sora" typeface="Nirmala UI"/>
-        <a:font script="Tale" typeface="Microsoft Tai Le"/>
-        <a:font script="Talu" typeface="Microsoft New Tai Lue"/>
-        <a:font script="Tfng" typeface="Ebrima"/>
-      </a:minorFont>
-    </a:fontScheme>
-    <a:fmtScheme name="Office">
-      <a:fillStyleLst>
-        <a:solidFill>
-          <a:schemeClr val="phClr"/>
-        </a:solidFill>
-        <a:gradFill rotWithShape="1">
-          <a:gsLst>
-            <a:gs pos="0">
-              <a:schemeClr val="phClr">
-                <a:lumMod val="110000"/>
-                <a:satMod val="105000"/>
-                <a:tint val="67000"/>
-              </a:schemeClr>
-            </a:gs>
-            <a:gs pos="50000">
-              <a:schemeClr val="phClr">
-                <a:lumMod val="105000"/>
-                <a:satMod val="103000"/>
-                <a:tint val="73000"/>
-              </a:schemeClr>
-            </a:gs>
-            <a:gs pos="100000">
-              <a:schemeClr val="phClr">
-                <a:lumMod val="105000"/>
-                <a:satMod val="109000"/>
-                <a:tint val="81000"/>
-              </a:schemeClr>
-            </a:gs>
-          </a:gsLst>
-          <a:lin ang="5400000" scaled="0"/>
-        </a:gradFill>
-        <a:gradFill rotWithShape="1">
-          <a:gsLst>
-            <a:gs pos="0">
-              <a:schemeClr val="phClr">
-                <a:satMod val="103000"/>
-                <a:lumMod val="102000"/>
-                <a:tint val="94000"/>
-              </a:schemeClr>
-            </a:gs>
-            <a:gs pos="50000">
-              <a:schemeClr val="phClr">
-                <a:satMod val="110000"/>
-                <a:lumMod val="100000"/>
-                <a:shade val="100000"/>
-              </a:schemeClr>
-            </a:gs>
-            <a:gs pos="100000">
-              <a:schemeClr val="phClr">
-                <a:lumMod val="99000"/>
-                <a:satMod val="120000"/>
-                <a:shade val="78000"/>
-              </a:schemeClr>
-            </a:gs>
-          </a:gsLst>
-          <a:lin ang="5400000" scaled="0"/>
-        </a:gradFill>
-      </a:fillStyleLst>
-      <a:lnStyleLst>
-        <a:ln w="6350" cap="flat" cmpd="sng" algn="ctr">
-          <a:solidFill>
-            <a:schemeClr val="phClr"/>
-          </a:solidFill>
-          <a:prstDash val="solid"/>
-          <a:miter lim="800000"/>
-        </a:ln>
-        <a:ln w="12700" cap="flat" cmpd="sng" algn="ctr">
-          <a:solidFill>
-            <a:schemeClr val="phClr"/>
-          </a:solidFill>
-          <a:prstDash val="solid"/>
-          <a:miter lim="800000"/>
-        </a:ln>
-        <a:ln w="19050" cap="flat" cmpd="sng" algn="ctr">
-          <a:solidFill>
-            <a:schemeClr val="phClr"/>
-          </a:solidFill>
-          <a:prstDash val="solid"/>
-          <a:miter lim="800000"/>
-        </a:ln>
-      </a:lnStyleLst>
-      <a:effectStyleLst>
-        <a:effectStyle>
-          <a:effectLst/>
-        </a:effectStyle>
-        <a:effectStyle>
-          <a:effectLst/>
-        </a:effectStyle>
-        <a:effectStyle>
-          <a:effectLst>
-            <a:outerShdw blurRad="57150" dist="19050" dir="5400000" algn="ctr" rotWithShape="0">
-              <a:srgbClr val="000000">
-                <a:alpha val="63000"/>
-              </a:srgbClr>
-            </a:outerShdw>
-          </a:effectLst>
-        </a:effectStyle>
-      </a:effectStyleLst>
-      <a:bgFillStyleLst>
-        <a:solidFill>
-          <a:schemeClr val="phClr"/>
-        </a:solidFill>
-        <a:solidFill>
-          <a:schemeClr val="phClr">
-            <a:tint val="95000"/>
-            <a:satMod val="170000"/>
-          </a:schemeClr>
-        </a:solidFill>
-        <a:gradFill rotWithShape="1">
-          <a:gsLst>
-            <a:gs pos="0">
-              <a:schemeClr val="phClr">
-                <a:tint val="93000"/>
-                <a:satMod val="150000"/>
-                <a:shade val="98000"/>
-                <a:lumMod val="102000"/>
-              </a:schemeClr>
-            </a:gs>
-            <a:gs pos="50000">
-              <a:schemeClr val="phClr">
-                <a:tint val="98000"/>
-                <a:satMod val="130000"/>
-                <a:shade val="90000"/>
-                <a:lumMod val="103000"/>
-              </a:schemeClr>
-            </a:gs>
-            <a:gs pos="100000">
-              <a:schemeClr val="phClr">
-                <a:shade val="63000"/>
-                <a:satMod val="120000"/>
-              </a:schemeClr>
-            </a:gs>
-          </a:gsLst>
-          <a:lin ang="5400000" scaled="0"/>
-        </a:gradFill>
-      </a:bgFillStyleLst>
-    </a:fmtScheme>
-  </a:themeElements>
-  <a:objectDefaults/>
-  <a:extraClrSchemeLst/>
-  <a:extLst>
-    <a:ext uri="{05A4C25C-085E-4340-85A3-A5531E510DB2}">
-      <thm15:themeFamily xmlns:thm15="http://schemas.microsoft.com/office/thememl/2012/main" name="Office Theme" id="{62F939B6-93AF-4DB8-9C6B-D6C7DFDC589F}" vid="{4A3C46E8-61CC-4603-A589-7422A47A8E4A}"/>
-    </a:ext>
-  </a:extLst>
-</a:theme>
-</file>
-
-<file path=ppt/theme/theme4.xml><?xml version="1.0" encoding="utf-8"?>
-<a:theme xmlns:a="http://schemas.openxmlformats.org/drawingml/2006/main" name="Office Theme">
-  <a:themeElements>
-    <a:clrScheme name="Office">
-      <a:dk1>
-        <a:sysClr val="windowText" lastClr="000000"/>
-      </a:dk1>
-      <a:lt1>
-        <a:sysClr val="window" lastClr="FFFFFF"/>
-      </a:lt1>
-      <a:dk2>
-        <a:srgbClr val="44546A"/>
-      </a:dk2>
-      <a:lt2>
-        <a:srgbClr val="E7E6E6"/>
-      </a:lt2>
-      <a:accent1>
-        <a:srgbClr val="4472C4"/>
-      </a:accent1>
-      <a:accent2>
-        <a:srgbClr val="ED7D31"/>
-      </a:accent2>
-      <a:accent3>
-        <a:srgbClr val="A5A5A5"/>
-      </a:accent3>
-      <a:accent4>
-        <a:srgbClr val="FFC000"/>
-      </a:accent4>
-      <a:accent5>
-        <a:srgbClr val="5B9BD5"/>
-      </a:accent5>
-      <a:accent6>
-        <a:srgbClr val="70AD47"/>
-      </a:accent6>
-      <a:hlink>
-        <a:srgbClr val="0563C1"/>
-      </a:hlink>
-      <a:folHlink>
-        <a:srgbClr val="954F72"/>
-      </a:folHlink>
-    </a:clrScheme>
-    <a:fontScheme name="Office">
-      <a:majorFont>
-        <a:latin typeface="Calibri Light" panose="020F0302020204030204"/>
-        <a:ea typeface=""/>
-        <a:cs typeface=""/>
-        <a:font script="Jpan" typeface="游ゴシック Light"/>
-        <a:font script="Hang" typeface="맑은 고딕"/>
-        <a:font script="Hans" typeface="等线 Light"/>
-        <a:font script="Hant" typeface="新細明體"/>
-        <a:font script="Arab" typeface="Times New Roman"/>
-        <a:font script="Hebr" typeface="Times New Roman"/>
-        <a:font script="Thai" typeface="Angsana New"/>
-        <a:font script="Ethi" typeface="Nyala"/>
-        <a:font script="Beng" typeface="Vrinda"/>
-        <a:font script="Gujr" typeface="Shruti"/>
-        <a:font script="Khmr" typeface="MoolBoran"/>
-        <a:font script="Knda" typeface="Tunga"/>
-        <a:font script="Guru" typeface="Raavi"/>
-        <a:font script="Cans" typeface="Euphemia"/>
-        <a:font script="Cher" typeface="Plantagenet Cherokee"/>
-        <a:font script="Yiii" typeface="Microsoft Yi Baiti"/>
-        <a:font script="Tibt" typeface="Microsoft Himalaya"/>
-        <a:font script="Thaa" typeface="MV Boli"/>
-        <a:font script="Deva" typeface="Mangal"/>
-        <a:font script="Telu" typeface="Gautami"/>
-        <a:font script="Taml" typeface="Latha"/>
-        <a:font script="Syrc" typeface="Estrangelo Edessa"/>
-        <a:font script="Orya" typeface="Kalinga"/>
-        <a:font script="Mlym" typeface="Kartika"/>
-        <a:font script="Laoo" typeface="DokChampa"/>
-        <a:font script="Sinh" typeface="Iskoola Pota"/>
-        <a:font script="Mong" typeface="Mongolian Baiti"/>
-        <a:font script="Viet" typeface="Times New Roman"/>
-        <a:font script="Uigh" typeface="Microsoft Uighur"/>
-        <a:font script="Geor" typeface="Sylfaen"/>
-        <a:font script="Armn" typeface="Arial"/>
-        <a:font script="Bugi" typeface="Leelawadee UI"/>
-        <a:font script="Bopo" typeface="Microsoft JhengHei"/>
-        <a:font script="Java" typeface="Javanese Text"/>
-        <a:font script="Lisu" typeface="Segoe UI"/>
-        <a:font script="Mymr" typeface="Myanmar Text"/>
-        <a:font script="Nkoo" typeface="Ebrima"/>
-        <a:font script="Olck" typeface="Nirmala UI"/>
-        <a:font script="Osma" typeface="Ebrima"/>
-        <a:font script="Phag" typeface="Phagspa"/>
-        <a:font script="Syrn" typeface="Estrangelo Edessa"/>
-        <a:font script="Syrj" typeface="Estrangelo Edessa"/>
-        <a:font script="Syre" typeface="Estrangelo Edessa"/>
-        <a:font script="Sora" typeface="Nirmala UI"/>
-        <a:font script="Tale" typeface="Microsoft Tai Le"/>
-        <a:font script="Talu" typeface="Microsoft New Tai Lue"/>
-        <a:font script="Tfng" typeface="Ebrima"/>
-      </a:majorFont>
-      <a:minorFont>
-        <a:latin typeface="Calibri" panose="020F0502020204030204"/>
-        <a:ea typeface=""/>
-        <a:cs typeface=""/>
-        <a:font script="Jpan" typeface="游ゴシック"/>
-        <a:font script="Hang" typeface="맑은 고딕"/>
-        <a:font script="Hans" typeface="等线"/>
-        <a:font script="Hant" typeface="新細明體"/>
-        <a:font script="Arab" typeface="Arial"/>
-        <a:font script="Hebr" typeface="Arial"/>
-        <a:font script="Thai" typeface="Cordia New"/>
-        <a:font script="Ethi" typeface="Nyala"/>
-        <a:font script="Beng" typeface="Vrinda"/>
-        <a:font script="Gujr" typeface="Shruti"/>
-        <a:font script="Khmr" typeface="DaunPenh"/>
-        <a:font script="Knda" typeface="Tunga"/>
-        <a:font script="Guru" typeface="Raavi"/>
-        <a:font script="Cans" typeface="Euphemia"/>
-        <a:font script="Cher" typeface="Plantagenet Cherokee"/>
-        <a:font script="Yiii" typeface="Microsoft Yi Baiti"/>
-        <a:font script="Tibt" typeface="Microsoft Himalaya"/>
-        <a:font script="Thaa" typeface="MV Boli"/>
-        <a:font script="Deva" typeface="Mangal"/>
-        <a:font script="Telu" typeface="Gautami"/>
-        <a:font script="Taml" typeface="Latha"/>
-        <a:font script="Syrc" typeface="Estrangelo Edessa"/>
-        <a:font script="Orya" typeface="Kalinga"/>
-        <a:font script="Mlym" typeface="Kartika"/>
-        <a:font script="Laoo" typeface="DokChampa"/>
-        <a:font script="Sinh" typeface="Iskoola Pota"/>
-        <a:font script="Mong" typeface="Mongolian Baiti"/>
-        <a:font script="Viet" typeface="Arial"/>
-        <a:font script="Uigh" typeface="Microsoft Uighur"/>
-        <a:font script="Geor" typeface="Sylfaen"/>
-        <a:font script="Armn" typeface="Arial"/>
-        <a:font script="Bugi" typeface="Leelawadee UI"/>
-        <a:font script="Bopo" typeface="Microsoft JhengHei"/>
-        <a:font script="Java" typeface="Javanese Text"/>
-        <a:font script="Lisu" typeface="Segoe UI"/>
-        <a:font script="Mymr" typeface="Myanmar Text"/>
-        <a:font script="Nkoo" typeface="Ebrima"/>
-        <a:font script="Olck" typeface="Nirmala UI"/>
-        <a:font script="Osma" typeface="Ebrima"/>
-        <a:font script="Phag" typeface="Phagspa"/>
-        <a:font script="Syrn" typeface="Estrangelo Edessa"/>
-        <a:font script="Syrj" typeface="Estrangelo Edessa"/>
-        <a:font script="Syre" typeface="Estrangelo Edessa"/>
-        <a:font script="Sora" typeface="Nirmala UI"/>
-        <a:font script="Tale" typeface="Microsoft Tai Le"/>
-        <a:font script="Talu" typeface="Microsoft New Tai Lue"/>
-        <a:font script="Tfng" typeface="Ebrima"/>
-      </a:minorFont>
-    </a:fontScheme>
-    <a:fmtScheme name="Office">
-      <a:fillStyleLst>
-        <a:solidFill>
-          <a:schemeClr val="phClr"/>
-        </a:solidFill>
-        <a:gradFill rotWithShape="1">
-          <a:gsLst>
-            <a:gs pos="0">
-              <a:schemeClr val="phClr">
-                <a:lumMod val="110000"/>
-                <a:satMod val="105000"/>
-                <a:tint val="67000"/>
-              </a:schemeClr>
-            </a:gs>
-            <a:gs pos="50000">
-              <a:schemeClr val="phClr">
-                <a:lumMod val="105000"/>
-                <a:satMod val="103000"/>
-                <a:tint val="73000"/>
-              </a:schemeClr>
-            </a:gs>
-            <a:gs pos="100000">
-              <a:schemeClr val="phClr">
-                <a:lumMod val="105000"/>
-                <a:satMod val="109000"/>
-                <a:tint val="81000"/>
-              </a:schemeClr>
-            </a:gs>
-          </a:gsLst>
-          <a:lin ang="5400000" scaled="0"/>
-        </a:gradFill>
-        <a:gradFill rotWithShape="1">
-          <a:gsLst>
-            <a:gs pos="0">
-              <a:schemeClr val="phClr">
-                <a:satMod val="103000"/>
-                <a:lumMod val="102000"/>
-                <a:tint val="94000"/>
-              </a:schemeClr>
-            </a:gs>
-            <a:gs pos="50000">
-              <a:schemeClr val="phClr">
-                <a:satMod val="110000"/>
-                <a:lumMod val="100000"/>
-                <a:shade val="100000"/>
-              </a:schemeClr>
-            </a:gs>
-            <a:gs pos="100000">
-              <a:schemeClr val="phClr">
-                <a:lumMod val="99000"/>
-                <a:satMod val="120000"/>
-                <a:shade val="78000"/>
-              </a:schemeClr>
-            </a:gs>
-          </a:gsLst>
-          <a:lin ang="5400000" scaled="0"/>
-        </a:gradFill>
-      </a:fillStyleLst>
-      <a:lnStyleLst>
-        <a:ln w="6350" cap="flat" cmpd="sng" algn="ctr">
-          <a:solidFill>
-            <a:schemeClr val="phClr"/>
-          </a:solidFill>
-          <a:prstDash val="solid"/>
-          <a:miter lim="800000"/>
-        </a:ln>
-        <a:ln w="12700" cap="flat" cmpd="sng" algn="ctr">
-          <a:solidFill>
-            <a:schemeClr val="phClr"/>
-          </a:solidFill>
-          <a:prstDash val="solid"/>
-          <a:miter lim="800000"/>
-        </a:ln>
-        <a:ln w="19050" cap="flat" cmpd="sng" algn="ctr">
-          <a:solidFill>
-            <a:schemeClr val="phClr"/>
-          </a:solidFill>
-          <a:prstDash val="solid"/>
-          <a:miter lim="800000"/>
-        </a:ln>
-      </a:lnStyleLst>
-      <a:effectStyleLst>
-        <a:effectStyle>
-          <a:effectLst/>
-        </a:effectStyle>
-        <a:effectStyle>
-          <a:effectLst/>
-        </a:effectStyle>
-        <a:effectStyle>
-          <a:effectLst>
-            <a:outerShdw blurRad="57150" dist="19050" dir="5400000" algn="ctr" rotWithShape="0">
-              <a:srgbClr val="000000">
-                <a:alpha val="63000"/>
-              </a:srgbClr>
-            </a:outerShdw>
-          </a:effectLst>
-        </a:effectStyle>
-      </a:effectStyleLst>
-      <a:bgFillStyleLst>
-        <a:solidFill>
-          <a:schemeClr val="phClr"/>
-        </a:solidFill>
-        <a:solidFill>
-          <a:schemeClr val="phClr">
-            <a:tint val="95000"/>
-            <a:satMod val="170000"/>
-          </a:schemeClr>
-        </a:solidFill>
-        <a:gradFill rotWithShape="1">
-          <a:gsLst>
-            <a:gs pos="0">
-              <a:schemeClr val="phClr">
-                <a:tint val="93000"/>
-                <a:satMod val="150000"/>
-                <a:shade val="98000"/>
-                <a:lumMod val="102000"/>
-              </a:schemeClr>
-            </a:gs>
-            <a:gs pos="50000">
-              <a:schemeClr val="phClr">
-                <a:tint val="98000"/>
-                <a:satMod val="130000"/>
-                <a:shade val="90000"/>
-                <a:lumMod val="103000"/>
-              </a:schemeClr>
-            </a:gs>
-            <a:gs pos="100000">
-              <a:schemeClr val="phClr">
-                <a:shade val="63000"/>
-                <a:satMod val="120000"/>
-              </a:schemeClr>
-            </a:gs>
-          </a:gsLst>
-          <a:lin ang="5400000" scaled="0"/>
-        </a:gradFill>
-      </a:bgFillStyleLst>
-    </a:fmtScheme>
-  </a:themeElements>
-  <a:objectDefaults/>
-  <a:extraClrSchemeLst/>
-  <a:extLst>
-    <a:ext uri="{05A4C25C-085E-4340-85A3-A5531E510DB2}">
-      <thm15:themeFamily xmlns:thm15="http://schemas.microsoft.com/office/thememl/2012/main" name="Office Theme" id="{62F939B6-93AF-4DB8-9C6B-D6C7DFDC589F}" vid="{4A3C46E8-61CC-4603-A589-7422A47A8E4A}"/>
-    </a:ext>
-  </a:extLst>
-</a:theme>
 </file>
--- a/doc/three-tier-architecture-examples/crest-infosolutions-cloudmeet-architecture-diagram.pptx
+++ b/doc/three-tier-architecture-examples/crest-infosolutions-cloudmeet-architecture-diagram.pptx
@@ -224,7 +224,7 @@
           <a:p>
             <a:fld id="{49A7721D-1176-A640-AC48-B82F78C92D56}" type="datetimeFigureOut">
               <a:rPr lang="en-US" smtClean="0"/>
-              <a:t>6/30/2022</a:t>
+              <a:t>7/19/2022</a:t>
             </a:fld>
             <a:endParaRPr lang="en-US" dirty="0"/>
           </a:p>
@@ -401,7 +401,7 @@
           <a:p>
             <a:fld id="{C884A089-FB25-6D46-9D21-F0F04A18BCA8}" type="datetimeFigureOut">
               <a:rPr lang="en-US" smtClean="0"/>
-              <a:t>6/30/2022</a:t>
+              <a:t>7/19/2022</a:t>
             </a:fld>
             <a:endParaRPr lang="en-US" dirty="0"/>
           </a:p>
@@ -1033,7 +1033,7 @@
           <a:p>
             <a:fld id="{C764DE79-268F-4C1A-8933-263129D2AF90}" type="datetimeFigureOut">
               <a:rPr lang="en-US" dirty="0"/>
-              <a:t>6/30/2022</a:t>
+              <a:t>7/19/2022</a:t>
             </a:fld>
             <a:endParaRPr lang="en-US" dirty="0"/>
           </a:p>
@@ -1204,7 +1204,7 @@
           <a:p>
             <a:fld id="{C764DE79-268F-4C1A-8933-263129D2AF90}" type="datetimeFigureOut">
               <a:rPr lang="en-US" dirty="0"/>
-              <a:t>6/30/2022</a:t>
+              <a:t>7/19/2022</a:t>
             </a:fld>
             <a:endParaRPr lang="en-US" dirty="0"/>
           </a:p>
@@ -1385,7 +1385,7 @@
           <a:p>
             <a:fld id="{C764DE79-268F-4C1A-8933-263129D2AF90}" type="datetimeFigureOut">
               <a:rPr lang="en-US" dirty="0"/>
-              <a:t>6/30/2022</a:t>
+              <a:t>7/19/2022</a:t>
             </a:fld>
             <a:endParaRPr lang="en-US" dirty="0"/>
           </a:p>
@@ -1578,7 +1578,7 @@
           <a:p>
             <a:fld id="{C764DE79-268F-4C1A-8933-263129D2AF90}" type="datetimeFigureOut">
               <a:rPr lang="en-US" dirty="0"/>
-              <a:t>6/30/2022</a:t>
+              <a:t>7/19/2022</a:t>
             </a:fld>
             <a:endParaRPr lang="en-US" dirty="0"/>
           </a:p>
@@ -1749,7 +1749,7 @@
           <a:p>
             <a:fld id="{C764DE79-268F-4C1A-8933-263129D2AF90}" type="datetimeFigureOut">
               <a:rPr lang="en-US" dirty="0"/>
-              <a:t>6/30/2022</a:t>
+              <a:t>7/19/2022</a:t>
             </a:fld>
             <a:endParaRPr lang="en-US" dirty="0"/>
           </a:p>
@@ -1994,7 +1994,7 @@
           <a:p>
             <a:fld id="{C764DE79-268F-4C1A-8933-263129D2AF90}" type="datetimeFigureOut">
               <a:rPr lang="en-US" dirty="0"/>
-              <a:t>6/30/2022</a:t>
+              <a:t>7/19/2022</a:t>
             </a:fld>
             <a:endParaRPr lang="en-US" dirty="0"/>
           </a:p>
@@ -2227,7 +2227,7 @@
           <a:p>
             <a:fld id="{C764DE79-268F-4C1A-8933-263129D2AF90}" type="datetimeFigureOut">
               <a:rPr lang="en-US" dirty="0"/>
-              <a:t>6/30/2022</a:t>
+              <a:t>7/19/2022</a:t>
             </a:fld>
             <a:endParaRPr lang="en-US" dirty="0"/>
           </a:p>
@@ -2595,7 +2595,7 @@
           <a:p>
             <a:fld id="{C764DE79-268F-4C1A-8933-263129D2AF90}" type="datetimeFigureOut">
               <a:rPr lang="en-US" dirty="0"/>
-              <a:t>6/30/2022</a:t>
+              <a:t>7/19/2022</a:t>
             </a:fld>
             <a:endParaRPr lang="en-US" dirty="0"/>
           </a:p>
@@ -2714,7 +2714,7 @@
           <a:p>
             <a:fld id="{C764DE79-268F-4C1A-8933-263129D2AF90}" type="datetimeFigureOut">
               <a:rPr lang="en-US" dirty="0"/>
-              <a:t>6/30/2022</a:t>
+              <a:t>7/19/2022</a:t>
             </a:fld>
             <a:endParaRPr lang="en-US" dirty="0"/>
           </a:p>
@@ -3083,7 +3083,7 @@
           <a:p>
             <a:fld id="{C764DE79-268F-4C1A-8933-263129D2AF90}" type="datetimeFigureOut">
               <a:rPr lang="en-US" dirty="0"/>
-              <a:t>6/30/2022</a:t>
+              <a:t>7/19/2022</a:t>
             </a:fld>
             <a:endParaRPr lang="en-US" dirty="0"/>
           </a:p>
@@ -3617,7 +3617,7 @@
           <a:p>
             <a:fld id="{C764DE79-268F-4C1A-8933-263129D2AF90}" type="datetimeFigureOut">
               <a:rPr lang="en-US" dirty="0"/>
-              <a:t>6/30/2022</a:t>
+              <a:t>7/19/2022</a:t>
             </a:fld>
             <a:endParaRPr lang="en-US" dirty="0"/>
           </a:p>
@@ -4025,6 +4025,72 @@
       </p:grpSpPr>
       <p:sp>
         <p:nvSpPr>
+          <p:cNvPr id="104" name="Rectangle 103">
+            <a:extLst>
+              <a:ext uri="{FF2B5EF4-FFF2-40B4-BE49-F238E27FC236}">
+                <a16:creationId xmlns:a16="http://schemas.microsoft.com/office/drawing/2014/main" id="{EF9D6B6F-1AE7-47AE-BF84-8DE49D989F24}"/>
+              </a:ext>
+            </a:extLst>
+          </p:cNvPr>
+          <p:cNvSpPr/>
+          <p:nvPr/>
+        </p:nvSpPr>
+        <p:spPr>
+          <a:xfrm>
+            <a:off x="2651760" y="4206240"/>
+            <a:ext cx="1737360" cy="2834640"/>
+          </a:xfrm>
+          <a:prstGeom prst="rect">
+            <a:avLst/>
+          </a:prstGeom>
+          <a:solidFill>
+            <a:srgbClr val="007CBC">
+              <a:alpha val="9804"/>
+            </a:srgbClr>
+          </a:solidFill>
+          <a:ln w="12700">
+            <a:noFill/>
+            <a:prstDash val="dash"/>
+          </a:ln>
+        </p:spPr>
+        <p:style>
+          <a:lnRef idx="2">
+            <a:schemeClr val="accent1">
+              <a:shade val="50000"/>
+            </a:schemeClr>
+          </a:lnRef>
+          <a:fillRef idx="1">
+            <a:schemeClr val="accent1"/>
+          </a:fillRef>
+          <a:effectRef idx="0">
+            <a:schemeClr val="accent1"/>
+          </a:effectRef>
+          <a:fontRef idx="minor">
+            <a:schemeClr val="lt1"/>
+          </a:fontRef>
+        </p:style>
+        <p:txBody>
+          <a:bodyPr lIns="502920"/>
+          <a:lstStyle/>
+          <a:p>
+            <a:pPr>
+              <a:defRPr/>
+            </a:pPr>
+            <a:r>
+              <a:rPr lang="en-US" sz="1200" dirty="0">
+                <a:solidFill>
+                  <a:srgbClr val="5B9CD5"/>
+                </a:solidFill>
+                <a:latin typeface="Arial" panose="020B0604020202020204" pitchFamily="34" charset="0"/>
+                <a:cs typeface="Arial" panose="020B0604020202020204" pitchFamily="34" charset="0"/>
+              </a:rPr>
+              <a:t>Private subnet</a:t>
+            </a:r>
+          </a:p>
+        </p:txBody>
+      </p:sp>
+      <p:sp>
+        <p:nvSpPr>
           <p:cNvPr id="102" name="Rectangle 101">
             <a:extLst>
               <a:ext uri="{FF2B5EF4-FFF2-40B4-BE49-F238E27FC236}">
@@ -4104,73 +4170,7 @@
         <p:spPr>
           <a:xfrm>
             <a:off x="6217920" y="4206240"/>
-            <a:ext cx="1737360" cy="2103120"/>
-          </a:xfrm>
-          <a:prstGeom prst="rect">
-            <a:avLst/>
-          </a:prstGeom>
-          <a:solidFill>
-            <a:srgbClr val="007CBC">
-              <a:alpha val="9804"/>
-            </a:srgbClr>
-          </a:solidFill>
-          <a:ln w="12700">
-            <a:noFill/>
-            <a:prstDash val="dash"/>
-          </a:ln>
-        </p:spPr>
-        <p:style>
-          <a:lnRef idx="2">
-            <a:schemeClr val="accent1">
-              <a:shade val="50000"/>
-            </a:schemeClr>
-          </a:lnRef>
-          <a:fillRef idx="1">
-            <a:schemeClr val="accent1"/>
-          </a:fillRef>
-          <a:effectRef idx="0">
-            <a:schemeClr val="accent1"/>
-          </a:effectRef>
-          <a:fontRef idx="minor">
-            <a:schemeClr val="lt1"/>
-          </a:fontRef>
-        </p:style>
-        <p:txBody>
-          <a:bodyPr lIns="502920"/>
-          <a:lstStyle/>
-          <a:p>
-            <a:pPr>
-              <a:defRPr/>
-            </a:pPr>
-            <a:r>
-              <a:rPr lang="en-US" sz="1200" dirty="0">
-                <a:solidFill>
-                  <a:srgbClr val="5B9CD5"/>
-                </a:solidFill>
-                <a:latin typeface="Arial" panose="020B0604020202020204" pitchFamily="34" charset="0"/>
-                <a:cs typeface="Arial" panose="020B0604020202020204" pitchFamily="34" charset="0"/>
-              </a:rPr>
-              <a:t>Private subnet</a:t>
-            </a:r>
-          </a:p>
-        </p:txBody>
-      </p:sp>
-      <p:sp>
-        <p:nvSpPr>
-          <p:cNvPr id="104" name="Rectangle 103">
-            <a:extLst>
-              <a:ext uri="{FF2B5EF4-FFF2-40B4-BE49-F238E27FC236}">
-                <a16:creationId xmlns:a16="http://schemas.microsoft.com/office/drawing/2014/main" id="{EF9D6B6F-1AE7-47AE-BF84-8DE49D989F24}"/>
-              </a:ext>
-            </a:extLst>
-          </p:cNvPr>
-          <p:cNvSpPr/>
-          <p:nvPr/>
-        </p:nvSpPr>
-        <p:spPr>
-          <a:xfrm>
-            <a:off x="2651760" y="4206240"/>
-            <a:ext cx="1737360" cy="2103120"/>
+            <a:ext cx="1737360" cy="2834640"/>
           </a:xfrm>
           <a:prstGeom prst="rect">
             <a:avLst/>
@@ -4758,7 +4758,7 @@
         </p:blipFill>
         <p:spPr bwMode="auto">
           <a:xfrm>
-            <a:off x="10149840" y="2011680"/>
+            <a:off x="10149840" y="2281191"/>
             <a:ext cx="762000" cy="762000"/>
           </a:xfrm>
           <a:prstGeom prst="rect">
@@ -4805,7 +4805,7 @@
         </p:nvSpPr>
         <p:spPr bwMode="auto">
           <a:xfrm>
-            <a:off x="9691390" y="2774786"/>
+            <a:off x="9691390" y="3044297"/>
             <a:ext cx="1682079" cy="276999"/>
           </a:xfrm>
           <a:prstGeom prst="rect">
@@ -4952,684 +4952,6 @@
       </p:sp>
       <p:sp>
         <p:nvSpPr>
-          <p:cNvPr id="87" name="TextBox 22">
-            <a:extLst>
-              <a:ext uri="{FF2B5EF4-FFF2-40B4-BE49-F238E27FC236}">
-                <a16:creationId xmlns:a16="http://schemas.microsoft.com/office/drawing/2014/main" id="{8CA3E7D6-93C0-4492-8718-E180D0C58145}"/>
-              </a:ext>
-            </a:extLst>
-          </p:cNvPr>
-          <p:cNvSpPr txBox="1">
-            <a:spLocks noChangeArrowheads="1"/>
-          </p:cNvSpPr>
-          <p:nvPr/>
-        </p:nvSpPr>
-        <p:spPr bwMode="auto">
-          <a:xfrm>
-            <a:off x="4767691" y="3567771"/>
-            <a:ext cx="1053039" cy="430887"/>
-          </a:xfrm>
-          <a:prstGeom prst="rect">
-            <a:avLst/>
-          </a:prstGeom>
-          <a:noFill/>
-          <a:ln>
-            <a:noFill/>
-          </a:ln>
-          <a:extLst>
-            <a:ext uri="{909E8E84-426E-40DD-AFC4-6F175D3DCCD1}">
-              <a14:hiddenFill xmlns:a14="http://schemas.microsoft.com/office/drawing/2010/main">
-                <a:solidFill>
-                  <a:srgbClr val="FFFFFF"/>
-                </a:solidFill>
-              </a14:hiddenFill>
-            </a:ext>
-            <a:ext uri="{91240B29-F687-4F45-9708-019B960494DF}">
-              <a14:hiddenLine xmlns:a14="http://schemas.microsoft.com/office/drawing/2010/main" w="9525">
-                <a:solidFill>
-                  <a:srgbClr val="000000"/>
-                </a:solidFill>
-                <a:miter lim="800000"/>
-                <a:headEnd/>
-                <a:tailEnd/>
-              </a14:hiddenLine>
-            </a:ext>
-          </a:extLst>
-        </p:spPr>
-        <p:txBody>
-          <a:bodyPr wrap="square">
-            <a:spAutoFit/>
-          </a:bodyPr>
-          <a:lstStyle>
-            <a:lvl1pPr>
-              <a:defRPr>
-                <a:solidFill>
-                  <a:schemeClr val="tx1"/>
-                </a:solidFill>
-                <a:latin typeface="Calibri" panose="020F0502020204030204" pitchFamily="34" charset="0"/>
-              </a:defRPr>
-            </a:lvl1pPr>
-            <a:lvl2pPr marL="742950" indent="-285750">
-              <a:defRPr>
-                <a:solidFill>
-                  <a:schemeClr val="tx1"/>
-                </a:solidFill>
-                <a:latin typeface="Calibri" panose="020F0502020204030204" pitchFamily="34" charset="0"/>
-              </a:defRPr>
-            </a:lvl2pPr>
-            <a:lvl3pPr marL="1143000" indent="-228600">
-              <a:defRPr>
-                <a:solidFill>
-                  <a:schemeClr val="tx1"/>
-                </a:solidFill>
-                <a:latin typeface="Calibri" panose="020F0502020204030204" pitchFamily="34" charset="0"/>
-              </a:defRPr>
-            </a:lvl3pPr>
-            <a:lvl4pPr marL="1600200" indent="-228600">
-              <a:defRPr>
-                <a:solidFill>
-                  <a:schemeClr val="tx1"/>
-                </a:solidFill>
-                <a:latin typeface="Calibri" panose="020F0502020204030204" pitchFamily="34" charset="0"/>
-              </a:defRPr>
-            </a:lvl4pPr>
-            <a:lvl5pPr marL="2057400" indent="-228600">
-              <a:defRPr>
-                <a:solidFill>
-                  <a:schemeClr val="tx1"/>
-                </a:solidFill>
-                <a:latin typeface="Calibri" panose="020F0502020204030204" pitchFamily="34" charset="0"/>
-              </a:defRPr>
-            </a:lvl5pPr>
-            <a:lvl6pPr marL="2514600" indent="-228600" eaLnBrk="0" fontAlgn="base" hangingPunct="0">
-              <a:spcBef>
-                <a:spcPct val="0"/>
-              </a:spcBef>
-              <a:spcAft>
-                <a:spcPct val="0"/>
-              </a:spcAft>
-              <a:defRPr>
-                <a:solidFill>
-                  <a:schemeClr val="tx1"/>
-                </a:solidFill>
-                <a:latin typeface="Calibri" panose="020F0502020204030204" pitchFamily="34" charset="0"/>
-              </a:defRPr>
-            </a:lvl6pPr>
-            <a:lvl7pPr marL="2971800" indent="-228600" eaLnBrk="0" fontAlgn="base" hangingPunct="0">
-              <a:spcBef>
-                <a:spcPct val="0"/>
-              </a:spcBef>
-              <a:spcAft>
-                <a:spcPct val="0"/>
-              </a:spcAft>
-              <a:defRPr>
-                <a:solidFill>
-                  <a:schemeClr val="tx1"/>
-                </a:solidFill>
-                <a:latin typeface="Calibri" panose="020F0502020204030204" pitchFamily="34" charset="0"/>
-              </a:defRPr>
-            </a:lvl7pPr>
-            <a:lvl8pPr marL="3429000" indent="-228600" eaLnBrk="0" fontAlgn="base" hangingPunct="0">
-              <a:spcBef>
-                <a:spcPct val="0"/>
-              </a:spcBef>
-              <a:spcAft>
-                <a:spcPct val="0"/>
-              </a:spcAft>
-              <a:defRPr>
-                <a:solidFill>
-                  <a:schemeClr val="tx1"/>
-                </a:solidFill>
-                <a:latin typeface="Calibri" panose="020F0502020204030204" pitchFamily="34" charset="0"/>
-              </a:defRPr>
-            </a:lvl8pPr>
-            <a:lvl9pPr marL="3886200" indent="-228600" eaLnBrk="0" fontAlgn="base" hangingPunct="0">
-              <a:spcBef>
-                <a:spcPct val="0"/>
-              </a:spcBef>
-              <a:spcAft>
-                <a:spcPct val="0"/>
-              </a:spcAft>
-              <a:defRPr>
-                <a:solidFill>
-                  <a:schemeClr val="tx1"/>
-                </a:solidFill>
-                <a:latin typeface="Calibri" panose="020F0502020204030204" pitchFamily="34" charset="0"/>
-              </a:defRPr>
-            </a:lvl9pPr>
-          </a:lstStyle>
-          <a:p>
-            <a:pPr algn="ctr" eaLnBrk="1" hangingPunct="1"/>
-            <a:r>
-              <a:rPr lang="en-US" altLang="en-US" sz="1100" dirty="0">
-                <a:latin typeface="Arial" panose="020B0604020202020204" pitchFamily="34" charset="0"/>
-                <a:ea typeface="Amazon Ember" panose="020B0603020204020204" pitchFamily="34" charset="0"/>
-                <a:cs typeface="Arial" panose="020B0604020202020204" pitchFamily="34" charset="0"/>
-              </a:rPr>
-              <a:t>Network Load </a:t>
-            </a:r>
-            <a:br>
-              <a:rPr lang="en-US" altLang="en-US" sz="1100" dirty="0">
-                <a:latin typeface="Arial" panose="020B0604020202020204" pitchFamily="34" charset="0"/>
-                <a:ea typeface="Amazon Ember" panose="020B0603020204020204" pitchFamily="34" charset="0"/>
-                <a:cs typeface="Arial" panose="020B0604020202020204" pitchFamily="34" charset="0"/>
-              </a:rPr>
-            </a:br>
-            <a:r>
-              <a:rPr lang="en-US" altLang="en-US" sz="1100" dirty="0">
-                <a:latin typeface="Arial" panose="020B0604020202020204" pitchFamily="34" charset="0"/>
-                <a:ea typeface="Amazon Ember" panose="020B0603020204020204" pitchFamily="34" charset="0"/>
-                <a:cs typeface="Arial" panose="020B0604020202020204" pitchFamily="34" charset="0"/>
-              </a:rPr>
-              <a:t>Balancer</a:t>
-            </a:r>
-          </a:p>
-        </p:txBody>
-      </p:sp>
-      <p:pic>
-        <p:nvPicPr>
-          <p:cNvPr id="88" name="Graphic 24">
-            <a:extLst>
-              <a:ext uri="{FF2B5EF4-FFF2-40B4-BE49-F238E27FC236}">
-                <a16:creationId xmlns:a16="http://schemas.microsoft.com/office/drawing/2014/main" id="{021B0B37-BBA6-4E9D-B73F-29CE0A84F100}"/>
-              </a:ext>
-            </a:extLst>
-          </p:cNvPr>
-          <p:cNvPicPr>
-            <a:picLocks noChangeAspect="1" noChangeArrowheads="1"/>
-          </p:cNvPicPr>
-          <p:nvPr/>
-        </p:nvPicPr>
-        <p:blipFill>
-          <a:blip r:embed="rId5">
-            <a:extLst>
-              <a:ext uri="{28A0092B-C50C-407E-A947-70E740481C1C}">
-                <a14:useLocalDpi xmlns:a14="http://schemas.microsoft.com/office/drawing/2010/main" val="0"/>
-              </a:ext>
-            </a:extLst>
-          </a:blip>
-          <a:srcRect/>
-          <a:stretch>
-            <a:fillRect/>
-          </a:stretch>
-        </p:blipFill>
-        <p:spPr bwMode="auto">
-          <a:xfrm>
-            <a:off x="5065776" y="3108960"/>
-            <a:ext cx="457200" cy="457200"/>
-          </a:xfrm>
-          <a:prstGeom prst="rect">
-            <a:avLst/>
-          </a:prstGeom>
-          <a:noFill/>
-          <a:ln>
-            <a:noFill/>
-          </a:ln>
-          <a:extLst>
-            <a:ext uri="{909E8E84-426E-40DD-AFC4-6F175D3DCCD1}">
-              <a14:hiddenFill xmlns:a14="http://schemas.microsoft.com/office/drawing/2010/main">
-                <a:solidFill>
-                  <a:srgbClr val="FFFFFF"/>
-                </a:solidFill>
-              </a14:hiddenFill>
-            </a:ext>
-            <a:ext uri="{91240B29-F687-4F45-9708-019B960494DF}">
-              <a14:hiddenLine xmlns:a14="http://schemas.microsoft.com/office/drawing/2010/main" w="9525">
-                <a:solidFill>
-                  <a:srgbClr val="000000"/>
-                </a:solidFill>
-                <a:miter lim="800000"/>
-                <a:headEnd/>
-                <a:tailEnd/>
-              </a14:hiddenLine>
-            </a:ext>
-          </a:extLst>
-        </p:spPr>
-      </p:pic>
-      <p:pic>
-        <p:nvPicPr>
-          <p:cNvPr id="89" name="Graphic 14">
-            <a:extLst>
-              <a:ext uri="{FF2B5EF4-FFF2-40B4-BE49-F238E27FC236}">
-                <a16:creationId xmlns:a16="http://schemas.microsoft.com/office/drawing/2014/main" id="{EBCA5556-883E-4757-BA09-F0000B656815}"/>
-              </a:ext>
-            </a:extLst>
-          </p:cNvPr>
-          <p:cNvPicPr>
-            <a:picLocks noChangeAspect="1" noChangeArrowheads="1"/>
-          </p:cNvPicPr>
-          <p:nvPr/>
-        </p:nvPicPr>
-        <p:blipFill>
-          <a:blip r:embed="rId6">
-            <a:extLst>
-              <a:ext uri="{28A0092B-C50C-407E-A947-70E740481C1C}">
-                <a14:useLocalDpi xmlns:a14="http://schemas.microsoft.com/office/drawing/2010/main" val="0"/>
-              </a:ext>
-            </a:extLst>
-          </a:blip>
-          <a:srcRect/>
-          <a:stretch>
-            <a:fillRect/>
-          </a:stretch>
-        </p:blipFill>
-        <p:spPr bwMode="auto">
-          <a:xfrm>
-            <a:off x="3108960" y="4941287"/>
-            <a:ext cx="762000" cy="762000"/>
-          </a:xfrm>
-          <a:prstGeom prst="rect">
-            <a:avLst/>
-          </a:prstGeom>
-          <a:noFill/>
-          <a:ln>
-            <a:noFill/>
-          </a:ln>
-          <a:extLst>
-            <a:ext uri="{909E8E84-426E-40DD-AFC4-6F175D3DCCD1}">
-              <a14:hiddenFill xmlns:a14="http://schemas.microsoft.com/office/drawing/2010/main">
-                <a:solidFill>
-                  <a:srgbClr val="FFFFFF"/>
-                </a:solidFill>
-              </a14:hiddenFill>
-            </a:ext>
-            <a:ext uri="{91240B29-F687-4F45-9708-019B960494DF}">
-              <a14:hiddenLine xmlns:a14="http://schemas.microsoft.com/office/drawing/2010/main" w="9525">
-                <a:solidFill>
-                  <a:srgbClr val="000000"/>
-                </a:solidFill>
-                <a:miter lim="800000"/>
-                <a:headEnd/>
-                <a:tailEnd/>
-              </a14:hiddenLine>
-            </a:ext>
-          </a:extLst>
-        </p:spPr>
-      </p:pic>
-      <p:sp>
-        <p:nvSpPr>
-          <p:cNvPr id="90" name="TextBox 12">
-            <a:extLst>
-              <a:ext uri="{FF2B5EF4-FFF2-40B4-BE49-F238E27FC236}">
-                <a16:creationId xmlns:a16="http://schemas.microsoft.com/office/drawing/2014/main" id="{94AAD9BF-9F68-4B51-9596-90E798CA9903}"/>
-              </a:ext>
-            </a:extLst>
-          </p:cNvPr>
-          <p:cNvSpPr txBox="1">
-            <a:spLocks noChangeArrowheads="1"/>
-          </p:cNvSpPr>
-          <p:nvPr/>
-        </p:nvSpPr>
-        <p:spPr bwMode="auto">
-          <a:xfrm>
-            <a:off x="2920985" y="5706206"/>
-            <a:ext cx="1139858" cy="276999"/>
-          </a:xfrm>
-          <a:prstGeom prst="rect">
-            <a:avLst/>
-          </a:prstGeom>
-          <a:noFill/>
-          <a:ln>
-            <a:noFill/>
-          </a:ln>
-          <a:extLst>
-            <a:ext uri="{909E8E84-426E-40DD-AFC4-6F175D3DCCD1}">
-              <a14:hiddenFill xmlns:a14="http://schemas.microsoft.com/office/drawing/2010/main">
-                <a:solidFill>
-                  <a:srgbClr val="FFFFFF"/>
-                </a:solidFill>
-              </a14:hiddenFill>
-            </a:ext>
-            <a:ext uri="{91240B29-F687-4F45-9708-019B960494DF}">
-              <a14:hiddenLine xmlns:a14="http://schemas.microsoft.com/office/drawing/2010/main" w="9525">
-                <a:solidFill>
-                  <a:srgbClr val="000000"/>
-                </a:solidFill>
-                <a:miter lim="800000"/>
-                <a:headEnd/>
-                <a:tailEnd/>
-              </a14:hiddenLine>
-            </a:ext>
-          </a:extLst>
-        </p:spPr>
-        <p:txBody>
-          <a:bodyPr wrap="square">
-            <a:spAutoFit/>
-          </a:bodyPr>
-          <a:lstStyle>
-            <a:lvl1pPr>
-              <a:defRPr>
-                <a:solidFill>
-                  <a:schemeClr val="tx1"/>
-                </a:solidFill>
-                <a:latin typeface="Calibri" panose="020F0502020204030204" pitchFamily="34" charset="0"/>
-              </a:defRPr>
-            </a:lvl1pPr>
-            <a:lvl2pPr marL="742950" indent="-285750">
-              <a:defRPr>
-                <a:solidFill>
-                  <a:schemeClr val="tx1"/>
-                </a:solidFill>
-                <a:latin typeface="Calibri" panose="020F0502020204030204" pitchFamily="34" charset="0"/>
-              </a:defRPr>
-            </a:lvl2pPr>
-            <a:lvl3pPr marL="1143000" indent="-228600">
-              <a:defRPr>
-                <a:solidFill>
-                  <a:schemeClr val="tx1"/>
-                </a:solidFill>
-                <a:latin typeface="Calibri" panose="020F0502020204030204" pitchFamily="34" charset="0"/>
-              </a:defRPr>
-            </a:lvl3pPr>
-            <a:lvl4pPr marL="1600200" indent="-228600">
-              <a:defRPr>
-                <a:solidFill>
-                  <a:schemeClr val="tx1"/>
-                </a:solidFill>
-                <a:latin typeface="Calibri" panose="020F0502020204030204" pitchFamily="34" charset="0"/>
-              </a:defRPr>
-            </a:lvl4pPr>
-            <a:lvl5pPr marL="2057400" indent="-228600">
-              <a:defRPr>
-                <a:solidFill>
-                  <a:schemeClr val="tx1"/>
-                </a:solidFill>
-                <a:latin typeface="Calibri" panose="020F0502020204030204" pitchFamily="34" charset="0"/>
-              </a:defRPr>
-            </a:lvl5pPr>
-            <a:lvl6pPr marL="2514600" indent="-228600" eaLnBrk="0" fontAlgn="base" hangingPunct="0">
-              <a:spcBef>
-                <a:spcPct val="0"/>
-              </a:spcBef>
-              <a:spcAft>
-                <a:spcPct val="0"/>
-              </a:spcAft>
-              <a:defRPr>
-                <a:solidFill>
-                  <a:schemeClr val="tx1"/>
-                </a:solidFill>
-                <a:latin typeface="Calibri" panose="020F0502020204030204" pitchFamily="34" charset="0"/>
-              </a:defRPr>
-            </a:lvl6pPr>
-            <a:lvl7pPr marL="2971800" indent="-228600" eaLnBrk="0" fontAlgn="base" hangingPunct="0">
-              <a:spcBef>
-                <a:spcPct val="0"/>
-              </a:spcBef>
-              <a:spcAft>
-                <a:spcPct val="0"/>
-              </a:spcAft>
-              <a:defRPr>
-                <a:solidFill>
-                  <a:schemeClr val="tx1"/>
-                </a:solidFill>
-                <a:latin typeface="Calibri" panose="020F0502020204030204" pitchFamily="34" charset="0"/>
-              </a:defRPr>
-            </a:lvl7pPr>
-            <a:lvl8pPr marL="3429000" indent="-228600" eaLnBrk="0" fontAlgn="base" hangingPunct="0">
-              <a:spcBef>
-                <a:spcPct val="0"/>
-              </a:spcBef>
-              <a:spcAft>
-                <a:spcPct val="0"/>
-              </a:spcAft>
-              <a:defRPr>
-                <a:solidFill>
-                  <a:schemeClr val="tx1"/>
-                </a:solidFill>
-                <a:latin typeface="Calibri" panose="020F0502020204030204" pitchFamily="34" charset="0"/>
-              </a:defRPr>
-            </a:lvl8pPr>
-            <a:lvl9pPr marL="3886200" indent="-228600" eaLnBrk="0" fontAlgn="base" hangingPunct="0">
-              <a:spcBef>
-                <a:spcPct val="0"/>
-              </a:spcBef>
-              <a:spcAft>
-                <a:spcPct val="0"/>
-              </a:spcAft>
-              <a:defRPr>
-                <a:solidFill>
-                  <a:schemeClr val="tx1"/>
-                </a:solidFill>
-                <a:latin typeface="Calibri" panose="020F0502020204030204" pitchFamily="34" charset="0"/>
-              </a:defRPr>
-            </a:lvl9pPr>
-          </a:lstStyle>
-          <a:p>
-            <a:pPr algn="ctr" eaLnBrk="1" hangingPunct="1"/>
-            <a:r>
-              <a:rPr lang="en-US" altLang="en-US" sz="1200" dirty="0">
-                <a:latin typeface="Arial" panose="020B0604020202020204" pitchFamily="34" charset="0"/>
-                <a:ea typeface="Amazon Ember" panose="020B0603020204020204" pitchFamily="34" charset="0"/>
-                <a:cs typeface="Arial" panose="020B0604020202020204" pitchFamily="34" charset="0"/>
-              </a:rPr>
-              <a:t>AWS Fargate</a:t>
-            </a:r>
-          </a:p>
-        </p:txBody>
-      </p:sp>
-      <p:pic>
-        <p:nvPicPr>
-          <p:cNvPr id="91" name="Graphic 14">
-            <a:extLst>
-              <a:ext uri="{FF2B5EF4-FFF2-40B4-BE49-F238E27FC236}">
-                <a16:creationId xmlns:a16="http://schemas.microsoft.com/office/drawing/2014/main" id="{F2790F7E-E7ED-4E49-A2E8-2C38DC86CA66}"/>
-              </a:ext>
-            </a:extLst>
-          </p:cNvPr>
-          <p:cNvPicPr>
-            <a:picLocks noChangeAspect="1" noChangeArrowheads="1"/>
-          </p:cNvPicPr>
-          <p:nvPr/>
-        </p:nvPicPr>
-        <p:blipFill>
-          <a:blip r:embed="rId6">
-            <a:extLst>
-              <a:ext uri="{28A0092B-C50C-407E-A947-70E740481C1C}">
-                <a14:useLocalDpi xmlns:a14="http://schemas.microsoft.com/office/drawing/2010/main" val="0"/>
-              </a:ext>
-            </a:extLst>
-          </a:blip>
-          <a:srcRect/>
-          <a:stretch>
-            <a:fillRect/>
-          </a:stretch>
-        </p:blipFill>
-        <p:spPr bwMode="auto">
-          <a:xfrm>
-            <a:off x="6675120" y="4941287"/>
-            <a:ext cx="762000" cy="762000"/>
-          </a:xfrm>
-          <a:prstGeom prst="rect">
-            <a:avLst/>
-          </a:prstGeom>
-          <a:noFill/>
-          <a:ln>
-            <a:noFill/>
-          </a:ln>
-          <a:extLst>
-            <a:ext uri="{909E8E84-426E-40DD-AFC4-6F175D3DCCD1}">
-              <a14:hiddenFill xmlns:a14="http://schemas.microsoft.com/office/drawing/2010/main">
-                <a:solidFill>
-                  <a:srgbClr val="FFFFFF"/>
-                </a:solidFill>
-              </a14:hiddenFill>
-            </a:ext>
-            <a:ext uri="{91240B29-F687-4F45-9708-019B960494DF}">
-              <a14:hiddenLine xmlns:a14="http://schemas.microsoft.com/office/drawing/2010/main" w="9525">
-                <a:solidFill>
-                  <a:srgbClr val="000000"/>
-                </a:solidFill>
-                <a:miter lim="800000"/>
-                <a:headEnd/>
-                <a:tailEnd/>
-              </a14:hiddenLine>
-            </a:ext>
-          </a:extLst>
-        </p:spPr>
-      </p:pic>
-      <p:sp>
-        <p:nvSpPr>
-          <p:cNvPr id="92" name="TextBox 12">
-            <a:extLst>
-              <a:ext uri="{FF2B5EF4-FFF2-40B4-BE49-F238E27FC236}">
-                <a16:creationId xmlns:a16="http://schemas.microsoft.com/office/drawing/2014/main" id="{E745245B-8A2D-4553-9845-4DD2F80243F2}"/>
-              </a:ext>
-            </a:extLst>
-          </p:cNvPr>
-          <p:cNvSpPr txBox="1">
-            <a:spLocks noChangeArrowheads="1"/>
-          </p:cNvSpPr>
-          <p:nvPr/>
-        </p:nvSpPr>
-        <p:spPr bwMode="auto">
-          <a:xfrm>
-            <a:off x="6452198" y="5705068"/>
-            <a:ext cx="1212290" cy="276999"/>
-          </a:xfrm>
-          <a:prstGeom prst="rect">
-            <a:avLst/>
-          </a:prstGeom>
-          <a:noFill/>
-          <a:ln>
-            <a:noFill/>
-          </a:ln>
-          <a:extLst>
-            <a:ext uri="{909E8E84-426E-40DD-AFC4-6F175D3DCCD1}">
-              <a14:hiddenFill xmlns:a14="http://schemas.microsoft.com/office/drawing/2010/main">
-                <a:solidFill>
-                  <a:srgbClr val="FFFFFF"/>
-                </a:solidFill>
-              </a14:hiddenFill>
-            </a:ext>
-            <a:ext uri="{91240B29-F687-4F45-9708-019B960494DF}">
-              <a14:hiddenLine xmlns:a14="http://schemas.microsoft.com/office/drawing/2010/main" w="9525">
-                <a:solidFill>
-                  <a:srgbClr val="000000"/>
-                </a:solidFill>
-                <a:miter lim="800000"/>
-                <a:headEnd/>
-                <a:tailEnd/>
-              </a14:hiddenLine>
-            </a:ext>
-          </a:extLst>
-        </p:spPr>
-        <p:txBody>
-          <a:bodyPr wrap="square">
-            <a:spAutoFit/>
-          </a:bodyPr>
-          <a:lstStyle>
-            <a:lvl1pPr>
-              <a:defRPr>
-                <a:solidFill>
-                  <a:schemeClr val="tx1"/>
-                </a:solidFill>
-                <a:latin typeface="Calibri" panose="020F0502020204030204" pitchFamily="34" charset="0"/>
-              </a:defRPr>
-            </a:lvl1pPr>
-            <a:lvl2pPr marL="742950" indent="-285750">
-              <a:defRPr>
-                <a:solidFill>
-                  <a:schemeClr val="tx1"/>
-                </a:solidFill>
-                <a:latin typeface="Calibri" panose="020F0502020204030204" pitchFamily="34" charset="0"/>
-              </a:defRPr>
-            </a:lvl2pPr>
-            <a:lvl3pPr marL="1143000" indent="-228600">
-              <a:defRPr>
-                <a:solidFill>
-                  <a:schemeClr val="tx1"/>
-                </a:solidFill>
-                <a:latin typeface="Calibri" panose="020F0502020204030204" pitchFamily="34" charset="0"/>
-              </a:defRPr>
-            </a:lvl3pPr>
-            <a:lvl4pPr marL="1600200" indent="-228600">
-              <a:defRPr>
-                <a:solidFill>
-                  <a:schemeClr val="tx1"/>
-                </a:solidFill>
-                <a:latin typeface="Calibri" panose="020F0502020204030204" pitchFamily="34" charset="0"/>
-              </a:defRPr>
-            </a:lvl4pPr>
-            <a:lvl5pPr marL="2057400" indent="-228600">
-              <a:defRPr>
-                <a:solidFill>
-                  <a:schemeClr val="tx1"/>
-                </a:solidFill>
-                <a:latin typeface="Calibri" panose="020F0502020204030204" pitchFamily="34" charset="0"/>
-              </a:defRPr>
-            </a:lvl5pPr>
-            <a:lvl6pPr marL="2514600" indent="-228600" eaLnBrk="0" fontAlgn="base" hangingPunct="0">
-              <a:spcBef>
-                <a:spcPct val="0"/>
-              </a:spcBef>
-              <a:spcAft>
-                <a:spcPct val="0"/>
-              </a:spcAft>
-              <a:defRPr>
-                <a:solidFill>
-                  <a:schemeClr val="tx1"/>
-                </a:solidFill>
-                <a:latin typeface="Calibri" panose="020F0502020204030204" pitchFamily="34" charset="0"/>
-              </a:defRPr>
-            </a:lvl6pPr>
-            <a:lvl7pPr marL="2971800" indent="-228600" eaLnBrk="0" fontAlgn="base" hangingPunct="0">
-              <a:spcBef>
-                <a:spcPct val="0"/>
-              </a:spcBef>
-              <a:spcAft>
-                <a:spcPct val="0"/>
-              </a:spcAft>
-              <a:defRPr>
-                <a:solidFill>
-                  <a:schemeClr val="tx1"/>
-                </a:solidFill>
-                <a:latin typeface="Calibri" panose="020F0502020204030204" pitchFamily="34" charset="0"/>
-              </a:defRPr>
-            </a:lvl7pPr>
-            <a:lvl8pPr marL="3429000" indent="-228600" eaLnBrk="0" fontAlgn="base" hangingPunct="0">
-              <a:spcBef>
-                <a:spcPct val="0"/>
-              </a:spcBef>
-              <a:spcAft>
-                <a:spcPct val="0"/>
-              </a:spcAft>
-              <a:defRPr>
-                <a:solidFill>
-                  <a:schemeClr val="tx1"/>
-                </a:solidFill>
-                <a:latin typeface="Calibri" panose="020F0502020204030204" pitchFamily="34" charset="0"/>
-              </a:defRPr>
-            </a:lvl8pPr>
-            <a:lvl9pPr marL="3886200" indent="-228600" eaLnBrk="0" fontAlgn="base" hangingPunct="0">
-              <a:spcBef>
-                <a:spcPct val="0"/>
-              </a:spcBef>
-              <a:spcAft>
-                <a:spcPct val="0"/>
-              </a:spcAft>
-              <a:defRPr>
-                <a:solidFill>
-                  <a:schemeClr val="tx1"/>
-                </a:solidFill>
-                <a:latin typeface="Calibri" panose="020F0502020204030204" pitchFamily="34" charset="0"/>
-              </a:defRPr>
-            </a:lvl9pPr>
-          </a:lstStyle>
-          <a:p>
-            <a:pPr algn="ctr" eaLnBrk="1" hangingPunct="1"/>
-            <a:r>
-              <a:rPr lang="en-US" altLang="en-US" sz="1200" dirty="0">
-                <a:latin typeface="Arial" panose="020B0604020202020204" pitchFamily="34" charset="0"/>
-                <a:ea typeface="Amazon Ember" panose="020B0603020204020204" pitchFamily="34" charset="0"/>
-                <a:cs typeface="Arial" panose="020B0604020202020204" pitchFamily="34" charset="0"/>
-              </a:rPr>
-              <a:t>AWS Fargate</a:t>
-            </a:r>
-          </a:p>
-        </p:txBody>
-      </p:sp>
-      <p:sp>
-        <p:nvSpPr>
           <p:cNvPr id="94" name="Rectangle 93">
             <a:extLst>
               <a:ext uri="{FF2B5EF4-FFF2-40B4-BE49-F238E27FC236}">
@@ -5642,8 +4964,8 @@
         </p:nvSpPr>
         <p:spPr>
           <a:xfrm>
-            <a:off x="2834640" y="4758407"/>
-            <a:ext cx="4937760" cy="1280160"/>
+            <a:off x="3017520" y="4758407"/>
+            <a:ext cx="4572000" cy="1005840"/>
           </a:xfrm>
           <a:prstGeom prst="rect">
             <a:avLst/>
@@ -5731,10 +5053,10 @@
           <p:nvPr/>
         </p:nvPicPr>
         <p:blipFill>
-          <a:blip r:embed="rId7">
+          <a:blip r:embed="rId5">
             <a:extLst>
               <a:ext uri="{96DAC541-7B7A-43D3-8B79-37D633B846F1}">
-                <asvg:svgBlip xmlns:asvg="http://schemas.microsoft.com/office/drawing/2016/SVG/main" r:embed="rId8"/>
+                <asvg:svgBlip xmlns:asvg="http://schemas.microsoft.com/office/drawing/2016/SVG/main" r:embed="rId6"/>
               </a:ext>
             </a:extLst>
           </a:blip>
@@ -5767,7 +5089,7 @@
           <p:nvPr/>
         </p:nvPicPr>
         <p:blipFill>
-          <a:blip r:embed="rId9">
+          <a:blip r:embed="rId7">
             <a:extLst>
               <a:ext uri="{28A0092B-C50C-407E-A947-70E740481C1C}">
                 <a14:useLocalDpi xmlns:a14="http://schemas.microsoft.com/office/drawing/2010/main" val="0"/>
@@ -5993,10 +5315,10 @@
           <p:nvPr/>
         </p:nvPicPr>
         <p:blipFill>
-          <a:blip r:embed="rId10">
+          <a:blip r:embed="rId8">
             <a:extLst>
               <a:ext uri="{96DAC541-7B7A-43D3-8B79-37D633B846F1}">
-                <asvg:svgBlip xmlns:asvg="http://schemas.microsoft.com/office/drawing/2016/SVG/main" r:embed="rId11"/>
+                <asvg:svgBlip xmlns:asvg="http://schemas.microsoft.com/office/drawing/2016/SVG/main" r:embed="rId9"/>
               </a:ext>
             </a:extLst>
           </a:blip>
@@ -6029,10 +5351,10 @@
           <p:nvPr/>
         </p:nvPicPr>
         <p:blipFill>
-          <a:blip r:embed="rId10">
+          <a:blip r:embed="rId8">
             <a:extLst>
               <a:ext uri="{96DAC541-7B7A-43D3-8B79-37D633B846F1}">
-                <asvg:svgBlip xmlns:asvg="http://schemas.microsoft.com/office/drawing/2016/SVG/main" r:embed="rId11"/>
+                <asvg:svgBlip xmlns:asvg="http://schemas.microsoft.com/office/drawing/2016/SVG/main" r:embed="rId9"/>
               </a:ext>
             </a:extLst>
           </a:blip>
@@ -6065,10 +5387,10 @@
           <p:nvPr/>
         </p:nvPicPr>
         <p:blipFill>
-          <a:blip r:embed="rId12">
+          <a:blip r:embed="rId10">
             <a:extLst>
               <a:ext uri="{96DAC541-7B7A-43D3-8B79-37D633B846F1}">
-                <asvg:svgBlip xmlns:asvg="http://schemas.microsoft.com/office/drawing/2016/SVG/main" r:embed="rId13"/>
+                <asvg:svgBlip xmlns:asvg="http://schemas.microsoft.com/office/drawing/2016/SVG/main" r:embed="rId11"/>
               </a:ext>
             </a:extLst>
           </a:blip>
@@ -6101,10 +5423,10 @@
           <p:nvPr/>
         </p:nvPicPr>
         <p:blipFill>
-          <a:blip r:embed="rId12">
+          <a:blip r:embed="rId10">
             <a:extLst>
               <a:ext uri="{96DAC541-7B7A-43D3-8B79-37D633B846F1}">
-                <asvg:svgBlip xmlns:asvg="http://schemas.microsoft.com/office/drawing/2016/SVG/main" r:embed="rId13"/>
+                <asvg:svgBlip xmlns:asvg="http://schemas.microsoft.com/office/drawing/2016/SVG/main" r:embed="rId11"/>
               </a:ext>
             </a:extLst>
           </a:blip>
@@ -6137,7 +5459,7 @@
         <p:spPr>
           <a:xfrm>
             <a:off x="1005840" y="1737360"/>
-            <a:ext cx="10332720" cy="5669280"/>
+            <a:ext cx="10332720" cy="6126480"/>
           </a:xfrm>
           <a:prstGeom prst="rect">
             <a:avLst/>
@@ -6206,10 +5528,10 @@
           <p:nvPr/>
         </p:nvPicPr>
         <p:blipFill>
-          <a:blip r:embed="rId14">
+          <a:blip r:embed="rId12">
             <a:extLst>
               <a:ext uri="{96DAC541-7B7A-43D3-8B79-37D633B846F1}">
-                <asvg:svgBlip xmlns:asvg="http://schemas.microsoft.com/office/drawing/2016/SVG/main" r:embed="rId15"/>
+                <asvg:svgBlip xmlns:asvg="http://schemas.microsoft.com/office/drawing/2016/SVG/main" r:embed="rId13"/>
               </a:ext>
             </a:extLst>
           </a:blip>
@@ -6241,7 +5563,7 @@
         <p:spPr>
           <a:xfrm>
             <a:off x="1463040" y="2376846"/>
-            <a:ext cx="8229600" cy="4206240"/>
+            <a:ext cx="8229600" cy="5212080"/>
           </a:xfrm>
           <a:prstGeom prst="rect">
             <a:avLst/>
@@ -6311,10 +5633,10 @@
           <p:nvPr/>
         </p:nvPicPr>
         <p:blipFill>
-          <a:blip r:embed="rId16">
+          <a:blip r:embed="rId14">
             <a:extLst>
               <a:ext uri="{96DAC541-7B7A-43D3-8B79-37D633B846F1}">
-                <asvg:svgBlip xmlns:asvg="http://schemas.microsoft.com/office/drawing/2016/SVG/main" r:embed="rId17"/>
+                <asvg:svgBlip xmlns:asvg="http://schemas.microsoft.com/office/drawing/2016/SVG/main" r:embed="rId15"/>
               </a:ext>
             </a:extLst>
           </a:blip>
@@ -6347,7 +5669,7 @@
           <p:nvPr/>
         </p:nvPicPr>
         <p:blipFill>
-          <a:blip r:embed="rId18">
+          <a:blip r:embed="rId16">
             <a:extLst>
               <a:ext uri="{28A0092B-C50C-407E-A947-70E740481C1C}">
                 <a14:useLocalDpi xmlns:a14="http://schemas.microsoft.com/office/drawing/2010/main" val="0"/>
@@ -6361,7 +5683,7 @@
         </p:blipFill>
         <p:spPr bwMode="auto">
           <a:xfrm>
-            <a:off x="10149840" y="3383280"/>
+            <a:off x="10149840" y="3652791"/>
             <a:ext cx="762000" cy="762000"/>
           </a:xfrm>
           <a:prstGeom prst="rect">
@@ -6408,7 +5730,7 @@
         </p:nvSpPr>
         <p:spPr bwMode="auto">
           <a:xfrm>
-            <a:off x="9832991" y="4148015"/>
+            <a:off x="9832991" y="4417526"/>
             <a:ext cx="1396331" cy="276999"/>
           </a:xfrm>
           <a:prstGeom prst="rect">
@@ -6573,7 +5895,7 @@
           <p:nvPr/>
         </p:nvPicPr>
         <p:blipFill>
-          <a:blip r:embed="rId19">
+          <a:blip r:embed="rId17">
             <a:extLst>
               <a:ext uri="{28A0092B-C50C-407E-A947-70E740481C1C}">
                 <a14:useLocalDpi xmlns:a14="http://schemas.microsoft.com/office/drawing/2010/main" val="0"/>
@@ -6587,7 +5909,7 @@
         </p:blipFill>
         <p:spPr bwMode="auto">
           <a:xfrm>
-            <a:off x="10149840" y="4754880"/>
+            <a:off x="10149840" y="5024391"/>
             <a:ext cx="762000" cy="762000"/>
           </a:xfrm>
           <a:prstGeom prst="rect">
@@ -6634,7 +5956,7 @@
         </p:nvSpPr>
         <p:spPr bwMode="auto">
           <a:xfrm>
-            <a:off x="9926034" y="5518647"/>
+            <a:off x="9926034" y="5788158"/>
             <a:ext cx="1211772" cy="276999"/>
           </a:xfrm>
           <a:prstGeom prst="rect">
@@ -6799,7 +6121,7 @@
           <p:nvPr/>
         </p:nvPicPr>
         <p:blipFill>
-          <a:blip r:embed="rId20">
+          <a:blip r:embed="rId18">
             <a:extLst>
               <a:ext uri="{28A0092B-C50C-407E-A947-70E740481C1C}">
                 <a14:useLocalDpi xmlns:a14="http://schemas.microsoft.com/office/drawing/2010/main" val="0"/>
@@ -6813,7 +6135,7 @@
         </p:blipFill>
         <p:spPr bwMode="auto">
           <a:xfrm>
-            <a:off x="10149840" y="6126480"/>
+            <a:off x="10149840" y="6395991"/>
             <a:ext cx="762000" cy="762000"/>
           </a:xfrm>
           <a:prstGeom prst="rect">
@@ -6860,7 +6182,7 @@
         </p:nvSpPr>
         <p:spPr bwMode="auto">
           <a:xfrm>
-            <a:off x="9925047" y="6891040"/>
+            <a:off x="9925047" y="7160551"/>
             <a:ext cx="1211772" cy="276999"/>
           </a:xfrm>
           <a:prstGeom prst="rect">
@@ -7025,7 +6347,7 @@
         <p:spPr>
           <a:xfrm>
             <a:off x="6035040" y="2001520"/>
-            <a:ext cx="2103120" cy="4846320"/>
+            <a:ext cx="2103120" cy="5303520"/>
           </a:xfrm>
           <a:prstGeom prst="rect">
             <a:avLst/>
@@ -7102,7 +6424,7 @@
         <p:spPr>
           <a:xfrm>
             <a:off x="2468880" y="2001520"/>
-            <a:ext cx="2103120" cy="4846320"/>
+            <a:ext cx="2103120" cy="5303520"/>
           </a:xfrm>
           <a:prstGeom prst="rect">
             <a:avLst/>
@@ -7324,7 +6646,7 @@
           <p:nvPr/>
         </p:nvPicPr>
         <p:blipFill>
-          <a:blip r:embed="rId21">
+          <a:blip r:embed="rId19">
             <a:extLst>
               <a:ext uri="{28A0092B-C50C-407E-A947-70E740481C1C}">
                 <a14:useLocalDpi xmlns:a14="http://schemas.microsoft.com/office/drawing/2010/main" val="0"/>
@@ -7351,6 +6673,1126 @@
             <a:noFill/>
           </a:ln>
           <a:extLst/>
+        </p:spPr>
+      </p:pic>
+      <p:sp>
+        <p:nvSpPr>
+          <p:cNvPr id="40" name="TextBox 19">
+            <a:extLst>
+              <a:ext uri="{FF2B5EF4-FFF2-40B4-BE49-F238E27FC236}">
+                <a16:creationId xmlns:a16="http://schemas.microsoft.com/office/drawing/2014/main" id="{0C086288-FC5C-45E1-9A89-0C93AC2D1C24}"/>
+              </a:ext>
+            </a:extLst>
+          </p:cNvPr>
+          <p:cNvSpPr txBox="1">
+            <a:spLocks noChangeArrowheads="1"/>
+          </p:cNvSpPr>
+          <p:nvPr/>
+        </p:nvSpPr>
+        <p:spPr bwMode="auto">
+          <a:xfrm>
+            <a:off x="4673445" y="3565783"/>
+            <a:ext cx="1252536" cy="430887"/>
+          </a:xfrm>
+          <a:prstGeom prst="rect">
+            <a:avLst/>
+          </a:prstGeom>
+          <a:noFill/>
+          <a:ln>
+            <a:noFill/>
+          </a:ln>
+          <a:extLst>
+            <a:ext uri="{909E8E84-426E-40DD-AFC4-6F175D3DCCD1}">
+              <a14:hiddenFill xmlns:a14="http://schemas.microsoft.com/office/drawing/2010/main">
+                <a:solidFill>
+                  <a:srgbClr val="FFFFFF"/>
+                </a:solidFill>
+              </a14:hiddenFill>
+            </a:ext>
+            <a:ext uri="{91240B29-F687-4F45-9708-019B960494DF}">
+              <a14:hiddenLine xmlns:a14="http://schemas.microsoft.com/office/drawing/2010/main" w="9525">
+                <a:solidFill>
+                  <a:srgbClr val="000000"/>
+                </a:solidFill>
+                <a:miter lim="800000"/>
+                <a:headEnd/>
+                <a:tailEnd/>
+              </a14:hiddenLine>
+            </a:ext>
+          </a:extLst>
+        </p:spPr>
+        <p:txBody>
+          <a:bodyPr wrap="square">
+            <a:spAutoFit/>
+          </a:bodyPr>
+          <a:lstStyle>
+            <a:lvl1pPr>
+              <a:defRPr>
+                <a:solidFill>
+                  <a:schemeClr val="tx1"/>
+                </a:solidFill>
+                <a:latin typeface="Calibri" panose="020F0502020204030204" pitchFamily="34" charset="0"/>
+              </a:defRPr>
+            </a:lvl1pPr>
+            <a:lvl2pPr marL="742950" indent="-285750">
+              <a:defRPr>
+                <a:solidFill>
+                  <a:schemeClr val="tx1"/>
+                </a:solidFill>
+                <a:latin typeface="Calibri" panose="020F0502020204030204" pitchFamily="34" charset="0"/>
+              </a:defRPr>
+            </a:lvl2pPr>
+            <a:lvl3pPr marL="1143000" indent="-228600">
+              <a:defRPr>
+                <a:solidFill>
+                  <a:schemeClr val="tx1"/>
+                </a:solidFill>
+                <a:latin typeface="Calibri" panose="020F0502020204030204" pitchFamily="34" charset="0"/>
+              </a:defRPr>
+            </a:lvl3pPr>
+            <a:lvl4pPr marL="1600200" indent="-228600">
+              <a:defRPr>
+                <a:solidFill>
+                  <a:schemeClr val="tx1"/>
+                </a:solidFill>
+                <a:latin typeface="Calibri" panose="020F0502020204030204" pitchFamily="34" charset="0"/>
+              </a:defRPr>
+            </a:lvl4pPr>
+            <a:lvl5pPr marL="2057400" indent="-228600">
+              <a:defRPr>
+                <a:solidFill>
+                  <a:schemeClr val="tx1"/>
+                </a:solidFill>
+                <a:latin typeface="Calibri" panose="020F0502020204030204" pitchFamily="34" charset="0"/>
+              </a:defRPr>
+            </a:lvl5pPr>
+            <a:lvl6pPr marL="2514600" indent="-228600" eaLnBrk="0" fontAlgn="base" hangingPunct="0">
+              <a:spcBef>
+                <a:spcPct val="0"/>
+              </a:spcBef>
+              <a:spcAft>
+                <a:spcPct val="0"/>
+              </a:spcAft>
+              <a:defRPr>
+                <a:solidFill>
+                  <a:schemeClr val="tx1"/>
+                </a:solidFill>
+                <a:latin typeface="Calibri" panose="020F0502020204030204" pitchFamily="34" charset="0"/>
+              </a:defRPr>
+            </a:lvl6pPr>
+            <a:lvl7pPr marL="2971800" indent="-228600" eaLnBrk="0" fontAlgn="base" hangingPunct="0">
+              <a:spcBef>
+                <a:spcPct val="0"/>
+              </a:spcBef>
+              <a:spcAft>
+                <a:spcPct val="0"/>
+              </a:spcAft>
+              <a:defRPr>
+                <a:solidFill>
+                  <a:schemeClr val="tx1"/>
+                </a:solidFill>
+                <a:latin typeface="Calibri" panose="020F0502020204030204" pitchFamily="34" charset="0"/>
+              </a:defRPr>
+            </a:lvl7pPr>
+            <a:lvl8pPr marL="3429000" indent="-228600" eaLnBrk="0" fontAlgn="base" hangingPunct="0">
+              <a:spcBef>
+                <a:spcPct val="0"/>
+              </a:spcBef>
+              <a:spcAft>
+                <a:spcPct val="0"/>
+              </a:spcAft>
+              <a:defRPr>
+                <a:solidFill>
+                  <a:schemeClr val="tx1"/>
+                </a:solidFill>
+                <a:latin typeface="Calibri" panose="020F0502020204030204" pitchFamily="34" charset="0"/>
+              </a:defRPr>
+            </a:lvl8pPr>
+            <a:lvl9pPr marL="3886200" indent="-228600" eaLnBrk="0" fontAlgn="base" hangingPunct="0">
+              <a:spcBef>
+                <a:spcPct val="0"/>
+              </a:spcBef>
+              <a:spcAft>
+                <a:spcPct val="0"/>
+              </a:spcAft>
+              <a:defRPr>
+                <a:solidFill>
+                  <a:schemeClr val="tx1"/>
+                </a:solidFill>
+                <a:latin typeface="Calibri" panose="020F0502020204030204" pitchFamily="34" charset="0"/>
+              </a:defRPr>
+            </a:lvl9pPr>
+          </a:lstStyle>
+          <a:p>
+            <a:pPr algn="ctr" eaLnBrk="1" hangingPunct="1"/>
+            <a:r>
+              <a:rPr lang="en-US" altLang="en-US" sz="1100" dirty="0">
+                <a:latin typeface="Arial" panose="020B0604020202020204" pitchFamily="34" charset="0"/>
+                <a:ea typeface="Amazon Ember" panose="020B0603020204020204" pitchFamily="34" charset="0"/>
+                <a:cs typeface="Arial" panose="020B0604020202020204" pitchFamily="34" charset="0"/>
+              </a:rPr>
+              <a:t>Application Load </a:t>
+            </a:r>
+            <a:br>
+              <a:rPr lang="en-US" altLang="en-US" sz="1100" dirty="0">
+                <a:latin typeface="Arial" panose="020B0604020202020204" pitchFamily="34" charset="0"/>
+                <a:ea typeface="Amazon Ember" panose="020B0603020204020204" pitchFamily="34" charset="0"/>
+                <a:cs typeface="Arial" panose="020B0604020202020204" pitchFamily="34" charset="0"/>
+              </a:rPr>
+            </a:br>
+            <a:r>
+              <a:rPr lang="en-US" altLang="en-US" sz="1100" dirty="0">
+                <a:latin typeface="Arial" panose="020B0604020202020204" pitchFamily="34" charset="0"/>
+                <a:ea typeface="Amazon Ember" panose="020B0603020204020204" pitchFamily="34" charset="0"/>
+                <a:cs typeface="Arial" panose="020B0604020202020204" pitchFamily="34" charset="0"/>
+              </a:rPr>
+              <a:t>Balancer</a:t>
+            </a:r>
+          </a:p>
+        </p:txBody>
+      </p:sp>
+      <p:pic>
+        <p:nvPicPr>
+          <p:cNvPr id="41" name="Graphic 8">
+            <a:extLst>
+              <a:ext uri="{FF2B5EF4-FFF2-40B4-BE49-F238E27FC236}">
+                <a16:creationId xmlns:a16="http://schemas.microsoft.com/office/drawing/2014/main" id="{7D70FA40-8813-48B1-AE37-574CB1CCCBB5}"/>
+              </a:ext>
+            </a:extLst>
+          </p:cNvPr>
+          <p:cNvPicPr>
+            <a:picLocks noChangeAspect="1" noChangeArrowheads="1"/>
+          </p:cNvPicPr>
+          <p:nvPr/>
+        </p:nvPicPr>
+        <p:blipFill>
+          <a:blip r:embed="rId20">
+            <a:extLst>
+              <a:ext uri="{28A0092B-C50C-407E-A947-70E740481C1C}">
+                <a14:useLocalDpi xmlns:a14="http://schemas.microsoft.com/office/drawing/2010/main" val="0"/>
+              </a:ext>
+            </a:extLst>
+          </a:blip>
+          <a:srcRect/>
+          <a:stretch>
+            <a:fillRect/>
+          </a:stretch>
+        </p:blipFill>
+        <p:spPr bwMode="auto">
+          <a:xfrm>
+            <a:off x="5069840" y="3104931"/>
+            <a:ext cx="457200" cy="457200"/>
+          </a:xfrm>
+          <a:prstGeom prst="rect">
+            <a:avLst/>
+          </a:prstGeom>
+          <a:noFill/>
+          <a:ln>
+            <a:noFill/>
+          </a:ln>
+          <a:extLst>
+            <a:ext uri="{909E8E84-426E-40DD-AFC4-6F175D3DCCD1}">
+              <a14:hiddenFill xmlns:a14="http://schemas.microsoft.com/office/drawing/2010/main">
+                <a:solidFill>
+                  <a:srgbClr val="FFFFFF"/>
+                </a:solidFill>
+              </a14:hiddenFill>
+            </a:ext>
+            <a:ext uri="{91240B29-F687-4F45-9708-019B960494DF}">
+              <a14:hiddenLine xmlns:a14="http://schemas.microsoft.com/office/drawing/2010/main" w="9525">
+                <a:solidFill>
+                  <a:srgbClr val="000000"/>
+                </a:solidFill>
+                <a:miter lim="800000"/>
+                <a:headEnd/>
+                <a:tailEnd/>
+              </a14:hiddenLine>
+            </a:ext>
+          </a:extLst>
+        </p:spPr>
+      </p:pic>
+      <p:pic>
+        <p:nvPicPr>
+          <p:cNvPr id="42" name="Graphic 60">
+            <a:extLst>
+              <a:ext uri="{FF2B5EF4-FFF2-40B4-BE49-F238E27FC236}">
+                <a16:creationId xmlns:a16="http://schemas.microsoft.com/office/drawing/2014/main" id="{572A2A19-DFEF-499B-B2AB-2CDB909B196C}"/>
+              </a:ext>
+            </a:extLst>
+          </p:cNvPr>
+          <p:cNvPicPr>
+            <a:picLocks noChangeAspect="1" noChangeArrowheads="1"/>
+          </p:cNvPicPr>
+          <p:nvPr/>
+        </p:nvPicPr>
+        <p:blipFill>
+          <a:blip r:embed="rId21">
+            <a:extLst>
+              <a:ext uri="{28A0092B-C50C-407E-A947-70E740481C1C}">
+                <a14:useLocalDpi xmlns:a14="http://schemas.microsoft.com/office/drawing/2010/main" val="0"/>
+              </a:ext>
+            </a:extLst>
+          </a:blip>
+          <a:srcRect/>
+          <a:stretch>
+            <a:fillRect/>
+          </a:stretch>
+        </p:blipFill>
+        <p:spPr bwMode="auto">
+          <a:xfrm>
+            <a:off x="3291840" y="4937760"/>
+            <a:ext cx="457200" cy="457200"/>
+          </a:xfrm>
+          <a:prstGeom prst="rect">
+            <a:avLst/>
+          </a:prstGeom>
+          <a:noFill/>
+          <a:ln>
+            <a:noFill/>
+          </a:ln>
+          <a:extLst>
+            <a:ext uri="{909E8E84-426E-40DD-AFC4-6F175D3DCCD1}">
+              <a14:hiddenFill xmlns:a14="http://schemas.microsoft.com/office/drawing/2010/main">
+                <a:solidFill>
+                  <a:srgbClr val="FFFFFF"/>
+                </a:solidFill>
+              </a14:hiddenFill>
+            </a:ext>
+            <a:ext uri="{91240B29-F687-4F45-9708-019B960494DF}">
+              <a14:hiddenLine xmlns:a14="http://schemas.microsoft.com/office/drawing/2010/main" w="9525">
+                <a:solidFill>
+                  <a:srgbClr val="000000"/>
+                </a:solidFill>
+                <a:miter lim="800000"/>
+                <a:headEnd/>
+                <a:tailEnd/>
+              </a14:hiddenLine>
+            </a:ext>
+          </a:extLst>
+        </p:spPr>
+      </p:pic>
+      <p:sp>
+        <p:nvSpPr>
+          <p:cNvPr id="43" name="TextBox 16">
+            <a:extLst>
+              <a:ext uri="{FF2B5EF4-FFF2-40B4-BE49-F238E27FC236}">
+                <a16:creationId xmlns:a16="http://schemas.microsoft.com/office/drawing/2014/main" id="{9C8CADF3-F6DB-4C0E-9213-4ECC9CDBED72}"/>
+              </a:ext>
+            </a:extLst>
+          </p:cNvPr>
+          <p:cNvSpPr txBox="1">
+            <a:spLocks noChangeArrowheads="1"/>
+          </p:cNvSpPr>
+          <p:nvPr/>
+        </p:nvSpPr>
+        <p:spPr bwMode="auto">
+          <a:xfrm>
+            <a:off x="2963783" y="5394960"/>
+            <a:ext cx="1115568" cy="261610"/>
+          </a:xfrm>
+          <a:prstGeom prst="rect">
+            <a:avLst/>
+          </a:prstGeom>
+          <a:noFill/>
+          <a:ln>
+            <a:noFill/>
+          </a:ln>
+          <a:extLst>
+            <a:ext uri="{909E8E84-426E-40DD-AFC4-6F175D3DCCD1}">
+              <a14:hiddenFill xmlns:a14="http://schemas.microsoft.com/office/drawing/2010/main">
+                <a:solidFill>
+                  <a:srgbClr val="FFFFFF"/>
+                </a:solidFill>
+              </a14:hiddenFill>
+            </a:ext>
+            <a:ext uri="{91240B29-F687-4F45-9708-019B960494DF}">
+              <a14:hiddenLine xmlns:a14="http://schemas.microsoft.com/office/drawing/2010/main" w="9525">
+                <a:solidFill>
+                  <a:srgbClr val="000000"/>
+                </a:solidFill>
+                <a:miter lim="800000"/>
+                <a:headEnd/>
+                <a:tailEnd/>
+              </a14:hiddenLine>
+            </a:ext>
+          </a:extLst>
+        </p:spPr>
+        <p:txBody>
+          <a:bodyPr wrap="square" lIns="0" rIns="0">
+            <a:spAutoFit/>
+          </a:bodyPr>
+          <a:lstStyle>
+            <a:lvl1pPr>
+              <a:defRPr>
+                <a:solidFill>
+                  <a:schemeClr val="tx1"/>
+                </a:solidFill>
+                <a:latin typeface="Calibri" panose="020F0502020204030204" pitchFamily="34" charset="0"/>
+              </a:defRPr>
+            </a:lvl1pPr>
+            <a:lvl2pPr marL="742950" indent="-285750">
+              <a:defRPr>
+                <a:solidFill>
+                  <a:schemeClr val="tx1"/>
+                </a:solidFill>
+                <a:latin typeface="Calibri" panose="020F0502020204030204" pitchFamily="34" charset="0"/>
+              </a:defRPr>
+            </a:lvl2pPr>
+            <a:lvl3pPr marL="1143000" indent="-228600">
+              <a:defRPr>
+                <a:solidFill>
+                  <a:schemeClr val="tx1"/>
+                </a:solidFill>
+                <a:latin typeface="Calibri" panose="020F0502020204030204" pitchFamily="34" charset="0"/>
+              </a:defRPr>
+            </a:lvl3pPr>
+            <a:lvl4pPr marL="1600200" indent="-228600">
+              <a:defRPr>
+                <a:solidFill>
+                  <a:schemeClr val="tx1"/>
+                </a:solidFill>
+                <a:latin typeface="Calibri" panose="020F0502020204030204" pitchFamily="34" charset="0"/>
+              </a:defRPr>
+            </a:lvl4pPr>
+            <a:lvl5pPr marL="2057400" indent="-228600">
+              <a:defRPr>
+                <a:solidFill>
+                  <a:schemeClr val="tx1"/>
+                </a:solidFill>
+                <a:latin typeface="Calibri" panose="020F0502020204030204" pitchFamily="34" charset="0"/>
+              </a:defRPr>
+            </a:lvl5pPr>
+            <a:lvl6pPr marL="2514600" indent="-228600" eaLnBrk="0" fontAlgn="base" hangingPunct="0">
+              <a:spcBef>
+                <a:spcPct val="0"/>
+              </a:spcBef>
+              <a:spcAft>
+                <a:spcPct val="0"/>
+              </a:spcAft>
+              <a:defRPr>
+                <a:solidFill>
+                  <a:schemeClr val="tx1"/>
+                </a:solidFill>
+                <a:latin typeface="Calibri" panose="020F0502020204030204" pitchFamily="34" charset="0"/>
+              </a:defRPr>
+            </a:lvl6pPr>
+            <a:lvl7pPr marL="2971800" indent="-228600" eaLnBrk="0" fontAlgn="base" hangingPunct="0">
+              <a:spcBef>
+                <a:spcPct val="0"/>
+              </a:spcBef>
+              <a:spcAft>
+                <a:spcPct val="0"/>
+              </a:spcAft>
+              <a:defRPr>
+                <a:solidFill>
+                  <a:schemeClr val="tx1"/>
+                </a:solidFill>
+                <a:latin typeface="Calibri" panose="020F0502020204030204" pitchFamily="34" charset="0"/>
+              </a:defRPr>
+            </a:lvl7pPr>
+            <a:lvl8pPr marL="3429000" indent="-228600" eaLnBrk="0" fontAlgn="base" hangingPunct="0">
+              <a:spcBef>
+                <a:spcPct val="0"/>
+              </a:spcBef>
+              <a:spcAft>
+                <a:spcPct val="0"/>
+              </a:spcAft>
+              <a:defRPr>
+                <a:solidFill>
+                  <a:schemeClr val="tx1"/>
+                </a:solidFill>
+                <a:latin typeface="Calibri" panose="020F0502020204030204" pitchFamily="34" charset="0"/>
+              </a:defRPr>
+            </a:lvl8pPr>
+            <a:lvl9pPr marL="3886200" indent="-228600" eaLnBrk="0" fontAlgn="base" hangingPunct="0">
+              <a:spcBef>
+                <a:spcPct val="0"/>
+              </a:spcBef>
+              <a:spcAft>
+                <a:spcPct val="0"/>
+              </a:spcAft>
+              <a:defRPr>
+                <a:solidFill>
+                  <a:schemeClr val="tx1"/>
+                </a:solidFill>
+                <a:latin typeface="Calibri" panose="020F0502020204030204" pitchFamily="34" charset="0"/>
+              </a:defRPr>
+            </a:lvl9pPr>
+          </a:lstStyle>
+          <a:p>
+            <a:pPr algn="ctr" eaLnBrk="1" hangingPunct="1"/>
+            <a:r>
+              <a:rPr lang="en-US" altLang="en-US" sz="1100" dirty="0">
+                <a:latin typeface="Arial" panose="020B0604020202020204" pitchFamily="34" charset="0"/>
+                <a:ea typeface="Amazon Ember" panose="020B0603020204020204" pitchFamily="34" charset="0"/>
+                <a:cs typeface="Arial" panose="020B0604020202020204" pitchFamily="34" charset="0"/>
+              </a:rPr>
+              <a:t>Instance</a:t>
+            </a:r>
+          </a:p>
+        </p:txBody>
+      </p:sp>
+      <p:pic>
+        <p:nvPicPr>
+          <p:cNvPr id="45" name="Graphic 60">
+            <a:extLst>
+              <a:ext uri="{FF2B5EF4-FFF2-40B4-BE49-F238E27FC236}">
+                <a16:creationId xmlns:a16="http://schemas.microsoft.com/office/drawing/2014/main" id="{8AB11BD1-2859-440D-91FA-8575AD868A31}"/>
+              </a:ext>
+            </a:extLst>
+          </p:cNvPr>
+          <p:cNvPicPr>
+            <a:picLocks noChangeAspect="1" noChangeArrowheads="1"/>
+          </p:cNvPicPr>
+          <p:nvPr/>
+        </p:nvPicPr>
+        <p:blipFill>
+          <a:blip r:embed="rId21">
+            <a:extLst>
+              <a:ext uri="{28A0092B-C50C-407E-A947-70E740481C1C}">
+                <a14:useLocalDpi xmlns:a14="http://schemas.microsoft.com/office/drawing/2010/main" val="0"/>
+              </a:ext>
+            </a:extLst>
+          </a:blip>
+          <a:srcRect/>
+          <a:stretch>
+            <a:fillRect/>
+          </a:stretch>
+        </p:blipFill>
+        <p:spPr bwMode="auto">
+          <a:xfrm>
+            <a:off x="6858000" y="4937760"/>
+            <a:ext cx="457200" cy="457200"/>
+          </a:xfrm>
+          <a:prstGeom prst="rect">
+            <a:avLst/>
+          </a:prstGeom>
+          <a:noFill/>
+          <a:ln>
+            <a:noFill/>
+          </a:ln>
+          <a:extLst>
+            <a:ext uri="{909E8E84-426E-40DD-AFC4-6F175D3DCCD1}">
+              <a14:hiddenFill xmlns:a14="http://schemas.microsoft.com/office/drawing/2010/main">
+                <a:solidFill>
+                  <a:srgbClr val="FFFFFF"/>
+                </a:solidFill>
+              </a14:hiddenFill>
+            </a:ext>
+            <a:ext uri="{91240B29-F687-4F45-9708-019B960494DF}">
+              <a14:hiddenLine xmlns:a14="http://schemas.microsoft.com/office/drawing/2010/main" w="9525">
+                <a:solidFill>
+                  <a:srgbClr val="000000"/>
+                </a:solidFill>
+                <a:miter lim="800000"/>
+                <a:headEnd/>
+                <a:tailEnd/>
+              </a14:hiddenLine>
+            </a:ext>
+          </a:extLst>
+        </p:spPr>
+      </p:pic>
+      <p:sp>
+        <p:nvSpPr>
+          <p:cNvPr id="46" name="TextBox 16">
+            <a:extLst>
+              <a:ext uri="{FF2B5EF4-FFF2-40B4-BE49-F238E27FC236}">
+                <a16:creationId xmlns:a16="http://schemas.microsoft.com/office/drawing/2014/main" id="{DD87D687-AE99-465F-82D2-8A15291BCF7C}"/>
+              </a:ext>
+            </a:extLst>
+          </p:cNvPr>
+          <p:cNvSpPr txBox="1">
+            <a:spLocks noChangeArrowheads="1"/>
+          </p:cNvSpPr>
+          <p:nvPr/>
+        </p:nvSpPr>
+        <p:spPr bwMode="auto">
+          <a:xfrm>
+            <a:off x="6529102" y="5397341"/>
+            <a:ext cx="1115568" cy="261610"/>
+          </a:xfrm>
+          <a:prstGeom prst="rect">
+            <a:avLst/>
+          </a:prstGeom>
+          <a:noFill/>
+          <a:ln>
+            <a:noFill/>
+          </a:ln>
+          <a:extLst>
+            <a:ext uri="{909E8E84-426E-40DD-AFC4-6F175D3DCCD1}">
+              <a14:hiddenFill xmlns:a14="http://schemas.microsoft.com/office/drawing/2010/main">
+                <a:solidFill>
+                  <a:srgbClr val="FFFFFF"/>
+                </a:solidFill>
+              </a14:hiddenFill>
+            </a:ext>
+            <a:ext uri="{91240B29-F687-4F45-9708-019B960494DF}">
+              <a14:hiddenLine xmlns:a14="http://schemas.microsoft.com/office/drawing/2010/main" w="9525">
+                <a:solidFill>
+                  <a:srgbClr val="000000"/>
+                </a:solidFill>
+                <a:miter lim="800000"/>
+                <a:headEnd/>
+                <a:tailEnd/>
+              </a14:hiddenLine>
+            </a:ext>
+          </a:extLst>
+        </p:spPr>
+        <p:txBody>
+          <a:bodyPr wrap="square" lIns="0" rIns="0">
+            <a:spAutoFit/>
+          </a:bodyPr>
+          <a:lstStyle>
+            <a:lvl1pPr>
+              <a:defRPr>
+                <a:solidFill>
+                  <a:schemeClr val="tx1"/>
+                </a:solidFill>
+                <a:latin typeface="Calibri" panose="020F0502020204030204" pitchFamily="34" charset="0"/>
+              </a:defRPr>
+            </a:lvl1pPr>
+            <a:lvl2pPr marL="742950" indent="-285750">
+              <a:defRPr>
+                <a:solidFill>
+                  <a:schemeClr val="tx1"/>
+                </a:solidFill>
+                <a:latin typeface="Calibri" panose="020F0502020204030204" pitchFamily="34" charset="0"/>
+              </a:defRPr>
+            </a:lvl2pPr>
+            <a:lvl3pPr marL="1143000" indent="-228600">
+              <a:defRPr>
+                <a:solidFill>
+                  <a:schemeClr val="tx1"/>
+                </a:solidFill>
+                <a:latin typeface="Calibri" panose="020F0502020204030204" pitchFamily="34" charset="0"/>
+              </a:defRPr>
+            </a:lvl3pPr>
+            <a:lvl4pPr marL="1600200" indent="-228600">
+              <a:defRPr>
+                <a:solidFill>
+                  <a:schemeClr val="tx1"/>
+                </a:solidFill>
+                <a:latin typeface="Calibri" panose="020F0502020204030204" pitchFamily="34" charset="0"/>
+              </a:defRPr>
+            </a:lvl4pPr>
+            <a:lvl5pPr marL="2057400" indent="-228600">
+              <a:defRPr>
+                <a:solidFill>
+                  <a:schemeClr val="tx1"/>
+                </a:solidFill>
+                <a:latin typeface="Calibri" panose="020F0502020204030204" pitchFamily="34" charset="0"/>
+              </a:defRPr>
+            </a:lvl5pPr>
+            <a:lvl6pPr marL="2514600" indent="-228600" eaLnBrk="0" fontAlgn="base" hangingPunct="0">
+              <a:spcBef>
+                <a:spcPct val="0"/>
+              </a:spcBef>
+              <a:spcAft>
+                <a:spcPct val="0"/>
+              </a:spcAft>
+              <a:defRPr>
+                <a:solidFill>
+                  <a:schemeClr val="tx1"/>
+                </a:solidFill>
+                <a:latin typeface="Calibri" panose="020F0502020204030204" pitchFamily="34" charset="0"/>
+              </a:defRPr>
+            </a:lvl6pPr>
+            <a:lvl7pPr marL="2971800" indent="-228600" eaLnBrk="0" fontAlgn="base" hangingPunct="0">
+              <a:spcBef>
+                <a:spcPct val="0"/>
+              </a:spcBef>
+              <a:spcAft>
+                <a:spcPct val="0"/>
+              </a:spcAft>
+              <a:defRPr>
+                <a:solidFill>
+                  <a:schemeClr val="tx1"/>
+                </a:solidFill>
+                <a:latin typeface="Calibri" panose="020F0502020204030204" pitchFamily="34" charset="0"/>
+              </a:defRPr>
+            </a:lvl7pPr>
+            <a:lvl8pPr marL="3429000" indent="-228600" eaLnBrk="0" fontAlgn="base" hangingPunct="0">
+              <a:spcBef>
+                <a:spcPct val="0"/>
+              </a:spcBef>
+              <a:spcAft>
+                <a:spcPct val="0"/>
+              </a:spcAft>
+              <a:defRPr>
+                <a:solidFill>
+                  <a:schemeClr val="tx1"/>
+                </a:solidFill>
+                <a:latin typeface="Calibri" panose="020F0502020204030204" pitchFamily="34" charset="0"/>
+              </a:defRPr>
+            </a:lvl8pPr>
+            <a:lvl9pPr marL="3886200" indent="-228600" eaLnBrk="0" fontAlgn="base" hangingPunct="0">
+              <a:spcBef>
+                <a:spcPct val="0"/>
+              </a:spcBef>
+              <a:spcAft>
+                <a:spcPct val="0"/>
+              </a:spcAft>
+              <a:defRPr>
+                <a:solidFill>
+                  <a:schemeClr val="tx1"/>
+                </a:solidFill>
+                <a:latin typeface="Calibri" panose="020F0502020204030204" pitchFamily="34" charset="0"/>
+              </a:defRPr>
+            </a:lvl9pPr>
+          </a:lstStyle>
+          <a:p>
+            <a:pPr algn="ctr" eaLnBrk="1" hangingPunct="1"/>
+            <a:r>
+              <a:rPr lang="en-US" altLang="en-US" sz="1100" dirty="0">
+                <a:latin typeface="Arial" panose="020B0604020202020204" pitchFamily="34" charset="0"/>
+                <a:ea typeface="Amazon Ember" panose="020B0603020204020204" pitchFamily="34" charset="0"/>
+                <a:cs typeface="Arial" panose="020B0604020202020204" pitchFamily="34" charset="0"/>
+              </a:rPr>
+              <a:t>Instance</a:t>
+            </a:r>
+          </a:p>
+        </p:txBody>
+      </p:sp>
+      <p:sp>
+        <p:nvSpPr>
+          <p:cNvPr id="47" name="TextBox 6">
+            <a:extLst>
+              <a:ext uri="{FF2B5EF4-FFF2-40B4-BE49-F238E27FC236}">
+                <a16:creationId xmlns:a16="http://schemas.microsoft.com/office/drawing/2014/main" id="{67F77F36-AA7E-4C46-9282-B201CC7A10C3}"/>
+              </a:ext>
+            </a:extLst>
+          </p:cNvPr>
+          <p:cNvSpPr txBox="1">
+            <a:spLocks noChangeArrowheads="1"/>
+          </p:cNvSpPr>
+          <p:nvPr/>
+        </p:nvSpPr>
+        <p:spPr bwMode="auto">
+          <a:xfrm>
+            <a:off x="2764426" y="6494799"/>
+            <a:ext cx="1511300" cy="430887"/>
+          </a:xfrm>
+          <a:prstGeom prst="rect">
+            <a:avLst/>
+          </a:prstGeom>
+          <a:noFill/>
+          <a:ln>
+            <a:noFill/>
+          </a:ln>
+          <a:extLst>
+            <a:ext uri="{909E8E84-426E-40DD-AFC4-6F175D3DCCD1}">
+              <a14:hiddenFill xmlns:a14="http://schemas.microsoft.com/office/drawing/2010/main">
+                <a:solidFill>
+                  <a:srgbClr val="FFFFFF"/>
+                </a:solidFill>
+              </a14:hiddenFill>
+            </a:ext>
+            <a:ext uri="{91240B29-F687-4F45-9708-019B960494DF}">
+              <a14:hiddenLine xmlns:a14="http://schemas.microsoft.com/office/drawing/2010/main" w="9525">
+                <a:solidFill>
+                  <a:srgbClr val="000000"/>
+                </a:solidFill>
+                <a:miter lim="800000"/>
+                <a:headEnd/>
+                <a:tailEnd/>
+              </a14:hiddenLine>
+            </a:ext>
+          </a:extLst>
+        </p:spPr>
+        <p:txBody>
+          <a:bodyPr>
+            <a:spAutoFit/>
+          </a:bodyPr>
+          <a:lstStyle>
+            <a:lvl1pPr>
+              <a:defRPr>
+                <a:solidFill>
+                  <a:schemeClr val="tx1"/>
+                </a:solidFill>
+                <a:latin typeface="Calibri" panose="020F0502020204030204" pitchFamily="34" charset="0"/>
+              </a:defRPr>
+            </a:lvl1pPr>
+            <a:lvl2pPr marL="742950" indent="-285750">
+              <a:defRPr>
+                <a:solidFill>
+                  <a:schemeClr val="tx1"/>
+                </a:solidFill>
+                <a:latin typeface="Calibri" panose="020F0502020204030204" pitchFamily="34" charset="0"/>
+              </a:defRPr>
+            </a:lvl2pPr>
+            <a:lvl3pPr marL="1143000" indent="-228600">
+              <a:defRPr>
+                <a:solidFill>
+                  <a:schemeClr val="tx1"/>
+                </a:solidFill>
+                <a:latin typeface="Calibri" panose="020F0502020204030204" pitchFamily="34" charset="0"/>
+              </a:defRPr>
+            </a:lvl3pPr>
+            <a:lvl4pPr marL="1600200" indent="-228600">
+              <a:defRPr>
+                <a:solidFill>
+                  <a:schemeClr val="tx1"/>
+                </a:solidFill>
+                <a:latin typeface="Calibri" panose="020F0502020204030204" pitchFamily="34" charset="0"/>
+              </a:defRPr>
+            </a:lvl4pPr>
+            <a:lvl5pPr marL="2057400" indent="-228600">
+              <a:defRPr>
+                <a:solidFill>
+                  <a:schemeClr val="tx1"/>
+                </a:solidFill>
+                <a:latin typeface="Calibri" panose="020F0502020204030204" pitchFamily="34" charset="0"/>
+              </a:defRPr>
+            </a:lvl5pPr>
+            <a:lvl6pPr marL="2514600" indent="-228600" eaLnBrk="0" fontAlgn="base" hangingPunct="0">
+              <a:spcBef>
+                <a:spcPct val="0"/>
+              </a:spcBef>
+              <a:spcAft>
+                <a:spcPct val="0"/>
+              </a:spcAft>
+              <a:defRPr>
+                <a:solidFill>
+                  <a:schemeClr val="tx1"/>
+                </a:solidFill>
+                <a:latin typeface="Calibri" panose="020F0502020204030204" pitchFamily="34" charset="0"/>
+              </a:defRPr>
+            </a:lvl6pPr>
+            <a:lvl7pPr marL="2971800" indent="-228600" eaLnBrk="0" fontAlgn="base" hangingPunct="0">
+              <a:spcBef>
+                <a:spcPct val="0"/>
+              </a:spcBef>
+              <a:spcAft>
+                <a:spcPct val="0"/>
+              </a:spcAft>
+              <a:defRPr>
+                <a:solidFill>
+                  <a:schemeClr val="tx1"/>
+                </a:solidFill>
+                <a:latin typeface="Calibri" panose="020F0502020204030204" pitchFamily="34" charset="0"/>
+              </a:defRPr>
+            </a:lvl7pPr>
+            <a:lvl8pPr marL="3429000" indent="-228600" eaLnBrk="0" fontAlgn="base" hangingPunct="0">
+              <a:spcBef>
+                <a:spcPct val="0"/>
+              </a:spcBef>
+              <a:spcAft>
+                <a:spcPct val="0"/>
+              </a:spcAft>
+              <a:defRPr>
+                <a:solidFill>
+                  <a:schemeClr val="tx1"/>
+                </a:solidFill>
+                <a:latin typeface="Calibri" panose="020F0502020204030204" pitchFamily="34" charset="0"/>
+              </a:defRPr>
+            </a:lvl8pPr>
+            <a:lvl9pPr marL="3886200" indent="-228600" eaLnBrk="0" fontAlgn="base" hangingPunct="0">
+              <a:spcBef>
+                <a:spcPct val="0"/>
+              </a:spcBef>
+              <a:spcAft>
+                <a:spcPct val="0"/>
+              </a:spcAft>
+              <a:defRPr>
+                <a:solidFill>
+                  <a:schemeClr val="tx1"/>
+                </a:solidFill>
+                <a:latin typeface="Calibri" panose="020F0502020204030204" pitchFamily="34" charset="0"/>
+              </a:defRPr>
+            </a:lvl9pPr>
+          </a:lstStyle>
+          <a:p>
+            <a:pPr algn="ctr" eaLnBrk="1" hangingPunct="1"/>
+            <a:r>
+              <a:rPr lang="en-US" altLang="en-US" sz="1100" dirty="0">
+                <a:latin typeface="Arial" panose="020B0604020202020204" pitchFamily="34" charset="0"/>
+                <a:ea typeface="Amazon Ember" panose="020B0603020204020204" pitchFamily="34" charset="0"/>
+                <a:cs typeface="Arial" panose="020B0604020202020204" pitchFamily="34" charset="0"/>
+              </a:rPr>
+              <a:t>Amazon RDS instance</a:t>
+            </a:r>
+          </a:p>
+        </p:txBody>
+      </p:sp>
+      <p:pic>
+        <p:nvPicPr>
+          <p:cNvPr id="48" name="Graphic 37">
+            <a:extLst>
+              <a:ext uri="{FF2B5EF4-FFF2-40B4-BE49-F238E27FC236}">
+                <a16:creationId xmlns:a16="http://schemas.microsoft.com/office/drawing/2014/main" id="{0196200A-3C54-4A83-BEF5-4F7F3C457F25}"/>
+              </a:ext>
+            </a:extLst>
+          </p:cNvPr>
+          <p:cNvPicPr>
+            <a:picLocks noChangeAspect="1" noChangeArrowheads="1"/>
+          </p:cNvPicPr>
+          <p:nvPr/>
+        </p:nvPicPr>
+        <p:blipFill>
+          <a:blip r:embed="rId22">
+            <a:extLst>
+              <a:ext uri="{28A0092B-C50C-407E-A947-70E740481C1C}">
+                <a14:useLocalDpi xmlns:a14="http://schemas.microsoft.com/office/drawing/2010/main" val="0"/>
+              </a:ext>
+            </a:extLst>
+          </a:blip>
+          <a:srcRect/>
+          <a:stretch>
+            <a:fillRect/>
+          </a:stretch>
+        </p:blipFill>
+        <p:spPr bwMode="auto">
+          <a:xfrm>
+            <a:off x="3291476" y="6035040"/>
+            <a:ext cx="457200" cy="457200"/>
+          </a:xfrm>
+          <a:prstGeom prst="rect">
+            <a:avLst/>
+          </a:prstGeom>
+          <a:noFill/>
+          <a:ln>
+            <a:noFill/>
+          </a:ln>
+          <a:extLst>
+            <a:ext uri="{909E8E84-426E-40DD-AFC4-6F175D3DCCD1}">
+              <a14:hiddenFill xmlns:a14="http://schemas.microsoft.com/office/drawing/2010/main">
+                <a:solidFill>
+                  <a:srgbClr val="FFFFFF"/>
+                </a:solidFill>
+              </a14:hiddenFill>
+            </a:ext>
+            <a:ext uri="{91240B29-F687-4F45-9708-019B960494DF}">
+              <a14:hiddenLine xmlns:a14="http://schemas.microsoft.com/office/drawing/2010/main" w="9525">
+                <a:solidFill>
+                  <a:srgbClr val="000000"/>
+                </a:solidFill>
+                <a:miter lim="800000"/>
+                <a:headEnd/>
+                <a:tailEnd/>
+              </a14:hiddenLine>
+            </a:ext>
+          </a:extLst>
+        </p:spPr>
+      </p:pic>
+      <p:sp>
+        <p:nvSpPr>
+          <p:cNvPr id="49" name="TextBox 6">
+            <a:extLst>
+              <a:ext uri="{FF2B5EF4-FFF2-40B4-BE49-F238E27FC236}">
+                <a16:creationId xmlns:a16="http://schemas.microsoft.com/office/drawing/2014/main" id="{1F11A676-CA56-402A-9CAE-E2C00D84A030}"/>
+              </a:ext>
+            </a:extLst>
+          </p:cNvPr>
+          <p:cNvSpPr txBox="1">
+            <a:spLocks noChangeArrowheads="1"/>
+          </p:cNvSpPr>
+          <p:nvPr/>
+        </p:nvSpPr>
+        <p:spPr bwMode="auto">
+          <a:xfrm>
+            <a:off x="6332849" y="6497009"/>
+            <a:ext cx="1511300" cy="430887"/>
+          </a:xfrm>
+          <a:prstGeom prst="rect">
+            <a:avLst/>
+          </a:prstGeom>
+          <a:noFill/>
+          <a:ln>
+            <a:noFill/>
+          </a:ln>
+          <a:extLst>
+            <a:ext uri="{909E8E84-426E-40DD-AFC4-6F175D3DCCD1}">
+              <a14:hiddenFill xmlns:a14="http://schemas.microsoft.com/office/drawing/2010/main">
+                <a:solidFill>
+                  <a:srgbClr val="FFFFFF"/>
+                </a:solidFill>
+              </a14:hiddenFill>
+            </a:ext>
+            <a:ext uri="{91240B29-F687-4F45-9708-019B960494DF}">
+              <a14:hiddenLine xmlns:a14="http://schemas.microsoft.com/office/drawing/2010/main" w="9525">
+                <a:solidFill>
+                  <a:srgbClr val="000000"/>
+                </a:solidFill>
+                <a:miter lim="800000"/>
+                <a:headEnd/>
+                <a:tailEnd/>
+              </a14:hiddenLine>
+            </a:ext>
+          </a:extLst>
+        </p:spPr>
+        <p:txBody>
+          <a:bodyPr>
+            <a:spAutoFit/>
+          </a:bodyPr>
+          <a:lstStyle>
+            <a:lvl1pPr>
+              <a:defRPr>
+                <a:solidFill>
+                  <a:schemeClr val="tx1"/>
+                </a:solidFill>
+                <a:latin typeface="Calibri" panose="020F0502020204030204" pitchFamily="34" charset="0"/>
+              </a:defRPr>
+            </a:lvl1pPr>
+            <a:lvl2pPr marL="742950" indent="-285750">
+              <a:defRPr>
+                <a:solidFill>
+                  <a:schemeClr val="tx1"/>
+                </a:solidFill>
+                <a:latin typeface="Calibri" panose="020F0502020204030204" pitchFamily="34" charset="0"/>
+              </a:defRPr>
+            </a:lvl2pPr>
+            <a:lvl3pPr marL="1143000" indent="-228600">
+              <a:defRPr>
+                <a:solidFill>
+                  <a:schemeClr val="tx1"/>
+                </a:solidFill>
+                <a:latin typeface="Calibri" panose="020F0502020204030204" pitchFamily="34" charset="0"/>
+              </a:defRPr>
+            </a:lvl3pPr>
+            <a:lvl4pPr marL="1600200" indent="-228600">
+              <a:defRPr>
+                <a:solidFill>
+                  <a:schemeClr val="tx1"/>
+                </a:solidFill>
+                <a:latin typeface="Calibri" panose="020F0502020204030204" pitchFamily="34" charset="0"/>
+              </a:defRPr>
+            </a:lvl4pPr>
+            <a:lvl5pPr marL="2057400" indent="-228600">
+              <a:defRPr>
+                <a:solidFill>
+                  <a:schemeClr val="tx1"/>
+                </a:solidFill>
+                <a:latin typeface="Calibri" panose="020F0502020204030204" pitchFamily="34" charset="0"/>
+              </a:defRPr>
+            </a:lvl5pPr>
+            <a:lvl6pPr marL="2514600" indent="-228600" eaLnBrk="0" fontAlgn="base" hangingPunct="0">
+              <a:spcBef>
+                <a:spcPct val="0"/>
+              </a:spcBef>
+              <a:spcAft>
+                <a:spcPct val="0"/>
+              </a:spcAft>
+              <a:defRPr>
+                <a:solidFill>
+                  <a:schemeClr val="tx1"/>
+                </a:solidFill>
+                <a:latin typeface="Calibri" panose="020F0502020204030204" pitchFamily="34" charset="0"/>
+              </a:defRPr>
+            </a:lvl6pPr>
+            <a:lvl7pPr marL="2971800" indent="-228600" eaLnBrk="0" fontAlgn="base" hangingPunct="0">
+              <a:spcBef>
+                <a:spcPct val="0"/>
+              </a:spcBef>
+              <a:spcAft>
+                <a:spcPct val="0"/>
+              </a:spcAft>
+              <a:defRPr>
+                <a:solidFill>
+                  <a:schemeClr val="tx1"/>
+                </a:solidFill>
+                <a:latin typeface="Calibri" panose="020F0502020204030204" pitchFamily="34" charset="0"/>
+              </a:defRPr>
+            </a:lvl7pPr>
+            <a:lvl8pPr marL="3429000" indent="-228600" eaLnBrk="0" fontAlgn="base" hangingPunct="0">
+              <a:spcBef>
+                <a:spcPct val="0"/>
+              </a:spcBef>
+              <a:spcAft>
+                <a:spcPct val="0"/>
+              </a:spcAft>
+              <a:defRPr>
+                <a:solidFill>
+                  <a:schemeClr val="tx1"/>
+                </a:solidFill>
+                <a:latin typeface="Calibri" panose="020F0502020204030204" pitchFamily="34" charset="0"/>
+              </a:defRPr>
+            </a:lvl8pPr>
+            <a:lvl9pPr marL="3886200" indent="-228600" eaLnBrk="0" fontAlgn="base" hangingPunct="0">
+              <a:spcBef>
+                <a:spcPct val="0"/>
+              </a:spcBef>
+              <a:spcAft>
+                <a:spcPct val="0"/>
+              </a:spcAft>
+              <a:defRPr>
+                <a:solidFill>
+                  <a:schemeClr val="tx1"/>
+                </a:solidFill>
+                <a:latin typeface="Calibri" panose="020F0502020204030204" pitchFamily="34" charset="0"/>
+              </a:defRPr>
+            </a:lvl9pPr>
+          </a:lstStyle>
+          <a:p>
+            <a:pPr algn="ctr" eaLnBrk="1" hangingPunct="1"/>
+            <a:r>
+              <a:rPr lang="en-US" altLang="en-US" sz="1100" dirty="0">
+                <a:latin typeface="Arial" panose="020B0604020202020204" pitchFamily="34" charset="0"/>
+                <a:ea typeface="Amazon Ember" panose="020B0603020204020204" pitchFamily="34" charset="0"/>
+                <a:cs typeface="Arial" panose="020B0604020202020204" pitchFamily="34" charset="0"/>
+              </a:rPr>
+              <a:t>Amazon RDS instance</a:t>
+            </a:r>
+          </a:p>
+        </p:txBody>
+      </p:sp>
+      <p:pic>
+        <p:nvPicPr>
+          <p:cNvPr id="50" name="Graphic 37">
+            <a:extLst>
+              <a:ext uri="{FF2B5EF4-FFF2-40B4-BE49-F238E27FC236}">
+                <a16:creationId xmlns:a16="http://schemas.microsoft.com/office/drawing/2014/main" id="{53AD7B01-FE5F-4DD2-860A-02F04290AC75}"/>
+              </a:ext>
+            </a:extLst>
+          </p:cNvPr>
+          <p:cNvPicPr>
+            <a:picLocks noChangeAspect="1" noChangeArrowheads="1"/>
+          </p:cNvPicPr>
+          <p:nvPr/>
+        </p:nvPicPr>
+        <p:blipFill>
+          <a:blip r:embed="rId22">
+            <a:extLst>
+              <a:ext uri="{28A0092B-C50C-407E-A947-70E740481C1C}">
+                <a14:useLocalDpi xmlns:a14="http://schemas.microsoft.com/office/drawing/2010/main" val="0"/>
+              </a:ext>
+            </a:extLst>
+          </a:blip>
+          <a:srcRect/>
+          <a:stretch>
+            <a:fillRect/>
+          </a:stretch>
+        </p:blipFill>
+        <p:spPr bwMode="auto">
+          <a:xfrm>
+            <a:off x="6858000" y="6037250"/>
+            <a:ext cx="457200" cy="457200"/>
+          </a:xfrm>
+          <a:prstGeom prst="rect">
+            <a:avLst/>
+          </a:prstGeom>
+          <a:noFill/>
+          <a:ln>
+            <a:noFill/>
+          </a:ln>
+          <a:extLst>
+            <a:ext uri="{909E8E84-426E-40DD-AFC4-6F175D3DCCD1}">
+              <a14:hiddenFill xmlns:a14="http://schemas.microsoft.com/office/drawing/2010/main">
+                <a:solidFill>
+                  <a:srgbClr val="FFFFFF"/>
+                </a:solidFill>
+              </a14:hiddenFill>
+            </a:ext>
+            <a:ext uri="{91240B29-F687-4F45-9708-019B960494DF}">
+              <a14:hiddenLine xmlns:a14="http://schemas.microsoft.com/office/drawing/2010/main" w="9525">
+                <a:solidFill>
+                  <a:srgbClr val="000000"/>
+                </a:solidFill>
+                <a:miter lim="800000"/>
+                <a:headEnd/>
+                <a:tailEnd/>
+              </a14:hiddenLine>
+            </a:ext>
+          </a:extLst>
         </p:spPr>
       </p:pic>
     </p:spTree>

--- a/doc/three-tier-architecture-examples/crest-infosolutions-cloudmeet-architecture-diagram.pptx
+++ b/doc/three-tier-architecture-examples/crest-infosolutions-cloudmeet-architecture-diagram.pptx
@@ -224,7 +224,7 @@
           <a:p>
             <a:fld id="{49A7721D-1176-A640-AC48-B82F78C92D56}" type="datetimeFigureOut">
               <a:rPr lang="en-US" smtClean="0"/>
-              <a:t>7/19/2022</a:t>
+              <a:t>8/5/2022</a:t>
             </a:fld>
             <a:endParaRPr lang="en-US" dirty="0"/>
           </a:p>
@@ -401,7 +401,7 @@
           <a:p>
             <a:fld id="{C884A089-FB25-6D46-9D21-F0F04A18BCA8}" type="datetimeFigureOut">
               <a:rPr lang="en-US" smtClean="0"/>
-              <a:t>7/19/2022</a:t>
+              <a:t>8/5/2022</a:t>
             </a:fld>
             <a:endParaRPr lang="en-US" dirty="0"/>
           </a:p>
@@ -1033,7 +1033,7 @@
           <a:p>
             <a:fld id="{C764DE79-268F-4C1A-8933-263129D2AF90}" type="datetimeFigureOut">
               <a:rPr lang="en-US" dirty="0"/>
-              <a:t>7/19/2022</a:t>
+              <a:t>8/5/2022</a:t>
             </a:fld>
             <a:endParaRPr lang="en-US" dirty="0"/>
           </a:p>
@@ -1204,7 +1204,7 @@
           <a:p>
             <a:fld id="{C764DE79-268F-4C1A-8933-263129D2AF90}" type="datetimeFigureOut">
               <a:rPr lang="en-US" dirty="0"/>
-              <a:t>7/19/2022</a:t>
+              <a:t>8/5/2022</a:t>
             </a:fld>
             <a:endParaRPr lang="en-US" dirty="0"/>
           </a:p>
@@ -1385,7 +1385,7 @@
           <a:p>
             <a:fld id="{C764DE79-268F-4C1A-8933-263129D2AF90}" type="datetimeFigureOut">
               <a:rPr lang="en-US" dirty="0"/>
-              <a:t>7/19/2022</a:t>
+              <a:t>8/5/2022</a:t>
             </a:fld>
             <a:endParaRPr lang="en-US" dirty="0"/>
           </a:p>
@@ -1578,7 +1578,7 @@
           <a:p>
             <a:fld id="{C764DE79-268F-4C1A-8933-263129D2AF90}" type="datetimeFigureOut">
               <a:rPr lang="en-US" dirty="0"/>
-              <a:t>7/19/2022</a:t>
+              <a:t>8/5/2022</a:t>
             </a:fld>
             <a:endParaRPr lang="en-US" dirty="0"/>
           </a:p>
@@ -1749,7 +1749,7 @@
           <a:p>
             <a:fld id="{C764DE79-268F-4C1A-8933-263129D2AF90}" type="datetimeFigureOut">
               <a:rPr lang="en-US" dirty="0"/>
-              <a:t>7/19/2022</a:t>
+              <a:t>8/5/2022</a:t>
             </a:fld>
             <a:endParaRPr lang="en-US" dirty="0"/>
           </a:p>
@@ -1994,7 +1994,7 @@
           <a:p>
             <a:fld id="{C764DE79-268F-4C1A-8933-263129D2AF90}" type="datetimeFigureOut">
               <a:rPr lang="en-US" dirty="0"/>
-              <a:t>7/19/2022</a:t>
+              <a:t>8/5/2022</a:t>
             </a:fld>
             <a:endParaRPr lang="en-US" dirty="0"/>
           </a:p>
@@ -2227,7 +2227,7 @@
           <a:p>
             <a:fld id="{C764DE79-268F-4C1A-8933-263129D2AF90}" type="datetimeFigureOut">
               <a:rPr lang="en-US" dirty="0"/>
-              <a:t>7/19/2022</a:t>
+              <a:t>8/5/2022</a:t>
             </a:fld>
             <a:endParaRPr lang="en-US" dirty="0"/>
           </a:p>
@@ -2595,7 +2595,7 @@
           <a:p>
             <a:fld id="{C764DE79-268F-4C1A-8933-263129D2AF90}" type="datetimeFigureOut">
               <a:rPr lang="en-US" dirty="0"/>
-              <a:t>7/19/2022</a:t>
+              <a:t>8/5/2022</a:t>
             </a:fld>
             <a:endParaRPr lang="en-US" dirty="0"/>
           </a:p>
@@ -2714,7 +2714,7 @@
           <a:p>
             <a:fld id="{C764DE79-268F-4C1A-8933-263129D2AF90}" type="datetimeFigureOut">
               <a:rPr lang="en-US" dirty="0"/>
-              <a:t>7/19/2022</a:t>
+              <a:t>8/5/2022</a:t>
             </a:fld>
             <a:endParaRPr lang="en-US" dirty="0"/>
           </a:p>
@@ -3083,7 +3083,7 @@
           <a:p>
             <a:fld id="{C764DE79-268F-4C1A-8933-263129D2AF90}" type="datetimeFigureOut">
               <a:rPr lang="en-US" dirty="0"/>
-              <a:t>7/19/2022</a:t>
+              <a:t>8/5/2022</a:t>
             </a:fld>
             <a:endParaRPr lang="en-US" dirty="0"/>
           </a:p>
@@ -3617,7 +3617,7 @@
           <a:p>
             <a:fld id="{C764DE79-268F-4C1A-8933-263129D2AF90}" type="datetimeFigureOut">
               <a:rPr lang="en-US" dirty="0"/>
-              <a:t>7/19/2022</a:t>
+              <a:t>8/5/2022</a:t>
             </a:fld>
             <a:endParaRPr lang="en-US" dirty="0"/>
           </a:p>
@@ -4945,7 +4945,7 @@
                 <a:ea typeface="Amazon Ember" panose="020B0603020204020204" pitchFamily="34" charset="0"/>
                 <a:cs typeface="Arial" panose="020B0604020202020204" pitchFamily="34" charset="0"/>
               </a:rPr>
-              <a:t>Amazon Route 53</a:t>
+              <a:t>Route 53</a:t>
             </a:r>
           </a:p>
         </p:txBody>
@@ -5285,18 +5285,13 @@
           <a:p>
             <a:pPr algn="ctr" eaLnBrk="1" hangingPunct="1"/>
             <a:r>
-              <a:rPr lang="en-US" altLang="en-US" sz="1200">
+              <a:rPr lang="en-US" altLang="en-US" sz="1200" dirty="0">
                 <a:latin typeface="Arial" panose="020B0604020202020204" pitchFamily="34" charset="0"/>
                 <a:ea typeface="Amazon Ember" panose="020B0603020204020204" pitchFamily="34" charset="0"/>
                 <a:cs typeface="Arial" panose="020B0604020202020204" pitchFamily="34" charset="0"/>
               </a:rPr>
               <a:t>Amazon EFS</a:t>
             </a:r>
-            <a:endParaRPr lang="en-US" altLang="en-US" sz="1200" dirty="0">
-              <a:latin typeface="Arial" panose="020B0604020202020204" pitchFamily="34" charset="0"/>
-              <a:ea typeface="Amazon Ember" panose="020B0603020204020204" pitchFamily="34" charset="0"/>
-              <a:cs typeface="Arial" panose="020B0604020202020204" pitchFamily="34" charset="0"/>
-            </a:endParaRPr>
           </a:p>
         </p:txBody>
       </p:sp>
@@ -5459,7 +5454,7 @@
         <p:spPr>
           <a:xfrm>
             <a:off x="1005840" y="1737360"/>
-            <a:ext cx="10332720" cy="6126480"/>
+            <a:ext cx="10332720" cy="5795554"/>
           </a:xfrm>
           <a:prstGeom prst="rect">
             <a:avLst/>
@@ -5563,7 +5558,7 @@
         <p:spPr>
           <a:xfrm>
             <a:off x="1463040" y="2376846"/>
-            <a:ext cx="8229600" cy="5212080"/>
+            <a:ext cx="8229600" cy="4781145"/>
           </a:xfrm>
           <a:prstGeom prst="rect">
             <a:avLst/>
@@ -5865,18 +5860,13 @@
           <a:p>
             <a:pPr algn="ctr" eaLnBrk="1" hangingPunct="1"/>
             <a:r>
-              <a:rPr lang="en-US" altLang="en-US" sz="1200">
+              <a:rPr lang="en-US" altLang="en-US" sz="1200" dirty="0">
                 <a:latin typeface="Arial" panose="020B0604020202020204" pitchFamily="34" charset="0"/>
                 <a:ea typeface="Amazon Ember" panose="020B0603020204020204" pitchFamily="34" charset="0"/>
                 <a:cs typeface="Arial" panose="020B0604020202020204" pitchFamily="34" charset="0"/>
               </a:rPr>
               <a:t>ACM</a:t>
             </a:r>
-            <a:endParaRPr lang="en-US" altLang="en-US" sz="1200" dirty="0">
-              <a:latin typeface="Arial" panose="020B0604020202020204" pitchFamily="34" charset="0"/>
-              <a:ea typeface="Amazon Ember" panose="020B0603020204020204" pitchFamily="34" charset="0"/>
-              <a:cs typeface="Arial" panose="020B0604020202020204" pitchFamily="34" charset="0"/>
-            </a:endParaRPr>
           </a:p>
         </p:txBody>
       </p:sp>
@@ -6317,18 +6307,13 @@
           <a:p>
             <a:pPr algn="ctr" eaLnBrk="1" hangingPunct="1"/>
             <a:r>
-              <a:rPr lang="en-US" altLang="en-US" sz="1200">
+              <a:rPr lang="en-US" altLang="en-US" sz="1200" dirty="0">
                 <a:latin typeface="Arial" panose="020B0604020202020204" pitchFamily="34" charset="0"/>
                 <a:ea typeface="Amazon Ember" panose="020B0603020204020204" pitchFamily="34" charset="0"/>
                 <a:cs typeface="Arial" panose="020B0604020202020204" pitchFamily="34" charset="0"/>
               </a:rPr>
               <a:t>Amazon ECR</a:t>
             </a:r>
-            <a:endParaRPr lang="en-US" altLang="en-US" sz="1200" dirty="0">
-              <a:latin typeface="Arial" panose="020B0604020202020204" pitchFamily="34" charset="0"/>
-              <a:ea typeface="Amazon Ember" panose="020B0603020204020204" pitchFamily="34" charset="0"/>
-              <a:cs typeface="Arial" panose="020B0604020202020204" pitchFamily="34" charset="0"/>
-            </a:endParaRPr>
           </a:p>
         </p:txBody>
       </p:sp>
@@ -6488,195 +6473,6 @@
       </p:sp>
       <p:sp>
         <p:nvSpPr>
-          <p:cNvPr id="80" name="TextBox 12">
-            <a:extLst>
-              <a:ext uri="{FF2B5EF4-FFF2-40B4-BE49-F238E27FC236}">
-                <a16:creationId xmlns:a16="http://schemas.microsoft.com/office/drawing/2014/main" id="{B5C8E83B-3CD9-413C-892B-66D7058B6813}"/>
-              </a:ext>
-            </a:extLst>
-          </p:cNvPr>
-          <p:cNvSpPr txBox="1">
-            <a:spLocks noChangeArrowheads="1"/>
-          </p:cNvSpPr>
-          <p:nvPr/>
-        </p:nvSpPr>
-        <p:spPr bwMode="auto">
-          <a:xfrm>
-            <a:off x="4597148" y="2599463"/>
-            <a:ext cx="1403350" cy="261610"/>
-          </a:xfrm>
-          <a:prstGeom prst="rect">
-            <a:avLst/>
-          </a:prstGeom>
-          <a:solidFill>
-            <a:schemeClr val="bg1"/>
-          </a:solidFill>
-          <a:ln>
-            <a:noFill/>
-          </a:ln>
-          <a:extLst/>
-        </p:spPr>
-        <p:txBody>
-          <a:bodyPr>
-            <a:spAutoFit/>
-          </a:bodyPr>
-          <a:lstStyle>
-            <a:lvl1pPr>
-              <a:defRPr>
-                <a:solidFill>
-                  <a:schemeClr val="tx1"/>
-                </a:solidFill>
-                <a:latin typeface="Calibri" panose="020F0502020204030204" pitchFamily="34" charset="0"/>
-              </a:defRPr>
-            </a:lvl1pPr>
-            <a:lvl2pPr marL="742950" indent="-285750">
-              <a:defRPr>
-                <a:solidFill>
-                  <a:schemeClr val="tx1"/>
-                </a:solidFill>
-                <a:latin typeface="Calibri" panose="020F0502020204030204" pitchFamily="34" charset="0"/>
-              </a:defRPr>
-            </a:lvl2pPr>
-            <a:lvl3pPr marL="1143000" indent="-228600">
-              <a:defRPr>
-                <a:solidFill>
-                  <a:schemeClr val="tx1"/>
-                </a:solidFill>
-                <a:latin typeface="Calibri" panose="020F0502020204030204" pitchFamily="34" charset="0"/>
-              </a:defRPr>
-            </a:lvl3pPr>
-            <a:lvl4pPr marL="1600200" indent="-228600">
-              <a:defRPr>
-                <a:solidFill>
-                  <a:schemeClr val="tx1"/>
-                </a:solidFill>
-                <a:latin typeface="Calibri" panose="020F0502020204030204" pitchFamily="34" charset="0"/>
-              </a:defRPr>
-            </a:lvl4pPr>
-            <a:lvl5pPr marL="2057400" indent="-228600">
-              <a:defRPr>
-                <a:solidFill>
-                  <a:schemeClr val="tx1"/>
-                </a:solidFill>
-                <a:latin typeface="Calibri" panose="020F0502020204030204" pitchFamily="34" charset="0"/>
-              </a:defRPr>
-            </a:lvl5pPr>
-            <a:lvl6pPr marL="2514600" indent="-228600" eaLnBrk="0" fontAlgn="base" hangingPunct="0">
-              <a:spcBef>
-                <a:spcPct val="0"/>
-              </a:spcBef>
-              <a:spcAft>
-                <a:spcPct val="0"/>
-              </a:spcAft>
-              <a:defRPr>
-                <a:solidFill>
-                  <a:schemeClr val="tx1"/>
-                </a:solidFill>
-                <a:latin typeface="Calibri" panose="020F0502020204030204" pitchFamily="34" charset="0"/>
-              </a:defRPr>
-            </a:lvl6pPr>
-            <a:lvl7pPr marL="2971800" indent="-228600" eaLnBrk="0" fontAlgn="base" hangingPunct="0">
-              <a:spcBef>
-                <a:spcPct val="0"/>
-              </a:spcBef>
-              <a:spcAft>
-                <a:spcPct val="0"/>
-              </a:spcAft>
-              <a:defRPr>
-                <a:solidFill>
-                  <a:schemeClr val="tx1"/>
-                </a:solidFill>
-                <a:latin typeface="Calibri" panose="020F0502020204030204" pitchFamily="34" charset="0"/>
-              </a:defRPr>
-            </a:lvl7pPr>
-            <a:lvl8pPr marL="3429000" indent="-228600" eaLnBrk="0" fontAlgn="base" hangingPunct="0">
-              <a:spcBef>
-                <a:spcPct val="0"/>
-              </a:spcBef>
-              <a:spcAft>
-                <a:spcPct val="0"/>
-              </a:spcAft>
-              <a:defRPr>
-                <a:solidFill>
-                  <a:schemeClr val="tx1"/>
-                </a:solidFill>
-                <a:latin typeface="Calibri" panose="020F0502020204030204" pitchFamily="34" charset="0"/>
-              </a:defRPr>
-            </a:lvl8pPr>
-            <a:lvl9pPr marL="3886200" indent="-228600" eaLnBrk="0" fontAlgn="base" hangingPunct="0">
-              <a:spcBef>
-                <a:spcPct val="0"/>
-              </a:spcBef>
-              <a:spcAft>
-                <a:spcPct val="0"/>
-              </a:spcAft>
-              <a:defRPr>
-                <a:solidFill>
-                  <a:schemeClr val="tx1"/>
-                </a:solidFill>
-                <a:latin typeface="Calibri" panose="020F0502020204030204" pitchFamily="34" charset="0"/>
-              </a:defRPr>
-            </a:lvl9pPr>
-          </a:lstStyle>
-          <a:p>
-            <a:pPr algn="ctr" eaLnBrk="1" hangingPunct="1"/>
-            <a:r>
-              <a:rPr lang="en-US" altLang="en-US" sz="1100" dirty="0">
-                <a:latin typeface="Arial" panose="020B0604020202020204" pitchFamily="34" charset="0"/>
-                <a:ea typeface="Amazon Ember" panose="020B0603020204020204" pitchFamily="34" charset="0"/>
-                <a:cs typeface="Arial" panose="020B0604020202020204" pitchFamily="34" charset="0"/>
-              </a:rPr>
-              <a:t>Internet gateway</a:t>
-            </a:r>
-          </a:p>
-        </p:txBody>
-      </p:sp>
-      <p:pic>
-        <p:nvPicPr>
-          <p:cNvPr id="83" name="Graphic 10">
-            <a:extLst>
-              <a:ext uri="{FF2B5EF4-FFF2-40B4-BE49-F238E27FC236}">
-                <a16:creationId xmlns:a16="http://schemas.microsoft.com/office/drawing/2014/main" id="{8258D5F2-5108-4DE9-BF18-A226FF849861}"/>
-              </a:ext>
-            </a:extLst>
-          </p:cNvPr>
-          <p:cNvPicPr>
-            <a:picLocks noChangeAspect="1" noChangeArrowheads="1"/>
-          </p:cNvPicPr>
-          <p:nvPr/>
-        </p:nvPicPr>
-        <p:blipFill>
-          <a:blip r:embed="rId19">
-            <a:extLst>
-              <a:ext uri="{28A0092B-C50C-407E-A947-70E740481C1C}">
-                <a14:useLocalDpi xmlns:a14="http://schemas.microsoft.com/office/drawing/2010/main" val="0"/>
-              </a:ext>
-            </a:extLst>
-          </a:blip>
-          <a:srcRect/>
-          <a:stretch>
-            <a:fillRect/>
-          </a:stretch>
-        </p:blipFill>
-        <p:spPr bwMode="auto">
-          <a:xfrm>
-            <a:off x="5069840" y="2141284"/>
-            <a:ext cx="457200" cy="457200"/>
-          </a:xfrm>
-          <a:prstGeom prst="rect">
-            <a:avLst/>
-          </a:prstGeom>
-          <a:solidFill>
-            <a:schemeClr val="bg1"/>
-          </a:solidFill>
-          <a:ln>
-            <a:noFill/>
-          </a:ln>
-          <a:extLst/>
-        </p:spPr>
-      </p:pic>
-      <p:sp>
-        <p:nvSpPr>
           <p:cNvPr id="40" name="TextBox 19">
             <a:extLst>
               <a:ext uri="{FF2B5EF4-FFF2-40B4-BE49-F238E27FC236}">
@@ -6866,7 +6662,7 @@
           <p:nvPr/>
         </p:nvPicPr>
         <p:blipFill>
-          <a:blip r:embed="rId20">
+          <a:blip r:embed="rId19">
             <a:extLst>
               <a:ext uri="{28A0092B-C50C-407E-A947-70E740481C1C}">
                 <a14:useLocalDpi xmlns:a14="http://schemas.microsoft.com/office/drawing/2010/main" val="0"/>
@@ -6926,7 +6722,7 @@
           <p:nvPr/>
         </p:nvPicPr>
         <p:blipFill>
-          <a:blip r:embed="rId21">
+          <a:blip r:embed="rId20">
             <a:extLst>
               <a:ext uri="{28A0092B-C50C-407E-A947-70E740481C1C}">
                 <a14:useLocalDpi xmlns:a14="http://schemas.microsoft.com/office/drawing/2010/main" val="0"/>
@@ -7149,6 +6945,15 @@
         <p:blipFill>
           <a:blip r:embed="rId21">
             <a:extLst>
+              <a:ext uri="{BEBA8EAE-BF5A-486C-A8C5-ECC9F3942E4B}">
+                <a14:imgProps xmlns:a14="http://schemas.microsoft.com/office/drawing/2010/main">
+                  <a14:imgLayer r:embed="rId22">
+                    <a14:imgEffect>
+                      <a14:artisticBlur/>
+                    </a14:imgEffect>
+                  </a14:imgLayer>
+                </a14:imgProps>
+              </a:ext>
               <a:ext uri="{28A0092B-C50C-407E-A947-70E740481C1C}">
                 <a14:useLocalDpi xmlns:a14="http://schemas.microsoft.com/office/drawing/2010/main" val="0"/>
               </a:ext>
@@ -7529,7 +7334,7 @@
           <p:nvPr/>
         </p:nvPicPr>
         <p:blipFill>
-          <a:blip r:embed="rId22">
+          <a:blip r:embed="rId23">
             <a:extLst>
               <a:ext uri="{28A0092B-C50C-407E-A947-70E740481C1C}">
                 <a14:useLocalDpi xmlns:a14="http://schemas.microsoft.com/office/drawing/2010/main" val="0"/>
@@ -7750,7 +7555,7 @@
           <p:nvPr/>
         </p:nvPicPr>
         <p:blipFill>
-          <a:blip r:embed="rId22">
+          <a:blip r:embed="rId23">
             <a:extLst>
               <a:ext uri="{28A0092B-C50C-407E-A947-70E740481C1C}">
                 <a14:useLocalDpi xmlns:a14="http://schemas.microsoft.com/office/drawing/2010/main" val="0"/>

--- a/doc/three-tier-architecture-examples/crest-infosolutions-cloudmeet-architecture-diagram.pptx
+++ b/doc/three-tier-architecture-examples/crest-infosolutions-cloudmeet-architecture-diagram.pptx
@@ -224,7 +224,7 @@
           <a:p>
             <a:fld id="{49A7721D-1176-A640-AC48-B82F78C92D56}" type="datetimeFigureOut">
               <a:rPr lang="en-US" smtClean="0"/>
-              <a:t>8/5/2022</a:t>
+              <a:t>1/31/2023</a:t>
             </a:fld>
             <a:endParaRPr lang="en-US" dirty="0"/>
           </a:p>
@@ -401,7 +401,7 @@
           <a:p>
             <a:fld id="{C884A089-FB25-6D46-9D21-F0F04A18BCA8}" type="datetimeFigureOut">
               <a:rPr lang="en-US" smtClean="0"/>
-              <a:t>8/5/2022</a:t>
+              <a:t>1/31/2023</a:t>
             </a:fld>
             <a:endParaRPr lang="en-US" dirty="0"/>
           </a:p>
@@ -1033,7 +1033,7 @@
           <a:p>
             <a:fld id="{C764DE79-268F-4C1A-8933-263129D2AF90}" type="datetimeFigureOut">
               <a:rPr lang="en-US" dirty="0"/>
-              <a:t>8/5/2022</a:t>
+              <a:t>1/31/2023</a:t>
             </a:fld>
             <a:endParaRPr lang="en-US" dirty="0"/>
           </a:p>
@@ -1204,7 +1204,7 @@
           <a:p>
             <a:fld id="{C764DE79-268F-4C1A-8933-263129D2AF90}" type="datetimeFigureOut">
               <a:rPr lang="en-US" dirty="0"/>
-              <a:t>8/5/2022</a:t>
+              <a:t>1/31/2023</a:t>
             </a:fld>
             <a:endParaRPr lang="en-US" dirty="0"/>
           </a:p>
@@ -1385,7 +1385,7 @@
           <a:p>
             <a:fld id="{C764DE79-268F-4C1A-8933-263129D2AF90}" type="datetimeFigureOut">
               <a:rPr lang="en-US" dirty="0"/>
-              <a:t>8/5/2022</a:t>
+              <a:t>1/31/2023</a:t>
             </a:fld>
             <a:endParaRPr lang="en-US" dirty="0"/>
           </a:p>
@@ -1578,7 +1578,7 @@
           <a:p>
             <a:fld id="{C764DE79-268F-4C1A-8933-263129D2AF90}" type="datetimeFigureOut">
               <a:rPr lang="en-US" dirty="0"/>
-              <a:t>8/5/2022</a:t>
+              <a:t>1/31/2023</a:t>
             </a:fld>
             <a:endParaRPr lang="en-US" dirty="0"/>
           </a:p>
@@ -1749,7 +1749,7 @@
           <a:p>
             <a:fld id="{C764DE79-268F-4C1A-8933-263129D2AF90}" type="datetimeFigureOut">
               <a:rPr lang="en-US" dirty="0"/>
-              <a:t>8/5/2022</a:t>
+              <a:t>1/31/2023</a:t>
             </a:fld>
             <a:endParaRPr lang="en-US" dirty="0"/>
           </a:p>
@@ -1994,7 +1994,7 @@
           <a:p>
             <a:fld id="{C764DE79-268F-4C1A-8933-263129D2AF90}" type="datetimeFigureOut">
               <a:rPr lang="en-US" dirty="0"/>
-              <a:t>8/5/2022</a:t>
+              <a:t>1/31/2023</a:t>
             </a:fld>
             <a:endParaRPr lang="en-US" dirty="0"/>
           </a:p>
@@ -2227,7 +2227,7 @@
           <a:p>
             <a:fld id="{C764DE79-268F-4C1A-8933-263129D2AF90}" type="datetimeFigureOut">
               <a:rPr lang="en-US" dirty="0"/>
-              <a:t>8/5/2022</a:t>
+              <a:t>1/31/2023</a:t>
             </a:fld>
             <a:endParaRPr lang="en-US" dirty="0"/>
           </a:p>
@@ -2595,7 +2595,7 @@
           <a:p>
             <a:fld id="{C764DE79-268F-4C1A-8933-263129D2AF90}" type="datetimeFigureOut">
               <a:rPr lang="en-US" dirty="0"/>
-              <a:t>8/5/2022</a:t>
+              <a:t>1/31/2023</a:t>
             </a:fld>
             <a:endParaRPr lang="en-US" dirty="0"/>
           </a:p>
@@ -2714,7 +2714,7 @@
           <a:p>
             <a:fld id="{C764DE79-268F-4C1A-8933-263129D2AF90}" type="datetimeFigureOut">
               <a:rPr lang="en-US" dirty="0"/>
-              <a:t>8/5/2022</a:t>
+              <a:t>1/31/2023</a:t>
             </a:fld>
             <a:endParaRPr lang="en-US" dirty="0"/>
           </a:p>
@@ -3083,7 +3083,7 @@
           <a:p>
             <a:fld id="{C764DE79-268F-4C1A-8933-263129D2AF90}" type="datetimeFigureOut">
               <a:rPr lang="en-US" dirty="0"/>
-              <a:t>8/5/2022</a:t>
+              <a:t>1/31/2023</a:t>
             </a:fld>
             <a:endParaRPr lang="en-US" dirty="0"/>
           </a:p>
@@ -3617,7 +3617,7 @@
           <a:p>
             <a:fld id="{C764DE79-268F-4C1A-8933-263129D2AF90}" type="datetimeFigureOut">
               <a:rPr lang="en-US" dirty="0"/>
-              <a:t>8/5/2022</a:t>
+              <a:t>1/31/2023</a:t>
             </a:fld>
             <a:endParaRPr lang="en-US" dirty="0"/>
           </a:p>
@@ -5543,112 +5543,6 @@
           </a:prstGeom>
         </p:spPr>
       </p:pic>
-      <p:sp>
-        <p:nvSpPr>
-          <p:cNvPr id="112" name="Rectangle 111">
-            <a:extLst>
-              <a:ext uri="{FF2B5EF4-FFF2-40B4-BE49-F238E27FC236}">
-                <a16:creationId xmlns:a16="http://schemas.microsoft.com/office/drawing/2014/main" id="{DB7E9323-250D-4D1B-B1A8-ADBDE38330C8}"/>
-              </a:ext>
-            </a:extLst>
-          </p:cNvPr>
-          <p:cNvSpPr/>
-          <p:nvPr/>
-        </p:nvSpPr>
-        <p:spPr>
-          <a:xfrm>
-            <a:off x="1463040" y="2376846"/>
-            <a:ext cx="8229600" cy="4781145"/>
-          </a:xfrm>
-          <a:prstGeom prst="rect">
-            <a:avLst/>
-          </a:prstGeom>
-          <a:noFill/>
-          <a:ln w="12700">
-            <a:solidFill>
-              <a:srgbClr val="1E8900"/>
-            </a:solidFill>
-          </a:ln>
-        </p:spPr>
-        <p:style>
-          <a:lnRef idx="2">
-            <a:schemeClr val="accent1">
-              <a:shade val="50000"/>
-            </a:schemeClr>
-          </a:lnRef>
-          <a:fillRef idx="1">
-            <a:schemeClr val="accent1"/>
-          </a:fillRef>
-          <a:effectRef idx="0">
-            <a:schemeClr val="accent1"/>
-          </a:effectRef>
-          <a:fontRef idx="minor">
-            <a:schemeClr val="lt1"/>
-          </a:fontRef>
-        </p:style>
-        <p:txBody>
-          <a:bodyPr lIns="502920" tIns="91440"/>
-          <a:lstStyle/>
-          <a:p>
-            <a:pPr eaLnBrk="1" fontAlgn="auto" hangingPunct="1">
-              <a:spcBef>
-                <a:spcPts val="0"/>
-              </a:spcBef>
-              <a:spcAft>
-                <a:spcPts val="0"/>
-              </a:spcAft>
-              <a:defRPr/>
-            </a:pPr>
-            <a:r>
-              <a:rPr lang="en-US" sz="1200" dirty="0">
-                <a:ln w="0"/>
-                <a:solidFill>
-                  <a:srgbClr val="1E8900"/>
-                </a:solidFill>
-                <a:latin typeface="Arial" panose="020B0604020202020204" pitchFamily="34" charset="0"/>
-                <a:cs typeface="Arial" panose="020B0604020202020204" pitchFamily="34" charset="0"/>
-              </a:rPr>
-              <a:t>VPC</a:t>
-            </a:r>
-          </a:p>
-        </p:txBody>
-      </p:sp>
-      <p:pic>
-        <p:nvPicPr>
-          <p:cNvPr id="113" name="Graphic 112">
-            <a:extLst>
-              <a:ext uri="{FF2B5EF4-FFF2-40B4-BE49-F238E27FC236}">
-                <a16:creationId xmlns:a16="http://schemas.microsoft.com/office/drawing/2014/main" id="{89FC66FD-9922-49B6-8AF9-0FC6FAD1F2FC}"/>
-              </a:ext>
-            </a:extLst>
-          </p:cNvPr>
-          <p:cNvPicPr>
-            <a:picLocks noChangeAspect="1"/>
-          </p:cNvPicPr>
-          <p:nvPr/>
-        </p:nvPicPr>
-        <p:blipFill>
-          <a:blip r:embed="rId14">
-            <a:extLst>
-              <a:ext uri="{96DAC541-7B7A-43D3-8B79-37D633B846F1}">
-                <asvg:svgBlip xmlns:asvg="http://schemas.microsoft.com/office/drawing/2016/SVG/main" r:embed="rId15"/>
-              </a:ext>
-            </a:extLst>
-          </a:blip>
-          <a:stretch>
-            <a:fillRect/>
-          </a:stretch>
-        </p:blipFill>
-        <p:spPr>
-          <a:xfrm>
-            <a:off x="1463040" y="2377440"/>
-            <a:ext cx="381000" cy="381000"/>
-          </a:xfrm>
-          <a:prstGeom prst="rect">
-            <a:avLst/>
-          </a:prstGeom>
-        </p:spPr>
-      </p:pic>
       <p:pic>
         <p:nvPicPr>
           <p:cNvPr id="114" name="Graphic 20">
@@ -5664,7 +5558,7 @@
           <p:nvPr/>
         </p:nvPicPr>
         <p:blipFill>
-          <a:blip r:embed="rId16">
+          <a:blip r:embed="rId14">
             <a:extLst>
               <a:ext uri="{28A0092B-C50C-407E-A947-70E740481C1C}">
                 <a14:useLocalDpi xmlns:a14="http://schemas.microsoft.com/office/drawing/2010/main" val="0"/>
@@ -5885,7 +5779,7 @@
           <p:nvPr/>
         </p:nvPicPr>
         <p:blipFill>
-          <a:blip r:embed="rId17">
+          <a:blip r:embed="rId15">
             <a:extLst>
               <a:ext uri="{28A0092B-C50C-407E-A947-70E740481C1C}">
                 <a14:useLocalDpi xmlns:a14="http://schemas.microsoft.com/office/drawing/2010/main" val="0"/>
@@ -6111,7 +6005,7 @@
           <p:nvPr/>
         </p:nvPicPr>
         <p:blipFill>
-          <a:blip r:embed="rId18">
+          <a:blip r:embed="rId16">
             <a:extLst>
               <a:ext uri="{28A0092B-C50C-407E-A947-70E740481C1C}">
                 <a14:useLocalDpi xmlns:a14="http://schemas.microsoft.com/office/drawing/2010/main" val="0"/>
@@ -6662,7 +6556,7 @@
           <p:nvPr/>
         </p:nvPicPr>
         <p:blipFill>
-          <a:blip r:embed="rId19">
+          <a:blip r:embed="rId17">
             <a:extLst>
               <a:ext uri="{28A0092B-C50C-407E-A947-70E740481C1C}">
                 <a14:useLocalDpi xmlns:a14="http://schemas.microsoft.com/office/drawing/2010/main" val="0"/>
@@ -6722,7 +6616,7 @@
           <p:nvPr/>
         </p:nvPicPr>
         <p:blipFill>
-          <a:blip r:embed="rId20">
+          <a:blip r:embed="rId18">
             <a:extLst>
               <a:ext uri="{28A0092B-C50C-407E-A947-70E740481C1C}">
                 <a14:useLocalDpi xmlns:a14="http://schemas.microsoft.com/office/drawing/2010/main" val="0"/>
@@ -6943,11 +6837,11 @@
           <p:nvPr/>
         </p:nvPicPr>
         <p:blipFill>
-          <a:blip r:embed="rId21">
+          <a:blip r:embed="rId19">
             <a:extLst>
               <a:ext uri="{BEBA8EAE-BF5A-486C-A8C5-ECC9F3942E4B}">
                 <a14:imgProps xmlns:a14="http://schemas.microsoft.com/office/drawing/2010/main">
-                  <a14:imgLayer r:embed="rId22">
+                  <a14:imgLayer r:embed="rId20">
                     <a14:imgEffect>
                       <a14:artisticBlur/>
                     </a14:imgEffect>
@@ -7334,7 +7228,7 @@
           <p:nvPr/>
         </p:nvPicPr>
         <p:blipFill>
-          <a:blip r:embed="rId23">
+          <a:blip r:embed="rId21">
             <a:extLst>
               <a:ext uri="{28A0092B-C50C-407E-A947-70E740481C1C}">
                 <a14:useLocalDpi xmlns:a14="http://schemas.microsoft.com/office/drawing/2010/main" val="0"/>
@@ -7555,7 +7449,7 @@
           <p:nvPr/>
         </p:nvPicPr>
         <p:blipFill>
-          <a:blip r:embed="rId23">
+          <a:blip r:embed="rId21">
             <a:extLst>
               <a:ext uri="{28A0092B-C50C-407E-A947-70E740481C1C}">
                 <a14:useLocalDpi xmlns:a14="http://schemas.microsoft.com/office/drawing/2010/main" val="0"/>
@@ -7598,6 +7492,111 @@
               </a14:hiddenLine>
             </a:ext>
           </a:extLst>
+        </p:spPr>
+      </p:pic>
+      <p:sp>
+        <p:nvSpPr>
+          <p:cNvPr id="57" name="Rectangle 56">
+            <a:extLst>
+              <a:ext uri="{FF2B5EF4-FFF2-40B4-BE49-F238E27FC236}">
+                <a16:creationId xmlns:a16="http://schemas.microsoft.com/office/drawing/2014/main" id="{F1F54C29-F939-4B5F-B36C-3E92F1551324}"/>
+              </a:ext>
+            </a:extLst>
+          </p:cNvPr>
+          <p:cNvSpPr/>
+          <p:nvPr/>
+        </p:nvSpPr>
+        <p:spPr bwMode="auto">
+          <a:xfrm>
+            <a:off x="1463040" y="2379012"/>
+            <a:ext cx="8228350" cy="4778844"/>
+          </a:xfrm>
+          <a:prstGeom prst="rect">
+            <a:avLst/>
+          </a:prstGeom>
+          <a:noFill/>
+          <a:ln w="12700">
+            <a:solidFill>
+              <a:srgbClr val="693BC5"/>
+            </a:solidFill>
+          </a:ln>
+        </p:spPr>
+        <p:style>
+          <a:lnRef idx="2">
+            <a:schemeClr val="accent1">
+              <a:shade val="50000"/>
+            </a:schemeClr>
+          </a:lnRef>
+          <a:fillRef idx="1">
+            <a:schemeClr val="accent1"/>
+          </a:fillRef>
+          <a:effectRef idx="0">
+            <a:schemeClr val="accent1"/>
+          </a:effectRef>
+          <a:fontRef idx="minor">
+            <a:schemeClr val="lt1"/>
+          </a:fontRef>
+        </p:style>
+        <p:txBody>
+          <a:bodyPr lIns="502920" tIns="91440"/>
+          <a:lstStyle/>
+          <a:p>
+            <a:pPr eaLnBrk="1" fontAlgn="auto" hangingPunct="1">
+              <a:spcBef>
+                <a:spcPts val="0"/>
+              </a:spcBef>
+              <a:spcAft>
+                <a:spcPts val="0"/>
+              </a:spcAft>
+              <a:defRPr/>
+            </a:pPr>
+            <a:r>
+              <a:rPr lang="en-US" sz="1200" dirty="0">
+                <a:ln w="0"/>
+                <a:solidFill>
+                  <a:srgbClr val="693BC5"/>
+                </a:solidFill>
+                <a:latin typeface="Arial" panose="020B0604020202020204" pitchFamily="34" charset="0"/>
+                <a:cs typeface="Arial" panose="020B0604020202020204" pitchFamily="34" charset="0"/>
+              </a:rPr>
+              <a:t>VPC</a:t>
+            </a:r>
+          </a:p>
+        </p:txBody>
+      </p:sp>
+      <p:pic>
+        <p:nvPicPr>
+          <p:cNvPr id="58" name="Graphic 57">
+            <a:extLst>
+              <a:ext uri="{FF2B5EF4-FFF2-40B4-BE49-F238E27FC236}">
+                <a16:creationId xmlns:a16="http://schemas.microsoft.com/office/drawing/2014/main" id="{5FC09293-285C-4114-A74B-B27D730B43AF}"/>
+              </a:ext>
+            </a:extLst>
+          </p:cNvPr>
+          <p:cNvPicPr>
+            <a:picLocks noChangeAspect="1"/>
+          </p:cNvPicPr>
+          <p:nvPr/>
+        </p:nvPicPr>
+        <p:blipFill>
+          <a:blip r:embed="rId22">
+            <a:extLst>
+              <a:ext uri="{96DAC541-7B7A-43D3-8B79-37D633B846F1}">
+                <asvg:svgBlip xmlns:asvg="http://schemas.microsoft.com/office/drawing/2016/SVG/main" r:embed="rId23"/>
+              </a:ext>
+            </a:extLst>
+          </a:blip>
+          <a:srcRect/>
+          <a:stretch/>
+        </p:blipFill>
+        <p:spPr>
+          <a:xfrm>
+            <a:off x="1464628" y="2379012"/>
+            <a:ext cx="381000" cy="381000"/>
+          </a:xfrm>
+          <a:prstGeom prst="rect">
+            <a:avLst/>
+          </a:prstGeom>
         </p:spPr>
       </p:pic>
     </p:spTree>

--- a/doc/three-tier-architecture-examples/crest-infosolutions-cloudmeet-architecture-diagram.pptx
+++ b/doc/three-tier-architecture-examples/crest-infosolutions-cloudmeet-architecture-diagram.pptx
@@ -224,7 +224,7 @@
           <a:p>
             <a:fld id="{49A7721D-1176-A640-AC48-B82F78C92D56}" type="datetimeFigureOut">
               <a:rPr lang="en-US" smtClean="0"/>
-              <a:t>1/31/2023</a:t>
+              <a:t>4/17/2023</a:t>
             </a:fld>
             <a:endParaRPr lang="en-US" dirty="0"/>
           </a:p>
@@ -401,7 +401,7 @@
           <a:p>
             <a:fld id="{C884A089-FB25-6D46-9D21-F0F04A18BCA8}" type="datetimeFigureOut">
               <a:rPr lang="en-US" smtClean="0"/>
-              <a:t>1/31/2023</a:t>
+              <a:t>4/17/2023</a:t>
             </a:fld>
             <a:endParaRPr lang="en-US" dirty="0"/>
           </a:p>
@@ -1033,7 +1033,7 @@
           <a:p>
             <a:fld id="{C764DE79-268F-4C1A-8933-263129D2AF90}" type="datetimeFigureOut">
               <a:rPr lang="en-US" dirty="0"/>
-              <a:t>1/31/2023</a:t>
+              <a:t>4/17/2023</a:t>
             </a:fld>
             <a:endParaRPr lang="en-US" dirty="0"/>
           </a:p>
@@ -1204,7 +1204,7 @@
           <a:p>
             <a:fld id="{C764DE79-268F-4C1A-8933-263129D2AF90}" type="datetimeFigureOut">
               <a:rPr lang="en-US" dirty="0"/>
-              <a:t>1/31/2023</a:t>
+              <a:t>4/17/2023</a:t>
             </a:fld>
             <a:endParaRPr lang="en-US" dirty="0"/>
           </a:p>
@@ -1385,7 +1385,7 @@
           <a:p>
             <a:fld id="{C764DE79-268F-4C1A-8933-263129D2AF90}" type="datetimeFigureOut">
               <a:rPr lang="en-US" dirty="0"/>
-              <a:t>1/31/2023</a:t>
+              <a:t>4/17/2023</a:t>
             </a:fld>
             <a:endParaRPr lang="en-US" dirty="0"/>
           </a:p>
@@ -1578,7 +1578,7 @@
           <a:p>
             <a:fld id="{C764DE79-268F-4C1A-8933-263129D2AF90}" type="datetimeFigureOut">
               <a:rPr lang="en-US" dirty="0"/>
-              <a:t>1/31/2023</a:t>
+              <a:t>4/17/2023</a:t>
             </a:fld>
             <a:endParaRPr lang="en-US" dirty="0"/>
           </a:p>
@@ -1749,7 +1749,7 @@
           <a:p>
             <a:fld id="{C764DE79-268F-4C1A-8933-263129D2AF90}" type="datetimeFigureOut">
               <a:rPr lang="en-US" dirty="0"/>
-              <a:t>1/31/2023</a:t>
+              <a:t>4/17/2023</a:t>
             </a:fld>
             <a:endParaRPr lang="en-US" dirty="0"/>
           </a:p>
@@ -1994,7 +1994,7 @@
           <a:p>
             <a:fld id="{C764DE79-268F-4C1A-8933-263129D2AF90}" type="datetimeFigureOut">
               <a:rPr lang="en-US" dirty="0"/>
-              <a:t>1/31/2023</a:t>
+              <a:t>4/17/2023</a:t>
             </a:fld>
             <a:endParaRPr lang="en-US" dirty="0"/>
           </a:p>
@@ -2227,7 +2227,7 @@
           <a:p>
             <a:fld id="{C764DE79-268F-4C1A-8933-263129D2AF90}" type="datetimeFigureOut">
               <a:rPr lang="en-US" dirty="0"/>
-              <a:t>1/31/2023</a:t>
+              <a:t>4/17/2023</a:t>
             </a:fld>
             <a:endParaRPr lang="en-US" dirty="0"/>
           </a:p>
@@ -2595,7 +2595,7 @@
           <a:p>
             <a:fld id="{C764DE79-268F-4C1A-8933-263129D2AF90}" type="datetimeFigureOut">
               <a:rPr lang="en-US" dirty="0"/>
-              <a:t>1/31/2023</a:t>
+              <a:t>4/17/2023</a:t>
             </a:fld>
             <a:endParaRPr lang="en-US" dirty="0"/>
           </a:p>
@@ -2714,7 +2714,7 @@
           <a:p>
             <a:fld id="{C764DE79-268F-4C1A-8933-263129D2AF90}" type="datetimeFigureOut">
               <a:rPr lang="en-US" dirty="0"/>
-              <a:t>1/31/2023</a:t>
+              <a:t>4/17/2023</a:t>
             </a:fld>
             <a:endParaRPr lang="en-US" dirty="0"/>
           </a:p>
@@ -3083,7 +3083,7 @@
           <a:p>
             <a:fld id="{C764DE79-268F-4C1A-8933-263129D2AF90}" type="datetimeFigureOut">
               <a:rPr lang="en-US" dirty="0"/>
-              <a:t>1/31/2023</a:t>
+              <a:t>4/17/2023</a:t>
             </a:fld>
             <a:endParaRPr lang="en-US" dirty="0"/>
           </a:p>
@@ -3617,7 +3617,7 @@
           <a:p>
             <a:fld id="{C764DE79-268F-4C1A-8933-263129D2AF90}" type="datetimeFigureOut">
               <a:rPr lang="en-US" dirty="0"/>
-              <a:t>1/31/2023</a:t>
+              <a:t>4/17/2023</a:t>
             </a:fld>
             <a:endParaRPr lang="en-US" dirty="0"/>
           </a:p>
@@ -4025,274 +4025,10 @@
       </p:grpSpPr>
       <p:sp>
         <p:nvSpPr>
-          <p:cNvPr id="104" name="Rectangle 103">
+          <p:cNvPr id="78" name="TextBox 12">
             <a:extLst>
               <a:ext uri="{FF2B5EF4-FFF2-40B4-BE49-F238E27FC236}">
-                <a16:creationId xmlns:a16="http://schemas.microsoft.com/office/drawing/2014/main" id="{EF9D6B6F-1AE7-47AE-BF84-8DE49D989F24}"/>
-              </a:ext>
-            </a:extLst>
-          </p:cNvPr>
-          <p:cNvSpPr/>
-          <p:nvPr/>
-        </p:nvSpPr>
-        <p:spPr>
-          <a:xfrm>
-            <a:off x="2651760" y="4206240"/>
-            <a:ext cx="1737360" cy="2834640"/>
-          </a:xfrm>
-          <a:prstGeom prst="rect">
-            <a:avLst/>
-          </a:prstGeom>
-          <a:solidFill>
-            <a:srgbClr val="007CBC">
-              <a:alpha val="9804"/>
-            </a:srgbClr>
-          </a:solidFill>
-          <a:ln w="12700">
-            <a:noFill/>
-            <a:prstDash val="dash"/>
-          </a:ln>
-        </p:spPr>
-        <p:style>
-          <a:lnRef idx="2">
-            <a:schemeClr val="accent1">
-              <a:shade val="50000"/>
-            </a:schemeClr>
-          </a:lnRef>
-          <a:fillRef idx="1">
-            <a:schemeClr val="accent1"/>
-          </a:fillRef>
-          <a:effectRef idx="0">
-            <a:schemeClr val="accent1"/>
-          </a:effectRef>
-          <a:fontRef idx="minor">
-            <a:schemeClr val="lt1"/>
-          </a:fontRef>
-        </p:style>
-        <p:txBody>
-          <a:bodyPr lIns="502920"/>
-          <a:lstStyle/>
-          <a:p>
-            <a:pPr>
-              <a:defRPr/>
-            </a:pPr>
-            <a:r>
-              <a:rPr lang="en-US" sz="1200" dirty="0">
-                <a:solidFill>
-                  <a:srgbClr val="5B9CD5"/>
-                </a:solidFill>
-                <a:latin typeface="Arial" panose="020B0604020202020204" pitchFamily="34" charset="0"/>
-                <a:cs typeface="Arial" panose="020B0604020202020204" pitchFamily="34" charset="0"/>
-              </a:rPr>
-              <a:t>Private subnet</a:t>
-            </a:r>
-          </a:p>
-        </p:txBody>
-      </p:sp>
-      <p:sp>
-        <p:nvSpPr>
-          <p:cNvPr id="102" name="Rectangle 101">
-            <a:extLst>
-              <a:ext uri="{FF2B5EF4-FFF2-40B4-BE49-F238E27FC236}">
-                <a16:creationId xmlns:a16="http://schemas.microsoft.com/office/drawing/2014/main" id="{C24E84F1-CAED-46FD-B49F-7C416637BC7E}"/>
-              </a:ext>
-            </a:extLst>
-          </p:cNvPr>
-          <p:cNvSpPr/>
-          <p:nvPr/>
-        </p:nvSpPr>
-        <p:spPr>
-          <a:xfrm>
-            <a:off x="6217920" y="2651760"/>
-            <a:ext cx="1737360" cy="1371600"/>
-          </a:xfrm>
-          <a:prstGeom prst="rect">
-            <a:avLst/>
-          </a:prstGeom>
-          <a:solidFill>
-            <a:srgbClr val="1D8900">
-              <a:alpha val="9804"/>
-            </a:srgbClr>
-          </a:solidFill>
-          <a:ln w="12700">
-            <a:noFill/>
-            <a:prstDash val="dash"/>
-          </a:ln>
-        </p:spPr>
-        <p:style>
-          <a:lnRef idx="2">
-            <a:schemeClr val="accent1">
-              <a:shade val="50000"/>
-            </a:schemeClr>
-          </a:lnRef>
-          <a:fillRef idx="1">
-            <a:schemeClr val="accent1"/>
-          </a:fillRef>
-          <a:effectRef idx="0">
-            <a:schemeClr val="accent1"/>
-          </a:effectRef>
-          <a:fontRef idx="minor">
-            <a:schemeClr val="lt1"/>
-          </a:fontRef>
-        </p:style>
-        <p:txBody>
-          <a:bodyPr lIns="502920"/>
-          <a:lstStyle/>
-          <a:p>
-            <a:pPr>
-              <a:defRPr/>
-            </a:pPr>
-            <a:r>
-              <a:rPr lang="en-US" sz="1200" dirty="0">
-                <a:solidFill>
-                  <a:srgbClr val="1E8900"/>
-                </a:solidFill>
-                <a:latin typeface="Arial" panose="020B0604020202020204" pitchFamily="34" charset="0"/>
-                <a:cs typeface="Arial" panose="020B0604020202020204" pitchFamily="34" charset="0"/>
-              </a:rPr>
-              <a:t>Public subnet</a:t>
-            </a:r>
-          </a:p>
-        </p:txBody>
-      </p:sp>
-      <p:sp>
-        <p:nvSpPr>
-          <p:cNvPr id="106" name="Rectangle 105">
-            <a:extLst>
-              <a:ext uri="{FF2B5EF4-FFF2-40B4-BE49-F238E27FC236}">
-                <a16:creationId xmlns:a16="http://schemas.microsoft.com/office/drawing/2014/main" id="{E5CF1B26-1AA5-459F-82BA-6CF5B6D12174}"/>
-              </a:ext>
-            </a:extLst>
-          </p:cNvPr>
-          <p:cNvSpPr/>
-          <p:nvPr/>
-        </p:nvSpPr>
-        <p:spPr>
-          <a:xfrm>
-            <a:off x="6217920" y="4206240"/>
-            <a:ext cx="1737360" cy="2834640"/>
-          </a:xfrm>
-          <a:prstGeom prst="rect">
-            <a:avLst/>
-          </a:prstGeom>
-          <a:solidFill>
-            <a:srgbClr val="007CBC">
-              <a:alpha val="9804"/>
-            </a:srgbClr>
-          </a:solidFill>
-          <a:ln w="12700">
-            <a:noFill/>
-            <a:prstDash val="dash"/>
-          </a:ln>
-        </p:spPr>
-        <p:style>
-          <a:lnRef idx="2">
-            <a:schemeClr val="accent1">
-              <a:shade val="50000"/>
-            </a:schemeClr>
-          </a:lnRef>
-          <a:fillRef idx="1">
-            <a:schemeClr val="accent1"/>
-          </a:fillRef>
-          <a:effectRef idx="0">
-            <a:schemeClr val="accent1"/>
-          </a:effectRef>
-          <a:fontRef idx="minor">
-            <a:schemeClr val="lt1"/>
-          </a:fontRef>
-        </p:style>
-        <p:txBody>
-          <a:bodyPr lIns="502920"/>
-          <a:lstStyle/>
-          <a:p>
-            <a:pPr>
-              <a:defRPr/>
-            </a:pPr>
-            <a:r>
-              <a:rPr lang="en-US" sz="1200" dirty="0">
-                <a:solidFill>
-                  <a:srgbClr val="5B9CD5"/>
-                </a:solidFill>
-                <a:latin typeface="Arial" panose="020B0604020202020204" pitchFamily="34" charset="0"/>
-                <a:cs typeface="Arial" panose="020B0604020202020204" pitchFamily="34" charset="0"/>
-              </a:rPr>
-              <a:t>Private subnet</a:t>
-            </a:r>
-          </a:p>
-        </p:txBody>
-      </p:sp>
-      <p:sp>
-        <p:nvSpPr>
-          <p:cNvPr id="100" name="Rectangle 99">
-            <a:extLst>
-              <a:ext uri="{FF2B5EF4-FFF2-40B4-BE49-F238E27FC236}">
-                <a16:creationId xmlns:a16="http://schemas.microsoft.com/office/drawing/2014/main" id="{D3A4D122-20BF-4053-B924-B8DE31D66383}"/>
-              </a:ext>
-            </a:extLst>
-          </p:cNvPr>
-          <p:cNvSpPr/>
-          <p:nvPr/>
-        </p:nvSpPr>
-        <p:spPr>
-          <a:xfrm>
-            <a:off x="2651760" y="2651760"/>
-            <a:ext cx="1737360" cy="1371600"/>
-          </a:xfrm>
-          <a:prstGeom prst="rect">
-            <a:avLst/>
-          </a:prstGeom>
-          <a:solidFill>
-            <a:srgbClr val="1D8900">
-              <a:alpha val="9804"/>
-            </a:srgbClr>
-          </a:solidFill>
-          <a:ln w="12700">
-            <a:noFill/>
-            <a:prstDash val="dash"/>
-          </a:ln>
-        </p:spPr>
-        <p:style>
-          <a:lnRef idx="2">
-            <a:schemeClr val="accent1">
-              <a:shade val="50000"/>
-            </a:schemeClr>
-          </a:lnRef>
-          <a:fillRef idx="1">
-            <a:schemeClr val="accent1"/>
-          </a:fillRef>
-          <a:effectRef idx="0">
-            <a:schemeClr val="accent1"/>
-          </a:effectRef>
-          <a:fontRef idx="minor">
-            <a:schemeClr val="lt1"/>
-          </a:fontRef>
-        </p:style>
-        <p:txBody>
-          <a:bodyPr lIns="502920"/>
-          <a:lstStyle/>
-          <a:p>
-            <a:pPr>
-              <a:defRPr/>
-            </a:pPr>
-            <a:r>
-              <a:rPr lang="en-US" sz="1200" dirty="0">
-                <a:solidFill>
-                  <a:srgbClr val="1E8900"/>
-                </a:solidFill>
-                <a:latin typeface="Arial" panose="020B0604020202020204" pitchFamily="34" charset="0"/>
-                <a:cs typeface="Arial" panose="020B0604020202020204" pitchFamily="34" charset="0"/>
-              </a:rPr>
-              <a:t>Public subnet</a:t>
-            </a:r>
-          </a:p>
-        </p:txBody>
-      </p:sp>
-      <p:sp>
-        <p:nvSpPr>
-          <p:cNvPr id="44" name="TextBox 17">
-            <a:extLst>
-              <a:ext uri="{FF2B5EF4-FFF2-40B4-BE49-F238E27FC236}">
-                <a16:creationId xmlns:a16="http://schemas.microsoft.com/office/drawing/2014/main" id="{2F6877D0-A40E-4058-87E9-E8E866792271}"/>
+                <a16:creationId xmlns:a16="http://schemas.microsoft.com/office/drawing/2014/main" id="{BC2B21E1-83DD-4D52-832A-F82A77FEA668}"/>
               </a:ext>
             </a:extLst>
           </p:cNvPr>
@@ -4303,8 +4039,8 @@
         </p:nvSpPr>
         <p:spPr bwMode="auto">
           <a:xfrm>
-            <a:off x="2902693" y="3566160"/>
-            <a:ext cx="1234766" cy="261610"/>
+            <a:off x="11817604" y="4421029"/>
+            <a:ext cx="878108" cy="276999"/>
           </a:xfrm>
           <a:prstGeom prst="rect">
             <a:avLst/>
@@ -4438,22 +4174,827 @@
           <a:p>
             <a:pPr algn="ctr" eaLnBrk="1" hangingPunct="1"/>
             <a:r>
-              <a:rPr lang="en-US" altLang="en-US" sz="1100" dirty="0">
+              <a:rPr lang="en-US" altLang="en-US" sz="1200" dirty="0">
                 <a:latin typeface="Arial" panose="020B0604020202020204" pitchFamily="34" charset="0"/>
                 <a:ea typeface="Amazon Ember" panose="020B0603020204020204" pitchFamily="34" charset="0"/>
                 <a:cs typeface="Arial" panose="020B0604020202020204" pitchFamily="34" charset="0"/>
               </a:rPr>
-              <a:t>NAT gateway</a:t>
+              <a:t>Route 53</a:t>
+            </a:r>
+          </a:p>
+        </p:txBody>
+      </p:sp>
+      <p:sp>
+        <p:nvSpPr>
+          <p:cNvPr id="98" name="TextBox 11">
+            <a:extLst>
+              <a:ext uri="{FF2B5EF4-FFF2-40B4-BE49-F238E27FC236}">
+                <a16:creationId xmlns:a16="http://schemas.microsoft.com/office/drawing/2014/main" id="{A91647E5-CE0D-4DC9-A3B0-D11F91D1391A}"/>
+              </a:ext>
+            </a:extLst>
+          </p:cNvPr>
+          <p:cNvSpPr txBox="1">
+            <a:spLocks noChangeArrowheads="1"/>
+          </p:cNvSpPr>
+          <p:nvPr/>
+        </p:nvSpPr>
+        <p:spPr bwMode="auto">
+          <a:xfrm>
+            <a:off x="10413929" y="5149672"/>
+            <a:ext cx="1097280" cy="276999"/>
+          </a:xfrm>
+          <a:prstGeom prst="rect">
+            <a:avLst/>
+          </a:prstGeom>
+          <a:noFill/>
+          <a:ln>
+            <a:noFill/>
+          </a:ln>
+          <a:extLst>
+            <a:ext uri="{909E8E84-426E-40DD-AFC4-6F175D3DCCD1}">
+              <a14:hiddenFill xmlns:a14="http://schemas.microsoft.com/office/drawing/2010/main">
+                <a:solidFill>
+                  <a:srgbClr val="FFFFFF"/>
+                </a:solidFill>
+              </a14:hiddenFill>
+            </a:ext>
+            <a:ext uri="{91240B29-F687-4F45-9708-019B960494DF}">
+              <a14:hiddenLine xmlns:a14="http://schemas.microsoft.com/office/drawing/2010/main" w="9525">
+                <a:solidFill>
+                  <a:srgbClr val="000000"/>
+                </a:solidFill>
+                <a:miter lim="800000"/>
+                <a:headEnd/>
+                <a:tailEnd/>
+              </a14:hiddenLine>
+            </a:ext>
+          </a:extLst>
+        </p:spPr>
+        <p:txBody>
+          <a:bodyPr wrap="square">
+            <a:spAutoFit/>
+          </a:bodyPr>
+          <a:lstStyle>
+            <a:lvl1pPr>
+              <a:defRPr>
+                <a:solidFill>
+                  <a:schemeClr val="tx1"/>
+                </a:solidFill>
+                <a:latin typeface="Calibri" panose="020F0502020204030204" pitchFamily="34" charset="0"/>
+              </a:defRPr>
+            </a:lvl1pPr>
+            <a:lvl2pPr marL="742950" indent="-285750">
+              <a:defRPr>
+                <a:solidFill>
+                  <a:schemeClr val="tx1"/>
+                </a:solidFill>
+                <a:latin typeface="Calibri" panose="020F0502020204030204" pitchFamily="34" charset="0"/>
+              </a:defRPr>
+            </a:lvl2pPr>
+            <a:lvl3pPr marL="1143000" indent="-228600">
+              <a:defRPr>
+                <a:solidFill>
+                  <a:schemeClr val="tx1"/>
+                </a:solidFill>
+                <a:latin typeface="Calibri" panose="020F0502020204030204" pitchFamily="34" charset="0"/>
+              </a:defRPr>
+            </a:lvl3pPr>
+            <a:lvl4pPr marL="1600200" indent="-228600">
+              <a:defRPr>
+                <a:solidFill>
+                  <a:schemeClr val="tx1"/>
+                </a:solidFill>
+                <a:latin typeface="Calibri" panose="020F0502020204030204" pitchFamily="34" charset="0"/>
+              </a:defRPr>
+            </a:lvl4pPr>
+            <a:lvl5pPr marL="2057400" indent="-228600">
+              <a:defRPr>
+                <a:solidFill>
+                  <a:schemeClr val="tx1"/>
+                </a:solidFill>
+                <a:latin typeface="Calibri" panose="020F0502020204030204" pitchFamily="34" charset="0"/>
+              </a:defRPr>
+            </a:lvl5pPr>
+            <a:lvl6pPr marL="2514600" indent="-228600" eaLnBrk="0" fontAlgn="base" hangingPunct="0">
+              <a:spcBef>
+                <a:spcPct val="0"/>
+              </a:spcBef>
+              <a:spcAft>
+                <a:spcPct val="0"/>
+              </a:spcAft>
+              <a:defRPr>
+                <a:solidFill>
+                  <a:schemeClr val="tx1"/>
+                </a:solidFill>
+                <a:latin typeface="Calibri" panose="020F0502020204030204" pitchFamily="34" charset="0"/>
+              </a:defRPr>
+            </a:lvl6pPr>
+            <a:lvl7pPr marL="2971800" indent="-228600" eaLnBrk="0" fontAlgn="base" hangingPunct="0">
+              <a:spcBef>
+                <a:spcPct val="0"/>
+              </a:spcBef>
+              <a:spcAft>
+                <a:spcPct val="0"/>
+              </a:spcAft>
+              <a:defRPr>
+                <a:solidFill>
+                  <a:schemeClr val="tx1"/>
+                </a:solidFill>
+                <a:latin typeface="Calibri" panose="020F0502020204030204" pitchFamily="34" charset="0"/>
+              </a:defRPr>
+            </a:lvl7pPr>
+            <a:lvl8pPr marL="3429000" indent="-228600" eaLnBrk="0" fontAlgn="base" hangingPunct="0">
+              <a:spcBef>
+                <a:spcPct val="0"/>
+              </a:spcBef>
+              <a:spcAft>
+                <a:spcPct val="0"/>
+              </a:spcAft>
+              <a:defRPr>
+                <a:solidFill>
+                  <a:schemeClr val="tx1"/>
+                </a:solidFill>
+                <a:latin typeface="Calibri" panose="020F0502020204030204" pitchFamily="34" charset="0"/>
+              </a:defRPr>
+            </a:lvl8pPr>
+            <a:lvl9pPr marL="3886200" indent="-228600" eaLnBrk="0" fontAlgn="base" hangingPunct="0">
+              <a:spcBef>
+                <a:spcPct val="0"/>
+              </a:spcBef>
+              <a:spcAft>
+                <a:spcPct val="0"/>
+              </a:spcAft>
+              <a:defRPr>
+                <a:solidFill>
+                  <a:schemeClr val="tx1"/>
+                </a:solidFill>
+                <a:latin typeface="Calibri" panose="020F0502020204030204" pitchFamily="34" charset="0"/>
+              </a:defRPr>
+            </a:lvl9pPr>
+          </a:lstStyle>
+          <a:p>
+            <a:pPr algn="ctr" eaLnBrk="1" hangingPunct="1"/>
+            <a:r>
+              <a:rPr lang="en-US" altLang="en-US" sz="1200" dirty="0">
+                <a:latin typeface="Arial" panose="020B0604020202020204" pitchFamily="34" charset="0"/>
+                <a:ea typeface="Amazon Ember" panose="020B0603020204020204" pitchFamily="34" charset="0"/>
+                <a:cs typeface="Arial" panose="020B0604020202020204" pitchFamily="34" charset="0"/>
+              </a:rPr>
+              <a:t>Amazon EFS</a:t>
+            </a:r>
+          </a:p>
+        </p:txBody>
+      </p:sp>
+      <p:sp>
+        <p:nvSpPr>
+          <p:cNvPr id="115" name="TextBox 12">
+            <a:extLst>
+              <a:ext uri="{FF2B5EF4-FFF2-40B4-BE49-F238E27FC236}">
+                <a16:creationId xmlns:a16="http://schemas.microsoft.com/office/drawing/2014/main" id="{7A8DD167-EB7B-4CC7-9110-CC0972F8DA41}"/>
+              </a:ext>
+            </a:extLst>
+          </p:cNvPr>
+          <p:cNvSpPr txBox="1">
+            <a:spLocks noChangeArrowheads="1"/>
+          </p:cNvSpPr>
+          <p:nvPr/>
+        </p:nvSpPr>
+        <p:spPr bwMode="auto">
+          <a:xfrm>
+            <a:off x="11964963" y="5792597"/>
+            <a:ext cx="583390" cy="276999"/>
+          </a:xfrm>
+          <a:prstGeom prst="rect">
+            <a:avLst/>
+          </a:prstGeom>
+          <a:noFill/>
+          <a:ln>
+            <a:noFill/>
+          </a:ln>
+          <a:extLst>
+            <a:ext uri="{909E8E84-426E-40DD-AFC4-6F175D3DCCD1}">
+              <a14:hiddenFill xmlns:a14="http://schemas.microsoft.com/office/drawing/2010/main">
+                <a:solidFill>
+                  <a:srgbClr val="FFFFFF"/>
+                </a:solidFill>
+              </a14:hiddenFill>
+            </a:ext>
+            <a:ext uri="{91240B29-F687-4F45-9708-019B960494DF}">
+              <a14:hiddenLine xmlns:a14="http://schemas.microsoft.com/office/drawing/2010/main" w="9525">
+                <a:solidFill>
+                  <a:srgbClr val="000000"/>
+                </a:solidFill>
+                <a:miter lim="800000"/>
+                <a:headEnd/>
+                <a:tailEnd/>
+              </a14:hiddenLine>
+            </a:ext>
+          </a:extLst>
+        </p:spPr>
+        <p:txBody>
+          <a:bodyPr wrap="square">
+            <a:spAutoFit/>
+          </a:bodyPr>
+          <a:lstStyle>
+            <a:lvl1pPr>
+              <a:defRPr>
+                <a:solidFill>
+                  <a:schemeClr val="tx1"/>
+                </a:solidFill>
+                <a:latin typeface="Calibri" panose="020F0502020204030204" pitchFamily="34" charset="0"/>
+              </a:defRPr>
+            </a:lvl1pPr>
+            <a:lvl2pPr marL="742950" indent="-285750">
+              <a:defRPr>
+                <a:solidFill>
+                  <a:schemeClr val="tx1"/>
+                </a:solidFill>
+                <a:latin typeface="Calibri" panose="020F0502020204030204" pitchFamily="34" charset="0"/>
+              </a:defRPr>
+            </a:lvl2pPr>
+            <a:lvl3pPr marL="1143000" indent="-228600">
+              <a:defRPr>
+                <a:solidFill>
+                  <a:schemeClr val="tx1"/>
+                </a:solidFill>
+                <a:latin typeface="Calibri" panose="020F0502020204030204" pitchFamily="34" charset="0"/>
+              </a:defRPr>
+            </a:lvl3pPr>
+            <a:lvl4pPr marL="1600200" indent="-228600">
+              <a:defRPr>
+                <a:solidFill>
+                  <a:schemeClr val="tx1"/>
+                </a:solidFill>
+                <a:latin typeface="Calibri" panose="020F0502020204030204" pitchFamily="34" charset="0"/>
+              </a:defRPr>
+            </a:lvl4pPr>
+            <a:lvl5pPr marL="2057400" indent="-228600">
+              <a:defRPr>
+                <a:solidFill>
+                  <a:schemeClr val="tx1"/>
+                </a:solidFill>
+                <a:latin typeface="Calibri" panose="020F0502020204030204" pitchFamily="34" charset="0"/>
+              </a:defRPr>
+            </a:lvl5pPr>
+            <a:lvl6pPr marL="2514600" indent="-228600" eaLnBrk="0" fontAlgn="base" hangingPunct="0">
+              <a:spcBef>
+                <a:spcPct val="0"/>
+              </a:spcBef>
+              <a:spcAft>
+                <a:spcPct val="0"/>
+              </a:spcAft>
+              <a:defRPr>
+                <a:solidFill>
+                  <a:schemeClr val="tx1"/>
+                </a:solidFill>
+                <a:latin typeface="Calibri" panose="020F0502020204030204" pitchFamily="34" charset="0"/>
+              </a:defRPr>
+            </a:lvl6pPr>
+            <a:lvl7pPr marL="2971800" indent="-228600" eaLnBrk="0" fontAlgn="base" hangingPunct="0">
+              <a:spcBef>
+                <a:spcPct val="0"/>
+              </a:spcBef>
+              <a:spcAft>
+                <a:spcPct val="0"/>
+              </a:spcAft>
+              <a:defRPr>
+                <a:solidFill>
+                  <a:schemeClr val="tx1"/>
+                </a:solidFill>
+                <a:latin typeface="Calibri" panose="020F0502020204030204" pitchFamily="34" charset="0"/>
+              </a:defRPr>
+            </a:lvl7pPr>
+            <a:lvl8pPr marL="3429000" indent="-228600" eaLnBrk="0" fontAlgn="base" hangingPunct="0">
+              <a:spcBef>
+                <a:spcPct val="0"/>
+              </a:spcBef>
+              <a:spcAft>
+                <a:spcPct val="0"/>
+              </a:spcAft>
+              <a:defRPr>
+                <a:solidFill>
+                  <a:schemeClr val="tx1"/>
+                </a:solidFill>
+                <a:latin typeface="Calibri" panose="020F0502020204030204" pitchFamily="34" charset="0"/>
+              </a:defRPr>
+            </a:lvl8pPr>
+            <a:lvl9pPr marL="3886200" indent="-228600" eaLnBrk="0" fontAlgn="base" hangingPunct="0">
+              <a:spcBef>
+                <a:spcPct val="0"/>
+              </a:spcBef>
+              <a:spcAft>
+                <a:spcPct val="0"/>
+              </a:spcAft>
+              <a:defRPr>
+                <a:solidFill>
+                  <a:schemeClr val="tx1"/>
+                </a:solidFill>
+                <a:latin typeface="Calibri" panose="020F0502020204030204" pitchFamily="34" charset="0"/>
+              </a:defRPr>
+            </a:lvl9pPr>
+          </a:lstStyle>
+          <a:p>
+            <a:pPr algn="ctr" eaLnBrk="1" hangingPunct="1"/>
+            <a:r>
+              <a:rPr lang="en-US" altLang="en-US" sz="1200" dirty="0">
+                <a:latin typeface="Arial" panose="020B0604020202020204" pitchFamily="34" charset="0"/>
+                <a:ea typeface="Amazon Ember" panose="020B0603020204020204" pitchFamily="34" charset="0"/>
+                <a:cs typeface="Arial" panose="020B0604020202020204" pitchFamily="34" charset="0"/>
+              </a:rPr>
+              <a:t>ACM</a:t>
+            </a:r>
+          </a:p>
+        </p:txBody>
+      </p:sp>
+      <p:sp>
+        <p:nvSpPr>
+          <p:cNvPr id="117" name="TextBox 9">
+            <a:extLst>
+              <a:ext uri="{FF2B5EF4-FFF2-40B4-BE49-F238E27FC236}">
+                <a16:creationId xmlns:a16="http://schemas.microsoft.com/office/drawing/2014/main" id="{792CC582-A3FE-4144-8040-F500FF385C89}"/>
+              </a:ext>
+            </a:extLst>
+          </p:cNvPr>
+          <p:cNvSpPr txBox="1">
+            <a:spLocks noChangeArrowheads="1"/>
+          </p:cNvSpPr>
+          <p:nvPr/>
+        </p:nvSpPr>
+        <p:spPr bwMode="auto">
+          <a:xfrm>
+            <a:off x="11651562" y="7165181"/>
+            <a:ext cx="1211772" cy="276999"/>
+          </a:xfrm>
+          <a:prstGeom prst="rect">
+            <a:avLst/>
+          </a:prstGeom>
+          <a:noFill/>
+          <a:ln>
+            <a:noFill/>
+          </a:ln>
+          <a:extLst>
+            <a:ext uri="{909E8E84-426E-40DD-AFC4-6F175D3DCCD1}">
+              <a14:hiddenFill xmlns:a14="http://schemas.microsoft.com/office/drawing/2010/main">
+                <a:solidFill>
+                  <a:srgbClr val="FFFFFF"/>
+                </a:solidFill>
+              </a14:hiddenFill>
+            </a:ext>
+            <a:ext uri="{91240B29-F687-4F45-9708-019B960494DF}">
+              <a14:hiddenLine xmlns:a14="http://schemas.microsoft.com/office/drawing/2010/main" w="9525">
+                <a:solidFill>
+                  <a:srgbClr val="000000"/>
+                </a:solidFill>
+                <a:miter lim="800000"/>
+                <a:headEnd/>
+                <a:tailEnd/>
+              </a14:hiddenLine>
+            </a:ext>
+          </a:extLst>
+        </p:spPr>
+        <p:txBody>
+          <a:bodyPr wrap="square">
+            <a:spAutoFit/>
+          </a:bodyPr>
+          <a:lstStyle>
+            <a:lvl1pPr>
+              <a:defRPr>
+                <a:solidFill>
+                  <a:schemeClr val="tx1"/>
+                </a:solidFill>
+                <a:latin typeface="Calibri" panose="020F0502020204030204" pitchFamily="34" charset="0"/>
+              </a:defRPr>
+            </a:lvl1pPr>
+            <a:lvl2pPr marL="742950" indent="-285750">
+              <a:defRPr>
+                <a:solidFill>
+                  <a:schemeClr val="tx1"/>
+                </a:solidFill>
+                <a:latin typeface="Calibri" panose="020F0502020204030204" pitchFamily="34" charset="0"/>
+              </a:defRPr>
+            </a:lvl2pPr>
+            <a:lvl3pPr marL="1143000" indent="-228600">
+              <a:defRPr>
+                <a:solidFill>
+                  <a:schemeClr val="tx1"/>
+                </a:solidFill>
+                <a:latin typeface="Calibri" panose="020F0502020204030204" pitchFamily="34" charset="0"/>
+              </a:defRPr>
+            </a:lvl3pPr>
+            <a:lvl4pPr marL="1600200" indent="-228600">
+              <a:defRPr>
+                <a:solidFill>
+                  <a:schemeClr val="tx1"/>
+                </a:solidFill>
+                <a:latin typeface="Calibri" panose="020F0502020204030204" pitchFamily="34" charset="0"/>
+              </a:defRPr>
+            </a:lvl4pPr>
+            <a:lvl5pPr marL="2057400" indent="-228600">
+              <a:defRPr>
+                <a:solidFill>
+                  <a:schemeClr val="tx1"/>
+                </a:solidFill>
+                <a:latin typeface="Calibri" panose="020F0502020204030204" pitchFamily="34" charset="0"/>
+              </a:defRPr>
+            </a:lvl5pPr>
+            <a:lvl6pPr marL="2514600" indent="-228600" eaLnBrk="0" fontAlgn="base" hangingPunct="0">
+              <a:spcBef>
+                <a:spcPct val="0"/>
+              </a:spcBef>
+              <a:spcAft>
+                <a:spcPct val="0"/>
+              </a:spcAft>
+              <a:defRPr>
+                <a:solidFill>
+                  <a:schemeClr val="tx1"/>
+                </a:solidFill>
+                <a:latin typeface="Calibri" panose="020F0502020204030204" pitchFamily="34" charset="0"/>
+              </a:defRPr>
+            </a:lvl6pPr>
+            <a:lvl7pPr marL="2971800" indent="-228600" eaLnBrk="0" fontAlgn="base" hangingPunct="0">
+              <a:spcBef>
+                <a:spcPct val="0"/>
+              </a:spcBef>
+              <a:spcAft>
+                <a:spcPct val="0"/>
+              </a:spcAft>
+              <a:defRPr>
+                <a:solidFill>
+                  <a:schemeClr val="tx1"/>
+                </a:solidFill>
+                <a:latin typeface="Calibri" panose="020F0502020204030204" pitchFamily="34" charset="0"/>
+              </a:defRPr>
+            </a:lvl7pPr>
+            <a:lvl8pPr marL="3429000" indent="-228600" eaLnBrk="0" fontAlgn="base" hangingPunct="0">
+              <a:spcBef>
+                <a:spcPct val="0"/>
+              </a:spcBef>
+              <a:spcAft>
+                <a:spcPct val="0"/>
+              </a:spcAft>
+              <a:defRPr>
+                <a:solidFill>
+                  <a:schemeClr val="tx1"/>
+                </a:solidFill>
+                <a:latin typeface="Calibri" panose="020F0502020204030204" pitchFamily="34" charset="0"/>
+              </a:defRPr>
+            </a:lvl8pPr>
+            <a:lvl9pPr marL="3886200" indent="-228600" eaLnBrk="0" fontAlgn="base" hangingPunct="0">
+              <a:spcBef>
+                <a:spcPct val="0"/>
+              </a:spcBef>
+              <a:spcAft>
+                <a:spcPct val="0"/>
+              </a:spcAft>
+              <a:defRPr>
+                <a:solidFill>
+                  <a:schemeClr val="tx1"/>
+                </a:solidFill>
+                <a:latin typeface="Calibri" panose="020F0502020204030204" pitchFamily="34" charset="0"/>
+              </a:defRPr>
+            </a:lvl9pPr>
+          </a:lstStyle>
+          <a:p>
+            <a:pPr algn="ctr" eaLnBrk="1" hangingPunct="1"/>
+            <a:r>
+              <a:rPr lang="en-US" altLang="en-US" sz="1200" dirty="0">
+                <a:latin typeface="Arial" panose="020B0604020202020204" pitchFamily="34" charset="0"/>
+                <a:ea typeface="Amazon Ember" panose="020B0603020204020204" pitchFamily="34" charset="0"/>
+                <a:cs typeface="Arial" panose="020B0604020202020204" pitchFamily="34" charset="0"/>
+              </a:rPr>
+              <a:t>Amazon S3</a:t>
+            </a:r>
+          </a:p>
+        </p:txBody>
+      </p:sp>
+      <p:sp>
+        <p:nvSpPr>
+          <p:cNvPr id="119" name="TextBox 22">
+            <a:extLst>
+              <a:ext uri="{FF2B5EF4-FFF2-40B4-BE49-F238E27FC236}">
+                <a16:creationId xmlns:a16="http://schemas.microsoft.com/office/drawing/2014/main" id="{720E7526-D277-468E-8A79-C3B1DFC30A55}"/>
+              </a:ext>
+            </a:extLst>
+          </p:cNvPr>
+          <p:cNvSpPr txBox="1">
+            <a:spLocks noChangeArrowheads="1"/>
+          </p:cNvSpPr>
+          <p:nvPr/>
+        </p:nvSpPr>
+        <p:spPr bwMode="auto">
+          <a:xfrm>
+            <a:off x="11650772" y="8535828"/>
+            <a:ext cx="1211772" cy="276999"/>
+          </a:xfrm>
+          <a:prstGeom prst="rect">
+            <a:avLst/>
+          </a:prstGeom>
+          <a:noFill/>
+          <a:ln>
+            <a:noFill/>
+          </a:ln>
+          <a:extLst>
+            <a:ext uri="{909E8E84-426E-40DD-AFC4-6F175D3DCCD1}">
+              <a14:hiddenFill xmlns:a14="http://schemas.microsoft.com/office/drawing/2010/main">
+                <a:solidFill>
+                  <a:srgbClr val="FFFFFF"/>
+                </a:solidFill>
+              </a14:hiddenFill>
+            </a:ext>
+            <a:ext uri="{91240B29-F687-4F45-9708-019B960494DF}">
+              <a14:hiddenLine xmlns:a14="http://schemas.microsoft.com/office/drawing/2010/main" w="9525">
+                <a:solidFill>
+                  <a:srgbClr val="000000"/>
+                </a:solidFill>
+                <a:miter lim="800000"/>
+                <a:headEnd/>
+                <a:tailEnd/>
+              </a14:hiddenLine>
+            </a:ext>
+          </a:extLst>
+        </p:spPr>
+        <p:txBody>
+          <a:bodyPr wrap="square">
+            <a:spAutoFit/>
+          </a:bodyPr>
+          <a:lstStyle>
+            <a:lvl1pPr>
+              <a:defRPr>
+                <a:solidFill>
+                  <a:schemeClr val="tx1"/>
+                </a:solidFill>
+                <a:latin typeface="Calibri" panose="020F0502020204030204" pitchFamily="34" charset="0"/>
+              </a:defRPr>
+            </a:lvl1pPr>
+            <a:lvl2pPr marL="742950" indent="-285750">
+              <a:defRPr>
+                <a:solidFill>
+                  <a:schemeClr val="tx1"/>
+                </a:solidFill>
+                <a:latin typeface="Calibri" panose="020F0502020204030204" pitchFamily="34" charset="0"/>
+              </a:defRPr>
+            </a:lvl2pPr>
+            <a:lvl3pPr marL="1143000" indent="-228600">
+              <a:defRPr>
+                <a:solidFill>
+                  <a:schemeClr val="tx1"/>
+                </a:solidFill>
+                <a:latin typeface="Calibri" panose="020F0502020204030204" pitchFamily="34" charset="0"/>
+              </a:defRPr>
+            </a:lvl3pPr>
+            <a:lvl4pPr marL="1600200" indent="-228600">
+              <a:defRPr>
+                <a:solidFill>
+                  <a:schemeClr val="tx1"/>
+                </a:solidFill>
+                <a:latin typeface="Calibri" panose="020F0502020204030204" pitchFamily="34" charset="0"/>
+              </a:defRPr>
+            </a:lvl4pPr>
+            <a:lvl5pPr marL="2057400" indent="-228600">
+              <a:defRPr>
+                <a:solidFill>
+                  <a:schemeClr val="tx1"/>
+                </a:solidFill>
+                <a:latin typeface="Calibri" panose="020F0502020204030204" pitchFamily="34" charset="0"/>
+              </a:defRPr>
+            </a:lvl5pPr>
+            <a:lvl6pPr marL="2514600" indent="-228600" eaLnBrk="0" fontAlgn="base" hangingPunct="0">
+              <a:spcBef>
+                <a:spcPct val="0"/>
+              </a:spcBef>
+              <a:spcAft>
+                <a:spcPct val="0"/>
+              </a:spcAft>
+              <a:defRPr>
+                <a:solidFill>
+                  <a:schemeClr val="tx1"/>
+                </a:solidFill>
+                <a:latin typeface="Calibri" panose="020F0502020204030204" pitchFamily="34" charset="0"/>
+              </a:defRPr>
+            </a:lvl6pPr>
+            <a:lvl7pPr marL="2971800" indent="-228600" eaLnBrk="0" fontAlgn="base" hangingPunct="0">
+              <a:spcBef>
+                <a:spcPct val="0"/>
+              </a:spcBef>
+              <a:spcAft>
+                <a:spcPct val="0"/>
+              </a:spcAft>
+              <a:defRPr>
+                <a:solidFill>
+                  <a:schemeClr val="tx1"/>
+                </a:solidFill>
+                <a:latin typeface="Calibri" panose="020F0502020204030204" pitchFamily="34" charset="0"/>
+              </a:defRPr>
+            </a:lvl7pPr>
+            <a:lvl8pPr marL="3429000" indent="-228600" eaLnBrk="0" fontAlgn="base" hangingPunct="0">
+              <a:spcBef>
+                <a:spcPct val="0"/>
+              </a:spcBef>
+              <a:spcAft>
+                <a:spcPct val="0"/>
+              </a:spcAft>
+              <a:defRPr>
+                <a:solidFill>
+                  <a:schemeClr val="tx1"/>
+                </a:solidFill>
+                <a:latin typeface="Calibri" panose="020F0502020204030204" pitchFamily="34" charset="0"/>
+              </a:defRPr>
+            </a:lvl8pPr>
+            <a:lvl9pPr marL="3886200" indent="-228600" eaLnBrk="0" fontAlgn="base" hangingPunct="0">
+              <a:spcBef>
+                <a:spcPct val="0"/>
+              </a:spcBef>
+              <a:spcAft>
+                <a:spcPct val="0"/>
+              </a:spcAft>
+              <a:defRPr>
+                <a:solidFill>
+                  <a:schemeClr val="tx1"/>
+                </a:solidFill>
+                <a:latin typeface="Calibri" panose="020F0502020204030204" pitchFamily="34" charset="0"/>
+              </a:defRPr>
+            </a:lvl9pPr>
+          </a:lstStyle>
+          <a:p>
+            <a:pPr algn="ctr" eaLnBrk="1" hangingPunct="1"/>
+            <a:r>
+              <a:rPr lang="en-US" altLang="en-US" sz="1200" dirty="0">
+                <a:latin typeface="Arial" panose="020B0604020202020204" pitchFamily="34" charset="0"/>
+                <a:ea typeface="Amazon Ember" panose="020B0603020204020204" pitchFamily="34" charset="0"/>
+                <a:cs typeface="Arial" panose="020B0604020202020204" pitchFamily="34" charset="0"/>
+              </a:rPr>
+              <a:t>Amazon ECR</a:t>
+            </a:r>
+          </a:p>
+        </p:txBody>
+      </p:sp>
+      <p:sp>
+        <p:nvSpPr>
+          <p:cNvPr id="43" name="TextBox 16">
+            <a:extLst>
+              <a:ext uri="{FF2B5EF4-FFF2-40B4-BE49-F238E27FC236}">
+                <a16:creationId xmlns:a16="http://schemas.microsoft.com/office/drawing/2014/main" id="{9C8CADF3-F6DB-4C0E-9213-4ECC9CDBED72}"/>
+              </a:ext>
+            </a:extLst>
+          </p:cNvPr>
+          <p:cNvSpPr txBox="1">
+            <a:spLocks noChangeArrowheads="1"/>
+          </p:cNvSpPr>
+          <p:nvPr/>
+        </p:nvSpPr>
+        <p:spPr bwMode="auto">
+          <a:xfrm>
+            <a:off x="5039822" y="7109392"/>
+            <a:ext cx="1115568" cy="276999"/>
+          </a:xfrm>
+          <a:prstGeom prst="rect">
+            <a:avLst/>
+          </a:prstGeom>
+          <a:noFill/>
+          <a:ln>
+            <a:noFill/>
+          </a:ln>
+          <a:extLst>
+            <a:ext uri="{909E8E84-426E-40DD-AFC4-6F175D3DCCD1}">
+              <a14:hiddenFill xmlns:a14="http://schemas.microsoft.com/office/drawing/2010/main">
+                <a:solidFill>
+                  <a:srgbClr val="FFFFFF"/>
+                </a:solidFill>
+              </a14:hiddenFill>
+            </a:ext>
+            <a:ext uri="{91240B29-F687-4F45-9708-019B960494DF}">
+              <a14:hiddenLine xmlns:a14="http://schemas.microsoft.com/office/drawing/2010/main" w="9525">
+                <a:solidFill>
+                  <a:srgbClr val="000000"/>
+                </a:solidFill>
+                <a:miter lim="800000"/>
+                <a:headEnd/>
+                <a:tailEnd/>
+              </a14:hiddenLine>
+            </a:ext>
+          </a:extLst>
+        </p:spPr>
+        <p:txBody>
+          <a:bodyPr wrap="square" lIns="0" rIns="0">
+            <a:spAutoFit/>
+          </a:bodyPr>
+          <a:lstStyle>
+            <a:lvl1pPr>
+              <a:defRPr>
+                <a:solidFill>
+                  <a:schemeClr val="tx1"/>
+                </a:solidFill>
+                <a:latin typeface="Calibri" panose="020F0502020204030204" pitchFamily="34" charset="0"/>
+              </a:defRPr>
+            </a:lvl1pPr>
+            <a:lvl2pPr marL="742950" indent="-285750">
+              <a:defRPr>
+                <a:solidFill>
+                  <a:schemeClr val="tx1"/>
+                </a:solidFill>
+                <a:latin typeface="Calibri" panose="020F0502020204030204" pitchFamily="34" charset="0"/>
+              </a:defRPr>
+            </a:lvl2pPr>
+            <a:lvl3pPr marL="1143000" indent="-228600">
+              <a:defRPr>
+                <a:solidFill>
+                  <a:schemeClr val="tx1"/>
+                </a:solidFill>
+                <a:latin typeface="Calibri" panose="020F0502020204030204" pitchFamily="34" charset="0"/>
+              </a:defRPr>
+            </a:lvl3pPr>
+            <a:lvl4pPr marL="1600200" indent="-228600">
+              <a:defRPr>
+                <a:solidFill>
+                  <a:schemeClr val="tx1"/>
+                </a:solidFill>
+                <a:latin typeface="Calibri" panose="020F0502020204030204" pitchFamily="34" charset="0"/>
+              </a:defRPr>
+            </a:lvl4pPr>
+            <a:lvl5pPr marL="2057400" indent="-228600">
+              <a:defRPr>
+                <a:solidFill>
+                  <a:schemeClr val="tx1"/>
+                </a:solidFill>
+                <a:latin typeface="Calibri" panose="020F0502020204030204" pitchFamily="34" charset="0"/>
+              </a:defRPr>
+            </a:lvl5pPr>
+            <a:lvl6pPr marL="2514600" indent="-228600" eaLnBrk="0" fontAlgn="base" hangingPunct="0">
+              <a:spcBef>
+                <a:spcPct val="0"/>
+              </a:spcBef>
+              <a:spcAft>
+                <a:spcPct val="0"/>
+              </a:spcAft>
+              <a:defRPr>
+                <a:solidFill>
+                  <a:schemeClr val="tx1"/>
+                </a:solidFill>
+                <a:latin typeface="Calibri" panose="020F0502020204030204" pitchFamily="34" charset="0"/>
+              </a:defRPr>
+            </a:lvl6pPr>
+            <a:lvl7pPr marL="2971800" indent="-228600" eaLnBrk="0" fontAlgn="base" hangingPunct="0">
+              <a:spcBef>
+                <a:spcPct val="0"/>
+              </a:spcBef>
+              <a:spcAft>
+                <a:spcPct val="0"/>
+              </a:spcAft>
+              <a:defRPr>
+                <a:solidFill>
+                  <a:schemeClr val="tx1"/>
+                </a:solidFill>
+                <a:latin typeface="Calibri" panose="020F0502020204030204" pitchFamily="34" charset="0"/>
+              </a:defRPr>
+            </a:lvl7pPr>
+            <a:lvl8pPr marL="3429000" indent="-228600" eaLnBrk="0" fontAlgn="base" hangingPunct="0">
+              <a:spcBef>
+                <a:spcPct val="0"/>
+              </a:spcBef>
+              <a:spcAft>
+                <a:spcPct val="0"/>
+              </a:spcAft>
+              <a:defRPr>
+                <a:solidFill>
+                  <a:schemeClr val="tx1"/>
+                </a:solidFill>
+                <a:latin typeface="Calibri" panose="020F0502020204030204" pitchFamily="34" charset="0"/>
+              </a:defRPr>
+            </a:lvl8pPr>
+            <a:lvl9pPr marL="3886200" indent="-228600" eaLnBrk="0" fontAlgn="base" hangingPunct="0">
+              <a:spcBef>
+                <a:spcPct val="0"/>
+              </a:spcBef>
+              <a:spcAft>
+                <a:spcPct val="0"/>
+              </a:spcAft>
+              <a:defRPr>
+                <a:solidFill>
+                  <a:schemeClr val="tx1"/>
+                </a:solidFill>
+                <a:latin typeface="Calibri" panose="020F0502020204030204" pitchFamily="34" charset="0"/>
+              </a:defRPr>
+            </a:lvl9pPr>
+          </a:lstStyle>
+          <a:p>
+            <a:pPr algn="ctr" eaLnBrk="1" hangingPunct="1"/>
+            <a:r>
+              <a:rPr lang="en-US" altLang="en-US" sz="1200" dirty="0">
+                <a:latin typeface="Arial" panose="020B0604020202020204" pitchFamily="34" charset="0"/>
+                <a:ea typeface="Amazon Ember" panose="020B0603020204020204" pitchFamily="34" charset="0"/>
+                <a:cs typeface="Arial" panose="020B0604020202020204" pitchFamily="34" charset="0"/>
+              </a:rPr>
+              <a:t>Instance</a:t>
             </a:r>
           </a:p>
         </p:txBody>
       </p:sp>
       <p:pic>
         <p:nvPicPr>
-          <p:cNvPr id="51" name="Graphic 35">
+          <p:cNvPr id="45" name="Graphic 60">
             <a:extLst>
               <a:ext uri="{FF2B5EF4-FFF2-40B4-BE49-F238E27FC236}">
-                <a16:creationId xmlns:a16="http://schemas.microsoft.com/office/drawing/2014/main" id="{D56749CA-BE7A-4990-875E-F72511A83FAA}"/>
+                <a16:creationId xmlns:a16="http://schemas.microsoft.com/office/drawing/2014/main" id="{8AB11BD1-2859-440D-91FA-8575AD868A31}"/>
               </a:ext>
             </a:extLst>
           </p:cNvPr>
@@ -4465,6 +5006,15 @@
         <p:blipFill>
           <a:blip r:embed="rId3">
             <a:extLst>
+              <a:ext uri="{BEBA8EAE-BF5A-486C-A8C5-ECC9F3942E4B}">
+                <a14:imgProps xmlns:a14="http://schemas.microsoft.com/office/drawing/2010/main">
+                  <a14:imgLayer r:embed="rId4">
+                    <a14:imgEffect>
+                      <a14:artisticBlur/>
+                    </a14:imgEffect>
+                  </a14:imgLayer>
+                </a14:imgProps>
+              </a:ext>
               <a:ext uri="{28A0092B-C50C-407E-A947-70E740481C1C}">
                 <a14:useLocalDpi xmlns:a14="http://schemas.microsoft.com/office/drawing/2010/main" val="0"/>
               </a:ext>
@@ -4477,7 +5027,7 @@
         </p:blipFill>
         <p:spPr bwMode="auto">
           <a:xfrm>
-            <a:off x="3291840" y="3108960"/>
+            <a:off x="9028745" y="6651590"/>
             <a:ext cx="457200" cy="457200"/>
           </a:xfrm>
           <a:prstGeom prst="rect">
@@ -4510,10 +5060,10 @@
       </p:pic>
       <p:sp>
         <p:nvSpPr>
-          <p:cNvPr id="52" name="TextBox 17">
+          <p:cNvPr id="46" name="TextBox 16">
             <a:extLst>
               <a:ext uri="{FF2B5EF4-FFF2-40B4-BE49-F238E27FC236}">
-                <a16:creationId xmlns:a16="http://schemas.microsoft.com/office/drawing/2014/main" id="{636BD9B1-D136-4393-A738-BC142481DF7E}"/>
+                <a16:creationId xmlns:a16="http://schemas.microsoft.com/office/drawing/2014/main" id="{DD87D687-AE99-465F-82D2-8A15291BCF7C}"/>
               </a:ext>
             </a:extLst>
           </p:cNvPr>
@@ -4524,8 +5074,8 @@
         </p:nvSpPr>
         <p:spPr bwMode="auto">
           <a:xfrm>
-            <a:off x="6472329" y="3566160"/>
-            <a:ext cx="1234766" cy="261610"/>
+            <a:off x="8699372" y="7111099"/>
+            <a:ext cx="1115568" cy="276999"/>
           </a:xfrm>
           <a:prstGeom prst="rect">
             <a:avLst/>
@@ -4555,7 +5105,7 @@
           </a:extLst>
         </p:spPr>
         <p:txBody>
-          <a:bodyPr wrap="square">
+          <a:bodyPr wrap="square" lIns="0" rIns="0">
             <a:spAutoFit/>
           </a:bodyPr>
           <a:lstStyle>
@@ -4659,47 +5209,34 @@
           <a:p>
             <a:pPr algn="ctr" eaLnBrk="1" hangingPunct="1"/>
             <a:r>
-              <a:rPr lang="en-US" altLang="en-US" sz="1100" dirty="0">
+              <a:rPr lang="en-US" altLang="en-US" sz="1200" dirty="0">
                 <a:latin typeface="Arial" panose="020B0604020202020204" pitchFamily="34" charset="0"/>
                 <a:ea typeface="Amazon Ember" panose="020B0603020204020204" pitchFamily="34" charset="0"/>
                 <a:cs typeface="Arial" panose="020B0604020202020204" pitchFamily="34" charset="0"/>
               </a:rPr>
-              <a:t>NAT gateway</a:t>
-            </a:r>
-          </a:p>
-        </p:txBody>
-      </p:sp>
-      <p:pic>
-        <p:nvPicPr>
-          <p:cNvPr id="54" name="Graphic 35">
+              <a:t>Instance</a:t>
+            </a:r>
+          </a:p>
+        </p:txBody>
+      </p:sp>
+      <p:sp>
+        <p:nvSpPr>
+          <p:cNvPr id="53" name="TextBox 19">
             <a:extLst>
               <a:ext uri="{FF2B5EF4-FFF2-40B4-BE49-F238E27FC236}">
-                <a16:creationId xmlns:a16="http://schemas.microsoft.com/office/drawing/2014/main" id="{27ACCC8D-1A38-4753-99D5-94A2D2AA1ECC}"/>
+                <a16:creationId xmlns:a16="http://schemas.microsoft.com/office/drawing/2014/main" id="{4C98F1D9-89D6-4187-9D44-D191687DB722}"/>
               </a:ext>
             </a:extLst>
           </p:cNvPr>
-          <p:cNvPicPr>
-            <a:picLocks noChangeAspect="1" noChangeArrowheads="1"/>
-          </p:cNvPicPr>
+          <p:cNvSpPr txBox="1">
+            <a:spLocks noChangeArrowheads="1"/>
+          </p:cNvSpPr>
           <p:nvPr/>
-        </p:nvPicPr>
-        <p:blipFill>
-          <a:blip r:embed="rId3">
-            <a:extLst>
-              <a:ext uri="{28A0092B-C50C-407E-A947-70E740481C1C}">
-                <a14:useLocalDpi xmlns:a14="http://schemas.microsoft.com/office/drawing/2010/main" val="0"/>
-              </a:ext>
-            </a:extLst>
-          </a:blip>
-          <a:srcRect/>
-          <a:stretch>
-            <a:fillRect/>
-          </a:stretch>
-        </p:blipFill>
+        </p:nvSpPr>
         <p:spPr bwMode="auto">
           <a:xfrm>
-            <a:off x="6858000" y="3108960"/>
-            <a:ext cx="457200" cy="457200"/>
+            <a:off x="2090816" y="856947"/>
+            <a:ext cx="12388033" cy="1508105"/>
           </a:xfrm>
           <a:prstGeom prst="rect">
             <a:avLst/>
@@ -4728,739 +5265,208 @@
             </a:ext>
           </a:extLst>
         </p:spPr>
-      </p:pic>
-      <p:pic>
-        <p:nvPicPr>
-          <p:cNvPr id="55" name="Graphic 21">
+        <p:txBody>
+          <a:bodyPr wrap="square">
+            <a:spAutoFit/>
+          </a:bodyPr>
+          <a:lstStyle>
+            <a:lvl1pPr>
+              <a:defRPr>
+                <a:solidFill>
+                  <a:schemeClr val="tx1"/>
+                </a:solidFill>
+                <a:latin typeface="Calibri" panose="020F0502020204030204" pitchFamily="34" charset="0"/>
+              </a:defRPr>
+            </a:lvl1pPr>
+            <a:lvl2pPr marL="742950" indent="-285750">
+              <a:defRPr>
+                <a:solidFill>
+                  <a:schemeClr val="tx1"/>
+                </a:solidFill>
+                <a:latin typeface="Calibri" panose="020F0502020204030204" pitchFamily="34" charset="0"/>
+              </a:defRPr>
+            </a:lvl2pPr>
+            <a:lvl3pPr marL="1143000" indent="-228600">
+              <a:defRPr>
+                <a:solidFill>
+                  <a:schemeClr val="tx1"/>
+                </a:solidFill>
+                <a:latin typeface="Calibri" panose="020F0502020204030204" pitchFamily="34" charset="0"/>
+              </a:defRPr>
+            </a:lvl3pPr>
+            <a:lvl4pPr marL="1600200" indent="-228600">
+              <a:defRPr>
+                <a:solidFill>
+                  <a:schemeClr val="tx1"/>
+                </a:solidFill>
+                <a:latin typeface="Calibri" panose="020F0502020204030204" pitchFamily="34" charset="0"/>
+              </a:defRPr>
+            </a:lvl4pPr>
+            <a:lvl5pPr marL="2057400" indent="-228600">
+              <a:defRPr>
+                <a:solidFill>
+                  <a:schemeClr val="tx1"/>
+                </a:solidFill>
+                <a:latin typeface="Calibri" panose="020F0502020204030204" pitchFamily="34" charset="0"/>
+              </a:defRPr>
+            </a:lvl5pPr>
+            <a:lvl6pPr marL="2514600" indent="-228600" eaLnBrk="0" fontAlgn="base" hangingPunct="0">
+              <a:spcBef>
+                <a:spcPct val="0"/>
+              </a:spcBef>
+              <a:spcAft>
+                <a:spcPct val="0"/>
+              </a:spcAft>
+              <a:defRPr>
+                <a:solidFill>
+                  <a:schemeClr val="tx1"/>
+                </a:solidFill>
+                <a:latin typeface="Calibri" panose="020F0502020204030204" pitchFamily="34" charset="0"/>
+              </a:defRPr>
+            </a:lvl6pPr>
+            <a:lvl7pPr marL="2971800" indent="-228600" eaLnBrk="0" fontAlgn="base" hangingPunct="0">
+              <a:spcBef>
+                <a:spcPct val="0"/>
+              </a:spcBef>
+              <a:spcAft>
+                <a:spcPct val="0"/>
+              </a:spcAft>
+              <a:defRPr>
+                <a:solidFill>
+                  <a:schemeClr val="tx1"/>
+                </a:solidFill>
+                <a:latin typeface="Calibri" panose="020F0502020204030204" pitchFamily="34" charset="0"/>
+              </a:defRPr>
+            </a:lvl7pPr>
+            <a:lvl8pPr marL="3429000" indent="-228600" eaLnBrk="0" fontAlgn="base" hangingPunct="0">
+              <a:spcBef>
+                <a:spcPct val="0"/>
+              </a:spcBef>
+              <a:spcAft>
+                <a:spcPct val="0"/>
+              </a:spcAft>
+              <a:defRPr>
+                <a:solidFill>
+                  <a:schemeClr val="tx1"/>
+                </a:solidFill>
+                <a:latin typeface="Calibri" panose="020F0502020204030204" pitchFamily="34" charset="0"/>
+              </a:defRPr>
+            </a:lvl8pPr>
+            <a:lvl9pPr marL="3886200" indent="-228600" eaLnBrk="0" fontAlgn="base" hangingPunct="0">
+              <a:spcBef>
+                <a:spcPct val="0"/>
+              </a:spcBef>
+              <a:spcAft>
+                <a:spcPct val="0"/>
+              </a:spcAft>
+              <a:defRPr>
+                <a:solidFill>
+                  <a:schemeClr val="tx1"/>
+                </a:solidFill>
+                <a:latin typeface="Calibri" panose="020F0502020204030204" pitchFamily="34" charset="0"/>
+              </a:defRPr>
+            </a:lvl9pPr>
+          </a:lstStyle>
+          <a:p>
+            <a:pPr algn="ctr" eaLnBrk="1" hangingPunct="1"/>
+            <a:r>
+              <a:rPr lang="en-US" altLang="en-US" sz="2000" b="1" dirty="0">
+                <a:latin typeface="Arial" panose="020B0604020202020204" pitchFamily="34" charset="0"/>
+                <a:ea typeface="Amazon Ember" panose="020B0603020204020204" pitchFamily="34" charset="0"/>
+                <a:cs typeface="Arial" panose="020B0604020202020204" pitchFamily="34" charset="0"/>
+              </a:rPr>
+              <a:t>Example three-tier architecture</a:t>
+            </a:r>
+          </a:p>
+          <a:p>
+            <a:pPr algn="ctr" eaLnBrk="1" hangingPunct="1"/>
+            <a:r>
+              <a:rPr lang="en-US" altLang="en-US" sz="1800" dirty="0">
+                <a:latin typeface="Arial" panose="020B0604020202020204" pitchFamily="34" charset="0"/>
+                <a:ea typeface="Amazon Ember" panose="020B0603020204020204" pitchFamily="34" charset="0"/>
+                <a:cs typeface="Arial" panose="020B0604020202020204" pitchFamily="34" charset="0"/>
+              </a:rPr>
+              <a:t>Updated 4/17/2023</a:t>
+            </a:r>
+            <a:br>
+              <a:rPr lang="en-US" altLang="en-US" sz="1800" dirty="0">
+                <a:latin typeface="Arial" panose="020B0604020202020204" pitchFamily="34" charset="0"/>
+                <a:ea typeface="Amazon Ember" panose="020B0603020204020204" pitchFamily="34" charset="0"/>
+                <a:cs typeface="Arial" panose="020B0604020202020204" pitchFamily="34" charset="0"/>
+              </a:rPr>
+            </a:br>
+            <a:br>
+              <a:rPr lang="en-US" altLang="en-US" sz="1800" dirty="0">
+                <a:latin typeface="Arial" panose="020B0604020202020204" pitchFamily="34" charset="0"/>
+                <a:ea typeface="Amazon Ember" panose="020B0603020204020204" pitchFamily="34" charset="0"/>
+                <a:cs typeface="Arial" panose="020B0604020202020204" pitchFamily="34" charset="0"/>
+              </a:rPr>
+            </a:br>
+            <a:r>
+              <a:rPr lang="en-US" altLang="en-US" sz="1800" dirty="0">
+                <a:latin typeface="Arial" panose="020B0604020202020204" pitchFamily="34" charset="0"/>
+                <a:ea typeface="Amazon Ember" panose="020B0603020204020204" pitchFamily="34" charset="0"/>
+                <a:cs typeface="Arial" panose="020B0604020202020204" pitchFamily="34" charset="0"/>
+              </a:rPr>
+              <a:t>For your diagrams, download the latest PowerPoint deck (“toolkit”) from the </a:t>
+            </a:r>
+            <a:r>
+              <a:rPr lang="en-US" altLang="en-US" sz="1800" dirty="0">
+                <a:latin typeface="Arial" panose="020B0604020202020204" pitchFamily="34" charset="0"/>
+                <a:ea typeface="Amazon Ember" panose="020B0603020204020204" pitchFamily="34" charset="0"/>
+                <a:cs typeface="Arial" panose="020B0604020202020204" pitchFamily="34" charset="0"/>
+                <a:hlinkClick r:id="rId5"/>
+              </a:rPr>
+              <a:t>AWS Architecture Icons</a:t>
+            </a:r>
+            <a:r>
+              <a:rPr lang="en-US" altLang="en-US" sz="1800" dirty="0">
+                <a:latin typeface="Arial" panose="020B0604020202020204" pitchFamily="34" charset="0"/>
+                <a:ea typeface="Amazon Ember" panose="020B0603020204020204" pitchFamily="34" charset="0"/>
+                <a:cs typeface="Arial" panose="020B0604020202020204" pitchFamily="34" charset="0"/>
+              </a:rPr>
+              <a:t> page. </a:t>
+            </a:r>
+            <a:br>
+              <a:rPr lang="en-US" altLang="en-US" sz="1800" dirty="0">
+                <a:latin typeface="Arial" panose="020B0604020202020204" pitchFamily="34" charset="0"/>
+                <a:ea typeface="Amazon Ember" panose="020B0603020204020204" pitchFamily="34" charset="0"/>
+                <a:cs typeface="Arial" panose="020B0604020202020204" pitchFamily="34" charset="0"/>
+              </a:rPr>
+            </a:br>
+            <a:r>
+              <a:rPr lang="en-US" altLang="en-US" sz="1800" dirty="0">
+                <a:latin typeface="Arial" panose="020B0604020202020204" pitchFamily="34" charset="0"/>
+                <a:ea typeface="Amazon Ember" panose="020B0603020204020204" pitchFamily="34" charset="0"/>
+                <a:cs typeface="Arial" panose="020B0604020202020204" pitchFamily="34" charset="0"/>
+              </a:rPr>
+              <a:t>Use only the elements in that deck, which is updated quarterly.</a:t>
+            </a:r>
+          </a:p>
+        </p:txBody>
+      </p:sp>
+      <p:sp>
+        <p:nvSpPr>
+          <p:cNvPr id="62" name="Rectangle 61">
             <a:extLst>
               <a:ext uri="{FF2B5EF4-FFF2-40B4-BE49-F238E27FC236}">
-                <a16:creationId xmlns:a16="http://schemas.microsoft.com/office/drawing/2014/main" id="{4A31E16D-5D46-4D94-AE4C-CF4C7D4A1D88}"/>
+                <a16:creationId xmlns:a16="http://schemas.microsoft.com/office/drawing/2014/main" id="{63783ADC-49F9-4791-90C9-CCE500CE7E22}"/>
               </a:ext>
             </a:extLst>
           </p:cNvPr>
-          <p:cNvPicPr>
-            <a:picLocks noChangeAspect="1" noChangeArrowheads="1"/>
-          </p:cNvPicPr>
+          <p:cNvSpPr/>
           <p:nvPr/>
-        </p:nvPicPr>
-        <p:blipFill>
-          <a:blip r:embed="rId4">
-            <a:extLst>
-              <a:ext uri="{28A0092B-C50C-407E-A947-70E740481C1C}">
-                <a14:useLocalDpi xmlns:a14="http://schemas.microsoft.com/office/drawing/2010/main" val="0"/>
-              </a:ext>
-            </a:extLst>
-          </a:blip>
-          <a:srcRect/>
-          <a:stretch>
-            <a:fillRect/>
-          </a:stretch>
-        </p:blipFill>
+        </p:nvSpPr>
         <p:spPr bwMode="auto">
           <a:xfrm>
-            <a:off x="10149840" y="2281191"/>
-            <a:ext cx="762000" cy="762000"/>
+            <a:off x="3642406" y="3200400"/>
+            <a:ext cx="9238344" cy="6035040"/>
           </a:xfrm>
           <a:prstGeom prst="rect">
             <a:avLst/>
           </a:prstGeom>
           <a:noFill/>
-          <a:ln>
-            <a:noFill/>
-          </a:ln>
-          <a:extLst>
-            <a:ext uri="{909E8E84-426E-40DD-AFC4-6F175D3DCCD1}">
-              <a14:hiddenFill xmlns:a14="http://schemas.microsoft.com/office/drawing/2010/main">
-                <a:solidFill>
-                  <a:srgbClr val="FFFFFF"/>
-                </a:solidFill>
-              </a14:hiddenFill>
-            </a:ext>
-            <a:ext uri="{91240B29-F687-4F45-9708-019B960494DF}">
-              <a14:hiddenLine xmlns:a14="http://schemas.microsoft.com/office/drawing/2010/main" w="9525">
-                <a:solidFill>
-                  <a:srgbClr val="000000"/>
-                </a:solidFill>
-                <a:miter lim="800000"/>
-                <a:headEnd/>
-                <a:tailEnd/>
-              </a14:hiddenLine>
-            </a:ext>
-          </a:extLst>
-        </p:spPr>
-      </p:pic>
-      <p:sp>
-        <p:nvSpPr>
-          <p:cNvPr id="78" name="TextBox 12">
-            <a:extLst>
-              <a:ext uri="{FF2B5EF4-FFF2-40B4-BE49-F238E27FC236}">
-                <a16:creationId xmlns:a16="http://schemas.microsoft.com/office/drawing/2014/main" id="{BC2B21E1-83DD-4D52-832A-F82A77FEA668}"/>
-              </a:ext>
-            </a:extLst>
-          </p:cNvPr>
-          <p:cNvSpPr txBox="1">
-            <a:spLocks noChangeArrowheads="1"/>
-          </p:cNvSpPr>
-          <p:nvPr/>
-        </p:nvSpPr>
-        <p:spPr bwMode="auto">
-          <a:xfrm>
-            <a:off x="9691390" y="3044297"/>
-            <a:ext cx="1682079" cy="276999"/>
-          </a:xfrm>
-          <a:prstGeom prst="rect">
-            <a:avLst/>
-          </a:prstGeom>
-          <a:noFill/>
-          <a:ln>
-            <a:noFill/>
-          </a:ln>
-          <a:extLst>
-            <a:ext uri="{909E8E84-426E-40DD-AFC4-6F175D3DCCD1}">
-              <a14:hiddenFill xmlns:a14="http://schemas.microsoft.com/office/drawing/2010/main">
-                <a:solidFill>
-                  <a:srgbClr val="FFFFFF"/>
-                </a:solidFill>
-              </a14:hiddenFill>
-            </a:ext>
-            <a:ext uri="{91240B29-F687-4F45-9708-019B960494DF}">
-              <a14:hiddenLine xmlns:a14="http://schemas.microsoft.com/office/drawing/2010/main" w="9525">
-                <a:solidFill>
-                  <a:srgbClr val="000000"/>
-                </a:solidFill>
-                <a:miter lim="800000"/>
-                <a:headEnd/>
-                <a:tailEnd/>
-              </a14:hiddenLine>
-            </a:ext>
-          </a:extLst>
-        </p:spPr>
-        <p:txBody>
-          <a:bodyPr wrap="square">
-            <a:spAutoFit/>
-          </a:bodyPr>
-          <a:lstStyle>
-            <a:lvl1pPr>
-              <a:defRPr>
-                <a:solidFill>
-                  <a:schemeClr val="tx1"/>
-                </a:solidFill>
-                <a:latin typeface="Calibri" panose="020F0502020204030204" pitchFamily="34" charset="0"/>
-              </a:defRPr>
-            </a:lvl1pPr>
-            <a:lvl2pPr marL="742950" indent="-285750">
-              <a:defRPr>
-                <a:solidFill>
-                  <a:schemeClr val="tx1"/>
-                </a:solidFill>
-                <a:latin typeface="Calibri" panose="020F0502020204030204" pitchFamily="34" charset="0"/>
-              </a:defRPr>
-            </a:lvl2pPr>
-            <a:lvl3pPr marL="1143000" indent="-228600">
-              <a:defRPr>
-                <a:solidFill>
-                  <a:schemeClr val="tx1"/>
-                </a:solidFill>
-                <a:latin typeface="Calibri" panose="020F0502020204030204" pitchFamily="34" charset="0"/>
-              </a:defRPr>
-            </a:lvl3pPr>
-            <a:lvl4pPr marL="1600200" indent="-228600">
-              <a:defRPr>
-                <a:solidFill>
-                  <a:schemeClr val="tx1"/>
-                </a:solidFill>
-                <a:latin typeface="Calibri" panose="020F0502020204030204" pitchFamily="34" charset="0"/>
-              </a:defRPr>
-            </a:lvl4pPr>
-            <a:lvl5pPr marL="2057400" indent="-228600">
-              <a:defRPr>
-                <a:solidFill>
-                  <a:schemeClr val="tx1"/>
-                </a:solidFill>
-                <a:latin typeface="Calibri" panose="020F0502020204030204" pitchFamily="34" charset="0"/>
-              </a:defRPr>
-            </a:lvl5pPr>
-            <a:lvl6pPr marL="2514600" indent="-228600" eaLnBrk="0" fontAlgn="base" hangingPunct="0">
-              <a:spcBef>
-                <a:spcPct val="0"/>
-              </a:spcBef>
-              <a:spcAft>
-                <a:spcPct val="0"/>
-              </a:spcAft>
-              <a:defRPr>
-                <a:solidFill>
-                  <a:schemeClr val="tx1"/>
-                </a:solidFill>
-                <a:latin typeface="Calibri" panose="020F0502020204030204" pitchFamily="34" charset="0"/>
-              </a:defRPr>
-            </a:lvl6pPr>
-            <a:lvl7pPr marL="2971800" indent="-228600" eaLnBrk="0" fontAlgn="base" hangingPunct="0">
-              <a:spcBef>
-                <a:spcPct val="0"/>
-              </a:spcBef>
-              <a:spcAft>
-                <a:spcPct val="0"/>
-              </a:spcAft>
-              <a:defRPr>
-                <a:solidFill>
-                  <a:schemeClr val="tx1"/>
-                </a:solidFill>
-                <a:latin typeface="Calibri" panose="020F0502020204030204" pitchFamily="34" charset="0"/>
-              </a:defRPr>
-            </a:lvl7pPr>
-            <a:lvl8pPr marL="3429000" indent="-228600" eaLnBrk="0" fontAlgn="base" hangingPunct="0">
-              <a:spcBef>
-                <a:spcPct val="0"/>
-              </a:spcBef>
-              <a:spcAft>
-                <a:spcPct val="0"/>
-              </a:spcAft>
-              <a:defRPr>
-                <a:solidFill>
-                  <a:schemeClr val="tx1"/>
-                </a:solidFill>
-                <a:latin typeface="Calibri" panose="020F0502020204030204" pitchFamily="34" charset="0"/>
-              </a:defRPr>
-            </a:lvl8pPr>
-            <a:lvl9pPr marL="3886200" indent="-228600" eaLnBrk="0" fontAlgn="base" hangingPunct="0">
-              <a:spcBef>
-                <a:spcPct val="0"/>
-              </a:spcBef>
-              <a:spcAft>
-                <a:spcPct val="0"/>
-              </a:spcAft>
-              <a:defRPr>
-                <a:solidFill>
-                  <a:schemeClr val="tx1"/>
-                </a:solidFill>
-                <a:latin typeface="Calibri" panose="020F0502020204030204" pitchFamily="34" charset="0"/>
-              </a:defRPr>
-            </a:lvl9pPr>
-          </a:lstStyle>
-          <a:p>
-            <a:pPr algn="ctr" eaLnBrk="1" hangingPunct="1"/>
-            <a:r>
-              <a:rPr lang="en-US" altLang="en-US" sz="1200" dirty="0">
-                <a:latin typeface="Arial" panose="020B0604020202020204" pitchFamily="34" charset="0"/>
-                <a:ea typeface="Amazon Ember" panose="020B0603020204020204" pitchFamily="34" charset="0"/>
-                <a:cs typeface="Arial" panose="020B0604020202020204" pitchFamily="34" charset="0"/>
-              </a:rPr>
-              <a:t>Route 53</a:t>
-            </a:r>
-          </a:p>
-        </p:txBody>
-      </p:sp>
-      <p:sp>
-        <p:nvSpPr>
-          <p:cNvPr id="94" name="Rectangle 93">
-            <a:extLst>
-              <a:ext uri="{FF2B5EF4-FFF2-40B4-BE49-F238E27FC236}">
-                <a16:creationId xmlns:a16="http://schemas.microsoft.com/office/drawing/2014/main" id="{00CDB4F2-667B-4364-BD8C-50905240D8A6}"/>
-              </a:ext>
-            </a:extLst>
-          </p:cNvPr>
-          <p:cNvSpPr/>
-          <p:nvPr/>
-        </p:nvSpPr>
-        <p:spPr>
-          <a:xfrm>
-            <a:off x="3017520" y="4758407"/>
-            <a:ext cx="4572000" cy="1005840"/>
-          </a:xfrm>
-          <a:prstGeom prst="rect">
-            <a:avLst/>
-          </a:prstGeom>
-          <a:noFill/>
-          <a:ln w="12700">
-            <a:solidFill>
-              <a:srgbClr val="D86613"/>
-            </a:solidFill>
-            <a:prstDash val="dash"/>
-          </a:ln>
-        </p:spPr>
-        <p:style>
-          <a:lnRef idx="2">
-            <a:schemeClr val="accent1">
-              <a:shade val="50000"/>
-            </a:schemeClr>
-          </a:lnRef>
-          <a:fillRef idx="1">
-            <a:schemeClr val="accent1"/>
-          </a:fillRef>
-          <a:effectRef idx="0">
-            <a:schemeClr val="accent1"/>
-          </a:effectRef>
-          <a:fontRef idx="minor">
-            <a:schemeClr val="lt1"/>
-          </a:fontRef>
-        </p:style>
-        <p:txBody>
-          <a:bodyPr tIns="91440"/>
-          <a:lstStyle/>
-          <a:p>
-            <a:pPr algn="ctr">
-              <a:defRPr/>
-            </a:pPr>
-            <a:endParaRPr lang="en-US" sz="1200" dirty="0">
-              <a:solidFill>
-                <a:srgbClr val="D86613"/>
-              </a:solidFill>
-              <a:latin typeface="Arial" panose="020B0604020202020204" pitchFamily="34" charset="0"/>
-              <a:cs typeface="Arial" panose="020B0604020202020204" pitchFamily="34" charset="0"/>
-            </a:endParaRPr>
-          </a:p>
-          <a:p>
-            <a:pPr algn="ctr">
-              <a:defRPr/>
-            </a:pPr>
-            <a:endParaRPr lang="en-US" sz="1200" dirty="0">
-              <a:solidFill>
-                <a:srgbClr val="D86613"/>
-              </a:solidFill>
-              <a:latin typeface="Arial" panose="020B0604020202020204" pitchFamily="34" charset="0"/>
-              <a:cs typeface="Arial" panose="020B0604020202020204" pitchFamily="34" charset="0"/>
-            </a:endParaRPr>
-          </a:p>
-          <a:p>
-            <a:pPr algn="ctr">
-              <a:defRPr/>
-            </a:pPr>
-            <a:r>
-              <a:rPr lang="en-US" sz="1200" dirty="0">
-                <a:solidFill>
-                  <a:srgbClr val="D86613"/>
-                </a:solidFill>
-                <a:latin typeface="Arial" panose="020B0604020202020204" pitchFamily="34" charset="0"/>
-                <a:cs typeface="Arial" panose="020B0604020202020204" pitchFamily="34" charset="0"/>
-              </a:rPr>
-              <a:t>Auto Scaling group</a:t>
-            </a:r>
-          </a:p>
-        </p:txBody>
-      </p:sp>
-      <p:pic>
-        <p:nvPicPr>
-          <p:cNvPr id="95" name="Graphic 94">
-            <a:extLst>
-              <a:ext uri="{FF2B5EF4-FFF2-40B4-BE49-F238E27FC236}">
-                <a16:creationId xmlns:a16="http://schemas.microsoft.com/office/drawing/2014/main" id="{25FB2BD9-C7CD-4368-9683-15253F724C59}"/>
-              </a:ext>
-            </a:extLst>
-          </p:cNvPr>
-          <p:cNvPicPr>
-            <a:picLocks noChangeAspect="1"/>
-          </p:cNvPicPr>
-          <p:nvPr/>
-        </p:nvPicPr>
-        <p:blipFill>
-          <a:blip r:embed="rId5">
-            <a:extLst>
-              <a:ext uri="{96DAC541-7B7A-43D3-8B79-37D633B846F1}">
-                <asvg:svgBlip xmlns:asvg="http://schemas.microsoft.com/office/drawing/2016/SVG/main" r:embed="rId6"/>
-              </a:ext>
-            </a:extLst>
-          </a:blip>
-          <a:stretch>
-            <a:fillRect/>
-          </a:stretch>
-        </p:blipFill>
-        <p:spPr>
-          <a:xfrm>
-            <a:off x="5113020" y="4754880"/>
-            <a:ext cx="381000" cy="381000"/>
-          </a:xfrm>
-          <a:prstGeom prst="rect">
-            <a:avLst/>
-          </a:prstGeom>
-        </p:spPr>
-      </p:pic>
-      <p:pic>
-        <p:nvPicPr>
-          <p:cNvPr id="97" name="Graphic 19">
-            <a:extLst>
-              <a:ext uri="{FF2B5EF4-FFF2-40B4-BE49-F238E27FC236}">
-                <a16:creationId xmlns:a16="http://schemas.microsoft.com/office/drawing/2014/main" id="{19368E6B-D80F-41B2-9401-BEE67FAE27BA}"/>
-              </a:ext>
-            </a:extLst>
-          </p:cNvPr>
-          <p:cNvPicPr>
-            <a:picLocks noChangeAspect="1" noChangeArrowheads="1"/>
-          </p:cNvPicPr>
-          <p:nvPr/>
-        </p:nvPicPr>
-        <p:blipFill>
-          <a:blip r:embed="rId7">
-            <a:extLst>
-              <a:ext uri="{28A0092B-C50C-407E-A947-70E740481C1C}">
-                <a14:useLocalDpi xmlns:a14="http://schemas.microsoft.com/office/drawing/2010/main" val="0"/>
-              </a:ext>
-            </a:extLst>
-          </a:blip>
-          <a:srcRect/>
-          <a:stretch>
-            <a:fillRect/>
-          </a:stretch>
-        </p:blipFill>
-        <p:spPr bwMode="auto">
-          <a:xfrm>
-            <a:off x="8595360" y="2651760"/>
-            <a:ext cx="762000" cy="762000"/>
-          </a:xfrm>
-          <a:prstGeom prst="rect">
-            <a:avLst/>
-          </a:prstGeom>
-          <a:noFill/>
-          <a:ln>
-            <a:noFill/>
-          </a:ln>
-          <a:extLst>
-            <a:ext uri="{909E8E84-426E-40DD-AFC4-6F175D3DCCD1}">
-              <a14:hiddenFill xmlns:a14="http://schemas.microsoft.com/office/drawing/2010/main">
-                <a:solidFill>
-                  <a:srgbClr val="FFFFFF"/>
-                </a:solidFill>
-              </a14:hiddenFill>
-            </a:ext>
-            <a:ext uri="{91240B29-F687-4F45-9708-019B960494DF}">
-              <a14:hiddenLine xmlns:a14="http://schemas.microsoft.com/office/drawing/2010/main" w="9525">
-                <a:solidFill>
-                  <a:srgbClr val="000000"/>
-                </a:solidFill>
-                <a:miter lim="800000"/>
-                <a:headEnd/>
-                <a:tailEnd/>
-              </a14:hiddenLine>
-            </a:ext>
-          </a:extLst>
-        </p:spPr>
-      </p:pic>
-      <p:sp>
-        <p:nvSpPr>
-          <p:cNvPr id="98" name="TextBox 11">
-            <a:extLst>
-              <a:ext uri="{FF2B5EF4-FFF2-40B4-BE49-F238E27FC236}">
-                <a16:creationId xmlns:a16="http://schemas.microsoft.com/office/drawing/2014/main" id="{A91647E5-CE0D-4DC9-A3B0-D11F91D1391A}"/>
-              </a:ext>
-            </a:extLst>
-          </p:cNvPr>
-          <p:cNvSpPr txBox="1">
-            <a:spLocks noChangeArrowheads="1"/>
-          </p:cNvSpPr>
-          <p:nvPr/>
-        </p:nvSpPr>
-        <p:spPr bwMode="auto">
-          <a:xfrm>
-            <a:off x="8427720" y="3419281"/>
-            <a:ext cx="1097280" cy="276999"/>
-          </a:xfrm>
-          <a:prstGeom prst="rect">
-            <a:avLst/>
-          </a:prstGeom>
-          <a:noFill/>
-          <a:ln>
-            <a:noFill/>
-          </a:ln>
-          <a:extLst>
-            <a:ext uri="{909E8E84-426E-40DD-AFC4-6F175D3DCCD1}">
-              <a14:hiddenFill xmlns:a14="http://schemas.microsoft.com/office/drawing/2010/main">
-                <a:solidFill>
-                  <a:srgbClr val="FFFFFF"/>
-                </a:solidFill>
-              </a14:hiddenFill>
-            </a:ext>
-            <a:ext uri="{91240B29-F687-4F45-9708-019B960494DF}">
-              <a14:hiddenLine xmlns:a14="http://schemas.microsoft.com/office/drawing/2010/main" w="9525">
-                <a:solidFill>
-                  <a:srgbClr val="000000"/>
-                </a:solidFill>
-                <a:miter lim="800000"/>
-                <a:headEnd/>
-                <a:tailEnd/>
-              </a14:hiddenLine>
-            </a:ext>
-          </a:extLst>
-        </p:spPr>
-        <p:txBody>
-          <a:bodyPr wrap="square">
-            <a:spAutoFit/>
-          </a:bodyPr>
-          <a:lstStyle>
-            <a:lvl1pPr>
-              <a:defRPr>
-                <a:solidFill>
-                  <a:schemeClr val="tx1"/>
-                </a:solidFill>
-                <a:latin typeface="Calibri" panose="020F0502020204030204" pitchFamily="34" charset="0"/>
-              </a:defRPr>
-            </a:lvl1pPr>
-            <a:lvl2pPr marL="742950" indent="-285750">
-              <a:defRPr>
-                <a:solidFill>
-                  <a:schemeClr val="tx1"/>
-                </a:solidFill>
-                <a:latin typeface="Calibri" panose="020F0502020204030204" pitchFamily="34" charset="0"/>
-              </a:defRPr>
-            </a:lvl2pPr>
-            <a:lvl3pPr marL="1143000" indent="-228600">
-              <a:defRPr>
-                <a:solidFill>
-                  <a:schemeClr val="tx1"/>
-                </a:solidFill>
-                <a:latin typeface="Calibri" panose="020F0502020204030204" pitchFamily="34" charset="0"/>
-              </a:defRPr>
-            </a:lvl3pPr>
-            <a:lvl4pPr marL="1600200" indent="-228600">
-              <a:defRPr>
-                <a:solidFill>
-                  <a:schemeClr val="tx1"/>
-                </a:solidFill>
-                <a:latin typeface="Calibri" panose="020F0502020204030204" pitchFamily="34" charset="0"/>
-              </a:defRPr>
-            </a:lvl4pPr>
-            <a:lvl5pPr marL="2057400" indent="-228600">
-              <a:defRPr>
-                <a:solidFill>
-                  <a:schemeClr val="tx1"/>
-                </a:solidFill>
-                <a:latin typeface="Calibri" panose="020F0502020204030204" pitchFamily="34" charset="0"/>
-              </a:defRPr>
-            </a:lvl5pPr>
-            <a:lvl6pPr marL="2514600" indent="-228600" eaLnBrk="0" fontAlgn="base" hangingPunct="0">
-              <a:spcBef>
-                <a:spcPct val="0"/>
-              </a:spcBef>
-              <a:spcAft>
-                <a:spcPct val="0"/>
-              </a:spcAft>
-              <a:defRPr>
-                <a:solidFill>
-                  <a:schemeClr val="tx1"/>
-                </a:solidFill>
-                <a:latin typeface="Calibri" panose="020F0502020204030204" pitchFamily="34" charset="0"/>
-              </a:defRPr>
-            </a:lvl6pPr>
-            <a:lvl7pPr marL="2971800" indent="-228600" eaLnBrk="0" fontAlgn="base" hangingPunct="0">
-              <a:spcBef>
-                <a:spcPct val="0"/>
-              </a:spcBef>
-              <a:spcAft>
-                <a:spcPct val="0"/>
-              </a:spcAft>
-              <a:defRPr>
-                <a:solidFill>
-                  <a:schemeClr val="tx1"/>
-                </a:solidFill>
-                <a:latin typeface="Calibri" panose="020F0502020204030204" pitchFamily="34" charset="0"/>
-              </a:defRPr>
-            </a:lvl7pPr>
-            <a:lvl8pPr marL="3429000" indent="-228600" eaLnBrk="0" fontAlgn="base" hangingPunct="0">
-              <a:spcBef>
-                <a:spcPct val="0"/>
-              </a:spcBef>
-              <a:spcAft>
-                <a:spcPct val="0"/>
-              </a:spcAft>
-              <a:defRPr>
-                <a:solidFill>
-                  <a:schemeClr val="tx1"/>
-                </a:solidFill>
-                <a:latin typeface="Calibri" panose="020F0502020204030204" pitchFamily="34" charset="0"/>
-              </a:defRPr>
-            </a:lvl8pPr>
-            <a:lvl9pPr marL="3886200" indent="-228600" eaLnBrk="0" fontAlgn="base" hangingPunct="0">
-              <a:spcBef>
-                <a:spcPct val="0"/>
-              </a:spcBef>
-              <a:spcAft>
-                <a:spcPct val="0"/>
-              </a:spcAft>
-              <a:defRPr>
-                <a:solidFill>
-                  <a:schemeClr val="tx1"/>
-                </a:solidFill>
-                <a:latin typeface="Calibri" panose="020F0502020204030204" pitchFamily="34" charset="0"/>
-              </a:defRPr>
-            </a:lvl9pPr>
-          </a:lstStyle>
-          <a:p>
-            <a:pPr algn="ctr" eaLnBrk="1" hangingPunct="1"/>
-            <a:r>
-              <a:rPr lang="en-US" altLang="en-US" sz="1200" dirty="0">
-                <a:latin typeface="Arial" panose="020B0604020202020204" pitchFamily="34" charset="0"/>
-                <a:ea typeface="Amazon Ember" panose="020B0603020204020204" pitchFamily="34" charset="0"/>
-                <a:cs typeface="Arial" panose="020B0604020202020204" pitchFamily="34" charset="0"/>
-              </a:rPr>
-              <a:t>Amazon EFS</a:t>
-            </a:r>
-          </a:p>
-        </p:txBody>
-      </p:sp>
-      <p:pic>
-        <p:nvPicPr>
-          <p:cNvPr id="101" name="Graphic 100">
-            <a:extLst>
-              <a:ext uri="{FF2B5EF4-FFF2-40B4-BE49-F238E27FC236}">
-                <a16:creationId xmlns:a16="http://schemas.microsoft.com/office/drawing/2014/main" id="{3FFE10D1-27B8-40D0-929C-54DA0E1AC735}"/>
-              </a:ext>
-            </a:extLst>
-          </p:cNvPr>
-          <p:cNvPicPr>
-            <a:picLocks noChangeAspect="1"/>
-          </p:cNvPicPr>
-          <p:nvPr/>
-        </p:nvPicPr>
-        <p:blipFill>
-          <a:blip r:embed="rId8">
-            <a:extLst>
-              <a:ext uri="{96DAC541-7B7A-43D3-8B79-37D633B846F1}">
-                <asvg:svgBlip xmlns:asvg="http://schemas.microsoft.com/office/drawing/2016/SVG/main" r:embed="rId9"/>
-              </a:ext>
-            </a:extLst>
-          </a:blip>
-          <a:stretch>
-            <a:fillRect/>
-          </a:stretch>
-        </p:blipFill>
-        <p:spPr>
-          <a:xfrm>
-            <a:off x="2651760" y="2651760"/>
-            <a:ext cx="381000" cy="381000"/>
-          </a:xfrm>
-          <a:prstGeom prst="rect">
-            <a:avLst/>
-          </a:prstGeom>
-        </p:spPr>
-      </p:pic>
-      <p:pic>
-        <p:nvPicPr>
-          <p:cNvPr id="103" name="Graphic 102">
-            <a:extLst>
-              <a:ext uri="{FF2B5EF4-FFF2-40B4-BE49-F238E27FC236}">
-                <a16:creationId xmlns:a16="http://schemas.microsoft.com/office/drawing/2014/main" id="{C6AC82EE-37D3-4D0B-9BF7-6E40BDD0CE7F}"/>
-              </a:ext>
-            </a:extLst>
-          </p:cNvPr>
-          <p:cNvPicPr>
-            <a:picLocks noChangeAspect="1"/>
-          </p:cNvPicPr>
-          <p:nvPr/>
-        </p:nvPicPr>
-        <p:blipFill>
-          <a:blip r:embed="rId8">
-            <a:extLst>
-              <a:ext uri="{96DAC541-7B7A-43D3-8B79-37D633B846F1}">
-                <asvg:svgBlip xmlns:asvg="http://schemas.microsoft.com/office/drawing/2016/SVG/main" r:embed="rId9"/>
-              </a:ext>
-            </a:extLst>
-          </a:blip>
-          <a:stretch>
-            <a:fillRect/>
-          </a:stretch>
-        </p:blipFill>
-        <p:spPr>
-          <a:xfrm>
-            <a:off x="6217920" y="2651760"/>
-            <a:ext cx="381000" cy="381000"/>
-          </a:xfrm>
-          <a:prstGeom prst="rect">
-            <a:avLst/>
-          </a:prstGeom>
-        </p:spPr>
-      </p:pic>
-      <p:pic>
-        <p:nvPicPr>
-          <p:cNvPr id="105" name="Graphic 104">
-            <a:extLst>
-              <a:ext uri="{FF2B5EF4-FFF2-40B4-BE49-F238E27FC236}">
-                <a16:creationId xmlns:a16="http://schemas.microsoft.com/office/drawing/2014/main" id="{7BBF3C83-A09C-4DEC-8CF3-DB2B5A41E9EE}"/>
-              </a:ext>
-            </a:extLst>
-          </p:cNvPr>
-          <p:cNvPicPr>
-            <a:picLocks noChangeAspect="1"/>
-          </p:cNvPicPr>
-          <p:nvPr/>
-        </p:nvPicPr>
-        <p:blipFill>
-          <a:blip r:embed="rId10">
-            <a:extLst>
-              <a:ext uri="{96DAC541-7B7A-43D3-8B79-37D633B846F1}">
-                <asvg:svgBlip xmlns:asvg="http://schemas.microsoft.com/office/drawing/2016/SVG/main" r:embed="rId11"/>
-              </a:ext>
-            </a:extLst>
-          </a:blip>
-          <a:stretch>
-            <a:fillRect/>
-          </a:stretch>
-        </p:blipFill>
-        <p:spPr>
-          <a:xfrm>
-            <a:off x="2651760" y="4206240"/>
-            <a:ext cx="381000" cy="381000"/>
-          </a:xfrm>
-          <a:prstGeom prst="rect">
-            <a:avLst/>
-          </a:prstGeom>
-        </p:spPr>
-      </p:pic>
-      <p:pic>
-        <p:nvPicPr>
-          <p:cNvPr id="107" name="Graphic 106">
-            <a:extLst>
-              <a:ext uri="{FF2B5EF4-FFF2-40B4-BE49-F238E27FC236}">
-                <a16:creationId xmlns:a16="http://schemas.microsoft.com/office/drawing/2014/main" id="{B1F73AF8-1462-4DB7-BF8A-5FD7322AA95D}"/>
-              </a:ext>
-            </a:extLst>
-          </p:cNvPr>
-          <p:cNvPicPr>
-            <a:picLocks noChangeAspect="1"/>
-          </p:cNvPicPr>
-          <p:nvPr/>
-        </p:nvPicPr>
-        <p:blipFill>
-          <a:blip r:embed="rId10">
-            <a:extLst>
-              <a:ext uri="{96DAC541-7B7A-43D3-8B79-37D633B846F1}">
-                <asvg:svgBlip xmlns:asvg="http://schemas.microsoft.com/office/drawing/2016/SVG/main" r:embed="rId11"/>
-              </a:ext>
-            </a:extLst>
-          </a:blip>
-          <a:stretch>
-            <a:fillRect/>
-          </a:stretch>
-        </p:blipFill>
-        <p:spPr>
-          <a:xfrm>
-            <a:off x="6217920" y="4206240"/>
-            <a:ext cx="381000" cy="381000"/>
-          </a:xfrm>
-          <a:prstGeom prst="rect">
-            <a:avLst/>
-          </a:prstGeom>
-        </p:spPr>
-      </p:pic>
-      <p:sp>
-        <p:nvSpPr>
-          <p:cNvPr id="108" name="Rectangle 107">
-            <a:extLst>
-              <a:ext uri="{FF2B5EF4-FFF2-40B4-BE49-F238E27FC236}">
-                <a16:creationId xmlns:a16="http://schemas.microsoft.com/office/drawing/2014/main" id="{782203BC-7DA2-4635-9718-7D83D70AA868}"/>
-              </a:ext>
-            </a:extLst>
-          </p:cNvPr>
-          <p:cNvSpPr/>
-          <p:nvPr/>
-        </p:nvSpPr>
-        <p:spPr>
-          <a:xfrm>
-            <a:off x="1005840" y="1737360"/>
-            <a:ext cx="10332720" cy="5795554"/>
-          </a:xfrm>
-          <a:prstGeom prst="rect">
-            <a:avLst/>
-          </a:prstGeom>
-          <a:noFill/>
-          <a:ln w="12700">
+          <a:ln w="15875">
             <a:solidFill>
               <a:schemeClr val="tx1"/>
             </a:solidFill>
@@ -5498,7 +5504,7 @@
             <a:r>
               <a:rPr lang="en-US" sz="1200" dirty="0">
                 <a:solidFill>
-                  <a:sysClr val="windowText" lastClr="000000"/>
+                  <a:schemeClr val="tx1"/>
                 </a:solidFill>
                 <a:latin typeface="Arial" panose="020B0604020202020204" pitchFamily="34" charset="0"/>
                 <a:cs typeface="Arial" panose="020B0604020202020204" pitchFamily="34" charset="0"/>
@@ -5510,10 +5516,579 @@
       </p:sp>
       <p:pic>
         <p:nvPicPr>
-          <p:cNvPr id="109" name="Graphic 108">
+          <p:cNvPr id="63" name="Graphic 62">
             <a:extLst>
               <a:ext uri="{FF2B5EF4-FFF2-40B4-BE49-F238E27FC236}">
-                <a16:creationId xmlns:a16="http://schemas.microsoft.com/office/drawing/2014/main" id="{19553683-0154-4D12-B7B6-154E2AEAD922}"/>
+                <a16:creationId xmlns:a16="http://schemas.microsoft.com/office/drawing/2014/main" id="{A4E3CDB6-9963-4488-A3DC-0C159BC8C604}"/>
+              </a:ext>
+            </a:extLst>
+          </p:cNvPr>
+          <p:cNvPicPr>
+            <a:picLocks noChangeAspect="1"/>
+          </p:cNvPicPr>
+          <p:nvPr/>
+        </p:nvPicPr>
+        <p:blipFill>
+          <a:blip r:embed="rId6">
+            <a:extLst>
+              <a:ext uri="{96DAC541-7B7A-43D3-8B79-37D633B846F1}">
+                <asvg:svgBlip xmlns:asvg="http://schemas.microsoft.com/office/drawing/2016/SVG/main" r:embed="rId7"/>
+              </a:ext>
+            </a:extLst>
+          </a:blip>
+          <a:srcRect/>
+          <a:stretch/>
+        </p:blipFill>
+        <p:spPr>
+          <a:xfrm>
+            <a:off x="3642406" y="3200400"/>
+            <a:ext cx="381000" cy="381000"/>
+          </a:xfrm>
+          <a:prstGeom prst="rect">
+            <a:avLst/>
+          </a:prstGeom>
+        </p:spPr>
+      </p:pic>
+      <p:sp>
+        <p:nvSpPr>
+          <p:cNvPr id="66" name="Rectangle 65">
+            <a:extLst>
+              <a:ext uri="{FF2B5EF4-FFF2-40B4-BE49-F238E27FC236}">
+                <a16:creationId xmlns:a16="http://schemas.microsoft.com/office/drawing/2014/main" id="{B88E5646-E0DB-4A43-A0C7-369271328FB1}"/>
+              </a:ext>
+            </a:extLst>
+          </p:cNvPr>
+          <p:cNvSpPr/>
+          <p:nvPr/>
+        </p:nvSpPr>
+        <p:spPr bwMode="auto">
+          <a:xfrm>
+            <a:off x="4114800" y="3931919"/>
+            <a:ext cx="7498080" cy="4937760"/>
+          </a:xfrm>
+          <a:prstGeom prst="rect">
+            <a:avLst/>
+          </a:prstGeom>
+          <a:noFill/>
+          <a:ln w="15875">
+            <a:solidFill>
+              <a:srgbClr val="8C4FFF"/>
+            </a:solidFill>
+          </a:ln>
+        </p:spPr>
+        <p:style>
+          <a:lnRef idx="2">
+            <a:schemeClr val="accent1">
+              <a:shade val="50000"/>
+            </a:schemeClr>
+          </a:lnRef>
+          <a:fillRef idx="1">
+            <a:schemeClr val="accent1"/>
+          </a:fillRef>
+          <a:effectRef idx="0">
+            <a:schemeClr val="accent1"/>
+          </a:effectRef>
+          <a:fontRef idx="minor">
+            <a:schemeClr val="lt1"/>
+          </a:fontRef>
+        </p:style>
+        <p:txBody>
+          <a:bodyPr lIns="502920" tIns="91440"/>
+          <a:lstStyle/>
+          <a:p>
+            <a:pPr eaLnBrk="1" fontAlgn="auto" hangingPunct="1">
+              <a:spcBef>
+                <a:spcPts val="0"/>
+              </a:spcBef>
+              <a:spcAft>
+                <a:spcPts val="0"/>
+              </a:spcAft>
+              <a:defRPr/>
+            </a:pPr>
+            <a:r>
+              <a:rPr lang="en-US" sz="1200" dirty="0">
+                <a:ln w="0"/>
+                <a:solidFill>
+                  <a:schemeClr val="tx1"/>
+                </a:solidFill>
+                <a:latin typeface="Arial" panose="020B0604020202020204" pitchFamily="34" charset="0"/>
+                <a:cs typeface="Arial" panose="020B0604020202020204" pitchFamily="34" charset="0"/>
+              </a:rPr>
+              <a:t>VPC</a:t>
+            </a:r>
+          </a:p>
+        </p:txBody>
+      </p:sp>
+      <p:pic>
+        <p:nvPicPr>
+          <p:cNvPr id="67" name="Graphic 66">
+            <a:extLst>
+              <a:ext uri="{FF2B5EF4-FFF2-40B4-BE49-F238E27FC236}">
+                <a16:creationId xmlns:a16="http://schemas.microsoft.com/office/drawing/2014/main" id="{F97FFE73-2886-4876-B92A-41963FE87642}"/>
+              </a:ext>
+            </a:extLst>
+          </p:cNvPr>
+          <p:cNvPicPr>
+            <a:picLocks noChangeAspect="1"/>
+          </p:cNvPicPr>
+          <p:nvPr/>
+        </p:nvPicPr>
+        <p:blipFill>
+          <a:blip r:embed="rId8">
+            <a:extLst>
+              <a:ext uri="{96DAC541-7B7A-43D3-8B79-37D633B846F1}">
+                <asvg:svgBlip xmlns:asvg="http://schemas.microsoft.com/office/drawing/2016/SVG/main" r:embed="rId9"/>
+              </a:ext>
+            </a:extLst>
+          </a:blip>
+          <a:srcRect/>
+          <a:stretch/>
+        </p:blipFill>
+        <p:spPr>
+          <a:xfrm>
+            <a:off x="4114800" y="3931920"/>
+            <a:ext cx="381000" cy="381000"/>
+          </a:xfrm>
+          <a:prstGeom prst="rect">
+            <a:avLst/>
+          </a:prstGeom>
+        </p:spPr>
+      </p:pic>
+      <p:sp>
+        <p:nvSpPr>
+          <p:cNvPr id="69" name="Rectangle 68">
+            <a:extLst>
+              <a:ext uri="{FF2B5EF4-FFF2-40B4-BE49-F238E27FC236}">
+                <a16:creationId xmlns:a16="http://schemas.microsoft.com/office/drawing/2014/main" id="{8B26B4D5-937B-4959-A135-86E04648405F}"/>
+              </a:ext>
+            </a:extLst>
+          </p:cNvPr>
+          <p:cNvSpPr/>
+          <p:nvPr/>
+        </p:nvSpPr>
+        <p:spPr bwMode="auto">
+          <a:xfrm>
+            <a:off x="4548185" y="3566160"/>
+            <a:ext cx="2107095" cy="5394960"/>
+          </a:xfrm>
+          <a:prstGeom prst="rect">
+            <a:avLst/>
+          </a:prstGeom>
+          <a:noFill/>
+          <a:ln w="15875">
+            <a:solidFill>
+              <a:srgbClr val="00A4A6"/>
+            </a:solidFill>
+            <a:prstDash val="dash"/>
+          </a:ln>
+        </p:spPr>
+        <p:style>
+          <a:lnRef idx="2">
+            <a:schemeClr val="accent1">
+              <a:shade val="50000"/>
+            </a:schemeClr>
+          </a:lnRef>
+          <a:fillRef idx="1">
+            <a:schemeClr val="accent1"/>
+          </a:fillRef>
+          <a:effectRef idx="0">
+            <a:schemeClr val="accent1"/>
+          </a:effectRef>
+          <a:fontRef idx="minor">
+            <a:schemeClr val="lt1"/>
+          </a:fontRef>
+        </p:style>
+        <p:txBody>
+          <a:bodyPr tIns="91440"/>
+          <a:lstStyle/>
+          <a:p>
+            <a:pPr algn="ctr" eaLnBrk="1" fontAlgn="auto" hangingPunct="1">
+              <a:spcBef>
+                <a:spcPts val="0"/>
+              </a:spcBef>
+              <a:spcAft>
+                <a:spcPts val="0"/>
+              </a:spcAft>
+              <a:defRPr/>
+            </a:pPr>
+            <a:r>
+              <a:rPr lang="en-US" sz="1200" dirty="0">
+                <a:solidFill>
+                  <a:schemeClr val="tx1"/>
+                </a:solidFill>
+                <a:latin typeface="Arial" panose="020B0604020202020204" pitchFamily="34" charset="0"/>
+                <a:cs typeface="Arial" panose="020B0604020202020204" pitchFamily="34" charset="0"/>
+              </a:rPr>
+              <a:t>Availability Zone 1</a:t>
+            </a:r>
+          </a:p>
+        </p:txBody>
+      </p:sp>
+      <p:sp>
+        <p:nvSpPr>
+          <p:cNvPr id="71" name="Rectangle 70">
+            <a:extLst>
+              <a:ext uri="{FF2B5EF4-FFF2-40B4-BE49-F238E27FC236}">
+                <a16:creationId xmlns:a16="http://schemas.microsoft.com/office/drawing/2014/main" id="{477A21D2-23A0-4460-B5BB-97B31A8A2CBE}"/>
+              </a:ext>
+            </a:extLst>
+          </p:cNvPr>
+          <p:cNvSpPr/>
+          <p:nvPr/>
+        </p:nvSpPr>
+        <p:spPr bwMode="auto">
+          <a:xfrm>
+            <a:off x="8205785" y="3566160"/>
+            <a:ext cx="2107095" cy="5394960"/>
+          </a:xfrm>
+          <a:prstGeom prst="rect">
+            <a:avLst/>
+          </a:prstGeom>
+          <a:noFill/>
+          <a:ln w="15875">
+            <a:solidFill>
+              <a:srgbClr val="00A4A6"/>
+            </a:solidFill>
+            <a:prstDash val="dash"/>
+          </a:ln>
+        </p:spPr>
+        <p:style>
+          <a:lnRef idx="2">
+            <a:schemeClr val="accent1">
+              <a:shade val="50000"/>
+            </a:schemeClr>
+          </a:lnRef>
+          <a:fillRef idx="1">
+            <a:schemeClr val="accent1"/>
+          </a:fillRef>
+          <a:effectRef idx="0">
+            <a:schemeClr val="accent1"/>
+          </a:effectRef>
+          <a:fontRef idx="minor">
+            <a:schemeClr val="lt1"/>
+          </a:fontRef>
+        </p:style>
+        <p:txBody>
+          <a:bodyPr tIns="91440"/>
+          <a:lstStyle/>
+          <a:p>
+            <a:pPr algn="ctr" eaLnBrk="1" fontAlgn="auto" hangingPunct="1">
+              <a:spcBef>
+                <a:spcPts val="0"/>
+              </a:spcBef>
+              <a:spcAft>
+                <a:spcPts val="0"/>
+              </a:spcAft>
+              <a:defRPr/>
+            </a:pPr>
+            <a:r>
+              <a:rPr lang="en-US" sz="1200" dirty="0">
+                <a:solidFill>
+                  <a:schemeClr val="tx1"/>
+                </a:solidFill>
+                <a:latin typeface="Arial" panose="020B0604020202020204" pitchFamily="34" charset="0"/>
+                <a:cs typeface="Arial" panose="020B0604020202020204" pitchFamily="34" charset="0"/>
+              </a:rPr>
+              <a:t>Availability Zone 2</a:t>
+            </a:r>
+          </a:p>
+        </p:txBody>
+      </p:sp>
+      <p:sp>
+        <p:nvSpPr>
+          <p:cNvPr id="81" name="TextBox 17">
+            <a:extLst>
+              <a:ext uri="{FF2B5EF4-FFF2-40B4-BE49-F238E27FC236}">
+                <a16:creationId xmlns:a16="http://schemas.microsoft.com/office/drawing/2014/main" id="{D6C79F0A-E0DB-4D1D-A15A-21FA43EDB19D}"/>
+              </a:ext>
+            </a:extLst>
+          </p:cNvPr>
+          <p:cNvSpPr txBox="1">
+            <a:spLocks noChangeArrowheads="1"/>
+          </p:cNvSpPr>
+          <p:nvPr/>
+        </p:nvSpPr>
+        <p:spPr bwMode="auto">
+          <a:xfrm>
+            <a:off x="4981047" y="5149672"/>
+            <a:ext cx="1234766" cy="276999"/>
+          </a:xfrm>
+          <a:prstGeom prst="rect">
+            <a:avLst/>
+          </a:prstGeom>
+          <a:noFill/>
+          <a:ln>
+            <a:noFill/>
+          </a:ln>
+          <a:extLst>
+            <a:ext uri="{909E8E84-426E-40DD-AFC4-6F175D3DCCD1}">
+              <a14:hiddenFill xmlns:a14="http://schemas.microsoft.com/office/drawing/2010/main">
+                <a:solidFill>
+                  <a:srgbClr val="FFFFFF"/>
+                </a:solidFill>
+              </a14:hiddenFill>
+            </a:ext>
+            <a:ext uri="{91240B29-F687-4F45-9708-019B960494DF}">
+              <a14:hiddenLine xmlns:a14="http://schemas.microsoft.com/office/drawing/2010/main" w="9525">
+                <a:solidFill>
+                  <a:srgbClr val="000000"/>
+                </a:solidFill>
+                <a:miter lim="800000"/>
+                <a:headEnd/>
+                <a:tailEnd/>
+              </a14:hiddenLine>
+            </a:ext>
+          </a:extLst>
+        </p:spPr>
+        <p:txBody>
+          <a:bodyPr wrap="square">
+            <a:spAutoFit/>
+          </a:bodyPr>
+          <a:lstStyle>
+            <a:lvl1pPr>
+              <a:defRPr>
+                <a:solidFill>
+                  <a:schemeClr val="tx1"/>
+                </a:solidFill>
+                <a:latin typeface="Calibri" panose="020F0502020204030204" pitchFamily="34" charset="0"/>
+              </a:defRPr>
+            </a:lvl1pPr>
+            <a:lvl2pPr marL="742950" indent="-285750">
+              <a:defRPr>
+                <a:solidFill>
+                  <a:schemeClr val="tx1"/>
+                </a:solidFill>
+                <a:latin typeface="Calibri" panose="020F0502020204030204" pitchFamily="34" charset="0"/>
+              </a:defRPr>
+            </a:lvl2pPr>
+            <a:lvl3pPr marL="1143000" indent="-228600">
+              <a:defRPr>
+                <a:solidFill>
+                  <a:schemeClr val="tx1"/>
+                </a:solidFill>
+                <a:latin typeface="Calibri" panose="020F0502020204030204" pitchFamily="34" charset="0"/>
+              </a:defRPr>
+            </a:lvl3pPr>
+            <a:lvl4pPr marL="1600200" indent="-228600">
+              <a:defRPr>
+                <a:solidFill>
+                  <a:schemeClr val="tx1"/>
+                </a:solidFill>
+                <a:latin typeface="Calibri" panose="020F0502020204030204" pitchFamily="34" charset="0"/>
+              </a:defRPr>
+            </a:lvl4pPr>
+            <a:lvl5pPr marL="2057400" indent="-228600">
+              <a:defRPr>
+                <a:solidFill>
+                  <a:schemeClr val="tx1"/>
+                </a:solidFill>
+                <a:latin typeface="Calibri" panose="020F0502020204030204" pitchFamily="34" charset="0"/>
+              </a:defRPr>
+            </a:lvl5pPr>
+            <a:lvl6pPr marL="2514600" indent="-228600" eaLnBrk="0" fontAlgn="base" hangingPunct="0">
+              <a:spcBef>
+                <a:spcPct val="0"/>
+              </a:spcBef>
+              <a:spcAft>
+                <a:spcPct val="0"/>
+              </a:spcAft>
+              <a:defRPr>
+                <a:solidFill>
+                  <a:schemeClr val="tx1"/>
+                </a:solidFill>
+                <a:latin typeface="Calibri" panose="020F0502020204030204" pitchFamily="34" charset="0"/>
+              </a:defRPr>
+            </a:lvl6pPr>
+            <a:lvl7pPr marL="2971800" indent="-228600" eaLnBrk="0" fontAlgn="base" hangingPunct="0">
+              <a:spcBef>
+                <a:spcPct val="0"/>
+              </a:spcBef>
+              <a:spcAft>
+                <a:spcPct val="0"/>
+              </a:spcAft>
+              <a:defRPr>
+                <a:solidFill>
+                  <a:schemeClr val="tx1"/>
+                </a:solidFill>
+                <a:latin typeface="Calibri" panose="020F0502020204030204" pitchFamily="34" charset="0"/>
+              </a:defRPr>
+            </a:lvl7pPr>
+            <a:lvl8pPr marL="3429000" indent="-228600" eaLnBrk="0" fontAlgn="base" hangingPunct="0">
+              <a:spcBef>
+                <a:spcPct val="0"/>
+              </a:spcBef>
+              <a:spcAft>
+                <a:spcPct val="0"/>
+              </a:spcAft>
+              <a:defRPr>
+                <a:solidFill>
+                  <a:schemeClr val="tx1"/>
+                </a:solidFill>
+                <a:latin typeface="Calibri" panose="020F0502020204030204" pitchFamily="34" charset="0"/>
+              </a:defRPr>
+            </a:lvl8pPr>
+            <a:lvl9pPr marL="3886200" indent="-228600" eaLnBrk="0" fontAlgn="base" hangingPunct="0">
+              <a:spcBef>
+                <a:spcPct val="0"/>
+              </a:spcBef>
+              <a:spcAft>
+                <a:spcPct val="0"/>
+              </a:spcAft>
+              <a:defRPr>
+                <a:solidFill>
+                  <a:schemeClr val="tx1"/>
+                </a:solidFill>
+                <a:latin typeface="Calibri" panose="020F0502020204030204" pitchFamily="34" charset="0"/>
+              </a:defRPr>
+            </a:lvl9pPr>
+          </a:lstStyle>
+          <a:p>
+            <a:pPr algn="ctr" eaLnBrk="1" hangingPunct="1"/>
+            <a:r>
+              <a:rPr lang="en-US" altLang="en-US" sz="1200" dirty="0">
+                <a:latin typeface="Arial" panose="020B0604020202020204" pitchFamily="34" charset="0"/>
+                <a:ea typeface="Amazon Ember" panose="020B0603020204020204" pitchFamily="34" charset="0"/>
+                <a:cs typeface="Arial" panose="020B0604020202020204" pitchFamily="34" charset="0"/>
+              </a:rPr>
+              <a:t>NAT gateway</a:t>
+            </a:r>
+          </a:p>
+        </p:txBody>
+      </p:sp>
+      <p:pic>
+        <p:nvPicPr>
+          <p:cNvPr id="82" name="Graphic 35">
+            <a:extLst>
+              <a:ext uri="{FF2B5EF4-FFF2-40B4-BE49-F238E27FC236}">
+                <a16:creationId xmlns:a16="http://schemas.microsoft.com/office/drawing/2014/main" id="{09B2E972-71CB-4BBE-A0B8-D62778FE5B6D}"/>
+              </a:ext>
+            </a:extLst>
+          </p:cNvPr>
+          <p:cNvPicPr>
+            <a:picLocks noChangeAspect="1" noChangeArrowheads="1"/>
+          </p:cNvPicPr>
+          <p:nvPr/>
+        </p:nvPicPr>
+        <p:blipFill>
+          <a:blip r:embed="rId10">
+            <a:extLst>
+              <a:ext uri="{96DAC541-7B7A-43D3-8B79-37D633B846F1}">
+                <asvg:svgBlip xmlns:asvg="http://schemas.microsoft.com/office/drawing/2016/SVG/main" r:embed="rId11"/>
+              </a:ext>
+            </a:extLst>
+          </a:blip>
+          <a:srcRect/>
+          <a:stretch/>
+        </p:blipFill>
+        <p:spPr bwMode="auto">
+          <a:xfrm>
+            <a:off x="5371145" y="4663449"/>
+            <a:ext cx="457200" cy="457200"/>
+          </a:xfrm>
+          <a:prstGeom prst="rect">
+            <a:avLst/>
+          </a:prstGeom>
+          <a:noFill/>
+          <a:ln>
+            <a:noFill/>
+          </a:ln>
+          <a:extLst>
+            <a:ext uri="{909E8E84-426E-40DD-AFC4-6F175D3DCCD1}">
+              <a14:hiddenFill xmlns:a14="http://schemas.microsoft.com/office/drawing/2010/main">
+                <a:solidFill>
+                  <a:srgbClr val="FFFFFF"/>
+                </a:solidFill>
+              </a14:hiddenFill>
+            </a:ext>
+            <a:ext uri="{91240B29-F687-4F45-9708-019B960494DF}">
+              <a14:hiddenLine xmlns:a14="http://schemas.microsoft.com/office/drawing/2010/main" w="9525">
+                <a:solidFill>
+                  <a:srgbClr val="000000"/>
+                </a:solidFill>
+                <a:miter lim="800000"/>
+                <a:headEnd/>
+                <a:tailEnd/>
+              </a14:hiddenLine>
+            </a:ext>
+          </a:extLst>
+        </p:spPr>
+      </p:pic>
+      <p:sp>
+        <p:nvSpPr>
+          <p:cNvPr id="83" name="Rectangle 82">
+            <a:extLst>
+              <a:ext uri="{FF2B5EF4-FFF2-40B4-BE49-F238E27FC236}">
+                <a16:creationId xmlns:a16="http://schemas.microsoft.com/office/drawing/2014/main" id="{AC7A0987-6868-467F-99B1-2B47A563C77F}"/>
+              </a:ext>
+            </a:extLst>
+          </p:cNvPr>
+          <p:cNvSpPr/>
+          <p:nvPr/>
+        </p:nvSpPr>
+        <p:spPr>
+          <a:xfrm>
+            <a:off x="4731065" y="4274150"/>
+            <a:ext cx="1737360" cy="1371600"/>
+          </a:xfrm>
+          <a:prstGeom prst="rect">
+            <a:avLst/>
+          </a:prstGeom>
+          <a:noFill/>
+          <a:ln w="15875">
+            <a:solidFill>
+              <a:srgbClr val="7AA116"/>
+            </a:solidFill>
+            <a:prstDash val="solid"/>
+          </a:ln>
+        </p:spPr>
+        <p:style>
+          <a:lnRef idx="2">
+            <a:schemeClr val="accent1">
+              <a:shade val="50000"/>
+            </a:schemeClr>
+          </a:lnRef>
+          <a:fillRef idx="1">
+            <a:schemeClr val="accent1"/>
+          </a:fillRef>
+          <a:effectRef idx="0">
+            <a:schemeClr val="accent1"/>
+          </a:effectRef>
+          <a:fontRef idx="minor">
+            <a:schemeClr val="lt1"/>
+          </a:fontRef>
+        </p:style>
+        <p:txBody>
+          <a:bodyPr lIns="502920" tIns="91440"/>
+          <a:lstStyle/>
+          <a:p>
+            <a:pPr eaLnBrk="1" fontAlgn="auto" hangingPunct="1">
+              <a:spcBef>
+                <a:spcPts val="0"/>
+              </a:spcBef>
+              <a:spcAft>
+                <a:spcPts val="0"/>
+              </a:spcAft>
+              <a:defRPr/>
+            </a:pPr>
+            <a:r>
+              <a:rPr lang="en-US" sz="1200" dirty="0">
+                <a:solidFill>
+                  <a:schemeClr val="tx1"/>
+                </a:solidFill>
+                <a:latin typeface="Arial" panose="020B0604020202020204" pitchFamily="34" charset="0"/>
+                <a:cs typeface="Arial" panose="020B0604020202020204" pitchFamily="34" charset="0"/>
+              </a:rPr>
+              <a:t>Public subnet</a:t>
+            </a:r>
+          </a:p>
+        </p:txBody>
+      </p:sp>
+      <p:pic>
+        <p:nvPicPr>
+          <p:cNvPr id="84" name="Graphic 83">
+            <a:extLst>
+              <a:ext uri="{FF2B5EF4-FFF2-40B4-BE49-F238E27FC236}">
+                <a16:creationId xmlns:a16="http://schemas.microsoft.com/office/drawing/2014/main" id="{07A566A3-B102-4057-856B-5000EA927885}"/>
               </a:ext>
             </a:extLst>
           </p:cNvPr>
@@ -5535,7 +6110,7 @@
         </p:blipFill>
         <p:spPr>
           <a:xfrm>
-            <a:off x="1005840" y="1737360"/>
+            <a:off x="4731065" y="4274150"/>
             <a:ext cx="381000" cy="381000"/>
           </a:xfrm>
           <a:prstGeom prst="rect">
@@ -5543,37 +6118,24 @@
           </a:prstGeom>
         </p:spPr>
       </p:pic>
-      <p:pic>
-        <p:nvPicPr>
-          <p:cNvPr id="114" name="Graphic 20">
+      <p:sp>
+        <p:nvSpPr>
+          <p:cNvPr id="92" name="TextBox 17">
             <a:extLst>
               <a:ext uri="{FF2B5EF4-FFF2-40B4-BE49-F238E27FC236}">
-                <a16:creationId xmlns:a16="http://schemas.microsoft.com/office/drawing/2014/main" id="{5C675E58-9FC8-4F33-AAAF-AC5494BA246D}"/>
+                <a16:creationId xmlns:a16="http://schemas.microsoft.com/office/drawing/2014/main" id="{230B4E91-1F57-468C-8E46-A22E58689823}"/>
               </a:ext>
             </a:extLst>
           </p:cNvPr>
-          <p:cNvPicPr>
-            <a:picLocks noChangeAspect="1" noChangeArrowheads="1"/>
-          </p:cNvPicPr>
+          <p:cNvSpPr txBox="1">
+            <a:spLocks noChangeArrowheads="1"/>
+          </p:cNvSpPr>
           <p:nvPr/>
-        </p:nvPicPr>
-        <p:blipFill>
-          <a:blip r:embed="rId14">
-            <a:extLst>
-              <a:ext uri="{28A0092B-C50C-407E-A947-70E740481C1C}">
-                <a14:useLocalDpi xmlns:a14="http://schemas.microsoft.com/office/drawing/2010/main" val="0"/>
-              </a:ext>
-            </a:extLst>
-          </a:blip>
-          <a:srcRect/>
-          <a:stretch>
-            <a:fillRect/>
-          </a:stretch>
-        </p:blipFill>
+        </p:nvSpPr>
         <p:spPr bwMode="auto">
           <a:xfrm>
-            <a:off x="10149840" y="3652791"/>
-            <a:ext cx="762000" cy="762000"/>
+            <a:off x="8641291" y="5149672"/>
+            <a:ext cx="1234766" cy="276999"/>
           </a:xfrm>
           <a:prstGeom prst="rect">
             <a:avLst/>
@@ -5602,25 +6164,150 @@
             </a:ext>
           </a:extLst>
         </p:spPr>
-      </p:pic>
-      <p:sp>
-        <p:nvSpPr>
-          <p:cNvPr id="115" name="TextBox 12">
+        <p:txBody>
+          <a:bodyPr wrap="square">
+            <a:spAutoFit/>
+          </a:bodyPr>
+          <a:lstStyle>
+            <a:lvl1pPr>
+              <a:defRPr>
+                <a:solidFill>
+                  <a:schemeClr val="tx1"/>
+                </a:solidFill>
+                <a:latin typeface="Calibri" panose="020F0502020204030204" pitchFamily="34" charset="0"/>
+              </a:defRPr>
+            </a:lvl1pPr>
+            <a:lvl2pPr marL="742950" indent="-285750">
+              <a:defRPr>
+                <a:solidFill>
+                  <a:schemeClr val="tx1"/>
+                </a:solidFill>
+                <a:latin typeface="Calibri" panose="020F0502020204030204" pitchFamily="34" charset="0"/>
+              </a:defRPr>
+            </a:lvl2pPr>
+            <a:lvl3pPr marL="1143000" indent="-228600">
+              <a:defRPr>
+                <a:solidFill>
+                  <a:schemeClr val="tx1"/>
+                </a:solidFill>
+                <a:latin typeface="Calibri" panose="020F0502020204030204" pitchFamily="34" charset="0"/>
+              </a:defRPr>
+            </a:lvl3pPr>
+            <a:lvl4pPr marL="1600200" indent="-228600">
+              <a:defRPr>
+                <a:solidFill>
+                  <a:schemeClr val="tx1"/>
+                </a:solidFill>
+                <a:latin typeface="Calibri" panose="020F0502020204030204" pitchFamily="34" charset="0"/>
+              </a:defRPr>
+            </a:lvl4pPr>
+            <a:lvl5pPr marL="2057400" indent="-228600">
+              <a:defRPr>
+                <a:solidFill>
+                  <a:schemeClr val="tx1"/>
+                </a:solidFill>
+                <a:latin typeface="Calibri" panose="020F0502020204030204" pitchFamily="34" charset="0"/>
+              </a:defRPr>
+            </a:lvl5pPr>
+            <a:lvl6pPr marL="2514600" indent="-228600" eaLnBrk="0" fontAlgn="base" hangingPunct="0">
+              <a:spcBef>
+                <a:spcPct val="0"/>
+              </a:spcBef>
+              <a:spcAft>
+                <a:spcPct val="0"/>
+              </a:spcAft>
+              <a:defRPr>
+                <a:solidFill>
+                  <a:schemeClr val="tx1"/>
+                </a:solidFill>
+                <a:latin typeface="Calibri" panose="020F0502020204030204" pitchFamily="34" charset="0"/>
+              </a:defRPr>
+            </a:lvl6pPr>
+            <a:lvl7pPr marL="2971800" indent="-228600" eaLnBrk="0" fontAlgn="base" hangingPunct="0">
+              <a:spcBef>
+                <a:spcPct val="0"/>
+              </a:spcBef>
+              <a:spcAft>
+                <a:spcPct val="0"/>
+              </a:spcAft>
+              <a:defRPr>
+                <a:solidFill>
+                  <a:schemeClr val="tx1"/>
+                </a:solidFill>
+                <a:latin typeface="Calibri" panose="020F0502020204030204" pitchFamily="34" charset="0"/>
+              </a:defRPr>
+            </a:lvl7pPr>
+            <a:lvl8pPr marL="3429000" indent="-228600" eaLnBrk="0" fontAlgn="base" hangingPunct="0">
+              <a:spcBef>
+                <a:spcPct val="0"/>
+              </a:spcBef>
+              <a:spcAft>
+                <a:spcPct val="0"/>
+              </a:spcAft>
+              <a:defRPr>
+                <a:solidFill>
+                  <a:schemeClr val="tx1"/>
+                </a:solidFill>
+                <a:latin typeface="Calibri" panose="020F0502020204030204" pitchFamily="34" charset="0"/>
+              </a:defRPr>
+            </a:lvl8pPr>
+            <a:lvl9pPr marL="3886200" indent="-228600" eaLnBrk="0" fontAlgn="base" hangingPunct="0">
+              <a:spcBef>
+                <a:spcPct val="0"/>
+              </a:spcBef>
+              <a:spcAft>
+                <a:spcPct val="0"/>
+              </a:spcAft>
+              <a:defRPr>
+                <a:solidFill>
+                  <a:schemeClr val="tx1"/>
+                </a:solidFill>
+                <a:latin typeface="Calibri" panose="020F0502020204030204" pitchFamily="34" charset="0"/>
+              </a:defRPr>
+            </a:lvl9pPr>
+          </a:lstStyle>
+          <a:p>
+            <a:pPr algn="ctr" eaLnBrk="1" hangingPunct="1"/>
+            <a:r>
+              <a:rPr lang="en-US" altLang="en-US" sz="1200" dirty="0">
+                <a:latin typeface="Arial" panose="020B0604020202020204" pitchFamily="34" charset="0"/>
+                <a:ea typeface="Amazon Ember" panose="020B0603020204020204" pitchFamily="34" charset="0"/>
+                <a:cs typeface="Arial" panose="020B0604020202020204" pitchFamily="34" charset="0"/>
+              </a:rPr>
+              <a:t>NAT gateway</a:t>
+            </a:r>
+          </a:p>
+        </p:txBody>
+      </p:sp>
+      <p:pic>
+        <p:nvPicPr>
+          <p:cNvPr id="93" name="Graphic 35">
             <a:extLst>
               <a:ext uri="{FF2B5EF4-FFF2-40B4-BE49-F238E27FC236}">
-                <a16:creationId xmlns:a16="http://schemas.microsoft.com/office/drawing/2014/main" id="{7A8DD167-EB7B-4CC7-9110-CC0972F8DA41}"/>
+                <a16:creationId xmlns:a16="http://schemas.microsoft.com/office/drawing/2014/main" id="{51F44210-D2A4-4F76-8CCA-4891ECC94E64}"/>
               </a:ext>
             </a:extLst>
           </p:cNvPr>
-          <p:cNvSpPr txBox="1">
-            <a:spLocks noChangeArrowheads="1"/>
-          </p:cNvSpPr>
+          <p:cNvPicPr>
+            <a:picLocks noChangeAspect="1" noChangeArrowheads="1"/>
+          </p:cNvPicPr>
           <p:nvPr/>
-        </p:nvSpPr>
+        </p:nvPicPr>
+        <p:blipFill>
+          <a:blip r:embed="rId10">
+            <a:extLst>
+              <a:ext uri="{96DAC541-7B7A-43D3-8B79-37D633B846F1}">
+                <asvg:svgBlip xmlns:asvg="http://schemas.microsoft.com/office/drawing/2016/SVG/main" r:embed="rId11"/>
+              </a:ext>
+            </a:extLst>
+          </a:blip>
+          <a:srcRect/>
+          <a:stretch/>
+        </p:blipFill>
         <p:spPr bwMode="auto">
           <a:xfrm>
-            <a:off x="9832991" y="4417526"/>
-            <a:ext cx="1396331" cy="276999"/>
+            <a:off x="9028745" y="4663449"/>
+            <a:ext cx="457200" cy="457200"/>
           </a:xfrm>
           <a:prstGeom prst="rect">
             <a:avLst/>
@@ -5649,152 +6336,130 @@
             </a:ext>
           </a:extLst>
         </p:spPr>
-        <p:txBody>
-          <a:bodyPr wrap="square">
-            <a:spAutoFit/>
-          </a:bodyPr>
-          <a:lstStyle>
-            <a:lvl1pPr>
-              <a:defRPr>
-                <a:solidFill>
-                  <a:schemeClr val="tx1"/>
-                </a:solidFill>
-                <a:latin typeface="Calibri" panose="020F0502020204030204" pitchFamily="34" charset="0"/>
-              </a:defRPr>
-            </a:lvl1pPr>
-            <a:lvl2pPr marL="742950" indent="-285750">
-              <a:defRPr>
-                <a:solidFill>
-                  <a:schemeClr val="tx1"/>
-                </a:solidFill>
-                <a:latin typeface="Calibri" panose="020F0502020204030204" pitchFamily="34" charset="0"/>
-              </a:defRPr>
-            </a:lvl2pPr>
-            <a:lvl3pPr marL="1143000" indent="-228600">
-              <a:defRPr>
-                <a:solidFill>
-                  <a:schemeClr val="tx1"/>
-                </a:solidFill>
-                <a:latin typeface="Calibri" panose="020F0502020204030204" pitchFamily="34" charset="0"/>
-              </a:defRPr>
-            </a:lvl3pPr>
-            <a:lvl4pPr marL="1600200" indent="-228600">
-              <a:defRPr>
-                <a:solidFill>
-                  <a:schemeClr val="tx1"/>
-                </a:solidFill>
-                <a:latin typeface="Calibri" panose="020F0502020204030204" pitchFamily="34" charset="0"/>
-              </a:defRPr>
-            </a:lvl4pPr>
-            <a:lvl5pPr marL="2057400" indent="-228600">
-              <a:defRPr>
-                <a:solidFill>
-                  <a:schemeClr val="tx1"/>
-                </a:solidFill>
-                <a:latin typeface="Calibri" panose="020F0502020204030204" pitchFamily="34" charset="0"/>
-              </a:defRPr>
-            </a:lvl5pPr>
-            <a:lvl6pPr marL="2514600" indent="-228600" eaLnBrk="0" fontAlgn="base" hangingPunct="0">
+      </p:pic>
+      <p:sp>
+        <p:nvSpPr>
+          <p:cNvPr id="96" name="Rectangle 95">
+            <a:extLst>
+              <a:ext uri="{FF2B5EF4-FFF2-40B4-BE49-F238E27FC236}">
+                <a16:creationId xmlns:a16="http://schemas.microsoft.com/office/drawing/2014/main" id="{096A2043-FB72-4D3C-BF68-7C285EC3EA95}"/>
+              </a:ext>
+            </a:extLst>
+          </p:cNvPr>
+          <p:cNvSpPr/>
+          <p:nvPr/>
+        </p:nvSpPr>
+        <p:spPr>
+          <a:xfrm>
+            <a:off x="8388665" y="4300825"/>
+            <a:ext cx="1737360" cy="1371600"/>
+          </a:xfrm>
+          <a:prstGeom prst="rect">
+            <a:avLst/>
+          </a:prstGeom>
+          <a:noFill/>
+          <a:ln w="15875">
+            <a:solidFill>
+              <a:srgbClr val="7AA116"/>
+            </a:solidFill>
+            <a:prstDash val="solid"/>
+          </a:ln>
+        </p:spPr>
+        <p:style>
+          <a:lnRef idx="2">
+            <a:schemeClr val="accent1">
+              <a:shade val="50000"/>
+            </a:schemeClr>
+          </a:lnRef>
+          <a:fillRef idx="1">
+            <a:schemeClr val="accent1"/>
+          </a:fillRef>
+          <a:effectRef idx="0">
+            <a:schemeClr val="accent1"/>
+          </a:effectRef>
+          <a:fontRef idx="minor">
+            <a:schemeClr val="lt1"/>
+          </a:fontRef>
+        </p:style>
+        <p:txBody>
+          <a:bodyPr lIns="502920" tIns="91440"/>
+          <a:lstStyle/>
+          <a:p>
+            <a:pPr eaLnBrk="1" fontAlgn="auto" hangingPunct="1">
               <a:spcBef>
-                <a:spcPct val="0"/>
+                <a:spcPts val="0"/>
               </a:spcBef>
               <a:spcAft>
-                <a:spcPct val="0"/>
+                <a:spcPts val="0"/>
               </a:spcAft>
-              <a:defRPr>
-                <a:solidFill>
-                  <a:schemeClr val="tx1"/>
-                </a:solidFill>
-                <a:latin typeface="Calibri" panose="020F0502020204030204" pitchFamily="34" charset="0"/>
-              </a:defRPr>
-            </a:lvl6pPr>
-            <a:lvl7pPr marL="2971800" indent="-228600" eaLnBrk="0" fontAlgn="base" hangingPunct="0">
-              <a:spcBef>
-                <a:spcPct val="0"/>
-              </a:spcBef>
-              <a:spcAft>
-                <a:spcPct val="0"/>
-              </a:spcAft>
-              <a:defRPr>
-                <a:solidFill>
-                  <a:schemeClr val="tx1"/>
-                </a:solidFill>
-                <a:latin typeface="Calibri" panose="020F0502020204030204" pitchFamily="34" charset="0"/>
-              </a:defRPr>
-            </a:lvl7pPr>
-            <a:lvl8pPr marL="3429000" indent="-228600" eaLnBrk="0" fontAlgn="base" hangingPunct="0">
-              <a:spcBef>
-                <a:spcPct val="0"/>
-              </a:spcBef>
-              <a:spcAft>
-                <a:spcPct val="0"/>
-              </a:spcAft>
-              <a:defRPr>
-                <a:solidFill>
-                  <a:schemeClr val="tx1"/>
-                </a:solidFill>
-                <a:latin typeface="Calibri" panose="020F0502020204030204" pitchFamily="34" charset="0"/>
-              </a:defRPr>
-            </a:lvl8pPr>
-            <a:lvl9pPr marL="3886200" indent="-228600" eaLnBrk="0" fontAlgn="base" hangingPunct="0">
-              <a:spcBef>
-                <a:spcPct val="0"/>
-              </a:spcBef>
-              <a:spcAft>
-                <a:spcPct val="0"/>
-              </a:spcAft>
-              <a:defRPr>
-                <a:solidFill>
-                  <a:schemeClr val="tx1"/>
-                </a:solidFill>
-                <a:latin typeface="Calibri" panose="020F0502020204030204" pitchFamily="34" charset="0"/>
-              </a:defRPr>
-            </a:lvl9pPr>
-          </a:lstStyle>
-          <a:p>
-            <a:pPr algn="ctr" eaLnBrk="1" hangingPunct="1"/>
-            <a:r>
-              <a:rPr lang="en-US" altLang="en-US" sz="1200" dirty="0">
+              <a:defRPr/>
+            </a:pPr>
+            <a:r>
+              <a:rPr lang="en-US" sz="1200" dirty="0">
+                <a:solidFill>
+                  <a:schemeClr val="tx1"/>
+                </a:solidFill>
                 <a:latin typeface="Arial" panose="020B0604020202020204" pitchFamily="34" charset="0"/>
-                <a:ea typeface="Amazon Ember" panose="020B0603020204020204" pitchFamily="34" charset="0"/>
                 <a:cs typeface="Arial" panose="020B0604020202020204" pitchFamily="34" charset="0"/>
               </a:rPr>
-              <a:t>ACM</a:t>
+              <a:t>Public subnet</a:t>
             </a:r>
           </a:p>
         </p:txBody>
       </p:sp>
       <p:pic>
         <p:nvPicPr>
-          <p:cNvPr id="116" name="Graphic 8">
+          <p:cNvPr id="99" name="Graphic 98">
             <a:extLst>
               <a:ext uri="{FF2B5EF4-FFF2-40B4-BE49-F238E27FC236}">
-                <a16:creationId xmlns:a16="http://schemas.microsoft.com/office/drawing/2014/main" id="{F51B55FA-FB6D-4065-AD76-88E808274278}"/>
+                <a16:creationId xmlns:a16="http://schemas.microsoft.com/office/drawing/2014/main" id="{55A045CD-620C-476A-8CA1-1F15650870EF}"/>
               </a:ext>
             </a:extLst>
           </p:cNvPr>
           <p:cNvPicPr>
-            <a:picLocks noChangeAspect="1" noChangeArrowheads="1"/>
+            <a:picLocks noChangeAspect="1"/>
           </p:cNvPicPr>
           <p:nvPr/>
         </p:nvPicPr>
         <p:blipFill>
-          <a:blip r:embed="rId15">
+          <a:blip r:embed="rId12">
             <a:extLst>
-              <a:ext uri="{28A0092B-C50C-407E-A947-70E740481C1C}">
-                <a14:useLocalDpi xmlns:a14="http://schemas.microsoft.com/office/drawing/2010/main" val="0"/>
+              <a:ext uri="{96DAC541-7B7A-43D3-8B79-37D633B846F1}">
+                <asvg:svgBlip xmlns:asvg="http://schemas.microsoft.com/office/drawing/2016/SVG/main" r:embed="rId13"/>
               </a:ext>
             </a:extLst>
           </a:blip>
           <a:srcRect/>
-          <a:stretch>
-            <a:fillRect/>
-          </a:stretch>
+          <a:stretch/>
         </p:blipFill>
+        <p:spPr>
+          <a:xfrm>
+            <a:off x="8388665" y="4300825"/>
+            <a:ext cx="381000" cy="381000"/>
+          </a:xfrm>
+          <a:prstGeom prst="rect">
+            <a:avLst/>
+          </a:prstGeom>
+        </p:spPr>
+      </p:pic>
+      <p:sp>
+        <p:nvSpPr>
+          <p:cNvPr id="112" name="TextBox 19">
+            <a:extLst>
+              <a:ext uri="{FF2B5EF4-FFF2-40B4-BE49-F238E27FC236}">
+                <a16:creationId xmlns:a16="http://schemas.microsoft.com/office/drawing/2014/main" id="{0687AA99-9893-4987-B95B-36CD59376025}"/>
+              </a:ext>
+            </a:extLst>
+          </p:cNvPr>
+          <p:cNvSpPr txBox="1">
+            <a:spLocks noChangeArrowheads="1"/>
+          </p:cNvSpPr>
+          <p:nvPr/>
+        </p:nvSpPr>
         <p:spPr bwMode="auto">
           <a:xfrm>
-            <a:off x="10149840" y="5024391"/>
-            <a:ext cx="762000" cy="762000"/>
+            <a:off x="6772873" y="5149672"/>
+            <a:ext cx="1313319" cy="461665"/>
           </a:xfrm>
           <a:prstGeom prst="rect">
             <a:avLst/>
@@ -5823,418 +6488,406 @@
             </a:ext>
           </a:extLst>
         </p:spPr>
-      </p:pic>
-      <p:sp>
-        <p:nvSpPr>
-          <p:cNvPr id="117" name="TextBox 9">
+        <p:txBody>
+          <a:bodyPr wrap="square">
+            <a:spAutoFit/>
+          </a:bodyPr>
+          <a:lstStyle>
+            <a:lvl1pPr>
+              <a:defRPr>
+                <a:solidFill>
+                  <a:schemeClr val="tx1"/>
+                </a:solidFill>
+                <a:latin typeface="Calibri" panose="020F0502020204030204" pitchFamily="34" charset="0"/>
+              </a:defRPr>
+            </a:lvl1pPr>
+            <a:lvl2pPr marL="742950" indent="-285750">
+              <a:defRPr>
+                <a:solidFill>
+                  <a:schemeClr val="tx1"/>
+                </a:solidFill>
+                <a:latin typeface="Calibri" panose="020F0502020204030204" pitchFamily="34" charset="0"/>
+              </a:defRPr>
+            </a:lvl2pPr>
+            <a:lvl3pPr marL="1143000" indent="-228600">
+              <a:defRPr>
+                <a:solidFill>
+                  <a:schemeClr val="tx1"/>
+                </a:solidFill>
+                <a:latin typeface="Calibri" panose="020F0502020204030204" pitchFamily="34" charset="0"/>
+              </a:defRPr>
+            </a:lvl3pPr>
+            <a:lvl4pPr marL="1600200" indent="-228600">
+              <a:defRPr>
+                <a:solidFill>
+                  <a:schemeClr val="tx1"/>
+                </a:solidFill>
+                <a:latin typeface="Calibri" panose="020F0502020204030204" pitchFamily="34" charset="0"/>
+              </a:defRPr>
+            </a:lvl4pPr>
+            <a:lvl5pPr marL="2057400" indent="-228600">
+              <a:defRPr>
+                <a:solidFill>
+                  <a:schemeClr val="tx1"/>
+                </a:solidFill>
+                <a:latin typeface="Calibri" panose="020F0502020204030204" pitchFamily="34" charset="0"/>
+              </a:defRPr>
+            </a:lvl5pPr>
+            <a:lvl6pPr marL="2514600" indent="-228600" eaLnBrk="0" fontAlgn="base" hangingPunct="0">
+              <a:spcBef>
+                <a:spcPct val="0"/>
+              </a:spcBef>
+              <a:spcAft>
+                <a:spcPct val="0"/>
+              </a:spcAft>
+              <a:defRPr>
+                <a:solidFill>
+                  <a:schemeClr val="tx1"/>
+                </a:solidFill>
+                <a:latin typeface="Calibri" panose="020F0502020204030204" pitchFamily="34" charset="0"/>
+              </a:defRPr>
+            </a:lvl6pPr>
+            <a:lvl7pPr marL="2971800" indent="-228600" eaLnBrk="0" fontAlgn="base" hangingPunct="0">
+              <a:spcBef>
+                <a:spcPct val="0"/>
+              </a:spcBef>
+              <a:spcAft>
+                <a:spcPct val="0"/>
+              </a:spcAft>
+              <a:defRPr>
+                <a:solidFill>
+                  <a:schemeClr val="tx1"/>
+                </a:solidFill>
+                <a:latin typeface="Calibri" panose="020F0502020204030204" pitchFamily="34" charset="0"/>
+              </a:defRPr>
+            </a:lvl7pPr>
+            <a:lvl8pPr marL="3429000" indent="-228600" eaLnBrk="0" fontAlgn="base" hangingPunct="0">
+              <a:spcBef>
+                <a:spcPct val="0"/>
+              </a:spcBef>
+              <a:spcAft>
+                <a:spcPct val="0"/>
+              </a:spcAft>
+              <a:defRPr>
+                <a:solidFill>
+                  <a:schemeClr val="tx1"/>
+                </a:solidFill>
+                <a:latin typeface="Calibri" panose="020F0502020204030204" pitchFamily="34" charset="0"/>
+              </a:defRPr>
+            </a:lvl8pPr>
+            <a:lvl9pPr marL="3886200" indent="-228600" eaLnBrk="0" fontAlgn="base" hangingPunct="0">
+              <a:spcBef>
+                <a:spcPct val="0"/>
+              </a:spcBef>
+              <a:spcAft>
+                <a:spcPct val="0"/>
+              </a:spcAft>
+              <a:defRPr>
+                <a:solidFill>
+                  <a:schemeClr val="tx1"/>
+                </a:solidFill>
+                <a:latin typeface="Calibri" panose="020F0502020204030204" pitchFamily="34" charset="0"/>
+              </a:defRPr>
+            </a:lvl9pPr>
+          </a:lstStyle>
+          <a:p>
+            <a:pPr algn="ctr" eaLnBrk="1" hangingPunct="1"/>
+            <a:r>
+              <a:rPr lang="en-US" altLang="en-US" sz="1200" dirty="0">
+                <a:latin typeface="Arial" panose="020B0604020202020204" pitchFamily="34" charset="0"/>
+                <a:ea typeface="Amazon Ember" panose="020B0603020204020204" pitchFamily="34" charset="0"/>
+                <a:cs typeface="Arial" panose="020B0604020202020204" pitchFamily="34" charset="0"/>
+              </a:rPr>
+              <a:t>Application Load </a:t>
+            </a:r>
+            <a:br>
+              <a:rPr lang="en-US" altLang="en-US" sz="1200" dirty="0">
+                <a:latin typeface="Arial" panose="020B0604020202020204" pitchFamily="34" charset="0"/>
+                <a:ea typeface="Amazon Ember" panose="020B0603020204020204" pitchFamily="34" charset="0"/>
+                <a:cs typeface="Arial" panose="020B0604020202020204" pitchFamily="34" charset="0"/>
+              </a:rPr>
+            </a:br>
+            <a:r>
+              <a:rPr lang="en-US" altLang="en-US" sz="1200" dirty="0">
+                <a:latin typeface="Arial" panose="020B0604020202020204" pitchFamily="34" charset="0"/>
+                <a:ea typeface="Amazon Ember" panose="020B0603020204020204" pitchFamily="34" charset="0"/>
+                <a:cs typeface="Arial" panose="020B0604020202020204" pitchFamily="34" charset="0"/>
+              </a:rPr>
+              <a:t>Balancer</a:t>
+            </a:r>
+          </a:p>
+        </p:txBody>
+      </p:sp>
+      <p:pic>
+        <p:nvPicPr>
+          <p:cNvPr id="113" name="Graphic 112">
             <a:extLst>
               <a:ext uri="{FF2B5EF4-FFF2-40B4-BE49-F238E27FC236}">
-                <a16:creationId xmlns:a16="http://schemas.microsoft.com/office/drawing/2014/main" id="{792CC582-A3FE-4144-8040-F500FF385C89}"/>
+                <a16:creationId xmlns:a16="http://schemas.microsoft.com/office/drawing/2014/main" id="{ADFE86B2-E060-452D-8B0E-14022EC3A811}"/>
               </a:ext>
             </a:extLst>
           </p:cNvPr>
-          <p:cNvSpPr txBox="1">
-            <a:spLocks noChangeArrowheads="1"/>
-          </p:cNvSpPr>
+          <p:cNvPicPr>
+            <a:picLocks noChangeAspect="1"/>
+          </p:cNvPicPr>
           <p:nvPr/>
-        </p:nvSpPr>
-        <p:spPr bwMode="auto">
+        </p:nvPicPr>
+        <p:blipFill>
+          <a:blip r:embed="rId14">
+            <a:extLst>
+              <a:ext uri="{96DAC541-7B7A-43D3-8B79-37D633B846F1}">
+                <asvg:svgBlip xmlns:asvg="http://schemas.microsoft.com/office/drawing/2016/SVG/main" r:embed="rId15"/>
+              </a:ext>
+            </a:extLst>
+          </a:blip>
+          <a:stretch>
+            <a:fillRect/>
+          </a:stretch>
+        </p:blipFill>
+        <p:spPr>
           <a:xfrm>
-            <a:off x="9926034" y="5788158"/>
-            <a:ext cx="1211772" cy="276999"/>
+            <a:off x="7199945" y="4663449"/>
+            <a:ext cx="457200" cy="457200"/>
+          </a:xfrm>
+          <a:prstGeom prst="rect">
+            <a:avLst/>
+          </a:prstGeom>
+        </p:spPr>
+      </p:pic>
+      <p:sp>
+        <p:nvSpPr>
+          <p:cNvPr id="124" name="Rectangle 123">
+            <a:extLst>
+              <a:ext uri="{FF2B5EF4-FFF2-40B4-BE49-F238E27FC236}">
+                <a16:creationId xmlns:a16="http://schemas.microsoft.com/office/drawing/2014/main" id="{D805E07D-2A51-434D-B3B9-782284FFE508}"/>
+              </a:ext>
+            </a:extLst>
+          </p:cNvPr>
+          <p:cNvSpPr/>
+          <p:nvPr/>
+        </p:nvSpPr>
+        <p:spPr>
+          <a:xfrm>
+            <a:off x="4731065" y="5852125"/>
+            <a:ext cx="1737360" cy="2834640"/>
           </a:xfrm>
           <a:prstGeom prst="rect">
             <a:avLst/>
           </a:prstGeom>
           <a:noFill/>
-          <a:ln>
-            <a:noFill/>
+          <a:ln w="15875">
+            <a:solidFill>
+              <a:srgbClr val="00A4A6"/>
+            </a:solidFill>
+            <a:prstDash val="solid"/>
           </a:ln>
-          <a:extLst>
-            <a:ext uri="{909E8E84-426E-40DD-AFC4-6F175D3DCCD1}">
-              <a14:hiddenFill xmlns:a14="http://schemas.microsoft.com/office/drawing/2010/main">
-                <a:solidFill>
-                  <a:srgbClr val="FFFFFF"/>
-                </a:solidFill>
-              </a14:hiddenFill>
-            </a:ext>
-            <a:ext uri="{91240B29-F687-4F45-9708-019B960494DF}">
-              <a14:hiddenLine xmlns:a14="http://schemas.microsoft.com/office/drawing/2010/main" w="9525">
-                <a:solidFill>
-                  <a:srgbClr val="000000"/>
-                </a:solidFill>
-                <a:miter lim="800000"/>
-                <a:headEnd/>
-                <a:tailEnd/>
-              </a14:hiddenLine>
-            </a:ext>
-          </a:extLst>
         </p:spPr>
-        <p:txBody>
-          <a:bodyPr wrap="square">
-            <a:spAutoFit/>
-          </a:bodyPr>
-          <a:lstStyle>
-            <a:lvl1pPr>
-              <a:defRPr>
-                <a:solidFill>
-                  <a:schemeClr val="tx1"/>
-                </a:solidFill>
-                <a:latin typeface="Calibri" panose="020F0502020204030204" pitchFamily="34" charset="0"/>
-              </a:defRPr>
-            </a:lvl1pPr>
-            <a:lvl2pPr marL="742950" indent="-285750">
-              <a:defRPr>
-                <a:solidFill>
-                  <a:schemeClr val="tx1"/>
-                </a:solidFill>
-                <a:latin typeface="Calibri" panose="020F0502020204030204" pitchFamily="34" charset="0"/>
-              </a:defRPr>
-            </a:lvl2pPr>
-            <a:lvl3pPr marL="1143000" indent="-228600">
-              <a:defRPr>
-                <a:solidFill>
-                  <a:schemeClr val="tx1"/>
-                </a:solidFill>
-                <a:latin typeface="Calibri" panose="020F0502020204030204" pitchFamily="34" charset="0"/>
-              </a:defRPr>
-            </a:lvl3pPr>
-            <a:lvl4pPr marL="1600200" indent="-228600">
-              <a:defRPr>
-                <a:solidFill>
-                  <a:schemeClr val="tx1"/>
-                </a:solidFill>
-                <a:latin typeface="Calibri" panose="020F0502020204030204" pitchFamily="34" charset="0"/>
-              </a:defRPr>
-            </a:lvl4pPr>
-            <a:lvl5pPr marL="2057400" indent="-228600">
-              <a:defRPr>
-                <a:solidFill>
-                  <a:schemeClr val="tx1"/>
-                </a:solidFill>
-                <a:latin typeface="Calibri" panose="020F0502020204030204" pitchFamily="34" charset="0"/>
-              </a:defRPr>
-            </a:lvl5pPr>
-            <a:lvl6pPr marL="2514600" indent="-228600" eaLnBrk="0" fontAlgn="base" hangingPunct="0">
+        <p:style>
+          <a:lnRef idx="2">
+            <a:schemeClr val="accent1">
+              <a:shade val="50000"/>
+            </a:schemeClr>
+          </a:lnRef>
+          <a:fillRef idx="1">
+            <a:schemeClr val="accent1"/>
+          </a:fillRef>
+          <a:effectRef idx="0">
+            <a:schemeClr val="accent1"/>
+          </a:effectRef>
+          <a:fontRef idx="minor">
+            <a:schemeClr val="lt1"/>
+          </a:fontRef>
+        </p:style>
+        <p:txBody>
+          <a:bodyPr lIns="502920" tIns="91440"/>
+          <a:lstStyle/>
+          <a:p>
+            <a:pPr eaLnBrk="1" fontAlgn="auto" hangingPunct="1">
               <a:spcBef>
-                <a:spcPct val="0"/>
+                <a:spcPts val="0"/>
               </a:spcBef>
               <a:spcAft>
-                <a:spcPct val="0"/>
+                <a:spcPts val="0"/>
               </a:spcAft>
-              <a:defRPr>
-                <a:solidFill>
-                  <a:schemeClr val="tx1"/>
-                </a:solidFill>
-                <a:latin typeface="Calibri" panose="020F0502020204030204" pitchFamily="34" charset="0"/>
-              </a:defRPr>
-            </a:lvl6pPr>
-            <a:lvl7pPr marL="2971800" indent="-228600" eaLnBrk="0" fontAlgn="base" hangingPunct="0">
-              <a:spcBef>
-                <a:spcPct val="0"/>
-              </a:spcBef>
-              <a:spcAft>
-                <a:spcPct val="0"/>
-              </a:spcAft>
-              <a:defRPr>
-                <a:solidFill>
-                  <a:schemeClr val="tx1"/>
-                </a:solidFill>
-                <a:latin typeface="Calibri" panose="020F0502020204030204" pitchFamily="34" charset="0"/>
-              </a:defRPr>
-            </a:lvl7pPr>
-            <a:lvl8pPr marL="3429000" indent="-228600" eaLnBrk="0" fontAlgn="base" hangingPunct="0">
-              <a:spcBef>
-                <a:spcPct val="0"/>
-              </a:spcBef>
-              <a:spcAft>
-                <a:spcPct val="0"/>
-              </a:spcAft>
-              <a:defRPr>
-                <a:solidFill>
-                  <a:schemeClr val="tx1"/>
-                </a:solidFill>
-                <a:latin typeface="Calibri" panose="020F0502020204030204" pitchFamily="34" charset="0"/>
-              </a:defRPr>
-            </a:lvl8pPr>
-            <a:lvl9pPr marL="3886200" indent="-228600" eaLnBrk="0" fontAlgn="base" hangingPunct="0">
-              <a:spcBef>
-                <a:spcPct val="0"/>
-              </a:spcBef>
-              <a:spcAft>
-                <a:spcPct val="0"/>
-              </a:spcAft>
-              <a:defRPr>
-                <a:solidFill>
-                  <a:schemeClr val="tx1"/>
-                </a:solidFill>
-                <a:latin typeface="Calibri" panose="020F0502020204030204" pitchFamily="34" charset="0"/>
-              </a:defRPr>
-            </a:lvl9pPr>
-          </a:lstStyle>
-          <a:p>
-            <a:pPr algn="ctr" eaLnBrk="1" hangingPunct="1"/>
-            <a:r>
-              <a:rPr lang="en-US" altLang="en-US" sz="1200">
+              <a:defRPr/>
+            </a:pPr>
+            <a:r>
+              <a:rPr lang="en-US" sz="1200" dirty="0">
+                <a:solidFill>
+                  <a:schemeClr val="tx1"/>
+                </a:solidFill>
                 <a:latin typeface="Arial" panose="020B0604020202020204" pitchFamily="34" charset="0"/>
-                <a:ea typeface="Amazon Ember" panose="020B0603020204020204" pitchFamily="34" charset="0"/>
                 <a:cs typeface="Arial" panose="020B0604020202020204" pitchFamily="34" charset="0"/>
               </a:rPr>
-              <a:t>Amazon S3</a:t>
-            </a:r>
-            <a:endParaRPr lang="en-US" altLang="en-US" sz="1200" dirty="0">
-              <a:latin typeface="Arial" panose="020B0604020202020204" pitchFamily="34" charset="0"/>
-              <a:ea typeface="Amazon Ember" panose="020B0603020204020204" pitchFamily="34" charset="0"/>
-              <a:cs typeface="Arial" panose="020B0604020202020204" pitchFamily="34" charset="0"/>
-            </a:endParaRPr>
+              <a:t>Private subnet</a:t>
+            </a:r>
           </a:p>
         </p:txBody>
       </p:sp>
       <p:pic>
         <p:nvPicPr>
-          <p:cNvPr id="118" name="Graphic 20">
+          <p:cNvPr id="125" name="Graphic 124">
             <a:extLst>
               <a:ext uri="{FF2B5EF4-FFF2-40B4-BE49-F238E27FC236}">
-                <a16:creationId xmlns:a16="http://schemas.microsoft.com/office/drawing/2014/main" id="{CE46A61C-FAA8-4B34-A3A6-BF997BBFB1FF}"/>
+                <a16:creationId xmlns:a16="http://schemas.microsoft.com/office/drawing/2014/main" id="{76293565-6AF3-4793-AB69-69FAECB8BA21}"/>
               </a:ext>
             </a:extLst>
           </p:cNvPr>
           <p:cNvPicPr>
-            <a:picLocks noChangeAspect="1" noChangeArrowheads="1"/>
+            <a:picLocks noChangeAspect="1"/>
           </p:cNvPicPr>
           <p:nvPr/>
         </p:nvPicPr>
         <p:blipFill>
           <a:blip r:embed="rId16">
             <a:extLst>
-              <a:ext uri="{28A0092B-C50C-407E-A947-70E740481C1C}">
-                <a14:useLocalDpi xmlns:a14="http://schemas.microsoft.com/office/drawing/2010/main" val="0"/>
+              <a:ext uri="{96DAC541-7B7A-43D3-8B79-37D633B846F1}">
+                <asvg:svgBlip xmlns:asvg="http://schemas.microsoft.com/office/drawing/2016/SVG/main" r:embed="rId17"/>
               </a:ext>
             </a:extLst>
           </a:blip>
           <a:srcRect/>
-          <a:stretch>
-            <a:fillRect/>
-          </a:stretch>
+          <a:stretch/>
         </p:blipFill>
-        <p:spPr bwMode="auto">
+        <p:spPr>
           <a:xfrm>
-            <a:off x="10149840" y="6395991"/>
-            <a:ext cx="762000" cy="762000"/>
+            <a:off x="4731065" y="5852125"/>
+            <a:ext cx="381000" cy="381000"/>
+          </a:xfrm>
+          <a:prstGeom prst="rect">
+            <a:avLst/>
+          </a:prstGeom>
+        </p:spPr>
+      </p:pic>
+      <p:sp>
+        <p:nvSpPr>
+          <p:cNvPr id="128" name="Rectangle 127">
+            <a:extLst>
+              <a:ext uri="{FF2B5EF4-FFF2-40B4-BE49-F238E27FC236}">
+                <a16:creationId xmlns:a16="http://schemas.microsoft.com/office/drawing/2014/main" id="{21ACD81A-D08D-4802-9B48-6AEDE68F37E0}"/>
+              </a:ext>
+            </a:extLst>
+          </p:cNvPr>
+          <p:cNvSpPr/>
+          <p:nvPr/>
+        </p:nvSpPr>
+        <p:spPr>
+          <a:xfrm>
+            <a:off x="8388665" y="5828630"/>
+            <a:ext cx="1737360" cy="2834640"/>
           </a:xfrm>
           <a:prstGeom prst="rect">
             <a:avLst/>
           </a:prstGeom>
           <a:noFill/>
-          <a:ln>
-            <a:noFill/>
+          <a:ln w="15875">
+            <a:solidFill>
+              <a:srgbClr val="00A4A6"/>
+            </a:solidFill>
+            <a:prstDash val="solid"/>
           </a:ln>
-          <a:extLst>
-            <a:ext uri="{909E8E84-426E-40DD-AFC4-6F175D3DCCD1}">
-              <a14:hiddenFill xmlns:a14="http://schemas.microsoft.com/office/drawing/2010/main">
-                <a:solidFill>
-                  <a:srgbClr val="FFFFFF"/>
-                </a:solidFill>
-              </a14:hiddenFill>
-            </a:ext>
-            <a:ext uri="{91240B29-F687-4F45-9708-019B960494DF}">
-              <a14:hiddenLine xmlns:a14="http://schemas.microsoft.com/office/drawing/2010/main" w="9525">
-                <a:solidFill>
-                  <a:srgbClr val="000000"/>
-                </a:solidFill>
-                <a:miter lim="800000"/>
-                <a:headEnd/>
-                <a:tailEnd/>
-              </a14:hiddenLine>
-            </a:ext>
-          </a:extLst>
         </p:spPr>
-      </p:pic>
-      <p:sp>
-        <p:nvSpPr>
-          <p:cNvPr id="119" name="TextBox 22">
+        <p:style>
+          <a:lnRef idx="2">
+            <a:schemeClr val="accent1">
+              <a:shade val="50000"/>
+            </a:schemeClr>
+          </a:lnRef>
+          <a:fillRef idx="1">
+            <a:schemeClr val="accent1"/>
+          </a:fillRef>
+          <a:effectRef idx="0">
+            <a:schemeClr val="accent1"/>
+          </a:effectRef>
+          <a:fontRef idx="minor">
+            <a:schemeClr val="lt1"/>
+          </a:fontRef>
+        </p:style>
+        <p:txBody>
+          <a:bodyPr lIns="502920" tIns="91440"/>
+          <a:lstStyle/>
+          <a:p>
+            <a:pPr eaLnBrk="1" fontAlgn="auto" hangingPunct="1">
+              <a:spcBef>
+                <a:spcPts val="0"/>
+              </a:spcBef>
+              <a:spcAft>
+                <a:spcPts val="0"/>
+              </a:spcAft>
+              <a:defRPr/>
+            </a:pPr>
+            <a:r>
+              <a:rPr lang="en-US" sz="1200" dirty="0">
+                <a:solidFill>
+                  <a:schemeClr val="tx1"/>
+                </a:solidFill>
+                <a:latin typeface="Arial" panose="020B0604020202020204" pitchFamily="34" charset="0"/>
+                <a:cs typeface="Arial" panose="020B0604020202020204" pitchFamily="34" charset="0"/>
+              </a:rPr>
+              <a:t>Private subnet</a:t>
+            </a:r>
+          </a:p>
+        </p:txBody>
+      </p:sp>
+      <p:pic>
+        <p:nvPicPr>
+          <p:cNvPr id="129" name="Graphic 128">
             <a:extLst>
               <a:ext uri="{FF2B5EF4-FFF2-40B4-BE49-F238E27FC236}">
-                <a16:creationId xmlns:a16="http://schemas.microsoft.com/office/drawing/2014/main" id="{720E7526-D277-468E-8A79-C3B1DFC30A55}"/>
+                <a16:creationId xmlns:a16="http://schemas.microsoft.com/office/drawing/2014/main" id="{D40DC5E2-17CC-47B7-A64E-D464F0AF5208}"/>
               </a:ext>
             </a:extLst>
           </p:cNvPr>
-          <p:cNvSpPr txBox="1">
-            <a:spLocks noChangeArrowheads="1"/>
-          </p:cNvSpPr>
+          <p:cNvPicPr>
+            <a:picLocks noChangeAspect="1"/>
+          </p:cNvPicPr>
           <p:nvPr/>
-        </p:nvSpPr>
-        <p:spPr bwMode="auto">
+        </p:nvPicPr>
+        <p:blipFill>
+          <a:blip r:embed="rId16">
+            <a:extLst>
+              <a:ext uri="{96DAC541-7B7A-43D3-8B79-37D633B846F1}">
+                <asvg:svgBlip xmlns:asvg="http://schemas.microsoft.com/office/drawing/2016/SVG/main" r:embed="rId17"/>
+              </a:ext>
+            </a:extLst>
+          </a:blip>
+          <a:srcRect/>
+          <a:stretch/>
+        </p:blipFill>
+        <p:spPr>
           <a:xfrm>
-            <a:off x="9925047" y="7160551"/>
-            <a:ext cx="1211772" cy="276999"/>
+            <a:off x="8388665" y="5828630"/>
+            <a:ext cx="381000" cy="381000"/>
+          </a:xfrm>
+          <a:prstGeom prst="rect">
+            <a:avLst/>
+          </a:prstGeom>
+        </p:spPr>
+      </p:pic>
+      <p:sp>
+        <p:nvSpPr>
+          <p:cNvPr id="132" name="Rectangle 131">
+            <a:extLst>
+              <a:ext uri="{FF2B5EF4-FFF2-40B4-BE49-F238E27FC236}">
+                <a16:creationId xmlns:a16="http://schemas.microsoft.com/office/drawing/2014/main" id="{598792B6-5731-4711-972B-0992AB2AA984}"/>
+              </a:ext>
+            </a:extLst>
+          </p:cNvPr>
+          <p:cNvSpPr/>
+          <p:nvPr/>
+        </p:nvSpPr>
+        <p:spPr>
+          <a:xfrm>
+            <a:off x="5096825" y="6468710"/>
+            <a:ext cx="4663440" cy="1005840"/>
           </a:xfrm>
           <a:prstGeom prst="rect">
             <a:avLst/>
           </a:prstGeom>
           <a:noFill/>
-          <a:ln>
-            <a:noFill/>
-          </a:ln>
-          <a:extLst>
-            <a:ext uri="{909E8E84-426E-40DD-AFC4-6F175D3DCCD1}">
-              <a14:hiddenFill xmlns:a14="http://schemas.microsoft.com/office/drawing/2010/main">
-                <a:solidFill>
-                  <a:srgbClr val="FFFFFF"/>
-                </a:solidFill>
-              </a14:hiddenFill>
-            </a:ext>
-            <a:ext uri="{91240B29-F687-4F45-9708-019B960494DF}">
-              <a14:hiddenLine xmlns:a14="http://schemas.microsoft.com/office/drawing/2010/main" w="9525">
-                <a:solidFill>
-                  <a:srgbClr val="000000"/>
-                </a:solidFill>
-                <a:miter lim="800000"/>
-                <a:headEnd/>
-                <a:tailEnd/>
-              </a14:hiddenLine>
-            </a:ext>
-          </a:extLst>
-        </p:spPr>
-        <p:txBody>
-          <a:bodyPr wrap="square">
-            <a:spAutoFit/>
-          </a:bodyPr>
-          <a:lstStyle>
-            <a:lvl1pPr>
-              <a:defRPr>
-                <a:solidFill>
-                  <a:schemeClr val="tx1"/>
-                </a:solidFill>
-                <a:latin typeface="Calibri" panose="020F0502020204030204" pitchFamily="34" charset="0"/>
-              </a:defRPr>
-            </a:lvl1pPr>
-            <a:lvl2pPr marL="742950" indent="-285750">
-              <a:defRPr>
-                <a:solidFill>
-                  <a:schemeClr val="tx1"/>
-                </a:solidFill>
-                <a:latin typeface="Calibri" panose="020F0502020204030204" pitchFamily="34" charset="0"/>
-              </a:defRPr>
-            </a:lvl2pPr>
-            <a:lvl3pPr marL="1143000" indent="-228600">
-              <a:defRPr>
-                <a:solidFill>
-                  <a:schemeClr val="tx1"/>
-                </a:solidFill>
-                <a:latin typeface="Calibri" panose="020F0502020204030204" pitchFamily="34" charset="0"/>
-              </a:defRPr>
-            </a:lvl3pPr>
-            <a:lvl4pPr marL="1600200" indent="-228600">
-              <a:defRPr>
-                <a:solidFill>
-                  <a:schemeClr val="tx1"/>
-                </a:solidFill>
-                <a:latin typeface="Calibri" panose="020F0502020204030204" pitchFamily="34" charset="0"/>
-              </a:defRPr>
-            </a:lvl4pPr>
-            <a:lvl5pPr marL="2057400" indent="-228600">
-              <a:defRPr>
-                <a:solidFill>
-                  <a:schemeClr val="tx1"/>
-                </a:solidFill>
-                <a:latin typeface="Calibri" panose="020F0502020204030204" pitchFamily="34" charset="0"/>
-              </a:defRPr>
-            </a:lvl5pPr>
-            <a:lvl6pPr marL="2514600" indent="-228600" eaLnBrk="0" fontAlgn="base" hangingPunct="0">
-              <a:spcBef>
-                <a:spcPct val="0"/>
-              </a:spcBef>
-              <a:spcAft>
-                <a:spcPct val="0"/>
-              </a:spcAft>
-              <a:defRPr>
-                <a:solidFill>
-                  <a:schemeClr val="tx1"/>
-                </a:solidFill>
-                <a:latin typeface="Calibri" panose="020F0502020204030204" pitchFamily="34" charset="0"/>
-              </a:defRPr>
-            </a:lvl6pPr>
-            <a:lvl7pPr marL="2971800" indent="-228600" eaLnBrk="0" fontAlgn="base" hangingPunct="0">
-              <a:spcBef>
-                <a:spcPct val="0"/>
-              </a:spcBef>
-              <a:spcAft>
-                <a:spcPct val="0"/>
-              </a:spcAft>
-              <a:defRPr>
-                <a:solidFill>
-                  <a:schemeClr val="tx1"/>
-                </a:solidFill>
-                <a:latin typeface="Calibri" panose="020F0502020204030204" pitchFamily="34" charset="0"/>
-              </a:defRPr>
-            </a:lvl7pPr>
-            <a:lvl8pPr marL="3429000" indent="-228600" eaLnBrk="0" fontAlgn="base" hangingPunct="0">
-              <a:spcBef>
-                <a:spcPct val="0"/>
-              </a:spcBef>
-              <a:spcAft>
-                <a:spcPct val="0"/>
-              </a:spcAft>
-              <a:defRPr>
-                <a:solidFill>
-                  <a:schemeClr val="tx1"/>
-                </a:solidFill>
-                <a:latin typeface="Calibri" panose="020F0502020204030204" pitchFamily="34" charset="0"/>
-              </a:defRPr>
-            </a:lvl8pPr>
-            <a:lvl9pPr marL="3886200" indent="-228600" eaLnBrk="0" fontAlgn="base" hangingPunct="0">
-              <a:spcBef>
-                <a:spcPct val="0"/>
-              </a:spcBef>
-              <a:spcAft>
-                <a:spcPct val="0"/>
-              </a:spcAft>
-              <a:defRPr>
-                <a:solidFill>
-                  <a:schemeClr val="tx1"/>
-                </a:solidFill>
-                <a:latin typeface="Calibri" panose="020F0502020204030204" pitchFamily="34" charset="0"/>
-              </a:defRPr>
-            </a:lvl9pPr>
-          </a:lstStyle>
-          <a:p>
-            <a:pPr algn="ctr" eaLnBrk="1" hangingPunct="1"/>
-            <a:r>
-              <a:rPr lang="en-US" altLang="en-US" sz="1200" dirty="0">
-                <a:latin typeface="Arial" panose="020B0604020202020204" pitchFamily="34" charset="0"/>
-                <a:ea typeface="Amazon Ember" panose="020B0603020204020204" pitchFamily="34" charset="0"/>
-                <a:cs typeface="Arial" panose="020B0604020202020204" pitchFamily="34" charset="0"/>
-              </a:rPr>
-              <a:t>Amazon ECR</a:t>
-            </a:r>
-          </a:p>
-        </p:txBody>
-      </p:sp>
-      <p:sp>
-        <p:nvSpPr>
-          <p:cNvPr id="120" name="Rectangle 119">
-            <a:extLst>
-              <a:ext uri="{FF2B5EF4-FFF2-40B4-BE49-F238E27FC236}">
-                <a16:creationId xmlns:a16="http://schemas.microsoft.com/office/drawing/2014/main" id="{3C479F8D-5668-4F15-87D4-E527921A2DC3}"/>
-              </a:ext>
-            </a:extLst>
-          </p:cNvPr>
-          <p:cNvSpPr/>
-          <p:nvPr/>
-        </p:nvSpPr>
-        <p:spPr>
-          <a:xfrm>
-            <a:off x="6035040" y="2001520"/>
-            <a:ext cx="2103120" cy="5303520"/>
-          </a:xfrm>
-          <a:prstGeom prst="rect">
-            <a:avLst/>
-          </a:prstGeom>
-          <a:noFill/>
-          <a:ln w="12700">
+          <a:ln w="15875">
             <a:solidFill>
-              <a:srgbClr val="5B9CD5"/>
+              <a:srgbClr val="ED7100"/>
             </a:solidFill>
             <a:prstDash val="dash"/>
           </a:ln>
@@ -6268,73 +6921,14 @@
               </a:spcAft>
               <a:defRPr/>
             </a:pPr>
-            <a:r>
-              <a:rPr lang="en-US" sz="1200">
-                <a:solidFill>
-                  <a:srgbClr val="5B9CD5"/>
-                </a:solidFill>
-                <a:latin typeface="Arial" panose="020B0604020202020204" pitchFamily="34" charset="0"/>
-                <a:cs typeface="Arial" panose="020B0604020202020204" pitchFamily="34" charset="0"/>
-              </a:rPr>
-              <a:t>Availability Zone 2</a:t>
-            </a:r>
             <a:endParaRPr lang="en-US" sz="1200" dirty="0">
               <a:solidFill>
-                <a:srgbClr val="5B9CD5"/>
+                <a:schemeClr val="tx1"/>
               </a:solidFill>
               <a:latin typeface="Arial" panose="020B0604020202020204" pitchFamily="34" charset="0"/>
               <a:cs typeface="Arial" panose="020B0604020202020204" pitchFamily="34" charset="0"/>
             </a:endParaRPr>
           </a:p>
-        </p:txBody>
-      </p:sp>
-      <p:sp>
-        <p:nvSpPr>
-          <p:cNvPr id="121" name="Rectangle 120">
-            <a:extLst>
-              <a:ext uri="{FF2B5EF4-FFF2-40B4-BE49-F238E27FC236}">
-                <a16:creationId xmlns:a16="http://schemas.microsoft.com/office/drawing/2014/main" id="{30F67CDC-D860-4956-A1D6-0B9E636562A4}"/>
-              </a:ext>
-            </a:extLst>
-          </p:cNvPr>
-          <p:cNvSpPr/>
-          <p:nvPr/>
-        </p:nvSpPr>
-        <p:spPr>
-          <a:xfrm>
-            <a:off x="2468880" y="2001520"/>
-            <a:ext cx="2103120" cy="5303520"/>
-          </a:xfrm>
-          <a:prstGeom prst="rect">
-            <a:avLst/>
-          </a:prstGeom>
-          <a:noFill/>
-          <a:ln w="12700">
-            <a:solidFill>
-              <a:srgbClr val="5B9CD5"/>
-            </a:solidFill>
-            <a:prstDash val="dash"/>
-          </a:ln>
-        </p:spPr>
-        <p:style>
-          <a:lnRef idx="2">
-            <a:schemeClr val="accent1">
-              <a:shade val="50000"/>
-            </a:schemeClr>
-          </a:lnRef>
-          <a:fillRef idx="1">
-            <a:schemeClr val="accent1"/>
-          </a:fillRef>
-          <a:effectRef idx="0">
-            <a:schemeClr val="accent1"/>
-          </a:effectRef>
-          <a:fontRef idx="minor">
-            <a:schemeClr val="lt1"/>
-          </a:fontRef>
-        </p:style>
-        <p:txBody>
-          <a:bodyPr tIns="91440"/>
-          <a:lstStyle/>
           <a:p>
             <a:pPr algn="ctr" eaLnBrk="1" fontAlgn="auto" hangingPunct="1">
               <a:spcBef>
@@ -6345,32 +6939,114 @@
               </a:spcAft>
               <a:defRPr/>
             </a:pPr>
-            <a:r>
-              <a:rPr lang="en-US" sz="1200">
-                <a:solidFill>
-                  <a:srgbClr val="5B9CD5"/>
-                </a:solidFill>
-                <a:latin typeface="Arial" panose="020B0604020202020204" pitchFamily="34" charset="0"/>
-                <a:cs typeface="Arial" panose="020B0604020202020204" pitchFamily="34" charset="0"/>
-              </a:rPr>
-              <a:t>Availability Zone 1</a:t>
-            </a:r>
             <a:endParaRPr lang="en-US" sz="1200" dirty="0">
               <a:solidFill>
-                <a:srgbClr val="5B9CD5"/>
+                <a:schemeClr val="tx1"/>
               </a:solidFill>
               <a:latin typeface="Arial" panose="020B0604020202020204" pitchFamily="34" charset="0"/>
               <a:cs typeface="Arial" panose="020B0604020202020204" pitchFamily="34" charset="0"/>
             </a:endParaRPr>
           </a:p>
-        </p:txBody>
-      </p:sp>
-      <p:sp>
-        <p:nvSpPr>
-          <p:cNvPr id="40" name="TextBox 19">
+          <a:p>
+            <a:pPr algn="ctr" eaLnBrk="1" fontAlgn="auto" hangingPunct="1">
+              <a:spcBef>
+                <a:spcPts val="0"/>
+              </a:spcBef>
+              <a:spcAft>
+                <a:spcPts val="0"/>
+              </a:spcAft>
+              <a:defRPr/>
+            </a:pPr>
+            <a:r>
+              <a:rPr lang="en-US" sz="1200" dirty="0">
+                <a:solidFill>
+                  <a:schemeClr val="tx1"/>
+                </a:solidFill>
+                <a:latin typeface="Arial" panose="020B0604020202020204" pitchFamily="34" charset="0"/>
+                <a:cs typeface="Arial" panose="020B0604020202020204" pitchFamily="34" charset="0"/>
+              </a:rPr>
+              <a:t>Auto Scaling group</a:t>
+            </a:r>
+          </a:p>
+        </p:txBody>
+      </p:sp>
+      <p:pic>
+        <p:nvPicPr>
+          <p:cNvPr id="133" name="Graphic 132">
             <a:extLst>
               <a:ext uri="{FF2B5EF4-FFF2-40B4-BE49-F238E27FC236}">
-                <a16:creationId xmlns:a16="http://schemas.microsoft.com/office/drawing/2014/main" id="{0C086288-FC5C-45E1-9A89-0C93AC2D1C24}"/>
+                <a16:creationId xmlns:a16="http://schemas.microsoft.com/office/drawing/2014/main" id="{21C388F6-CF28-4841-AAF6-E53A5CD5FDC9}"/>
+              </a:ext>
+            </a:extLst>
+          </p:cNvPr>
+          <p:cNvPicPr>
+            <a:picLocks noChangeAspect="1"/>
+          </p:cNvPicPr>
+          <p:nvPr/>
+        </p:nvPicPr>
+        <p:blipFill>
+          <a:blip r:embed="rId18">
+            <a:extLst>
+              <a:ext uri="{96DAC541-7B7A-43D3-8B79-37D633B846F1}">
+                <asvg:svgBlip xmlns:asvg="http://schemas.microsoft.com/office/drawing/2016/SVG/main" r:embed="rId19"/>
+              </a:ext>
+            </a:extLst>
+          </a:blip>
+          <a:srcRect/>
+          <a:stretch/>
+        </p:blipFill>
+        <p:spPr>
+          <a:xfrm>
+            <a:off x="7199945" y="6468710"/>
+            <a:ext cx="381000" cy="381000"/>
+          </a:xfrm>
+          <a:prstGeom prst="rect">
+            <a:avLst/>
+          </a:prstGeom>
+        </p:spPr>
+      </p:pic>
+      <p:pic>
+        <p:nvPicPr>
+          <p:cNvPr id="135" name="Graphic 134">
+            <a:extLst>
+              <a:ext uri="{FF2B5EF4-FFF2-40B4-BE49-F238E27FC236}">
+                <a16:creationId xmlns:a16="http://schemas.microsoft.com/office/drawing/2014/main" id="{DEF4105B-7732-40F3-8CB9-6547A6651C68}"/>
+              </a:ext>
+            </a:extLst>
+          </p:cNvPr>
+          <p:cNvPicPr>
+            <a:picLocks noChangeAspect="1"/>
+          </p:cNvPicPr>
+          <p:nvPr/>
+        </p:nvPicPr>
+        <p:blipFill>
+          <a:blip r:embed="rId20">
+            <a:extLst>
+              <a:ext uri="{96DAC541-7B7A-43D3-8B79-37D633B846F1}">
+                <asvg:svgBlip xmlns:asvg="http://schemas.microsoft.com/office/drawing/2016/SVG/main" r:embed="rId21"/>
+              </a:ext>
+            </a:extLst>
+          </a:blip>
+          <a:stretch>
+            <a:fillRect/>
+          </a:stretch>
+        </p:blipFill>
+        <p:spPr>
+          <a:xfrm>
+            <a:off x="5371145" y="6651590"/>
+            <a:ext cx="457200" cy="457200"/>
+          </a:xfrm>
+          <a:prstGeom prst="rect">
+            <a:avLst/>
+          </a:prstGeom>
+        </p:spPr>
+      </p:pic>
+      <p:sp>
+        <p:nvSpPr>
+          <p:cNvPr id="143" name="TextBox 6">
+            <a:extLst>
+              <a:ext uri="{FF2B5EF4-FFF2-40B4-BE49-F238E27FC236}">
+                <a16:creationId xmlns:a16="http://schemas.microsoft.com/office/drawing/2014/main" id="{0652752D-0F2B-4196-9CDB-0DCC09E8AB16}"/>
               </a:ext>
             </a:extLst>
           </p:cNvPr>
@@ -6381,8 +7057,8 @@
         </p:nvSpPr>
         <p:spPr bwMode="auto">
           <a:xfrm>
-            <a:off x="4673445" y="3565783"/>
-            <a:ext cx="1252536" cy="430887"/>
+            <a:off x="4844391" y="8116608"/>
+            <a:ext cx="1511300" cy="461665"/>
           </a:xfrm>
           <a:prstGeom prst="rect">
             <a:avLst/>
@@ -6412,693 +7088,6 @@
           </a:extLst>
         </p:spPr>
         <p:txBody>
-          <a:bodyPr wrap="square">
-            <a:spAutoFit/>
-          </a:bodyPr>
-          <a:lstStyle>
-            <a:lvl1pPr>
-              <a:defRPr>
-                <a:solidFill>
-                  <a:schemeClr val="tx1"/>
-                </a:solidFill>
-                <a:latin typeface="Calibri" panose="020F0502020204030204" pitchFamily="34" charset="0"/>
-              </a:defRPr>
-            </a:lvl1pPr>
-            <a:lvl2pPr marL="742950" indent="-285750">
-              <a:defRPr>
-                <a:solidFill>
-                  <a:schemeClr val="tx1"/>
-                </a:solidFill>
-                <a:latin typeface="Calibri" panose="020F0502020204030204" pitchFamily="34" charset="0"/>
-              </a:defRPr>
-            </a:lvl2pPr>
-            <a:lvl3pPr marL="1143000" indent="-228600">
-              <a:defRPr>
-                <a:solidFill>
-                  <a:schemeClr val="tx1"/>
-                </a:solidFill>
-                <a:latin typeface="Calibri" panose="020F0502020204030204" pitchFamily="34" charset="0"/>
-              </a:defRPr>
-            </a:lvl3pPr>
-            <a:lvl4pPr marL="1600200" indent="-228600">
-              <a:defRPr>
-                <a:solidFill>
-                  <a:schemeClr val="tx1"/>
-                </a:solidFill>
-                <a:latin typeface="Calibri" panose="020F0502020204030204" pitchFamily="34" charset="0"/>
-              </a:defRPr>
-            </a:lvl4pPr>
-            <a:lvl5pPr marL="2057400" indent="-228600">
-              <a:defRPr>
-                <a:solidFill>
-                  <a:schemeClr val="tx1"/>
-                </a:solidFill>
-                <a:latin typeface="Calibri" panose="020F0502020204030204" pitchFamily="34" charset="0"/>
-              </a:defRPr>
-            </a:lvl5pPr>
-            <a:lvl6pPr marL="2514600" indent="-228600" eaLnBrk="0" fontAlgn="base" hangingPunct="0">
-              <a:spcBef>
-                <a:spcPct val="0"/>
-              </a:spcBef>
-              <a:spcAft>
-                <a:spcPct val="0"/>
-              </a:spcAft>
-              <a:defRPr>
-                <a:solidFill>
-                  <a:schemeClr val="tx1"/>
-                </a:solidFill>
-                <a:latin typeface="Calibri" panose="020F0502020204030204" pitchFamily="34" charset="0"/>
-              </a:defRPr>
-            </a:lvl6pPr>
-            <a:lvl7pPr marL="2971800" indent="-228600" eaLnBrk="0" fontAlgn="base" hangingPunct="0">
-              <a:spcBef>
-                <a:spcPct val="0"/>
-              </a:spcBef>
-              <a:spcAft>
-                <a:spcPct val="0"/>
-              </a:spcAft>
-              <a:defRPr>
-                <a:solidFill>
-                  <a:schemeClr val="tx1"/>
-                </a:solidFill>
-                <a:latin typeface="Calibri" panose="020F0502020204030204" pitchFamily="34" charset="0"/>
-              </a:defRPr>
-            </a:lvl7pPr>
-            <a:lvl8pPr marL="3429000" indent="-228600" eaLnBrk="0" fontAlgn="base" hangingPunct="0">
-              <a:spcBef>
-                <a:spcPct val="0"/>
-              </a:spcBef>
-              <a:spcAft>
-                <a:spcPct val="0"/>
-              </a:spcAft>
-              <a:defRPr>
-                <a:solidFill>
-                  <a:schemeClr val="tx1"/>
-                </a:solidFill>
-                <a:latin typeface="Calibri" panose="020F0502020204030204" pitchFamily="34" charset="0"/>
-              </a:defRPr>
-            </a:lvl8pPr>
-            <a:lvl9pPr marL="3886200" indent="-228600" eaLnBrk="0" fontAlgn="base" hangingPunct="0">
-              <a:spcBef>
-                <a:spcPct val="0"/>
-              </a:spcBef>
-              <a:spcAft>
-                <a:spcPct val="0"/>
-              </a:spcAft>
-              <a:defRPr>
-                <a:solidFill>
-                  <a:schemeClr val="tx1"/>
-                </a:solidFill>
-                <a:latin typeface="Calibri" panose="020F0502020204030204" pitchFamily="34" charset="0"/>
-              </a:defRPr>
-            </a:lvl9pPr>
-          </a:lstStyle>
-          <a:p>
-            <a:pPr algn="ctr" eaLnBrk="1" hangingPunct="1"/>
-            <a:r>
-              <a:rPr lang="en-US" altLang="en-US" sz="1100" dirty="0">
-                <a:latin typeface="Arial" panose="020B0604020202020204" pitchFamily="34" charset="0"/>
-                <a:ea typeface="Amazon Ember" panose="020B0603020204020204" pitchFamily="34" charset="0"/>
-                <a:cs typeface="Arial" panose="020B0604020202020204" pitchFamily="34" charset="0"/>
-              </a:rPr>
-              <a:t>Application Load </a:t>
-            </a:r>
-            <a:br>
-              <a:rPr lang="en-US" altLang="en-US" sz="1100" dirty="0">
-                <a:latin typeface="Arial" panose="020B0604020202020204" pitchFamily="34" charset="0"/>
-                <a:ea typeface="Amazon Ember" panose="020B0603020204020204" pitchFamily="34" charset="0"/>
-                <a:cs typeface="Arial" panose="020B0604020202020204" pitchFamily="34" charset="0"/>
-              </a:rPr>
-            </a:br>
-            <a:r>
-              <a:rPr lang="en-US" altLang="en-US" sz="1100" dirty="0">
-                <a:latin typeface="Arial" panose="020B0604020202020204" pitchFamily="34" charset="0"/>
-                <a:ea typeface="Amazon Ember" panose="020B0603020204020204" pitchFamily="34" charset="0"/>
-                <a:cs typeface="Arial" panose="020B0604020202020204" pitchFamily="34" charset="0"/>
-              </a:rPr>
-              <a:t>Balancer</a:t>
-            </a:r>
-          </a:p>
-        </p:txBody>
-      </p:sp>
-      <p:pic>
-        <p:nvPicPr>
-          <p:cNvPr id="41" name="Graphic 8">
-            <a:extLst>
-              <a:ext uri="{FF2B5EF4-FFF2-40B4-BE49-F238E27FC236}">
-                <a16:creationId xmlns:a16="http://schemas.microsoft.com/office/drawing/2014/main" id="{7D70FA40-8813-48B1-AE37-574CB1CCCBB5}"/>
-              </a:ext>
-            </a:extLst>
-          </p:cNvPr>
-          <p:cNvPicPr>
-            <a:picLocks noChangeAspect="1" noChangeArrowheads="1"/>
-          </p:cNvPicPr>
-          <p:nvPr/>
-        </p:nvPicPr>
-        <p:blipFill>
-          <a:blip r:embed="rId17">
-            <a:extLst>
-              <a:ext uri="{28A0092B-C50C-407E-A947-70E740481C1C}">
-                <a14:useLocalDpi xmlns:a14="http://schemas.microsoft.com/office/drawing/2010/main" val="0"/>
-              </a:ext>
-            </a:extLst>
-          </a:blip>
-          <a:srcRect/>
-          <a:stretch>
-            <a:fillRect/>
-          </a:stretch>
-        </p:blipFill>
-        <p:spPr bwMode="auto">
-          <a:xfrm>
-            <a:off x="5069840" y="3104931"/>
-            <a:ext cx="457200" cy="457200"/>
-          </a:xfrm>
-          <a:prstGeom prst="rect">
-            <a:avLst/>
-          </a:prstGeom>
-          <a:noFill/>
-          <a:ln>
-            <a:noFill/>
-          </a:ln>
-          <a:extLst>
-            <a:ext uri="{909E8E84-426E-40DD-AFC4-6F175D3DCCD1}">
-              <a14:hiddenFill xmlns:a14="http://schemas.microsoft.com/office/drawing/2010/main">
-                <a:solidFill>
-                  <a:srgbClr val="FFFFFF"/>
-                </a:solidFill>
-              </a14:hiddenFill>
-            </a:ext>
-            <a:ext uri="{91240B29-F687-4F45-9708-019B960494DF}">
-              <a14:hiddenLine xmlns:a14="http://schemas.microsoft.com/office/drawing/2010/main" w="9525">
-                <a:solidFill>
-                  <a:srgbClr val="000000"/>
-                </a:solidFill>
-                <a:miter lim="800000"/>
-                <a:headEnd/>
-                <a:tailEnd/>
-              </a14:hiddenLine>
-            </a:ext>
-          </a:extLst>
-        </p:spPr>
-      </p:pic>
-      <p:pic>
-        <p:nvPicPr>
-          <p:cNvPr id="42" name="Graphic 60">
-            <a:extLst>
-              <a:ext uri="{FF2B5EF4-FFF2-40B4-BE49-F238E27FC236}">
-                <a16:creationId xmlns:a16="http://schemas.microsoft.com/office/drawing/2014/main" id="{572A2A19-DFEF-499B-B2AB-2CDB909B196C}"/>
-              </a:ext>
-            </a:extLst>
-          </p:cNvPr>
-          <p:cNvPicPr>
-            <a:picLocks noChangeAspect="1" noChangeArrowheads="1"/>
-          </p:cNvPicPr>
-          <p:nvPr/>
-        </p:nvPicPr>
-        <p:blipFill>
-          <a:blip r:embed="rId18">
-            <a:extLst>
-              <a:ext uri="{28A0092B-C50C-407E-A947-70E740481C1C}">
-                <a14:useLocalDpi xmlns:a14="http://schemas.microsoft.com/office/drawing/2010/main" val="0"/>
-              </a:ext>
-            </a:extLst>
-          </a:blip>
-          <a:srcRect/>
-          <a:stretch>
-            <a:fillRect/>
-          </a:stretch>
-        </p:blipFill>
-        <p:spPr bwMode="auto">
-          <a:xfrm>
-            <a:off x="3291840" y="4937760"/>
-            <a:ext cx="457200" cy="457200"/>
-          </a:xfrm>
-          <a:prstGeom prst="rect">
-            <a:avLst/>
-          </a:prstGeom>
-          <a:noFill/>
-          <a:ln>
-            <a:noFill/>
-          </a:ln>
-          <a:extLst>
-            <a:ext uri="{909E8E84-426E-40DD-AFC4-6F175D3DCCD1}">
-              <a14:hiddenFill xmlns:a14="http://schemas.microsoft.com/office/drawing/2010/main">
-                <a:solidFill>
-                  <a:srgbClr val="FFFFFF"/>
-                </a:solidFill>
-              </a14:hiddenFill>
-            </a:ext>
-            <a:ext uri="{91240B29-F687-4F45-9708-019B960494DF}">
-              <a14:hiddenLine xmlns:a14="http://schemas.microsoft.com/office/drawing/2010/main" w="9525">
-                <a:solidFill>
-                  <a:srgbClr val="000000"/>
-                </a:solidFill>
-                <a:miter lim="800000"/>
-                <a:headEnd/>
-                <a:tailEnd/>
-              </a14:hiddenLine>
-            </a:ext>
-          </a:extLst>
-        </p:spPr>
-      </p:pic>
-      <p:sp>
-        <p:nvSpPr>
-          <p:cNvPr id="43" name="TextBox 16">
-            <a:extLst>
-              <a:ext uri="{FF2B5EF4-FFF2-40B4-BE49-F238E27FC236}">
-                <a16:creationId xmlns:a16="http://schemas.microsoft.com/office/drawing/2014/main" id="{9C8CADF3-F6DB-4C0E-9213-4ECC9CDBED72}"/>
-              </a:ext>
-            </a:extLst>
-          </p:cNvPr>
-          <p:cNvSpPr txBox="1">
-            <a:spLocks noChangeArrowheads="1"/>
-          </p:cNvSpPr>
-          <p:nvPr/>
-        </p:nvSpPr>
-        <p:spPr bwMode="auto">
-          <a:xfrm>
-            <a:off x="2963783" y="5394960"/>
-            <a:ext cx="1115568" cy="261610"/>
-          </a:xfrm>
-          <a:prstGeom prst="rect">
-            <a:avLst/>
-          </a:prstGeom>
-          <a:noFill/>
-          <a:ln>
-            <a:noFill/>
-          </a:ln>
-          <a:extLst>
-            <a:ext uri="{909E8E84-426E-40DD-AFC4-6F175D3DCCD1}">
-              <a14:hiddenFill xmlns:a14="http://schemas.microsoft.com/office/drawing/2010/main">
-                <a:solidFill>
-                  <a:srgbClr val="FFFFFF"/>
-                </a:solidFill>
-              </a14:hiddenFill>
-            </a:ext>
-            <a:ext uri="{91240B29-F687-4F45-9708-019B960494DF}">
-              <a14:hiddenLine xmlns:a14="http://schemas.microsoft.com/office/drawing/2010/main" w="9525">
-                <a:solidFill>
-                  <a:srgbClr val="000000"/>
-                </a:solidFill>
-                <a:miter lim="800000"/>
-                <a:headEnd/>
-                <a:tailEnd/>
-              </a14:hiddenLine>
-            </a:ext>
-          </a:extLst>
-        </p:spPr>
-        <p:txBody>
-          <a:bodyPr wrap="square" lIns="0" rIns="0">
-            <a:spAutoFit/>
-          </a:bodyPr>
-          <a:lstStyle>
-            <a:lvl1pPr>
-              <a:defRPr>
-                <a:solidFill>
-                  <a:schemeClr val="tx1"/>
-                </a:solidFill>
-                <a:latin typeface="Calibri" panose="020F0502020204030204" pitchFamily="34" charset="0"/>
-              </a:defRPr>
-            </a:lvl1pPr>
-            <a:lvl2pPr marL="742950" indent="-285750">
-              <a:defRPr>
-                <a:solidFill>
-                  <a:schemeClr val="tx1"/>
-                </a:solidFill>
-                <a:latin typeface="Calibri" panose="020F0502020204030204" pitchFamily="34" charset="0"/>
-              </a:defRPr>
-            </a:lvl2pPr>
-            <a:lvl3pPr marL="1143000" indent="-228600">
-              <a:defRPr>
-                <a:solidFill>
-                  <a:schemeClr val="tx1"/>
-                </a:solidFill>
-                <a:latin typeface="Calibri" panose="020F0502020204030204" pitchFamily="34" charset="0"/>
-              </a:defRPr>
-            </a:lvl3pPr>
-            <a:lvl4pPr marL="1600200" indent="-228600">
-              <a:defRPr>
-                <a:solidFill>
-                  <a:schemeClr val="tx1"/>
-                </a:solidFill>
-                <a:latin typeface="Calibri" panose="020F0502020204030204" pitchFamily="34" charset="0"/>
-              </a:defRPr>
-            </a:lvl4pPr>
-            <a:lvl5pPr marL="2057400" indent="-228600">
-              <a:defRPr>
-                <a:solidFill>
-                  <a:schemeClr val="tx1"/>
-                </a:solidFill>
-                <a:latin typeface="Calibri" panose="020F0502020204030204" pitchFamily="34" charset="0"/>
-              </a:defRPr>
-            </a:lvl5pPr>
-            <a:lvl6pPr marL="2514600" indent="-228600" eaLnBrk="0" fontAlgn="base" hangingPunct="0">
-              <a:spcBef>
-                <a:spcPct val="0"/>
-              </a:spcBef>
-              <a:spcAft>
-                <a:spcPct val="0"/>
-              </a:spcAft>
-              <a:defRPr>
-                <a:solidFill>
-                  <a:schemeClr val="tx1"/>
-                </a:solidFill>
-                <a:latin typeface="Calibri" panose="020F0502020204030204" pitchFamily="34" charset="0"/>
-              </a:defRPr>
-            </a:lvl6pPr>
-            <a:lvl7pPr marL="2971800" indent="-228600" eaLnBrk="0" fontAlgn="base" hangingPunct="0">
-              <a:spcBef>
-                <a:spcPct val="0"/>
-              </a:spcBef>
-              <a:spcAft>
-                <a:spcPct val="0"/>
-              </a:spcAft>
-              <a:defRPr>
-                <a:solidFill>
-                  <a:schemeClr val="tx1"/>
-                </a:solidFill>
-                <a:latin typeface="Calibri" panose="020F0502020204030204" pitchFamily="34" charset="0"/>
-              </a:defRPr>
-            </a:lvl7pPr>
-            <a:lvl8pPr marL="3429000" indent="-228600" eaLnBrk="0" fontAlgn="base" hangingPunct="0">
-              <a:spcBef>
-                <a:spcPct val="0"/>
-              </a:spcBef>
-              <a:spcAft>
-                <a:spcPct val="0"/>
-              </a:spcAft>
-              <a:defRPr>
-                <a:solidFill>
-                  <a:schemeClr val="tx1"/>
-                </a:solidFill>
-                <a:latin typeface="Calibri" panose="020F0502020204030204" pitchFamily="34" charset="0"/>
-              </a:defRPr>
-            </a:lvl8pPr>
-            <a:lvl9pPr marL="3886200" indent="-228600" eaLnBrk="0" fontAlgn="base" hangingPunct="0">
-              <a:spcBef>
-                <a:spcPct val="0"/>
-              </a:spcBef>
-              <a:spcAft>
-                <a:spcPct val="0"/>
-              </a:spcAft>
-              <a:defRPr>
-                <a:solidFill>
-                  <a:schemeClr val="tx1"/>
-                </a:solidFill>
-                <a:latin typeface="Calibri" panose="020F0502020204030204" pitchFamily="34" charset="0"/>
-              </a:defRPr>
-            </a:lvl9pPr>
-          </a:lstStyle>
-          <a:p>
-            <a:pPr algn="ctr" eaLnBrk="1" hangingPunct="1"/>
-            <a:r>
-              <a:rPr lang="en-US" altLang="en-US" sz="1100" dirty="0">
-                <a:latin typeface="Arial" panose="020B0604020202020204" pitchFamily="34" charset="0"/>
-                <a:ea typeface="Amazon Ember" panose="020B0603020204020204" pitchFamily="34" charset="0"/>
-                <a:cs typeface="Arial" panose="020B0604020202020204" pitchFamily="34" charset="0"/>
-              </a:rPr>
-              <a:t>Instance</a:t>
-            </a:r>
-          </a:p>
-        </p:txBody>
-      </p:sp>
-      <p:pic>
-        <p:nvPicPr>
-          <p:cNvPr id="45" name="Graphic 60">
-            <a:extLst>
-              <a:ext uri="{FF2B5EF4-FFF2-40B4-BE49-F238E27FC236}">
-                <a16:creationId xmlns:a16="http://schemas.microsoft.com/office/drawing/2014/main" id="{8AB11BD1-2859-440D-91FA-8575AD868A31}"/>
-              </a:ext>
-            </a:extLst>
-          </p:cNvPr>
-          <p:cNvPicPr>
-            <a:picLocks noChangeAspect="1" noChangeArrowheads="1"/>
-          </p:cNvPicPr>
-          <p:nvPr/>
-        </p:nvPicPr>
-        <p:blipFill>
-          <a:blip r:embed="rId19">
-            <a:extLst>
-              <a:ext uri="{BEBA8EAE-BF5A-486C-A8C5-ECC9F3942E4B}">
-                <a14:imgProps xmlns:a14="http://schemas.microsoft.com/office/drawing/2010/main">
-                  <a14:imgLayer r:embed="rId20">
-                    <a14:imgEffect>
-                      <a14:artisticBlur/>
-                    </a14:imgEffect>
-                  </a14:imgLayer>
-                </a14:imgProps>
-              </a:ext>
-              <a:ext uri="{28A0092B-C50C-407E-A947-70E740481C1C}">
-                <a14:useLocalDpi xmlns:a14="http://schemas.microsoft.com/office/drawing/2010/main" val="0"/>
-              </a:ext>
-            </a:extLst>
-          </a:blip>
-          <a:srcRect/>
-          <a:stretch>
-            <a:fillRect/>
-          </a:stretch>
-        </p:blipFill>
-        <p:spPr bwMode="auto">
-          <a:xfrm>
-            <a:off x="6858000" y="4937760"/>
-            <a:ext cx="457200" cy="457200"/>
-          </a:xfrm>
-          <a:prstGeom prst="rect">
-            <a:avLst/>
-          </a:prstGeom>
-          <a:noFill/>
-          <a:ln>
-            <a:noFill/>
-          </a:ln>
-          <a:extLst>
-            <a:ext uri="{909E8E84-426E-40DD-AFC4-6F175D3DCCD1}">
-              <a14:hiddenFill xmlns:a14="http://schemas.microsoft.com/office/drawing/2010/main">
-                <a:solidFill>
-                  <a:srgbClr val="FFFFFF"/>
-                </a:solidFill>
-              </a14:hiddenFill>
-            </a:ext>
-            <a:ext uri="{91240B29-F687-4F45-9708-019B960494DF}">
-              <a14:hiddenLine xmlns:a14="http://schemas.microsoft.com/office/drawing/2010/main" w="9525">
-                <a:solidFill>
-                  <a:srgbClr val="000000"/>
-                </a:solidFill>
-                <a:miter lim="800000"/>
-                <a:headEnd/>
-                <a:tailEnd/>
-              </a14:hiddenLine>
-            </a:ext>
-          </a:extLst>
-        </p:spPr>
-      </p:pic>
-      <p:sp>
-        <p:nvSpPr>
-          <p:cNvPr id="46" name="TextBox 16">
-            <a:extLst>
-              <a:ext uri="{FF2B5EF4-FFF2-40B4-BE49-F238E27FC236}">
-                <a16:creationId xmlns:a16="http://schemas.microsoft.com/office/drawing/2014/main" id="{DD87D687-AE99-465F-82D2-8A15291BCF7C}"/>
-              </a:ext>
-            </a:extLst>
-          </p:cNvPr>
-          <p:cNvSpPr txBox="1">
-            <a:spLocks noChangeArrowheads="1"/>
-          </p:cNvSpPr>
-          <p:nvPr/>
-        </p:nvSpPr>
-        <p:spPr bwMode="auto">
-          <a:xfrm>
-            <a:off x="6529102" y="5397341"/>
-            <a:ext cx="1115568" cy="261610"/>
-          </a:xfrm>
-          <a:prstGeom prst="rect">
-            <a:avLst/>
-          </a:prstGeom>
-          <a:noFill/>
-          <a:ln>
-            <a:noFill/>
-          </a:ln>
-          <a:extLst>
-            <a:ext uri="{909E8E84-426E-40DD-AFC4-6F175D3DCCD1}">
-              <a14:hiddenFill xmlns:a14="http://schemas.microsoft.com/office/drawing/2010/main">
-                <a:solidFill>
-                  <a:srgbClr val="FFFFFF"/>
-                </a:solidFill>
-              </a14:hiddenFill>
-            </a:ext>
-            <a:ext uri="{91240B29-F687-4F45-9708-019B960494DF}">
-              <a14:hiddenLine xmlns:a14="http://schemas.microsoft.com/office/drawing/2010/main" w="9525">
-                <a:solidFill>
-                  <a:srgbClr val="000000"/>
-                </a:solidFill>
-                <a:miter lim="800000"/>
-                <a:headEnd/>
-                <a:tailEnd/>
-              </a14:hiddenLine>
-            </a:ext>
-          </a:extLst>
-        </p:spPr>
-        <p:txBody>
-          <a:bodyPr wrap="square" lIns="0" rIns="0">
-            <a:spAutoFit/>
-          </a:bodyPr>
-          <a:lstStyle>
-            <a:lvl1pPr>
-              <a:defRPr>
-                <a:solidFill>
-                  <a:schemeClr val="tx1"/>
-                </a:solidFill>
-                <a:latin typeface="Calibri" panose="020F0502020204030204" pitchFamily="34" charset="0"/>
-              </a:defRPr>
-            </a:lvl1pPr>
-            <a:lvl2pPr marL="742950" indent="-285750">
-              <a:defRPr>
-                <a:solidFill>
-                  <a:schemeClr val="tx1"/>
-                </a:solidFill>
-                <a:latin typeface="Calibri" panose="020F0502020204030204" pitchFamily="34" charset="0"/>
-              </a:defRPr>
-            </a:lvl2pPr>
-            <a:lvl3pPr marL="1143000" indent="-228600">
-              <a:defRPr>
-                <a:solidFill>
-                  <a:schemeClr val="tx1"/>
-                </a:solidFill>
-                <a:latin typeface="Calibri" panose="020F0502020204030204" pitchFamily="34" charset="0"/>
-              </a:defRPr>
-            </a:lvl3pPr>
-            <a:lvl4pPr marL="1600200" indent="-228600">
-              <a:defRPr>
-                <a:solidFill>
-                  <a:schemeClr val="tx1"/>
-                </a:solidFill>
-                <a:latin typeface="Calibri" panose="020F0502020204030204" pitchFamily="34" charset="0"/>
-              </a:defRPr>
-            </a:lvl4pPr>
-            <a:lvl5pPr marL="2057400" indent="-228600">
-              <a:defRPr>
-                <a:solidFill>
-                  <a:schemeClr val="tx1"/>
-                </a:solidFill>
-                <a:latin typeface="Calibri" panose="020F0502020204030204" pitchFamily="34" charset="0"/>
-              </a:defRPr>
-            </a:lvl5pPr>
-            <a:lvl6pPr marL="2514600" indent="-228600" eaLnBrk="0" fontAlgn="base" hangingPunct="0">
-              <a:spcBef>
-                <a:spcPct val="0"/>
-              </a:spcBef>
-              <a:spcAft>
-                <a:spcPct val="0"/>
-              </a:spcAft>
-              <a:defRPr>
-                <a:solidFill>
-                  <a:schemeClr val="tx1"/>
-                </a:solidFill>
-                <a:latin typeface="Calibri" panose="020F0502020204030204" pitchFamily="34" charset="0"/>
-              </a:defRPr>
-            </a:lvl6pPr>
-            <a:lvl7pPr marL="2971800" indent="-228600" eaLnBrk="0" fontAlgn="base" hangingPunct="0">
-              <a:spcBef>
-                <a:spcPct val="0"/>
-              </a:spcBef>
-              <a:spcAft>
-                <a:spcPct val="0"/>
-              </a:spcAft>
-              <a:defRPr>
-                <a:solidFill>
-                  <a:schemeClr val="tx1"/>
-                </a:solidFill>
-                <a:latin typeface="Calibri" panose="020F0502020204030204" pitchFamily="34" charset="0"/>
-              </a:defRPr>
-            </a:lvl7pPr>
-            <a:lvl8pPr marL="3429000" indent="-228600" eaLnBrk="0" fontAlgn="base" hangingPunct="0">
-              <a:spcBef>
-                <a:spcPct val="0"/>
-              </a:spcBef>
-              <a:spcAft>
-                <a:spcPct val="0"/>
-              </a:spcAft>
-              <a:defRPr>
-                <a:solidFill>
-                  <a:schemeClr val="tx1"/>
-                </a:solidFill>
-                <a:latin typeface="Calibri" panose="020F0502020204030204" pitchFamily="34" charset="0"/>
-              </a:defRPr>
-            </a:lvl8pPr>
-            <a:lvl9pPr marL="3886200" indent="-228600" eaLnBrk="0" fontAlgn="base" hangingPunct="0">
-              <a:spcBef>
-                <a:spcPct val="0"/>
-              </a:spcBef>
-              <a:spcAft>
-                <a:spcPct val="0"/>
-              </a:spcAft>
-              <a:defRPr>
-                <a:solidFill>
-                  <a:schemeClr val="tx1"/>
-                </a:solidFill>
-                <a:latin typeface="Calibri" panose="020F0502020204030204" pitchFamily="34" charset="0"/>
-              </a:defRPr>
-            </a:lvl9pPr>
-          </a:lstStyle>
-          <a:p>
-            <a:pPr algn="ctr" eaLnBrk="1" hangingPunct="1"/>
-            <a:r>
-              <a:rPr lang="en-US" altLang="en-US" sz="1100" dirty="0">
-                <a:latin typeface="Arial" panose="020B0604020202020204" pitchFamily="34" charset="0"/>
-                <a:ea typeface="Amazon Ember" panose="020B0603020204020204" pitchFamily="34" charset="0"/>
-                <a:cs typeface="Arial" panose="020B0604020202020204" pitchFamily="34" charset="0"/>
-              </a:rPr>
-              <a:t>Instance</a:t>
-            </a:r>
-          </a:p>
-        </p:txBody>
-      </p:sp>
-      <p:sp>
-        <p:nvSpPr>
-          <p:cNvPr id="47" name="TextBox 6">
-            <a:extLst>
-              <a:ext uri="{FF2B5EF4-FFF2-40B4-BE49-F238E27FC236}">
-                <a16:creationId xmlns:a16="http://schemas.microsoft.com/office/drawing/2014/main" id="{67F77F36-AA7E-4C46-9282-B201CC7A10C3}"/>
-              </a:ext>
-            </a:extLst>
-          </p:cNvPr>
-          <p:cNvSpPr txBox="1">
-            <a:spLocks noChangeArrowheads="1"/>
-          </p:cNvSpPr>
-          <p:nvPr/>
-        </p:nvSpPr>
-        <p:spPr bwMode="auto">
-          <a:xfrm>
-            <a:off x="2764426" y="6494799"/>
-            <a:ext cx="1511300" cy="430887"/>
-          </a:xfrm>
-          <a:prstGeom prst="rect">
-            <a:avLst/>
-          </a:prstGeom>
-          <a:noFill/>
-          <a:ln>
-            <a:noFill/>
-          </a:ln>
-          <a:extLst>
-            <a:ext uri="{909E8E84-426E-40DD-AFC4-6F175D3DCCD1}">
-              <a14:hiddenFill xmlns:a14="http://schemas.microsoft.com/office/drawing/2010/main">
-                <a:solidFill>
-                  <a:srgbClr val="FFFFFF"/>
-                </a:solidFill>
-              </a14:hiddenFill>
-            </a:ext>
-            <a:ext uri="{91240B29-F687-4F45-9708-019B960494DF}">
-              <a14:hiddenLine xmlns:a14="http://schemas.microsoft.com/office/drawing/2010/main" w="9525">
-                <a:solidFill>
-                  <a:srgbClr val="000000"/>
-                </a:solidFill>
-                <a:miter lim="800000"/>
-                <a:headEnd/>
-                <a:tailEnd/>
-              </a14:hiddenLine>
-            </a:ext>
-          </a:extLst>
-        </p:spPr>
-        <p:txBody>
           <a:bodyPr>
             <a:spAutoFit/>
           </a:bodyPr>
@@ -7203,7 +7192,7 @@
           <a:p>
             <a:pPr algn="ctr" eaLnBrk="1" hangingPunct="1"/>
             <a:r>
-              <a:rPr lang="en-US" altLang="en-US" sz="1100" dirty="0">
+              <a:rPr lang="en-US" altLang="en-US" sz="1200" dirty="0">
                 <a:latin typeface="Arial" panose="020B0604020202020204" pitchFamily="34" charset="0"/>
                 <a:ea typeface="Amazon Ember" panose="020B0603020204020204" pitchFamily="34" charset="0"/>
                 <a:cs typeface="Arial" panose="020B0604020202020204" pitchFamily="34" charset="0"/>
@@ -7215,361 +7204,10 @@
       </p:sp>
       <p:pic>
         <p:nvPicPr>
-          <p:cNvPr id="48" name="Graphic 37">
+          <p:cNvPr id="144" name="Graphic 143">
             <a:extLst>
               <a:ext uri="{FF2B5EF4-FFF2-40B4-BE49-F238E27FC236}">
-                <a16:creationId xmlns:a16="http://schemas.microsoft.com/office/drawing/2014/main" id="{0196200A-3C54-4A83-BEF5-4F7F3C457F25}"/>
-              </a:ext>
-            </a:extLst>
-          </p:cNvPr>
-          <p:cNvPicPr>
-            <a:picLocks noChangeAspect="1" noChangeArrowheads="1"/>
-          </p:cNvPicPr>
-          <p:nvPr/>
-        </p:nvPicPr>
-        <p:blipFill>
-          <a:blip r:embed="rId21">
-            <a:extLst>
-              <a:ext uri="{28A0092B-C50C-407E-A947-70E740481C1C}">
-                <a14:useLocalDpi xmlns:a14="http://schemas.microsoft.com/office/drawing/2010/main" val="0"/>
-              </a:ext>
-            </a:extLst>
-          </a:blip>
-          <a:srcRect/>
-          <a:stretch>
-            <a:fillRect/>
-          </a:stretch>
-        </p:blipFill>
-        <p:spPr bwMode="auto">
-          <a:xfrm>
-            <a:off x="3291476" y="6035040"/>
-            <a:ext cx="457200" cy="457200"/>
-          </a:xfrm>
-          <a:prstGeom prst="rect">
-            <a:avLst/>
-          </a:prstGeom>
-          <a:noFill/>
-          <a:ln>
-            <a:noFill/>
-          </a:ln>
-          <a:extLst>
-            <a:ext uri="{909E8E84-426E-40DD-AFC4-6F175D3DCCD1}">
-              <a14:hiddenFill xmlns:a14="http://schemas.microsoft.com/office/drawing/2010/main">
-                <a:solidFill>
-                  <a:srgbClr val="FFFFFF"/>
-                </a:solidFill>
-              </a14:hiddenFill>
-            </a:ext>
-            <a:ext uri="{91240B29-F687-4F45-9708-019B960494DF}">
-              <a14:hiddenLine xmlns:a14="http://schemas.microsoft.com/office/drawing/2010/main" w="9525">
-                <a:solidFill>
-                  <a:srgbClr val="000000"/>
-                </a:solidFill>
-                <a:miter lim="800000"/>
-                <a:headEnd/>
-                <a:tailEnd/>
-              </a14:hiddenLine>
-            </a:ext>
-          </a:extLst>
-        </p:spPr>
-      </p:pic>
-      <p:sp>
-        <p:nvSpPr>
-          <p:cNvPr id="49" name="TextBox 6">
-            <a:extLst>
-              <a:ext uri="{FF2B5EF4-FFF2-40B4-BE49-F238E27FC236}">
-                <a16:creationId xmlns:a16="http://schemas.microsoft.com/office/drawing/2014/main" id="{1F11A676-CA56-402A-9CAE-E2C00D84A030}"/>
-              </a:ext>
-            </a:extLst>
-          </p:cNvPr>
-          <p:cNvSpPr txBox="1">
-            <a:spLocks noChangeArrowheads="1"/>
-          </p:cNvSpPr>
-          <p:nvPr/>
-        </p:nvSpPr>
-        <p:spPr bwMode="auto">
-          <a:xfrm>
-            <a:off x="6332849" y="6497009"/>
-            <a:ext cx="1511300" cy="430887"/>
-          </a:xfrm>
-          <a:prstGeom prst="rect">
-            <a:avLst/>
-          </a:prstGeom>
-          <a:noFill/>
-          <a:ln>
-            <a:noFill/>
-          </a:ln>
-          <a:extLst>
-            <a:ext uri="{909E8E84-426E-40DD-AFC4-6F175D3DCCD1}">
-              <a14:hiddenFill xmlns:a14="http://schemas.microsoft.com/office/drawing/2010/main">
-                <a:solidFill>
-                  <a:srgbClr val="FFFFFF"/>
-                </a:solidFill>
-              </a14:hiddenFill>
-            </a:ext>
-            <a:ext uri="{91240B29-F687-4F45-9708-019B960494DF}">
-              <a14:hiddenLine xmlns:a14="http://schemas.microsoft.com/office/drawing/2010/main" w="9525">
-                <a:solidFill>
-                  <a:srgbClr val="000000"/>
-                </a:solidFill>
-                <a:miter lim="800000"/>
-                <a:headEnd/>
-                <a:tailEnd/>
-              </a14:hiddenLine>
-            </a:ext>
-          </a:extLst>
-        </p:spPr>
-        <p:txBody>
-          <a:bodyPr>
-            <a:spAutoFit/>
-          </a:bodyPr>
-          <a:lstStyle>
-            <a:lvl1pPr>
-              <a:defRPr>
-                <a:solidFill>
-                  <a:schemeClr val="tx1"/>
-                </a:solidFill>
-                <a:latin typeface="Calibri" panose="020F0502020204030204" pitchFamily="34" charset="0"/>
-              </a:defRPr>
-            </a:lvl1pPr>
-            <a:lvl2pPr marL="742950" indent="-285750">
-              <a:defRPr>
-                <a:solidFill>
-                  <a:schemeClr val="tx1"/>
-                </a:solidFill>
-                <a:latin typeface="Calibri" panose="020F0502020204030204" pitchFamily="34" charset="0"/>
-              </a:defRPr>
-            </a:lvl2pPr>
-            <a:lvl3pPr marL="1143000" indent="-228600">
-              <a:defRPr>
-                <a:solidFill>
-                  <a:schemeClr val="tx1"/>
-                </a:solidFill>
-                <a:latin typeface="Calibri" panose="020F0502020204030204" pitchFamily="34" charset="0"/>
-              </a:defRPr>
-            </a:lvl3pPr>
-            <a:lvl4pPr marL="1600200" indent="-228600">
-              <a:defRPr>
-                <a:solidFill>
-                  <a:schemeClr val="tx1"/>
-                </a:solidFill>
-                <a:latin typeface="Calibri" panose="020F0502020204030204" pitchFamily="34" charset="0"/>
-              </a:defRPr>
-            </a:lvl4pPr>
-            <a:lvl5pPr marL="2057400" indent="-228600">
-              <a:defRPr>
-                <a:solidFill>
-                  <a:schemeClr val="tx1"/>
-                </a:solidFill>
-                <a:latin typeface="Calibri" panose="020F0502020204030204" pitchFamily="34" charset="0"/>
-              </a:defRPr>
-            </a:lvl5pPr>
-            <a:lvl6pPr marL="2514600" indent="-228600" eaLnBrk="0" fontAlgn="base" hangingPunct="0">
-              <a:spcBef>
-                <a:spcPct val="0"/>
-              </a:spcBef>
-              <a:spcAft>
-                <a:spcPct val="0"/>
-              </a:spcAft>
-              <a:defRPr>
-                <a:solidFill>
-                  <a:schemeClr val="tx1"/>
-                </a:solidFill>
-                <a:latin typeface="Calibri" panose="020F0502020204030204" pitchFamily="34" charset="0"/>
-              </a:defRPr>
-            </a:lvl6pPr>
-            <a:lvl7pPr marL="2971800" indent="-228600" eaLnBrk="0" fontAlgn="base" hangingPunct="0">
-              <a:spcBef>
-                <a:spcPct val="0"/>
-              </a:spcBef>
-              <a:spcAft>
-                <a:spcPct val="0"/>
-              </a:spcAft>
-              <a:defRPr>
-                <a:solidFill>
-                  <a:schemeClr val="tx1"/>
-                </a:solidFill>
-                <a:latin typeface="Calibri" panose="020F0502020204030204" pitchFamily="34" charset="0"/>
-              </a:defRPr>
-            </a:lvl7pPr>
-            <a:lvl8pPr marL="3429000" indent="-228600" eaLnBrk="0" fontAlgn="base" hangingPunct="0">
-              <a:spcBef>
-                <a:spcPct val="0"/>
-              </a:spcBef>
-              <a:spcAft>
-                <a:spcPct val="0"/>
-              </a:spcAft>
-              <a:defRPr>
-                <a:solidFill>
-                  <a:schemeClr val="tx1"/>
-                </a:solidFill>
-                <a:latin typeface="Calibri" panose="020F0502020204030204" pitchFamily="34" charset="0"/>
-              </a:defRPr>
-            </a:lvl8pPr>
-            <a:lvl9pPr marL="3886200" indent="-228600" eaLnBrk="0" fontAlgn="base" hangingPunct="0">
-              <a:spcBef>
-                <a:spcPct val="0"/>
-              </a:spcBef>
-              <a:spcAft>
-                <a:spcPct val="0"/>
-              </a:spcAft>
-              <a:defRPr>
-                <a:solidFill>
-                  <a:schemeClr val="tx1"/>
-                </a:solidFill>
-                <a:latin typeface="Calibri" panose="020F0502020204030204" pitchFamily="34" charset="0"/>
-              </a:defRPr>
-            </a:lvl9pPr>
-          </a:lstStyle>
-          <a:p>
-            <a:pPr algn="ctr" eaLnBrk="1" hangingPunct="1"/>
-            <a:r>
-              <a:rPr lang="en-US" altLang="en-US" sz="1100" dirty="0">
-                <a:latin typeface="Arial" panose="020B0604020202020204" pitchFamily="34" charset="0"/>
-                <a:ea typeface="Amazon Ember" panose="020B0603020204020204" pitchFamily="34" charset="0"/>
-                <a:cs typeface="Arial" panose="020B0604020202020204" pitchFamily="34" charset="0"/>
-              </a:rPr>
-              <a:t>Amazon RDS instance</a:t>
-            </a:r>
-          </a:p>
-        </p:txBody>
-      </p:sp>
-      <p:pic>
-        <p:nvPicPr>
-          <p:cNvPr id="50" name="Graphic 37">
-            <a:extLst>
-              <a:ext uri="{FF2B5EF4-FFF2-40B4-BE49-F238E27FC236}">
-                <a16:creationId xmlns:a16="http://schemas.microsoft.com/office/drawing/2014/main" id="{53AD7B01-FE5F-4DD2-860A-02F04290AC75}"/>
-              </a:ext>
-            </a:extLst>
-          </p:cNvPr>
-          <p:cNvPicPr>
-            <a:picLocks noChangeAspect="1" noChangeArrowheads="1"/>
-          </p:cNvPicPr>
-          <p:nvPr/>
-        </p:nvPicPr>
-        <p:blipFill>
-          <a:blip r:embed="rId21">
-            <a:extLst>
-              <a:ext uri="{28A0092B-C50C-407E-A947-70E740481C1C}">
-                <a14:useLocalDpi xmlns:a14="http://schemas.microsoft.com/office/drawing/2010/main" val="0"/>
-              </a:ext>
-            </a:extLst>
-          </a:blip>
-          <a:srcRect/>
-          <a:stretch>
-            <a:fillRect/>
-          </a:stretch>
-        </p:blipFill>
-        <p:spPr bwMode="auto">
-          <a:xfrm>
-            <a:off x="6858000" y="6037250"/>
-            <a:ext cx="457200" cy="457200"/>
-          </a:xfrm>
-          <a:prstGeom prst="rect">
-            <a:avLst/>
-          </a:prstGeom>
-          <a:noFill/>
-          <a:ln>
-            <a:noFill/>
-          </a:ln>
-          <a:extLst>
-            <a:ext uri="{909E8E84-426E-40DD-AFC4-6F175D3DCCD1}">
-              <a14:hiddenFill xmlns:a14="http://schemas.microsoft.com/office/drawing/2010/main">
-                <a:solidFill>
-                  <a:srgbClr val="FFFFFF"/>
-                </a:solidFill>
-              </a14:hiddenFill>
-            </a:ext>
-            <a:ext uri="{91240B29-F687-4F45-9708-019B960494DF}">
-              <a14:hiddenLine xmlns:a14="http://schemas.microsoft.com/office/drawing/2010/main" w="9525">
-                <a:solidFill>
-                  <a:srgbClr val="000000"/>
-                </a:solidFill>
-                <a:miter lim="800000"/>
-                <a:headEnd/>
-                <a:tailEnd/>
-              </a14:hiddenLine>
-            </a:ext>
-          </a:extLst>
-        </p:spPr>
-      </p:pic>
-      <p:sp>
-        <p:nvSpPr>
-          <p:cNvPr id="57" name="Rectangle 56">
-            <a:extLst>
-              <a:ext uri="{FF2B5EF4-FFF2-40B4-BE49-F238E27FC236}">
-                <a16:creationId xmlns:a16="http://schemas.microsoft.com/office/drawing/2014/main" id="{F1F54C29-F939-4B5F-B36C-3E92F1551324}"/>
-              </a:ext>
-            </a:extLst>
-          </p:cNvPr>
-          <p:cNvSpPr/>
-          <p:nvPr/>
-        </p:nvSpPr>
-        <p:spPr bwMode="auto">
-          <a:xfrm>
-            <a:off x="1463040" y="2379012"/>
-            <a:ext cx="8228350" cy="4778844"/>
-          </a:xfrm>
-          <a:prstGeom prst="rect">
-            <a:avLst/>
-          </a:prstGeom>
-          <a:noFill/>
-          <a:ln w="12700">
-            <a:solidFill>
-              <a:srgbClr val="693BC5"/>
-            </a:solidFill>
-          </a:ln>
-        </p:spPr>
-        <p:style>
-          <a:lnRef idx="2">
-            <a:schemeClr val="accent1">
-              <a:shade val="50000"/>
-            </a:schemeClr>
-          </a:lnRef>
-          <a:fillRef idx="1">
-            <a:schemeClr val="accent1"/>
-          </a:fillRef>
-          <a:effectRef idx="0">
-            <a:schemeClr val="accent1"/>
-          </a:effectRef>
-          <a:fontRef idx="minor">
-            <a:schemeClr val="lt1"/>
-          </a:fontRef>
-        </p:style>
-        <p:txBody>
-          <a:bodyPr lIns="502920" tIns="91440"/>
-          <a:lstStyle/>
-          <a:p>
-            <a:pPr eaLnBrk="1" fontAlgn="auto" hangingPunct="1">
-              <a:spcBef>
-                <a:spcPts val="0"/>
-              </a:spcBef>
-              <a:spcAft>
-                <a:spcPts val="0"/>
-              </a:spcAft>
-              <a:defRPr/>
-            </a:pPr>
-            <a:r>
-              <a:rPr lang="en-US" sz="1200" dirty="0">
-                <a:ln w="0"/>
-                <a:solidFill>
-                  <a:srgbClr val="693BC5"/>
-                </a:solidFill>
-                <a:latin typeface="Arial" panose="020B0604020202020204" pitchFamily="34" charset="0"/>
-                <a:cs typeface="Arial" panose="020B0604020202020204" pitchFamily="34" charset="0"/>
-              </a:rPr>
-              <a:t>VPC</a:t>
-            </a:r>
-          </a:p>
-        </p:txBody>
-      </p:sp>
-      <p:pic>
-        <p:nvPicPr>
-          <p:cNvPr id="58" name="Graphic 57">
-            <a:extLst>
-              <a:ext uri="{FF2B5EF4-FFF2-40B4-BE49-F238E27FC236}">
-                <a16:creationId xmlns:a16="http://schemas.microsoft.com/office/drawing/2014/main" id="{5FC09293-285C-4114-A74B-B27D730B43AF}"/>
+                <a16:creationId xmlns:a16="http://schemas.microsoft.com/office/drawing/2014/main" id="{60BCD0E8-87EF-48F9-A486-A856603A75AD}"/>
               </a:ext>
             </a:extLst>
           </p:cNvPr>
@@ -7586,17 +7224,505 @@
               </a:ext>
             </a:extLst>
           </a:blip>
-          <a:srcRect/>
-          <a:stretch/>
+          <a:stretch>
+            <a:fillRect/>
+          </a:stretch>
         </p:blipFill>
         <p:spPr>
           <a:xfrm>
-            <a:off x="1464628" y="2379012"/>
-            <a:ext cx="381000" cy="381000"/>
+            <a:off x="5371145" y="7657430"/>
+            <a:ext cx="457200" cy="457200"/>
           </a:xfrm>
           <a:prstGeom prst="rect">
             <a:avLst/>
           </a:prstGeom>
+        </p:spPr>
+      </p:pic>
+      <p:sp>
+        <p:nvSpPr>
+          <p:cNvPr id="147" name="TextBox 6">
+            <a:extLst>
+              <a:ext uri="{FF2B5EF4-FFF2-40B4-BE49-F238E27FC236}">
+                <a16:creationId xmlns:a16="http://schemas.microsoft.com/office/drawing/2014/main" id="{55D1DA53-95D3-4841-AAE6-9DA314D4E1A0}"/>
+              </a:ext>
+            </a:extLst>
+          </p:cNvPr>
+          <p:cNvSpPr txBox="1">
+            <a:spLocks noChangeArrowheads="1"/>
+          </p:cNvSpPr>
+          <p:nvPr/>
+        </p:nvSpPr>
+        <p:spPr bwMode="auto">
+          <a:xfrm>
+            <a:off x="8452454" y="8116346"/>
+            <a:ext cx="1511300" cy="461665"/>
+          </a:xfrm>
+          <a:prstGeom prst="rect">
+            <a:avLst/>
+          </a:prstGeom>
+          <a:noFill/>
+          <a:ln>
+            <a:noFill/>
+          </a:ln>
+          <a:extLst>
+            <a:ext uri="{909E8E84-426E-40DD-AFC4-6F175D3DCCD1}">
+              <a14:hiddenFill xmlns:a14="http://schemas.microsoft.com/office/drawing/2010/main">
+                <a:solidFill>
+                  <a:srgbClr val="FFFFFF"/>
+                </a:solidFill>
+              </a14:hiddenFill>
+            </a:ext>
+            <a:ext uri="{91240B29-F687-4F45-9708-019B960494DF}">
+              <a14:hiddenLine xmlns:a14="http://schemas.microsoft.com/office/drawing/2010/main" w="9525">
+                <a:solidFill>
+                  <a:srgbClr val="000000"/>
+                </a:solidFill>
+                <a:miter lim="800000"/>
+                <a:headEnd/>
+                <a:tailEnd/>
+              </a14:hiddenLine>
+            </a:ext>
+          </a:extLst>
+        </p:spPr>
+        <p:txBody>
+          <a:bodyPr>
+            <a:spAutoFit/>
+          </a:bodyPr>
+          <a:lstStyle>
+            <a:lvl1pPr>
+              <a:defRPr>
+                <a:solidFill>
+                  <a:schemeClr val="tx1"/>
+                </a:solidFill>
+                <a:latin typeface="Calibri" panose="020F0502020204030204" pitchFamily="34" charset="0"/>
+              </a:defRPr>
+            </a:lvl1pPr>
+            <a:lvl2pPr marL="742950" indent="-285750">
+              <a:defRPr>
+                <a:solidFill>
+                  <a:schemeClr val="tx1"/>
+                </a:solidFill>
+                <a:latin typeface="Calibri" panose="020F0502020204030204" pitchFamily="34" charset="0"/>
+              </a:defRPr>
+            </a:lvl2pPr>
+            <a:lvl3pPr marL="1143000" indent="-228600">
+              <a:defRPr>
+                <a:solidFill>
+                  <a:schemeClr val="tx1"/>
+                </a:solidFill>
+                <a:latin typeface="Calibri" panose="020F0502020204030204" pitchFamily="34" charset="0"/>
+              </a:defRPr>
+            </a:lvl3pPr>
+            <a:lvl4pPr marL="1600200" indent="-228600">
+              <a:defRPr>
+                <a:solidFill>
+                  <a:schemeClr val="tx1"/>
+                </a:solidFill>
+                <a:latin typeface="Calibri" panose="020F0502020204030204" pitchFamily="34" charset="0"/>
+              </a:defRPr>
+            </a:lvl4pPr>
+            <a:lvl5pPr marL="2057400" indent="-228600">
+              <a:defRPr>
+                <a:solidFill>
+                  <a:schemeClr val="tx1"/>
+                </a:solidFill>
+                <a:latin typeface="Calibri" panose="020F0502020204030204" pitchFamily="34" charset="0"/>
+              </a:defRPr>
+            </a:lvl5pPr>
+            <a:lvl6pPr marL="2514600" indent="-228600" eaLnBrk="0" fontAlgn="base" hangingPunct="0">
+              <a:spcBef>
+                <a:spcPct val="0"/>
+              </a:spcBef>
+              <a:spcAft>
+                <a:spcPct val="0"/>
+              </a:spcAft>
+              <a:defRPr>
+                <a:solidFill>
+                  <a:schemeClr val="tx1"/>
+                </a:solidFill>
+                <a:latin typeface="Calibri" panose="020F0502020204030204" pitchFamily="34" charset="0"/>
+              </a:defRPr>
+            </a:lvl6pPr>
+            <a:lvl7pPr marL="2971800" indent="-228600" eaLnBrk="0" fontAlgn="base" hangingPunct="0">
+              <a:spcBef>
+                <a:spcPct val="0"/>
+              </a:spcBef>
+              <a:spcAft>
+                <a:spcPct val="0"/>
+              </a:spcAft>
+              <a:defRPr>
+                <a:solidFill>
+                  <a:schemeClr val="tx1"/>
+                </a:solidFill>
+                <a:latin typeface="Calibri" panose="020F0502020204030204" pitchFamily="34" charset="0"/>
+              </a:defRPr>
+            </a:lvl7pPr>
+            <a:lvl8pPr marL="3429000" indent="-228600" eaLnBrk="0" fontAlgn="base" hangingPunct="0">
+              <a:spcBef>
+                <a:spcPct val="0"/>
+              </a:spcBef>
+              <a:spcAft>
+                <a:spcPct val="0"/>
+              </a:spcAft>
+              <a:defRPr>
+                <a:solidFill>
+                  <a:schemeClr val="tx1"/>
+                </a:solidFill>
+                <a:latin typeface="Calibri" panose="020F0502020204030204" pitchFamily="34" charset="0"/>
+              </a:defRPr>
+            </a:lvl8pPr>
+            <a:lvl9pPr marL="3886200" indent="-228600" eaLnBrk="0" fontAlgn="base" hangingPunct="0">
+              <a:spcBef>
+                <a:spcPct val="0"/>
+              </a:spcBef>
+              <a:spcAft>
+                <a:spcPct val="0"/>
+              </a:spcAft>
+              <a:defRPr>
+                <a:solidFill>
+                  <a:schemeClr val="tx1"/>
+                </a:solidFill>
+                <a:latin typeface="Calibri" panose="020F0502020204030204" pitchFamily="34" charset="0"/>
+              </a:defRPr>
+            </a:lvl9pPr>
+          </a:lstStyle>
+          <a:p>
+            <a:pPr algn="ctr" eaLnBrk="1" hangingPunct="1"/>
+            <a:r>
+              <a:rPr lang="en-US" altLang="en-US" sz="1200" dirty="0">
+                <a:latin typeface="Arial" panose="020B0604020202020204" pitchFamily="34" charset="0"/>
+                <a:ea typeface="Amazon Ember" panose="020B0603020204020204" pitchFamily="34" charset="0"/>
+                <a:cs typeface="Arial" panose="020B0604020202020204" pitchFamily="34" charset="0"/>
+              </a:rPr>
+              <a:t>Amazon RDS instance</a:t>
+            </a:r>
+          </a:p>
+        </p:txBody>
+      </p:sp>
+      <p:pic>
+        <p:nvPicPr>
+          <p:cNvPr id="148" name="Graphic 147">
+            <a:extLst>
+              <a:ext uri="{FF2B5EF4-FFF2-40B4-BE49-F238E27FC236}">
+                <a16:creationId xmlns:a16="http://schemas.microsoft.com/office/drawing/2014/main" id="{ED93C238-6FD2-47B7-9666-08CBA8118EF2}"/>
+              </a:ext>
+            </a:extLst>
+          </p:cNvPr>
+          <p:cNvPicPr>
+            <a:picLocks noChangeAspect="1"/>
+          </p:cNvPicPr>
+          <p:nvPr/>
+        </p:nvPicPr>
+        <p:blipFill>
+          <a:blip r:embed="rId22">
+            <a:extLst>
+              <a:ext uri="{96DAC541-7B7A-43D3-8B79-37D633B846F1}">
+                <asvg:svgBlip xmlns:asvg="http://schemas.microsoft.com/office/drawing/2016/SVG/main" r:embed="rId23"/>
+              </a:ext>
+            </a:extLst>
+          </a:blip>
+          <a:stretch>
+            <a:fillRect/>
+          </a:stretch>
+        </p:blipFill>
+        <p:spPr>
+          <a:xfrm>
+            <a:off x="9028745" y="7657430"/>
+            <a:ext cx="457200" cy="457200"/>
+          </a:xfrm>
+          <a:prstGeom prst="rect">
+            <a:avLst/>
+          </a:prstGeom>
+        </p:spPr>
+      </p:pic>
+      <p:pic>
+        <p:nvPicPr>
+          <p:cNvPr id="150" name="Graphic 19">
+            <a:extLst>
+              <a:ext uri="{FF2B5EF4-FFF2-40B4-BE49-F238E27FC236}">
+                <a16:creationId xmlns:a16="http://schemas.microsoft.com/office/drawing/2014/main" id="{FF237076-1BD2-4785-92F8-C4CD650660EB}"/>
+              </a:ext>
+            </a:extLst>
+          </p:cNvPr>
+          <p:cNvPicPr>
+            <a:picLocks noChangeAspect="1" noChangeArrowheads="1"/>
+          </p:cNvPicPr>
+          <p:nvPr/>
+        </p:nvPicPr>
+        <p:blipFill>
+          <a:blip r:embed="rId24">
+            <a:extLst>
+              <a:ext uri="{96DAC541-7B7A-43D3-8B79-37D633B846F1}">
+                <asvg:svgBlip xmlns:asvg="http://schemas.microsoft.com/office/drawing/2016/SVG/main" r:embed="rId25"/>
+              </a:ext>
+            </a:extLst>
+          </a:blip>
+          <a:srcRect/>
+          <a:stretch/>
+        </p:blipFill>
+        <p:spPr bwMode="auto">
+          <a:xfrm>
+            <a:off x="10607040" y="4389120"/>
+            <a:ext cx="762000" cy="762000"/>
+          </a:xfrm>
+          <a:prstGeom prst="rect">
+            <a:avLst/>
+          </a:prstGeom>
+          <a:noFill/>
+          <a:ln>
+            <a:noFill/>
+          </a:ln>
+          <a:extLst>
+            <a:ext uri="{909E8E84-426E-40DD-AFC4-6F175D3DCCD1}">
+              <a14:hiddenFill xmlns:a14="http://schemas.microsoft.com/office/drawing/2010/main">
+                <a:solidFill>
+                  <a:srgbClr val="FFFFFF"/>
+                </a:solidFill>
+              </a14:hiddenFill>
+            </a:ext>
+            <a:ext uri="{91240B29-F687-4F45-9708-019B960494DF}">
+              <a14:hiddenLine xmlns:a14="http://schemas.microsoft.com/office/drawing/2010/main" w="9525">
+                <a:solidFill>
+                  <a:srgbClr val="000000"/>
+                </a:solidFill>
+                <a:miter lim="800000"/>
+                <a:headEnd/>
+                <a:tailEnd/>
+              </a14:hiddenLine>
+            </a:ext>
+          </a:extLst>
+        </p:spPr>
+      </p:pic>
+      <p:pic>
+        <p:nvPicPr>
+          <p:cNvPr id="152" name="Graphic 21">
+            <a:extLst>
+              <a:ext uri="{FF2B5EF4-FFF2-40B4-BE49-F238E27FC236}">
+                <a16:creationId xmlns:a16="http://schemas.microsoft.com/office/drawing/2014/main" id="{E8FF3469-435D-4409-BC42-AB5DE3CDCCC6}"/>
+              </a:ext>
+            </a:extLst>
+          </p:cNvPr>
+          <p:cNvPicPr>
+            <a:picLocks noChangeAspect="1" noChangeArrowheads="1"/>
+          </p:cNvPicPr>
+          <p:nvPr/>
+        </p:nvPicPr>
+        <p:blipFill>
+          <a:blip r:embed="rId26">
+            <a:extLst>
+              <a:ext uri="{96DAC541-7B7A-43D3-8B79-37D633B846F1}">
+                <asvg:svgBlip xmlns:asvg="http://schemas.microsoft.com/office/drawing/2016/SVG/main" r:embed="rId27"/>
+              </a:ext>
+            </a:extLst>
+          </a:blip>
+          <a:srcRect/>
+          <a:stretch/>
+        </p:blipFill>
+        <p:spPr bwMode="auto">
+          <a:xfrm>
+            <a:off x="11875771" y="3657600"/>
+            <a:ext cx="762000" cy="762000"/>
+          </a:xfrm>
+          <a:prstGeom prst="rect">
+            <a:avLst/>
+          </a:prstGeom>
+          <a:noFill/>
+          <a:ln>
+            <a:noFill/>
+          </a:ln>
+          <a:extLst>
+            <a:ext uri="{909E8E84-426E-40DD-AFC4-6F175D3DCCD1}">
+              <a14:hiddenFill xmlns:a14="http://schemas.microsoft.com/office/drawing/2010/main">
+                <a:solidFill>
+                  <a:srgbClr val="FFFFFF"/>
+                </a:solidFill>
+              </a14:hiddenFill>
+            </a:ext>
+            <a:ext uri="{91240B29-F687-4F45-9708-019B960494DF}">
+              <a14:hiddenLine xmlns:a14="http://schemas.microsoft.com/office/drawing/2010/main" w="9525">
+                <a:solidFill>
+                  <a:srgbClr val="000000"/>
+                </a:solidFill>
+                <a:miter lim="800000"/>
+                <a:headEnd/>
+                <a:tailEnd/>
+              </a14:hiddenLine>
+            </a:ext>
+          </a:extLst>
+        </p:spPr>
+      </p:pic>
+      <p:pic>
+        <p:nvPicPr>
+          <p:cNvPr id="154" name="Graphic 20">
+            <a:extLst>
+              <a:ext uri="{FF2B5EF4-FFF2-40B4-BE49-F238E27FC236}">
+                <a16:creationId xmlns:a16="http://schemas.microsoft.com/office/drawing/2014/main" id="{D7E1D012-A7ED-4643-B15A-96A68CD69FF9}"/>
+              </a:ext>
+            </a:extLst>
+          </p:cNvPr>
+          <p:cNvPicPr>
+            <a:picLocks noChangeAspect="1" noChangeArrowheads="1"/>
+          </p:cNvPicPr>
+          <p:nvPr/>
+        </p:nvPicPr>
+        <p:blipFill>
+          <a:blip r:embed="rId28">
+            <a:extLst>
+              <a:ext uri="{96DAC541-7B7A-43D3-8B79-37D633B846F1}">
+                <asvg:svgBlip xmlns:asvg="http://schemas.microsoft.com/office/drawing/2016/SVG/main" r:embed="rId29"/>
+              </a:ext>
+            </a:extLst>
+          </a:blip>
+          <a:srcRect/>
+          <a:stretch/>
+        </p:blipFill>
+        <p:spPr bwMode="auto">
+          <a:xfrm>
+            <a:off x="11875771" y="5029200"/>
+            <a:ext cx="762000" cy="762000"/>
+          </a:xfrm>
+          <a:prstGeom prst="rect">
+            <a:avLst/>
+          </a:prstGeom>
+          <a:noFill/>
+          <a:ln>
+            <a:noFill/>
+          </a:ln>
+          <a:extLst>
+            <a:ext uri="{909E8E84-426E-40DD-AFC4-6F175D3DCCD1}">
+              <a14:hiddenFill xmlns:a14="http://schemas.microsoft.com/office/drawing/2010/main">
+                <a:solidFill>
+                  <a:srgbClr val="FFFFFF"/>
+                </a:solidFill>
+              </a14:hiddenFill>
+            </a:ext>
+            <a:ext uri="{91240B29-F687-4F45-9708-019B960494DF}">
+              <a14:hiddenLine xmlns:a14="http://schemas.microsoft.com/office/drawing/2010/main" w="9525">
+                <a:solidFill>
+                  <a:srgbClr val="000000"/>
+                </a:solidFill>
+                <a:miter lim="800000"/>
+                <a:headEnd/>
+                <a:tailEnd/>
+              </a14:hiddenLine>
+            </a:ext>
+          </a:extLst>
+        </p:spPr>
+      </p:pic>
+      <p:pic>
+        <p:nvPicPr>
+          <p:cNvPr id="156" name="Graphic 8">
+            <a:extLst>
+              <a:ext uri="{FF2B5EF4-FFF2-40B4-BE49-F238E27FC236}">
+                <a16:creationId xmlns:a16="http://schemas.microsoft.com/office/drawing/2014/main" id="{24CBFE4D-A0A0-442D-9670-9777FA6719E9}"/>
+              </a:ext>
+            </a:extLst>
+          </p:cNvPr>
+          <p:cNvPicPr>
+            <a:picLocks noChangeAspect="1" noChangeArrowheads="1"/>
+          </p:cNvPicPr>
+          <p:nvPr/>
+        </p:nvPicPr>
+        <p:blipFill>
+          <a:blip r:embed="rId30">
+            <a:extLst>
+              <a:ext uri="{96DAC541-7B7A-43D3-8B79-37D633B846F1}">
+                <asvg:svgBlip xmlns:asvg="http://schemas.microsoft.com/office/drawing/2016/SVG/main" r:embed="rId31"/>
+              </a:ext>
+            </a:extLst>
+          </a:blip>
+          <a:srcRect/>
+          <a:stretch/>
+        </p:blipFill>
+        <p:spPr bwMode="auto">
+          <a:xfrm>
+            <a:off x="11879545" y="6400800"/>
+            <a:ext cx="762000" cy="762000"/>
+          </a:xfrm>
+          <a:prstGeom prst="rect">
+            <a:avLst/>
+          </a:prstGeom>
+          <a:noFill/>
+          <a:ln>
+            <a:noFill/>
+          </a:ln>
+          <a:extLst>
+            <a:ext uri="{909E8E84-426E-40DD-AFC4-6F175D3DCCD1}">
+              <a14:hiddenFill xmlns:a14="http://schemas.microsoft.com/office/drawing/2010/main">
+                <a:solidFill>
+                  <a:srgbClr val="FFFFFF"/>
+                </a:solidFill>
+              </a14:hiddenFill>
+            </a:ext>
+            <a:ext uri="{91240B29-F687-4F45-9708-019B960494DF}">
+              <a14:hiddenLine xmlns:a14="http://schemas.microsoft.com/office/drawing/2010/main" w="9525">
+                <a:solidFill>
+                  <a:srgbClr val="000000"/>
+                </a:solidFill>
+                <a:miter lim="800000"/>
+                <a:headEnd/>
+                <a:tailEnd/>
+              </a14:hiddenLine>
+            </a:ext>
+          </a:extLst>
+        </p:spPr>
+      </p:pic>
+      <p:pic>
+        <p:nvPicPr>
+          <p:cNvPr id="158" name="Graphic 20">
+            <a:extLst>
+              <a:ext uri="{FF2B5EF4-FFF2-40B4-BE49-F238E27FC236}">
+                <a16:creationId xmlns:a16="http://schemas.microsoft.com/office/drawing/2014/main" id="{88521A12-9E40-40DC-A807-EB92277577B5}"/>
+              </a:ext>
+            </a:extLst>
+          </p:cNvPr>
+          <p:cNvPicPr>
+            <a:picLocks noChangeAspect="1" noChangeArrowheads="1"/>
+          </p:cNvPicPr>
+          <p:nvPr/>
+        </p:nvPicPr>
+        <p:blipFill>
+          <a:blip r:embed="rId32">
+            <a:extLst>
+              <a:ext uri="{96DAC541-7B7A-43D3-8B79-37D633B846F1}">
+                <asvg:svgBlip xmlns:asvg="http://schemas.microsoft.com/office/drawing/2016/SVG/main" r:embed="rId33"/>
+              </a:ext>
+            </a:extLst>
+          </a:blip>
+          <a:srcRect/>
+          <a:stretch/>
+        </p:blipFill>
+        <p:spPr bwMode="auto">
+          <a:xfrm>
+            <a:off x="11875771" y="7772400"/>
+            <a:ext cx="762000" cy="762000"/>
+          </a:xfrm>
+          <a:prstGeom prst="rect">
+            <a:avLst/>
+          </a:prstGeom>
+          <a:noFill/>
+          <a:ln>
+            <a:noFill/>
+          </a:ln>
+          <a:extLst>
+            <a:ext uri="{909E8E84-426E-40DD-AFC4-6F175D3DCCD1}">
+              <a14:hiddenFill xmlns:a14="http://schemas.microsoft.com/office/drawing/2010/main">
+                <a:solidFill>
+                  <a:srgbClr val="FFFFFF"/>
+                </a:solidFill>
+              </a14:hiddenFill>
+            </a:ext>
+            <a:ext uri="{91240B29-F687-4F45-9708-019B960494DF}">
+              <a14:hiddenLine xmlns:a14="http://schemas.microsoft.com/office/drawing/2010/main" w="9525">
+                <a:solidFill>
+                  <a:srgbClr val="000000"/>
+                </a:solidFill>
+                <a:miter lim="800000"/>
+                <a:headEnd/>
+                <a:tailEnd/>
+              </a14:hiddenLine>
+            </a:ext>
+          </a:extLst>
         </p:spPr>
       </p:pic>
     </p:spTree>
